--- a/Mastery.pptx
+++ b/Mastery.pptx
@@ -17,6 +17,7 @@
     <p:sldId id="265" r:id="rId12"/>
     <p:sldId id="266" r:id="rId13"/>
     <p:sldId id="267" r:id="rId14"/>
+    <p:sldId id="268" r:id="rId15"/>
   </p:sldIdLst>
   <p:sldSz cx="10080625" cy="5670550"/>
   <p:notesSz cx="7772400" cy="10058400"/>
@@ -74,7 +75,7 @@
         <p:txBody>
           <a:bodyPr/>
           <a:p>
-            <a:fld id="{5C626E1F-6C07-4B38-8624-EF4164579C21}" type="slidenum">
+            <a:fld id="{8CEC3B88-042B-43DB-BB2D-A26A950AEE3E}" type="slidenum">
               <a:t>&lt;#&gt;</a:t>
             </a:fld>
           </a:p>
@@ -283,7 +284,7 @@
         <p:txBody>
           <a:bodyPr/>
           <a:p>
-            <a:fld id="{CDD547AD-0CE7-47D3-99B8-80998020FA02}" type="slidenum">
+            <a:fld id="{DD61D45B-62F7-47BE-88C5-B5A0153D0CC9}" type="slidenum">
               <a:t>&lt;#&gt;</a:t>
             </a:fld>
           </a:p>
@@ -578,7 +579,7 @@
         <p:txBody>
           <a:bodyPr/>
           <a:p>
-            <a:fld id="{2DFC96CE-3D4E-4689-ADAC-6F2175CC29C6}" type="slidenum">
+            <a:fld id="{30320C63-3EEF-4329-8F3C-0E02A7C05887}" type="slidenum">
               <a:t>&lt;#&gt;</a:t>
             </a:fld>
           </a:p>
@@ -959,7 +960,7 @@
         <p:txBody>
           <a:bodyPr/>
           <a:p>
-            <a:fld id="{2AC09A28-94BA-4144-A0EC-41ABD73D3A12}" type="slidenum">
+            <a:fld id="{A4A13397-2D48-42CF-B6A5-394FA5C49866}" type="slidenum">
               <a:t>&lt;#&gt;</a:t>
             </a:fld>
           </a:p>
@@ -1122,7 +1123,7 @@
         <p:txBody>
           <a:bodyPr/>
           <a:p>
-            <a:fld id="{CF46D69D-69ED-48C5-90E7-445998A54E1E}" type="slidenum">
+            <a:fld id="{FF3FCEDF-95A1-430A-B86B-92B8EF77FBA8}" type="slidenum">
               <a:t>&lt;#&gt;</a:t>
             </a:fld>
           </a:p>
@@ -1288,7 +1289,7 @@
         <p:txBody>
           <a:bodyPr/>
           <a:p>
-            <a:fld id="{17C53366-55E0-4EF7-9D5E-B6F2DFBD481A}" type="slidenum">
+            <a:fld id="{E66FB993-9F95-42BB-B49B-F4C3A93680F0}" type="slidenum">
               <a:t>&lt;#&gt;</a:t>
             </a:fld>
           </a:p>
@@ -1497,7 +1498,7 @@
         <p:txBody>
           <a:bodyPr/>
           <a:p>
-            <a:fld id="{B58091FC-3BDE-42A6-99A1-4D197F441308}" type="slidenum">
+            <a:fld id="{0FEA9676-6FC5-4B6C-A8BF-CBAEF568CE7A}" type="slidenum">
               <a:t>&lt;#&gt;</a:t>
             </a:fld>
           </a:p>
@@ -1620,7 +1621,7 @@
         <p:txBody>
           <a:bodyPr/>
           <a:p>
-            <a:fld id="{E5F835D9-50EB-418D-91C0-9FCB28F1AACA}" type="slidenum">
+            <a:fld id="{8C980D35-00C4-4FDB-849D-A0886B32D3CC}" type="slidenum">
               <a:t>&lt;#&gt;</a:t>
             </a:fld>
           </a:p>
@@ -1741,7 +1742,7 @@
         <p:txBody>
           <a:bodyPr/>
           <a:p>
-            <a:fld id="{966370A3-8365-4751-A799-09DAFE3859BB}" type="slidenum">
+            <a:fld id="{85017B00-2F39-4EB7-984E-75FEB7707753}" type="slidenum">
               <a:t>&lt;#&gt;</a:t>
             </a:fld>
           </a:p>
@@ -1993,7 +1994,7 @@
         <p:txBody>
           <a:bodyPr/>
           <a:p>
-            <a:fld id="{8D5DDE87-1916-4845-9D42-081BF8E17956}" type="slidenum">
+            <a:fld id="{DFD16500-7EE6-4429-B798-064A6D32D3B0}" type="slidenum">
               <a:t>&lt;#&gt;</a:t>
             </a:fld>
           </a:p>
@@ -2245,7 +2246,7 @@
         <p:txBody>
           <a:bodyPr/>
           <a:p>
-            <a:fld id="{16262502-EBA0-48FC-B735-AA8D9075AF70}" type="slidenum">
+            <a:fld id="{83C53963-7365-4A31-BD5C-DC3EB106DA4B}" type="slidenum">
               <a:t>&lt;#&gt;</a:t>
             </a:fld>
           </a:p>
@@ -2497,7 +2498,7 @@
         <p:txBody>
           <a:bodyPr/>
           <a:p>
-            <a:fld id="{37E08CAD-6ABA-40D8-B989-1455CA78F889}" type="slidenum">
+            <a:fld id="{0F1A4A90-12FD-4755-B974-86ECAB453C0A}" type="slidenum">
               <a:t>&lt;#&gt;</a:t>
             </a:fld>
           </a:p>
@@ -2555,7 +2556,7 @@
         <p:spPr>
           <a:xfrm>
             <a:off x="0" y="0"/>
-            <a:ext cx="10078200" cy="5668200"/>
+            <a:ext cx="10077840" cy="5667840"/>
           </a:xfrm>
           <a:prstGeom prst="rect">
             <a:avLst/>
@@ -2610,7 +2611,7 @@
         <p:spPr>
           <a:xfrm>
             <a:off x="1440000" y="1080000"/>
-            <a:ext cx="1438200" cy="1258200"/>
+            <a:ext cx="1437840" cy="1257840"/>
           </a:xfrm>
           <a:prstGeom prst="ellipse">
             <a:avLst/>
@@ -2659,7 +2660,7 @@
         <p:spPr>
           <a:xfrm>
             <a:off x="7380000" y="3960000"/>
-            <a:ext cx="1438200" cy="1258200"/>
+            <a:ext cx="1437840" cy="1257840"/>
           </a:xfrm>
           <a:prstGeom prst="ellipse">
             <a:avLst/>
@@ -2708,7 +2709,7 @@
         <p:spPr>
           <a:xfrm>
             <a:off x="9000000" y="2700000"/>
-            <a:ext cx="1258200" cy="1078200"/>
+            <a:ext cx="1257840" cy="1077840"/>
           </a:xfrm>
           <a:prstGeom prst="ellipse">
             <a:avLst/>
@@ -2757,7 +2758,7 @@
         <p:spPr>
           <a:xfrm>
             <a:off x="-180000" y="2430000"/>
-            <a:ext cx="1438200" cy="1348200"/>
+            <a:ext cx="1437840" cy="1347840"/>
           </a:xfrm>
           <a:prstGeom prst="ellipse">
             <a:avLst/>
@@ -2806,7 +2807,7 @@
         <p:spPr>
           <a:xfrm>
             <a:off x="540000" y="1080000"/>
-            <a:ext cx="718200" cy="718200"/>
+            <a:ext cx="717840" cy="717840"/>
           </a:xfrm>
           <a:prstGeom prst="ellipse">
             <a:avLst/>
@@ -2855,7 +2856,7 @@
         <p:spPr>
           <a:xfrm>
             <a:off x="0" y="1260000"/>
-            <a:ext cx="718200" cy="718200"/>
+            <a:ext cx="717840" cy="717840"/>
           </a:xfrm>
           <a:prstGeom prst="ellipse">
             <a:avLst/>
@@ -2904,7 +2905,7 @@
         <p:spPr>
           <a:xfrm>
             <a:off x="0" y="5220000"/>
-            <a:ext cx="1618200" cy="1258200"/>
+            <a:ext cx="1617840" cy="1257840"/>
           </a:xfrm>
           <a:prstGeom prst="ellipse">
             <a:avLst/>
@@ -2953,7 +2954,7 @@
         <p:spPr>
           <a:xfrm>
             <a:off x="9720000" y="4680000"/>
-            <a:ext cx="718200" cy="718200"/>
+            <a:ext cx="717840" cy="717840"/>
           </a:xfrm>
           <a:prstGeom prst="ellipse">
             <a:avLst/>
@@ -3002,7 +3003,7 @@
         <p:spPr>
           <a:xfrm>
             <a:off x="9540000" y="3420000"/>
-            <a:ext cx="718200" cy="718200"/>
+            <a:ext cx="717840" cy="717840"/>
           </a:xfrm>
           <a:prstGeom prst="ellipse">
             <a:avLst/>
@@ -3051,7 +3052,7 @@
         <p:spPr>
           <a:xfrm>
             <a:off x="8100000" y="4680000"/>
-            <a:ext cx="1078200" cy="840600"/>
+            <a:ext cx="1077840" cy="840240"/>
           </a:xfrm>
           <a:prstGeom prst="ellipse">
             <a:avLst/>
@@ -3100,7 +3101,7 @@
         <p:spPr>
           <a:xfrm>
             <a:off x="7920000" y="5400000"/>
-            <a:ext cx="898200" cy="898200"/>
+            <a:ext cx="897840" cy="897840"/>
           </a:xfrm>
           <a:prstGeom prst="ellipse">
             <a:avLst/>
@@ -3153,7 +3154,7 @@
         <p:spPr>
           <a:xfrm>
             <a:off x="3420000" y="5130000"/>
-            <a:ext cx="3238200" cy="390600"/>
+            <a:ext cx="3237840" cy="390240"/>
           </a:xfrm>
           <a:prstGeom prst="rect">
             <a:avLst/>
@@ -3225,7 +3226,7 @@
         <p:spPr>
           <a:xfrm>
             <a:off x="7560000" y="5130000"/>
-            <a:ext cx="2338200" cy="390600"/>
+            <a:ext cx="2337840" cy="390240"/>
           </a:xfrm>
           <a:prstGeom prst="rect">
             <a:avLst/>
@@ -3266,7 +3267,7 @@
                 <a:tab algn="l" pos="0"/>
               </a:tabLst>
             </a:pPr>
-            <a:fld id="{64D062EC-6641-46C1-BA62-5A8B35A05560}" type="slidenum">
+            <a:fld id="{AD7FD348-FDC0-4543-80E8-FB570CA3DFE7}" type="slidenum">
               <a:rPr b="0" lang="en-US" sz="1400" spc="-1" strike="noStrike">
                 <a:solidFill>
                   <a:srgbClr val="ffffff"/>
@@ -3297,7 +3298,7 @@
         <p:spPr>
           <a:xfrm>
             <a:off x="180000" y="5130000"/>
-            <a:ext cx="2338200" cy="390600"/>
+            <a:ext cx="2337840" cy="390240"/>
           </a:xfrm>
           <a:prstGeom prst="rect">
             <a:avLst/>
@@ -3668,7 +3669,7 @@
         <p:spPr>
           <a:xfrm>
             <a:off x="504000" y="1428840"/>
-            <a:ext cx="9069840" cy="945000"/>
+            <a:ext cx="9069480" cy="944640"/>
           </a:xfrm>
           <a:prstGeom prst="rect">
             <a:avLst/>
@@ -3723,7 +3724,7 @@
         <p:spPr>
           <a:xfrm>
             <a:off x="504000" y="2592000"/>
-            <a:ext cx="9069840" cy="2021040"/>
+            <a:ext cx="9069480" cy="2020680"/>
           </a:xfrm>
           <a:prstGeom prst="rect">
             <a:avLst/>
@@ -3808,7 +3809,7 @@
         <p:spPr>
           <a:xfrm>
             <a:off x="457200" y="228600"/>
-            <a:ext cx="9069840" cy="945000"/>
+            <a:ext cx="9069480" cy="944640"/>
           </a:xfrm>
           <a:prstGeom prst="rect">
             <a:avLst/>
@@ -3839,7 +3840,7 @@
                 </a:solidFill>
                 <a:latin typeface="Arial"/>
               </a:rPr>
-              <a:t>Additional Resources</a:t>
+              <a:t>Logos Packages</a:t>
             </a:r>
             <a:endParaRPr b="0" lang="en-US" sz="3300" spc="-1" strike="noStrike">
               <a:solidFill>
@@ -3862,8 +3863,8 @@
         </p:nvSpPr>
         <p:spPr>
           <a:xfrm>
-            <a:off x="504000" y="1143000"/>
-            <a:ext cx="9069840" cy="4341600"/>
+            <a:off x="504000" y="1371600"/>
+            <a:ext cx="9069480" cy="4112640"/>
           </a:xfrm>
           <a:prstGeom prst="rect">
             <a:avLst/>
@@ -3890,43 +3891,60 @@
               <a:buChar char=""/>
             </a:pPr>
             <a:r>
-              <a:rPr b="0" lang="en-US" sz="2200" spc="-1" strike="noStrike">
-                <a:solidFill>
-                  <a:srgbClr val="ffffff"/>
-                </a:solidFill>
-                <a:latin typeface="Arial"/>
-              </a:rPr>
-              <a:t>Sacramentum Mundi</a:t>
-            </a:r>
-            <a:endParaRPr b="0" lang="en-US" sz="2200" spc="-1" strike="noStrike">
-              <a:solidFill>
-                <a:srgbClr val="000000"/>
-              </a:solidFill>
-              <a:latin typeface="Arial"/>
-            </a:endParaRPr>
-          </a:p>
-          <a:p>
-            <a:pPr marL="216000" indent="-216000">
+              <a:rPr b="0" lang="en-US" sz="3200" spc="-1" strike="noStrike">
+                <a:solidFill>
+                  <a:srgbClr val="ffffff"/>
+                </a:solidFill>
+                <a:latin typeface="Arial"/>
+              </a:rPr>
+              <a:t>https://www.logos.com/product/18543/catechism-of-the-catholic-church-collection </a:t>
+            </a:r>
+            <a:endParaRPr b="0" lang="en-US" sz="3200" spc="-1" strike="noStrike">
+              <a:solidFill>
+                <a:srgbClr val="000000"/>
+              </a:solidFill>
+              <a:latin typeface="Arial"/>
+            </a:endParaRPr>
+          </a:p>
+          <a:p>
+            <a:pPr lvl="1" marL="432000" indent="-216000">
               <a:lnSpc>
                 <a:spcPct val="100000"/>
               </a:lnSpc>
               <a:buClr>
-                <a:srgbClr val="ffffff"/>
+                <a:srgbClr val="000000"/>
               </a:buClr>
               <a:buSzPct val="45000"/>
               <a:buFont typeface="Wingdings" charset="2"/>
               <a:buChar char=""/>
             </a:pPr>
             <a:r>
-              <a:rPr b="0" lang="en-US" sz="2200" spc="-1" strike="noStrike">
-                <a:solidFill>
-                  <a:srgbClr val="ffffff"/>
-                </a:solidFill>
-                <a:latin typeface="Arial"/>
-              </a:rPr>
-              <a:t>History of Christian Thought, Gonzalez</a:t>
-            </a:r>
-            <a:endParaRPr b="0" lang="en-US" sz="2200" spc="-1" strike="noStrike">
+              <a:rPr b="0" lang="en-US" sz="3200" spc="-1" strike="noStrike">
+                <a:solidFill>
+                  <a:srgbClr val="ffffff"/>
+                </a:solidFill>
+                <a:latin typeface="Arial"/>
+              </a:rPr>
+              <a:t>$49</a:t>
+            </a:r>
+            <a:endParaRPr b="0" lang="en-US" sz="3200" spc="-1" strike="noStrike">
+              <a:solidFill>
+                <a:srgbClr val="000000"/>
+              </a:solidFill>
+              <a:latin typeface="Arial"/>
+            </a:endParaRPr>
+          </a:p>
+          <a:p>
+            <a:pPr marL="216000" indent="0">
+              <a:lnSpc>
+                <a:spcPct val="100000"/>
+              </a:lnSpc>
+              <a:buNone/>
+              <a:tabLst>
+                <a:tab algn="l" pos="0"/>
+              </a:tabLst>
+            </a:pPr>
+            <a:endParaRPr b="0" lang="en-US" sz="3200" spc="-1" strike="noStrike">
               <a:solidFill>
                 <a:srgbClr val="000000"/>
               </a:solidFill>
@@ -3944,330 +3962,50 @@
               <a:buSzPct val="45000"/>
               <a:buFont typeface="Wingdings" charset="2"/>
               <a:buChar char=""/>
-            </a:pPr>
-            <a:r>
-              <a:rPr b="0" lang="en-US" sz="2200" spc="-1" strike="noStrike">
-                <a:solidFill>
-                  <a:srgbClr val="ffffff"/>
-                </a:solidFill>
-                <a:latin typeface="Arial"/>
-              </a:rPr>
-              <a:t>Chadwick, Frend</a:t>
-            </a:r>
-            <a:endParaRPr b="0" lang="en-US" sz="2200" spc="-1" strike="noStrike">
-              <a:solidFill>
-                <a:srgbClr val="000000"/>
-              </a:solidFill>
-              <a:latin typeface="Arial"/>
-            </a:endParaRPr>
-          </a:p>
-          <a:p>
-            <a:pPr marL="216000" indent="-216000">
+              <a:tabLst>
+                <a:tab algn="l" pos="0"/>
+              </a:tabLst>
+            </a:pPr>
+            <a:r>
+              <a:rPr b="0" lang="en-US" sz="3200" spc="-1" strike="noStrike">
+                <a:solidFill>
+                  <a:srgbClr val="ffffff"/>
+                </a:solidFill>
+                <a:latin typeface="Arial"/>
+              </a:rPr>
+              <a:t>https://www.logos.com/product/241746/verbum-10-preaching-suite   </a:t>
+            </a:r>
+            <a:endParaRPr b="0" lang="en-US" sz="3200" spc="-1" strike="noStrike">
+              <a:solidFill>
+                <a:srgbClr val="000000"/>
+              </a:solidFill>
+              <a:latin typeface="Arial"/>
+            </a:endParaRPr>
+          </a:p>
+          <a:p>
+            <a:pPr lvl="1" marL="432000" indent="-216000">
               <a:lnSpc>
                 <a:spcPct val="100000"/>
               </a:lnSpc>
               <a:buClr>
-                <a:srgbClr val="ffffff"/>
+                <a:srgbClr val="000000"/>
               </a:buClr>
               <a:buSzPct val="45000"/>
               <a:buFont typeface="Wingdings" charset="2"/>
               <a:buChar char=""/>
-            </a:pPr>
-            <a:r>
-              <a:rPr b="0" lang="en-US" sz="2200" spc="-1" strike="noStrike">
-                <a:solidFill>
-                  <a:srgbClr val="ffffff"/>
-                </a:solidFill>
-                <a:latin typeface="Arial"/>
-              </a:rPr>
-              <a:t>Patrology, Quasten</a:t>
-            </a:r>
-            <a:endParaRPr b="0" lang="en-US" sz="2200" spc="-1" strike="noStrike">
-              <a:solidFill>
-                <a:srgbClr val="000000"/>
-              </a:solidFill>
-              <a:latin typeface="Arial"/>
-            </a:endParaRPr>
-          </a:p>
-          <a:p>
-            <a:pPr marL="216000" indent="-216000">
-              <a:lnSpc>
-                <a:spcPct val="100000"/>
-              </a:lnSpc>
-              <a:buClr>
-                <a:srgbClr val="ffffff"/>
-              </a:buClr>
-              <a:buSzPct val="45000"/>
-              <a:buFont typeface="Wingdings" charset="2"/>
-              <a:buChar char=""/>
-            </a:pPr>
-            <a:r>
-              <a:rPr b="0" lang="en-US" sz="2200" spc="-1" strike="noStrike">
-                <a:solidFill>
-                  <a:srgbClr val="ffffff"/>
-                </a:solidFill>
-                <a:latin typeface="Arial"/>
-              </a:rPr>
-              <a:t>Westminster Handbook of Patristic Theology</a:t>
-            </a:r>
-            <a:endParaRPr b="0" lang="en-US" sz="2200" spc="-1" strike="noStrike">
-              <a:solidFill>
-                <a:srgbClr val="000000"/>
-              </a:solidFill>
-              <a:latin typeface="Arial"/>
-            </a:endParaRPr>
-          </a:p>
-          <a:p>
-            <a:pPr marL="216000" indent="-216000">
-              <a:lnSpc>
-                <a:spcPct val="100000"/>
-              </a:lnSpc>
-              <a:buClr>
-                <a:srgbClr val="ffffff"/>
-              </a:buClr>
-              <a:buSzPct val="45000"/>
-              <a:buFont typeface="Wingdings" charset="2"/>
-              <a:buChar char=""/>
-            </a:pPr>
-            <a:r>
-              <a:rPr b="0" lang="en-US" sz="2200" spc="-1" strike="noStrike">
-                <a:solidFill>
-                  <a:srgbClr val="ffffff"/>
-                </a:solidFill>
-                <a:latin typeface="Arial"/>
-              </a:rPr>
-              <a:t>Journey from Texts to Translations</a:t>
-            </a:r>
-            <a:endParaRPr b="0" lang="en-US" sz="2200" spc="-1" strike="noStrike">
-              <a:solidFill>
-                <a:srgbClr val="000000"/>
-              </a:solidFill>
-              <a:latin typeface="Arial"/>
-            </a:endParaRPr>
-          </a:p>
-          <a:p>
-            <a:pPr marL="216000" indent="-216000">
-              <a:lnSpc>
-                <a:spcPct val="100000"/>
-              </a:lnSpc>
-              <a:buClr>
-                <a:srgbClr val="ffffff"/>
-              </a:buClr>
-              <a:buSzPct val="45000"/>
-              <a:buFont typeface="Wingdings" charset="2"/>
-              <a:buChar char=""/>
-            </a:pPr>
-            <a:r>
-              <a:rPr b="0" lang="en-US" sz="2200" spc="-1" strike="noStrike">
-                <a:solidFill>
-                  <a:srgbClr val="ffffff"/>
-                </a:solidFill>
-                <a:latin typeface="Arial"/>
-              </a:rPr>
-              <a:t>Coherence-Based Genealogical Method</a:t>
-            </a:r>
-            <a:endParaRPr b="0" lang="en-US" sz="2200" spc="-1" strike="noStrike">
-              <a:solidFill>
-                <a:srgbClr val="000000"/>
-              </a:solidFill>
-              <a:latin typeface="Arial"/>
-            </a:endParaRPr>
-          </a:p>
-          <a:p>
-            <a:pPr marL="216000" indent="-216000">
-              <a:lnSpc>
-                <a:spcPct val="100000"/>
-              </a:lnSpc>
-              <a:buClr>
-                <a:srgbClr val="ffffff"/>
-              </a:buClr>
-              <a:buSzPct val="45000"/>
-              <a:buFont typeface="Wingdings" charset="2"/>
-              <a:buChar char=""/>
-            </a:pPr>
-            <a:r>
-              <a:rPr b="0" lang="en-US" sz="2200" spc="-1" strike="noStrike">
-                <a:solidFill>
-                  <a:srgbClr val="ffffff"/>
-                </a:solidFill>
-                <a:latin typeface="Arial"/>
-              </a:rPr>
-              <a:t>Christian Apologetics, Kreeft</a:t>
-            </a:r>
-            <a:endParaRPr b="0" lang="en-US" sz="2200" spc="-1" strike="noStrike">
-              <a:solidFill>
-                <a:srgbClr val="000000"/>
-              </a:solidFill>
-              <a:latin typeface="Arial"/>
-            </a:endParaRPr>
-          </a:p>
-          <a:p>
-            <a:pPr marL="216000" indent="-216000">
-              <a:lnSpc>
-                <a:spcPct val="100000"/>
-              </a:lnSpc>
-              <a:buClr>
-                <a:srgbClr val="ffffff"/>
-              </a:buClr>
-              <a:buSzPct val="45000"/>
-              <a:buFont typeface="Wingdings" charset="2"/>
-              <a:buChar char=""/>
-            </a:pPr>
-            <a:r>
-              <a:rPr b="0" lang="en-US" sz="2200" spc="-1" strike="noStrike">
-                <a:solidFill>
-                  <a:srgbClr val="ffffff"/>
-                </a:solidFill>
-                <a:latin typeface="Arial"/>
-              </a:rPr>
-              <a:t>Resurrection apologetics, N.T. Wright, Habermas</a:t>
-            </a:r>
-            <a:endParaRPr b="0" lang="en-US" sz="2200" spc="-1" strike="noStrike">
-              <a:solidFill>
-                <a:srgbClr val="000000"/>
-              </a:solidFill>
-              <a:latin typeface="Arial"/>
-            </a:endParaRPr>
-          </a:p>
-          <a:p>
-            <a:pPr marL="216000" indent="-216000">
-              <a:lnSpc>
-                <a:spcPct val="100000"/>
-              </a:lnSpc>
-              <a:buClr>
-                <a:srgbClr val="ffffff"/>
-              </a:buClr>
-              <a:buSzPct val="45000"/>
-              <a:buFont typeface="Wingdings" charset="2"/>
-              <a:buChar char=""/>
-            </a:pPr>
-            <a:r>
-              <a:rPr b="0" lang="en-US" sz="2200" spc="-1" strike="noStrike">
-                <a:solidFill>
-                  <a:srgbClr val="ffffff"/>
-                </a:solidFill>
-                <a:latin typeface="Arial"/>
-              </a:rPr>
-              <a:t>New Perspective on Paul, N.T. Wright</a:t>
-            </a:r>
-            <a:endParaRPr b="0" lang="en-US" sz="2200" spc="-1" strike="noStrike">
-              <a:solidFill>
-                <a:srgbClr val="000000"/>
-              </a:solidFill>
-              <a:latin typeface="Arial"/>
-            </a:endParaRPr>
-          </a:p>
-          <a:p>
-            <a:pPr marL="216000" indent="-216000">
-              <a:lnSpc>
-                <a:spcPct val="100000"/>
-              </a:lnSpc>
-              <a:buClr>
-                <a:srgbClr val="ffffff"/>
-              </a:buClr>
-              <a:buSzPct val="45000"/>
-              <a:buFont typeface="Wingdings" charset="2"/>
-              <a:buChar char=""/>
-            </a:pPr>
-            <a:r>
-              <a:rPr b="0" lang="en-US" sz="2200" spc="-1" strike="noStrike">
-                <a:solidFill>
-                  <a:srgbClr val="ffffff"/>
-                </a:solidFill>
-                <a:latin typeface="Arial"/>
-              </a:rPr>
-              <a:t>New Advent Website (Fathers, Summa, Encyclopedia)</a:t>
-            </a:r>
-            <a:endParaRPr b="0" lang="en-US" sz="2200" spc="-1" strike="noStrike">
-              <a:solidFill>
-                <a:srgbClr val="000000"/>
-              </a:solidFill>
-              <a:latin typeface="Arial"/>
-            </a:endParaRPr>
-          </a:p>
-          <a:p>
-            <a:pPr marL="216000" indent="-216000">
-              <a:lnSpc>
-                <a:spcPct val="100000"/>
-              </a:lnSpc>
-              <a:buClr>
-                <a:srgbClr val="ffffff"/>
-              </a:buClr>
-              <a:buSzPct val="45000"/>
-              <a:buFont typeface="Wingdings" charset="2"/>
-              <a:buChar char=""/>
-            </a:pPr>
-            <a:r>
-              <a:rPr b="0" lang="en-US" sz="2200" spc="-1" strike="noStrike">
-                <a:solidFill>
-                  <a:srgbClr val="ffffff"/>
-                </a:solidFill>
-                <a:latin typeface="Arial"/>
-              </a:rPr>
-              <a:t>Classic Christian Etherial Library ccel.org</a:t>
-            </a:r>
-            <a:endParaRPr b="0" lang="en-US" sz="2200" spc="-1" strike="noStrike">
-              <a:solidFill>
-                <a:srgbClr val="000000"/>
-              </a:solidFill>
-              <a:latin typeface="Arial"/>
-            </a:endParaRPr>
-          </a:p>
-          <a:p>
-            <a:pPr marL="216000" indent="-216000">
-              <a:lnSpc>
-                <a:spcPct val="100000"/>
-              </a:lnSpc>
-              <a:buClr>
-                <a:srgbClr val="ffffff"/>
-              </a:buClr>
-              <a:buSzPct val="45000"/>
-              <a:buFont typeface="Wingdings" charset="2"/>
-              <a:buChar char=""/>
-            </a:pPr>
-            <a:r>
-              <a:rPr b="0" lang="en-US" sz="2200" spc="-1" strike="noStrike">
-                <a:solidFill>
-                  <a:srgbClr val="ffffff"/>
-                </a:solidFill>
-                <a:latin typeface="Arial"/>
-              </a:rPr>
-              <a:t>Vatican website</a:t>
-            </a:r>
-            <a:endParaRPr b="0" lang="en-US" sz="2200" spc="-1" strike="noStrike">
-              <a:solidFill>
-                <a:srgbClr val="000000"/>
-              </a:solidFill>
-              <a:latin typeface="Arial"/>
-            </a:endParaRPr>
-          </a:p>
-          <a:p>
-            <a:pPr marL="216000" indent="0">
-              <a:lnSpc>
-                <a:spcPct val="100000"/>
-              </a:lnSpc>
-              <a:buNone/>
               <a:tabLst>
                 <a:tab algn="l" pos="0"/>
               </a:tabLst>
             </a:pPr>
-            <a:endParaRPr b="0" lang="en-US" sz="3200" spc="-1" strike="noStrike">
-              <a:solidFill>
-                <a:srgbClr val="000000"/>
-              </a:solidFill>
-              <a:latin typeface="Arial"/>
-            </a:endParaRPr>
-          </a:p>
-          <a:p>
-            <a:pPr marL="216000" indent="0">
-              <a:lnSpc>
-                <a:spcPct val="100000"/>
-              </a:lnSpc>
-              <a:buNone/>
-              <a:tabLst>
-                <a:tab algn="l" pos="0"/>
-              </a:tabLst>
-            </a:pPr>
+            <a:r>
+              <a:rPr b="0" lang="en-US" sz="3200" spc="-1" strike="noStrike">
+                <a:solidFill>
+                  <a:srgbClr val="ffffff"/>
+                </a:solidFill>
+                <a:latin typeface="Arial"/>
+              </a:rPr>
+              <a:t>$399</a:t>
+            </a:r>
             <a:endParaRPr b="0" lang="en-US" sz="3200" spc="-1" strike="noStrike">
               <a:solidFill>
                 <a:srgbClr val="000000"/>
@@ -4337,7 +4075,7 @@
         <p:spPr>
           <a:xfrm>
             <a:off x="457200" y="228600"/>
-            <a:ext cx="9069840" cy="945000"/>
+            <a:ext cx="9069480" cy="944640"/>
           </a:xfrm>
           <a:prstGeom prst="rect">
             <a:avLst/>
@@ -4368,7 +4106,7 @@
                 </a:solidFill>
                 <a:latin typeface="Arial"/>
               </a:rPr>
-              <a:t>Open Source Project?</a:t>
+              <a:t>Additional Resources</a:t>
             </a:r>
             <a:endParaRPr b="0" lang="en-US" sz="3300" spc="-1" strike="noStrike">
               <a:solidFill>
@@ -4391,8 +4129,8 @@
         </p:nvSpPr>
         <p:spPr>
           <a:xfrm>
-            <a:off x="504000" y="1371600"/>
-            <a:ext cx="9069840" cy="4113000"/>
+            <a:off x="504000" y="1143000"/>
+            <a:ext cx="9069480" cy="4341240"/>
           </a:xfrm>
           <a:prstGeom prst="rect">
             <a:avLst/>
@@ -4419,16 +4157,15 @@
               <a:buChar char=""/>
             </a:pPr>
             <a:r>
-              <a:rPr b="0" lang="en-US" sz="3200" spc="-1" strike="noStrike" u="sng">
-                <a:solidFill>
-                  <a:srgbClr val="0000ee"/>
-                </a:solidFill>
-                <a:uFillTx/>
-                <a:latin typeface="Arial"/>
-              </a:rPr>
-              <a:t>https://github.com/stevemac321/Catechist</a:t>
-            </a:r>
-            <a:endParaRPr b="0" lang="en-US" sz="3200" spc="-1" strike="noStrike">
+              <a:rPr b="0" lang="en-US" sz="2200" spc="-1" strike="noStrike">
+                <a:solidFill>
+                  <a:srgbClr val="ffffff"/>
+                </a:solidFill>
+                <a:latin typeface="Arial"/>
+              </a:rPr>
+              <a:t>Sacramentum Mundi</a:t>
+            </a:r>
+            <a:endParaRPr b="0" lang="en-US" sz="2200" spc="-1" strike="noStrike">
               <a:solidFill>
                 <a:srgbClr val="000000"/>
               </a:solidFill>
@@ -4448,17 +4185,15 @@
               <a:buChar char=""/>
             </a:pPr>
             <a:r>
-              <a:rPr b="0" lang="en-US" sz="3200" spc="-1" strike="noStrike" u="sng">
-                <a:solidFill>
-                  <a:srgbClr val="0000ee"/>
-                </a:solidFill>
-                <a:uFillTx/>
-                <a:latin typeface="Arial"/>
-                <a:hlinkClick r:id="rId1"/>
-              </a:rPr>
-              <a:t>https://apps.ankiweb.net/</a:t>
-            </a:r>
-            <a:endParaRPr b="0" lang="en-US" sz="3200" spc="-1" strike="noStrike">
+              <a:rPr b="0" lang="en-US" sz="2200" spc="-1" strike="noStrike">
+                <a:solidFill>
+                  <a:srgbClr val="ffffff"/>
+                </a:solidFill>
+                <a:latin typeface="Arial"/>
+              </a:rPr>
+              <a:t>History of Christian Thought, Gonzalez</a:t>
+            </a:r>
+            <a:endParaRPr b="0" lang="en-US" sz="2200" spc="-1" strike="noStrike">
               <a:solidFill>
                 <a:srgbClr val="000000"/>
               </a:solidFill>
@@ -4478,17 +4213,15 @@
               <a:buChar char=""/>
             </a:pPr>
             <a:r>
-              <a:rPr b="0" lang="en-US" sz="3200" spc="-1" strike="noStrike" u="sng">
-                <a:solidFill>
-                  <a:srgbClr val="0000ee"/>
-                </a:solidFill>
-                <a:uFillTx/>
-                <a:latin typeface="Arial"/>
-                <a:hlinkClick r:id="rId2"/>
-              </a:rPr>
-              <a:t>https://www.logos.com/</a:t>
-            </a:r>
-            <a:endParaRPr b="0" lang="en-US" sz="3200" spc="-1" strike="noStrike">
+              <a:rPr b="0" lang="en-US" sz="2200" spc="-1" strike="noStrike">
+                <a:solidFill>
+                  <a:srgbClr val="ffffff"/>
+                </a:solidFill>
+                <a:latin typeface="Arial"/>
+              </a:rPr>
+              <a:t>Chadwick, Frend</a:t>
+            </a:r>
+            <a:endParaRPr b="0" lang="en-US" sz="2200" spc="-1" strike="noStrike">
               <a:solidFill>
                 <a:srgbClr val="000000"/>
               </a:solidFill>
@@ -4508,17 +4241,267 @@
               <a:buChar char=""/>
             </a:pPr>
             <a:r>
-              <a:rPr b="0" lang="en-US" sz="3200" spc="-1" strike="noStrike" u="sng">
-                <a:solidFill>
-                  <a:srgbClr val="0000ee"/>
-                </a:solidFill>
-                <a:uFillTx/>
-                <a:latin typeface="Arial"/>
-                <a:hlinkClick r:id="rId3"/>
-              </a:rPr>
-              <a:t>https://e-sword.net/</a:t>
-            </a:r>
-            <a:endParaRPr b="0" lang="en-US" sz="3200" spc="-1" strike="noStrike">
+              <a:rPr b="0" lang="en-US" sz="2200" spc="-1" strike="noStrike">
+                <a:solidFill>
+                  <a:srgbClr val="ffffff"/>
+                </a:solidFill>
+                <a:latin typeface="Arial"/>
+              </a:rPr>
+              <a:t>Patrology, Quasten</a:t>
+            </a:r>
+            <a:endParaRPr b="0" lang="en-US" sz="2200" spc="-1" strike="noStrike">
+              <a:solidFill>
+                <a:srgbClr val="000000"/>
+              </a:solidFill>
+              <a:latin typeface="Arial"/>
+            </a:endParaRPr>
+          </a:p>
+          <a:p>
+            <a:pPr marL="216000" indent="-216000">
+              <a:lnSpc>
+                <a:spcPct val="100000"/>
+              </a:lnSpc>
+              <a:buClr>
+                <a:srgbClr val="ffffff"/>
+              </a:buClr>
+              <a:buSzPct val="45000"/>
+              <a:buFont typeface="Wingdings" charset="2"/>
+              <a:buChar char=""/>
+            </a:pPr>
+            <a:r>
+              <a:rPr b="0" lang="en-US" sz="2200" spc="-1" strike="noStrike">
+                <a:solidFill>
+                  <a:srgbClr val="ffffff"/>
+                </a:solidFill>
+                <a:latin typeface="Arial"/>
+              </a:rPr>
+              <a:t>Westminster Handbook of Patristic Theology</a:t>
+            </a:r>
+            <a:endParaRPr b="0" lang="en-US" sz="2200" spc="-1" strike="noStrike">
+              <a:solidFill>
+                <a:srgbClr val="000000"/>
+              </a:solidFill>
+              <a:latin typeface="Arial"/>
+            </a:endParaRPr>
+          </a:p>
+          <a:p>
+            <a:pPr marL="216000" indent="-216000">
+              <a:lnSpc>
+                <a:spcPct val="100000"/>
+              </a:lnSpc>
+              <a:buClr>
+                <a:srgbClr val="ffffff"/>
+              </a:buClr>
+              <a:buSzPct val="45000"/>
+              <a:buFont typeface="Wingdings" charset="2"/>
+              <a:buChar char=""/>
+            </a:pPr>
+            <a:r>
+              <a:rPr b="0" lang="en-US" sz="2200" spc="-1" strike="noStrike">
+                <a:solidFill>
+                  <a:srgbClr val="ffffff"/>
+                </a:solidFill>
+                <a:latin typeface="Arial"/>
+              </a:rPr>
+              <a:t>Journey from Texts to Translations</a:t>
+            </a:r>
+            <a:endParaRPr b="0" lang="en-US" sz="2200" spc="-1" strike="noStrike">
+              <a:solidFill>
+                <a:srgbClr val="000000"/>
+              </a:solidFill>
+              <a:latin typeface="Arial"/>
+            </a:endParaRPr>
+          </a:p>
+          <a:p>
+            <a:pPr marL="216000" indent="-216000">
+              <a:lnSpc>
+                <a:spcPct val="100000"/>
+              </a:lnSpc>
+              <a:buClr>
+                <a:srgbClr val="ffffff"/>
+              </a:buClr>
+              <a:buSzPct val="45000"/>
+              <a:buFont typeface="Wingdings" charset="2"/>
+              <a:buChar char=""/>
+            </a:pPr>
+            <a:r>
+              <a:rPr b="0" lang="en-US" sz="2200" spc="-1" strike="noStrike">
+                <a:solidFill>
+                  <a:srgbClr val="ffffff"/>
+                </a:solidFill>
+                <a:latin typeface="Arial"/>
+              </a:rPr>
+              <a:t>Coherence-Based Genealogical Method</a:t>
+            </a:r>
+            <a:endParaRPr b="0" lang="en-US" sz="2200" spc="-1" strike="noStrike">
+              <a:solidFill>
+                <a:srgbClr val="000000"/>
+              </a:solidFill>
+              <a:latin typeface="Arial"/>
+            </a:endParaRPr>
+          </a:p>
+          <a:p>
+            <a:pPr marL="216000" indent="-216000">
+              <a:lnSpc>
+                <a:spcPct val="100000"/>
+              </a:lnSpc>
+              <a:buClr>
+                <a:srgbClr val="ffffff"/>
+              </a:buClr>
+              <a:buSzPct val="45000"/>
+              <a:buFont typeface="Wingdings" charset="2"/>
+              <a:buChar char=""/>
+            </a:pPr>
+            <a:r>
+              <a:rPr b="0" lang="en-US" sz="2200" spc="-1" strike="noStrike">
+                <a:solidFill>
+                  <a:srgbClr val="ffffff"/>
+                </a:solidFill>
+                <a:latin typeface="Arial"/>
+              </a:rPr>
+              <a:t>Christian Apologetics, Kreeft</a:t>
+            </a:r>
+            <a:endParaRPr b="0" lang="en-US" sz="2200" spc="-1" strike="noStrike">
+              <a:solidFill>
+                <a:srgbClr val="000000"/>
+              </a:solidFill>
+              <a:latin typeface="Arial"/>
+            </a:endParaRPr>
+          </a:p>
+          <a:p>
+            <a:pPr marL="216000" indent="-216000">
+              <a:lnSpc>
+                <a:spcPct val="100000"/>
+              </a:lnSpc>
+              <a:buClr>
+                <a:srgbClr val="ffffff"/>
+              </a:buClr>
+              <a:buSzPct val="45000"/>
+              <a:buFont typeface="Wingdings" charset="2"/>
+              <a:buChar char=""/>
+            </a:pPr>
+            <a:r>
+              <a:rPr b="0" lang="en-US" sz="2200" spc="-1" strike="noStrike">
+                <a:solidFill>
+                  <a:srgbClr val="ffffff"/>
+                </a:solidFill>
+                <a:latin typeface="Arial"/>
+              </a:rPr>
+              <a:t>Resurrection apologetics, N.T. Wright, Habermas</a:t>
+            </a:r>
+            <a:endParaRPr b="0" lang="en-US" sz="2200" spc="-1" strike="noStrike">
+              <a:solidFill>
+                <a:srgbClr val="000000"/>
+              </a:solidFill>
+              <a:latin typeface="Arial"/>
+            </a:endParaRPr>
+          </a:p>
+          <a:p>
+            <a:pPr marL="216000" indent="-216000">
+              <a:lnSpc>
+                <a:spcPct val="100000"/>
+              </a:lnSpc>
+              <a:buClr>
+                <a:srgbClr val="ffffff"/>
+              </a:buClr>
+              <a:buSzPct val="45000"/>
+              <a:buFont typeface="Wingdings" charset="2"/>
+              <a:buChar char=""/>
+            </a:pPr>
+            <a:r>
+              <a:rPr b="0" lang="en-US" sz="2200" spc="-1" strike="noStrike">
+                <a:solidFill>
+                  <a:srgbClr val="ffffff"/>
+                </a:solidFill>
+                <a:latin typeface="Arial"/>
+              </a:rPr>
+              <a:t>New Perspective on Paul, N.T. Wright</a:t>
+            </a:r>
+            <a:endParaRPr b="0" lang="en-US" sz="2200" spc="-1" strike="noStrike">
+              <a:solidFill>
+                <a:srgbClr val="000000"/>
+              </a:solidFill>
+              <a:latin typeface="Arial"/>
+            </a:endParaRPr>
+          </a:p>
+          <a:p>
+            <a:pPr marL="216000" indent="-216000">
+              <a:lnSpc>
+                <a:spcPct val="100000"/>
+              </a:lnSpc>
+              <a:buClr>
+                <a:srgbClr val="ffffff"/>
+              </a:buClr>
+              <a:buSzPct val="45000"/>
+              <a:buFont typeface="Wingdings" charset="2"/>
+              <a:buChar char=""/>
+            </a:pPr>
+            <a:r>
+              <a:rPr b="0" lang="en-US" sz="2200" spc="-1" strike="noStrike">
+                <a:solidFill>
+                  <a:srgbClr val="ffffff"/>
+                </a:solidFill>
+                <a:latin typeface="Arial"/>
+              </a:rPr>
+              <a:t>New Advent Website (Fathers, Summa, Encyclopedia)</a:t>
+            </a:r>
+            <a:endParaRPr b="0" lang="en-US" sz="2200" spc="-1" strike="noStrike">
+              <a:solidFill>
+                <a:srgbClr val="000000"/>
+              </a:solidFill>
+              <a:latin typeface="Arial"/>
+            </a:endParaRPr>
+          </a:p>
+          <a:p>
+            <a:pPr marL="216000" indent="-216000">
+              <a:lnSpc>
+                <a:spcPct val="100000"/>
+              </a:lnSpc>
+              <a:buClr>
+                <a:srgbClr val="ffffff"/>
+              </a:buClr>
+              <a:buSzPct val="45000"/>
+              <a:buFont typeface="Wingdings" charset="2"/>
+              <a:buChar char=""/>
+            </a:pPr>
+            <a:r>
+              <a:rPr b="0" lang="en-US" sz="2200" spc="-1" strike="noStrike">
+                <a:solidFill>
+                  <a:srgbClr val="ffffff"/>
+                </a:solidFill>
+                <a:latin typeface="Arial"/>
+              </a:rPr>
+              <a:t>Classic Christian Etherial Library ccel.org</a:t>
+            </a:r>
+            <a:endParaRPr b="0" lang="en-US" sz="2200" spc="-1" strike="noStrike">
+              <a:solidFill>
+                <a:srgbClr val="000000"/>
+              </a:solidFill>
+              <a:latin typeface="Arial"/>
+            </a:endParaRPr>
+          </a:p>
+          <a:p>
+            <a:pPr marL="216000" indent="-216000">
+              <a:lnSpc>
+                <a:spcPct val="100000"/>
+              </a:lnSpc>
+              <a:buClr>
+                <a:srgbClr val="ffffff"/>
+              </a:buClr>
+              <a:buSzPct val="45000"/>
+              <a:buFont typeface="Wingdings" charset="2"/>
+              <a:buChar char=""/>
+            </a:pPr>
+            <a:r>
+              <a:rPr b="0" lang="en-US" sz="2200" spc="-1" strike="noStrike">
+                <a:solidFill>
+                  <a:srgbClr val="ffffff"/>
+                </a:solidFill>
+                <a:latin typeface="Arial"/>
+              </a:rPr>
+              <a:t>Vatican website</a:t>
+            </a:r>
+            <a:endParaRPr b="0" lang="en-US" sz="2200" spc="-1" strike="noStrike">
               <a:solidFill>
                 <a:srgbClr val="000000"/>
               </a:solidFill>
@@ -4535,24 +4518,15 @@
                 <a:tab algn="l" pos="0"/>
               </a:tabLst>
             </a:pPr>
-            <a:r>
-              <a:rPr b="0" lang="en-US" sz="3200" spc="-1" strike="noStrike">
-                <a:solidFill>
-                  <a:srgbClr val="ffffff"/>
-                </a:solidFill>
-                <a:latin typeface="Arial"/>
-              </a:rPr>
-              <a:t> </a:t>
-            </a:r>
-            <a:endParaRPr b="0" lang="en-US" sz="3200" spc="-1" strike="noStrike">
-              <a:solidFill>
-                <a:srgbClr val="000000"/>
-              </a:solidFill>
-              <a:latin typeface="Arial"/>
-            </a:endParaRPr>
-          </a:p>
-          <a:p>
-            <a:pPr marL="432000" indent="0">
+            <a:endParaRPr b="0" lang="en-US" sz="3200" spc="-1" strike="noStrike">
+              <a:solidFill>
+                <a:srgbClr val="000000"/>
+              </a:solidFill>
+              <a:latin typeface="Arial"/>
+            </a:endParaRPr>
+          </a:p>
+          <a:p>
+            <a:pPr marL="216000" indent="0">
               <a:lnSpc>
                 <a:spcPct val="100000"/>
               </a:lnSpc>
@@ -4630,7 +4604,7 @@
         <p:spPr>
           <a:xfrm>
             <a:off x="457200" y="228600"/>
-            <a:ext cx="9069840" cy="945000"/>
+            <a:ext cx="9069480" cy="944640"/>
           </a:xfrm>
           <a:prstGeom prst="rect">
             <a:avLst/>
@@ -4661,6 +4635,299 @@
                 </a:solidFill>
                 <a:latin typeface="Arial"/>
               </a:rPr>
+              <a:t>Open Source Project?</a:t>
+            </a:r>
+            <a:endParaRPr b="0" lang="en-US" sz="3300" spc="-1" strike="noStrike">
+              <a:solidFill>
+                <a:srgbClr val="000000"/>
+              </a:solidFill>
+              <a:latin typeface="Arial"/>
+            </a:endParaRPr>
+          </a:p>
+        </p:txBody>
+      </p:sp>
+      <p:sp>
+        <p:nvSpPr>
+          <p:cNvPr id="76" name="PlaceHolder 2"/>
+          <p:cNvSpPr>
+            <a:spLocks noGrp="1"/>
+          </p:cNvSpPr>
+          <p:nvPr>
+            <p:ph type="subTitle"/>
+          </p:nvPr>
+        </p:nvSpPr>
+        <p:spPr>
+          <a:xfrm>
+            <a:off x="504000" y="1371600"/>
+            <a:ext cx="9069480" cy="4112640"/>
+          </a:xfrm>
+          <a:prstGeom prst="rect">
+            <a:avLst/>
+          </a:prstGeom>
+          <a:noFill/>
+          <a:ln w="0">
+            <a:noFill/>
+          </a:ln>
+        </p:spPr>
+        <p:txBody>
+          <a:bodyPr lIns="0" rIns="0" tIns="0" bIns="0" anchor="t">
+            <a:noAutofit/>
+          </a:bodyPr>
+          <a:p>
+            <a:pPr marL="216000" indent="-216000">
+              <a:lnSpc>
+                <a:spcPct val="100000"/>
+              </a:lnSpc>
+              <a:buClr>
+                <a:srgbClr val="ffffff"/>
+              </a:buClr>
+              <a:buSzPct val="45000"/>
+              <a:buFont typeface="Wingdings" charset="2"/>
+              <a:buChar char=""/>
+            </a:pPr>
+            <a:r>
+              <a:rPr b="0" lang="en-US" sz="3200" spc="-1" strike="noStrike" u="sng">
+                <a:solidFill>
+                  <a:srgbClr val="0000ee"/>
+                </a:solidFill>
+                <a:uFillTx/>
+                <a:latin typeface="Arial"/>
+              </a:rPr>
+              <a:t>https://github.com/stevemac321/Catechist</a:t>
+            </a:r>
+            <a:endParaRPr b="0" lang="en-US" sz="3200" spc="-1" strike="noStrike">
+              <a:solidFill>
+                <a:srgbClr val="000000"/>
+              </a:solidFill>
+              <a:latin typeface="Arial"/>
+            </a:endParaRPr>
+          </a:p>
+          <a:p>
+            <a:pPr marL="216000" indent="-216000">
+              <a:lnSpc>
+                <a:spcPct val="100000"/>
+              </a:lnSpc>
+              <a:buClr>
+                <a:srgbClr val="ffffff"/>
+              </a:buClr>
+              <a:buSzPct val="45000"/>
+              <a:buFont typeface="Wingdings" charset="2"/>
+              <a:buChar char=""/>
+            </a:pPr>
+            <a:r>
+              <a:rPr b="0" lang="en-US" sz="3200" spc="-1" strike="noStrike" u="sng">
+                <a:solidFill>
+                  <a:srgbClr val="0000ee"/>
+                </a:solidFill>
+                <a:uFillTx/>
+                <a:latin typeface="Arial"/>
+                <a:hlinkClick r:id="rId1"/>
+              </a:rPr>
+              <a:t>https://apps.ankiweb.net/</a:t>
+            </a:r>
+            <a:endParaRPr b="0" lang="en-US" sz="3200" spc="-1" strike="noStrike">
+              <a:solidFill>
+                <a:srgbClr val="000000"/>
+              </a:solidFill>
+              <a:latin typeface="Arial"/>
+            </a:endParaRPr>
+          </a:p>
+          <a:p>
+            <a:pPr marL="216000" indent="-216000">
+              <a:lnSpc>
+                <a:spcPct val="100000"/>
+              </a:lnSpc>
+              <a:buClr>
+                <a:srgbClr val="ffffff"/>
+              </a:buClr>
+              <a:buSzPct val="45000"/>
+              <a:buFont typeface="Wingdings" charset="2"/>
+              <a:buChar char=""/>
+            </a:pPr>
+            <a:r>
+              <a:rPr b="0" lang="en-US" sz="3200" spc="-1" strike="noStrike" u="sng">
+                <a:solidFill>
+                  <a:srgbClr val="0000ee"/>
+                </a:solidFill>
+                <a:uFillTx/>
+                <a:latin typeface="Arial"/>
+                <a:hlinkClick r:id="rId2"/>
+              </a:rPr>
+              <a:t>https://www.logos.com/</a:t>
+            </a:r>
+            <a:endParaRPr b="0" lang="en-US" sz="3200" spc="-1" strike="noStrike">
+              <a:solidFill>
+                <a:srgbClr val="000000"/>
+              </a:solidFill>
+              <a:latin typeface="Arial"/>
+            </a:endParaRPr>
+          </a:p>
+          <a:p>
+            <a:pPr marL="216000" indent="-216000">
+              <a:lnSpc>
+                <a:spcPct val="100000"/>
+              </a:lnSpc>
+              <a:buClr>
+                <a:srgbClr val="ffffff"/>
+              </a:buClr>
+              <a:buSzPct val="45000"/>
+              <a:buFont typeface="Wingdings" charset="2"/>
+              <a:buChar char=""/>
+            </a:pPr>
+            <a:r>
+              <a:rPr b="0" lang="en-US" sz="3200" spc="-1" strike="noStrike" u="sng">
+                <a:solidFill>
+                  <a:srgbClr val="0000ee"/>
+                </a:solidFill>
+                <a:uFillTx/>
+                <a:latin typeface="Arial"/>
+                <a:hlinkClick r:id="rId3"/>
+              </a:rPr>
+              <a:t>https://e-sword.net/</a:t>
+            </a:r>
+            <a:endParaRPr b="0" lang="en-US" sz="3200" spc="-1" strike="noStrike">
+              <a:solidFill>
+                <a:srgbClr val="000000"/>
+              </a:solidFill>
+              <a:latin typeface="Arial"/>
+            </a:endParaRPr>
+          </a:p>
+          <a:p>
+            <a:pPr marL="216000" indent="0">
+              <a:lnSpc>
+                <a:spcPct val="100000"/>
+              </a:lnSpc>
+              <a:buNone/>
+              <a:tabLst>
+                <a:tab algn="l" pos="0"/>
+              </a:tabLst>
+            </a:pPr>
+            <a:r>
+              <a:rPr b="0" lang="en-US" sz="3200" spc="-1" strike="noStrike">
+                <a:solidFill>
+                  <a:srgbClr val="ffffff"/>
+                </a:solidFill>
+                <a:latin typeface="Arial"/>
+              </a:rPr>
+              <a:t> </a:t>
+            </a:r>
+            <a:endParaRPr b="0" lang="en-US" sz="3200" spc="-1" strike="noStrike">
+              <a:solidFill>
+                <a:srgbClr val="000000"/>
+              </a:solidFill>
+              <a:latin typeface="Arial"/>
+            </a:endParaRPr>
+          </a:p>
+          <a:p>
+            <a:pPr marL="432000" indent="0">
+              <a:lnSpc>
+                <a:spcPct val="100000"/>
+              </a:lnSpc>
+              <a:buNone/>
+              <a:tabLst>
+                <a:tab algn="l" pos="0"/>
+              </a:tabLst>
+            </a:pPr>
+            <a:endParaRPr b="0" lang="en-US" sz="3200" spc="-1" strike="noStrike">
+              <a:solidFill>
+                <a:srgbClr val="000000"/>
+              </a:solidFill>
+              <a:latin typeface="Arial"/>
+            </a:endParaRPr>
+          </a:p>
+          <a:p>
+            <a:pPr marL="216000" indent="0">
+              <a:lnSpc>
+                <a:spcPct val="100000"/>
+              </a:lnSpc>
+              <a:buNone/>
+              <a:tabLst>
+                <a:tab algn="l" pos="0"/>
+              </a:tabLst>
+            </a:pPr>
+            <a:endParaRPr b="0" lang="en-US" sz="3200" spc="-1" strike="noStrike">
+              <a:solidFill>
+                <a:srgbClr val="000000"/>
+              </a:solidFill>
+              <a:latin typeface="Arial"/>
+            </a:endParaRPr>
+          </a:p>
+        </p:txBody>
+      </p:sp>
+    </p:spTree>
+  </p:cSld>
+  <mc:AlternateContent>
+    <mc:Choice Requires="p14">
+      <p:transition spd="slow" p14:dur="2000"/>
+    </mc:Choice>
+    <mc:Fallback>
+      <p:transition spd="slow"/>
+    </mc:Fallback>
+  </mc:AlternateContent>
+</p:sld>
+</file>
+
+<file path=ppt/slides/slide13.xml><?xml version="1.0" encoding="utf-8"?>
+<p:sld xmlns:a="http://schemas.openxmlformats.org/drawingml/2006/main" xmlns:p="http://schemas.openxmlformats.org/presentationml/2006/main" xmlns:r="http://schemas.openxmlformats.org/officeDocument/2006/relationships" xmlns:p14="http://schemas.microsoft.com/office/powerpoint/2010/main" xmlns:p15="http://schemas.microsoft.com/office/powerpoint/2012/main" xmlns:mc="http://schemas.openxmlformats.org/markup-compatibility/2006">
+  <p:cSld>
+    <p:spTree>
+      <p:nvGrpSpPr>
+        <p:cNvPr id="1" name=""/>
+        <p:cNvGrpSpPr/>
+        <p:nvPr/>
+      </p:nvGrpSpPr>
+      <p:grpSpPr>
+        <a:xfrm>
+          <a:off x="0" y="0"/>
+          <a:ext cx="0" cy="0"/>
+          <a:chOff x="0" y="0"/>
+          <a:chExt cx="0" cy="0"/>
+        </a:xfrm>
+      </p:grpSpPr>
+      <p:sp>
+        <p:nvSpPr>
+          <p:cNvPr id="77" name="PlaceHolder 1"/>
+          <p:cNvSpPr>
+            <a:spLocks noGrp="1"/>
+          </p:cNvSpPr>
+          <p:nvPr>
+            <p:ph type="title"/>
+          </p:nvPr>
+        </p:nvSpPr>
+        <p:spPr>
+          <a:xfrm>
+            <a:off x="457200" y="228600"/>
+            <a:ext cx="9069480" cy="944640"/>
+          </a:xfrm>
+          <a:prstGeom prst="rect">
+            <a:avLst/>
+          </a:prstGeom>
+          <a:noFill/>
+          <a:ln w="0">
+            <a:noFill/>
+          </a:ln>
+        </p:spPr>
+        <p:txBody>
+          <a:bodyPr lIns="0" rIns="0" tIns="0" bIns="0" anchor="ctr">
+            <a:noAutofit/>
+          </a:bodyPr>
+          <a:p>
+            <a:pPr indent="0" algn="ctr">
+              <a:lnSpc>
+                <a:spcPct val="100000"/>
+              </a:lnSpc>
+              <a:buNone/>
+              <a:tabLst>
+                <a:tab algn="l" pos="0"/>
+              </a:tabLst>
+            </a:pPr>
+            <a:r>
+              <a:rPr b="0" lang="en-US" sz="3300" spc="-1" strike="noStrike">
+                <a:solidFill>
+                  <a:srgbClr val="ffffff"/>
+                </a:solidFill>
+                <a:latin typeface="Arial"/>
+              </a:rPr>
               <a:t>My Channels</a:t>
             </a:r>
             <a:endParaRPr b="0" lang="en-US" sz="3300" spc="-1" strike="noStrike">
@@ -4674,7 +4941,7 @@
       </p:sp>
       <p:sp>
         <p:nvSpPr>
-          <p:cNvPr id="76" name="PlaceHolder 2"/>
+          <p:cNvPr id="78" name="PlaceHolder 2"/>
           <p:cNvSpPr>
             <a:spLocks noGrp="1"/>
           </p:cNvSpPr>
@@ -4685,7 +4952,7 @@
         <p:spPr>
           <a:xfrm>
             <a:off x="504000" y="1371600"/>
-            <a:ext cx="9069840" cy="4113000"/>
+            <a:ext cx="9069480" cy="4112640"/>
           </a:xfrm>
           <a:prstGeom prst="rect">
             <a:avLst/>
@@ -4896,7 +5163,7 @@
         <p:spPr>
           <a:xfrm>
             <a:off x="457200" y="228600"/>
-            <a:ext cx="9069840" cy="945000"/>
+            <a:ext cx="9069480" cy="944640"/>
           </a:xfrm>
           <a:prstGeom prst="rect">
             <a:avLst/>
@@ -4927,7 +5194,7 @@
                 </a:solidFill>
                 <a:latin typeface="Arial"/>
               </a:rPr>
-              <a:t>Overview</a:t>
+              <a:t>Github TOC Teaser</a:t>
             </a:r>
             <a:endParaRPr b="0" lang="en-US" sz="3300" spc="-1" strike="noStrike">
               <a:solidFill>
@@ -4951,7 +5218,7 @@
         <p:spPr>
           <a:xfrm>
             <a:off x="504000" y="1371600"/>
-            <a:ext cx="9069840" cy="4113000"/>
+            <a:ext cx="9069480" cy="4112640"/>
           </a:xfrm>
           <a:prstGeom prst="rect">
             <a:avLst/>
@@ -4984,7 +5251,7 @@
                 </a:solidFill>
                 <a:latin typeface="Arial"/>
               </a:rPr>
-              <a:t>Spine: Read CCC and NABRE every six months</a:t>
+              <a:t>Start with demo to get your attn!</a:t>
             </a:r>
             <a:endParaRPr b="0" lang="en-US" sz="3200" spc="-1" strike="noStrike">
               <a:solidFill>
@@ -5012,7 +5279,7 @@
                 </a:solidFill>
                 <a:latin typeface="Arial"/>
               </a:rPr>
-              <a:t>Break out CCC in a variety of categories</a:t>
+              <a:t>Demo Flashcards (along with standards LPB)</a:t>
             </a:r>
             <a:endParaRPr b="0" lang="en-US" sz="3200" spc="-1" strike="noStrike">
               <a:solidFill>
@@ -5040,7 +5307,7 @@
                 </a:solidFill>
                 <a:latin typeface="Arial"/>
               </a:rPr>
-              <a:t>Develop and use flashcards</a:t>
+              <a:t>Catechist Notes LPB</a:t>
             </a:r>
             <a:endParaRPr b="0" lang="en-US" sz="3200" spc="-1" strike="noStrike">
               <a:solidFill>
@@ -5068,7 +5335,7 @@
                 </a:solidFill>
                 <a:latin typeface="Arial"/>
               </a:rPr>
-              <a:t>Study deeper pivoting on indexes</a:t>
+              <a:t>Demo Compendium LPB</a:t>
             </a:r>
             <a:endParaRPr b="0" lang="en-US" sz="3200" spc="-1" strike="noStrike">
               <a:solidFill>
@@ -5096,64 +5363,22 @@
                 </a:solidFill>
                 <a:latin typeface="Arial"/>
               </a:rPr>
-              <a:t>Use AI as an advanced indexer</a:t>
-            </a:r>
-            <a:endParaRPr b="0" lang="en-US" sz="3200" spc="-1" strike="noStrike">
-              <a:solidFill>
-                <a:srgbClr val="000000"/>
-              </a:solidFill>
-              <a:latin typeface="Arial"/>
-            </a:endParaRPr>
-          </a:p>
-          <a:p>
-            <a:pPr marL="216000" indent="-216000">
-              <a:lnSpc>
-                <a:spcPct val="100000"/>
-              </a:lnSpc>
-              <a:buClr>
-                <a:srgbClr val="ffffff"/>
-              </a:buClr>
-              <a:buSzPct val="45000"/>
-              <a:buFont typeface="Wingdings" charset="2"/>
-              <a:buChar char=""/>
-            </a:pPr>
-            <a:r>
-              <a:rPr b="0" lang="en-US" sz="3200" spc="-1" strike="noStrike">
-                <a:solidFill>
-                  <a:srgbClr val="ffffff"/>
-                </a:solidFill>
-                <a:latin typeface="Arial"/>
-              </a:rPr>
-              <a:t>Study platform software that interlinks resources</a:t>
-            </a:r>
-            <a:endParaRPr b="0" lang="en-US" sz="3200" spc="-1" strike="noStrike">
-              <a:solidFill>
-                <a:srgbClr val="000000"/>
-              </a:solidFill>
-              <a:latin typeface="Arial"/>
-            </a:endParaRPr>
-          </a:p>
-          <a:p>
-            <a:pPr marL="216000" indent="-216000">
-              <a:lnSpc>
-                <a:spcPct val="100000"/>
-              </a:lnSpc>
-              <a:buClr>
-                <a:srgbClr val="ffffff"/>
-              </a:buClr>
-              <a:buSzPct val="45000"/>
-              <a:buFont typeface="Wingdings" charset="2"/>
-              <a:buChar char=""/>
-            </a:pPr>
-            <a:r>
-              <a:rPr b="0" lang="en-US" sz="3200" spc="-1" strike="noStrike">
-                <a:solidFill>
-                  <a:srgbClr val="ffffff"/>
-                </a:solidFill>
-                <a:latin typeface="Arial"/>
-              </a:rPr>
-              <a:t>Identify themes that span multiple pillars.</a:t>
-            </a:r>
+              <a:t>Use AI as an advanced indexer (live demo)</a:t>
+            </a:r>
+            <a:endParaRPr b="0" lang="en-US" sz="3200" spc="-1" strike="noStrike">
+              <a:solidFill>
+                <a:srgbClr val="000000"/>
+              </a:solidFill>
+              <a:latin typeface="Arial"/>
+            </a:endParaRPr>
+          </a:p>
+          <a:p>
+            <a:pPr marL="216000" indent="0">
+              <a:lnSpc>
+                <a:spcPct val="100000"/>
+              </a:lnSpc>
+              <a:buNone/>
+            </a:pPr>
             <a:endParaRPr b="0" lang="en-US" sz="3200" spc="-1" strike="noStrike">
               <a:solidFill>
                 <a:srgbClr val="000000"/>
@@ -5206,7 +5431,7 @@
         <p:spPr>
           <a:xfrm>
             <a:off x="457200" y="228600"/>
-            <a:ext cx="9069840" cy="945000"/>
+            <a:ext cx="9069480" cy="944640"/>
           </a:xfrm>
           <a:prstGeom prst="rect">
             <a:avLst/>
@@ -5237,7 +5462,7 @@
                 </a:solidFill>
                 <a:latin typeface="Arial"/>
               </a:rPr>
-              <a:t>Spine</a:t>
+              <a:t>Overview</a:t>
             </a:r>
             <a:endParaRPr b="0" lang="en-US" sz="3300" spc="-1" strike="noStrike">
               <a:solidFill>
@@ -5261,7 +5486,7 @@
         <p:spPr>
           <a:xfrm>
             <a:off x="504000" y="1371600"/>
-            <a:ext cx="9069840" cy="4113000"/>
+            <a:ext cx="9069480" cy="4112640"/>
           </a:xfrm>
           <a:prstGeom prst="rect">
             <a:avLst/>
@@ -5294,7 +5519,7 @@
                 </a:solidFill>
                 <a:latin typeface="Arial"/>
               </a:rPr>
-              <a:t>Read CCC and NABRE every six months</a:t>
+              <a:t>Spine: Read CCC and NABRE every six months</a:t>
             </a:r>
             <a:endParaRPr b="0" lang="en-US" sz="3200" spc="-1" strike="noStrike">
               <a:solidFill>
@@ -5322,7 +5547,7 @@
                 </a:solidFill>
                 <a:latin typeface="Arial"/>
               </a:rPr>
-              <a:t>Logos Study Platform reading plans</a:t>
+              <a:t>Break out CCC in a variety of categories</a:t>
             </a:r>
             <a:endParaRPr b="0" lang="en-US" sz="3200" spc="-1" strike="noStrike">
               <a:solidFill>
@@ -5350,7 +5575,7 @@
                 </a:solidFill>
                 <a:latin typeface="Arial"/>
               </a:rPr>
-              <a:t>Plans for Pentateuch, Historical, Wisdom, Prophets, Gospels, Acts-Letters-Rev</a:t>
+              <a:t>Develop and use flashcards</a:t>
             </a:r>
             <a:endParaRPr b="0" lang="en-US" sz="3200" spc="-1" strike="noStrike">
               <a:solidFill>
@@ -5378,25 +5603,92 @@
                 </a:solidFill>
                 <a:latin typeface="Arial"/>
               </a:rPr>
-              <a:t>Plans for each of the 4 CCC pillars</a:t>
-            </a:r>
-            <a:endParaRPr b="0" lang="en-US" sz="3200" spc="-1" strike="noStrike">
-              <a:solidFill>
-                <a:srgbClr val="000000"/>
-              </a:solidFill>
-              <a:latin typeface="Arial"/>
-            </a:endParaRPr>
-          </a:p>
-          <a:p>
-            <a:pPr marL="216000" indent="0">
-              <a:lnSpc>
-                <a:spcPct val="100000"/>
-              </a:lnSpc>
-              <a:buNone/>
-              <a:tabLst>
-                <a:tab algn="l" pos="0"/>
-              </a:tabLst>
-            </a:pPr>
+              <a:t>Study deeper pivoting on indexes</a:t>
+            </a:r>
+            <a:endParaRPr b="0" lang="en-US" sz="3200" spc="-1" strike="noStrike">
+              <a:solidFill>
+                <a:srgbClr val="000000"/>
+              </a:solidFill>
+              <a:latin typeface="Arial"/>
+            </a:endParaRPr>
+          </a:p>
+          <a:p>
+            <a:pPr marL="216000" indent="-216000">
+              <a:lnSpc>
+                <a:spcPct val="100000"/>
+              </a:lnSpc>
+              <a:buClr>
+                <a:srgbClr val="ffffff"/>
+              </a:buClr>
+              <a:buSzPct val="45000"/>
+              <a:buFont typeface="Wingdings" charset="2"/>
+              <a:buChar char=""/>
+            </a:pPr>
+            <a:r>
+              <a:rPr b="0" lang="en-US" sz="3200" spc="-1" strike="noStrike">
+                <a:solidFill>
+                  <a:srgbClr val="ffffff"/>
+                </a:solidFill>
+                <a:latin typeface="Arial"/>
+              </a:rPr>
+              <a:t>Use AI as an advanced indexer</a:t>
+            </a:r>
+            <a:endParaRPr b="0" lang="en-US" sz="3200" spc="-1" strike="noStrike">
+              <a:solidFill>
+                <a:srgbClr val="000000"/>
+              </a:solidFill>
+              <a:latin typeface="Arial"/>
+            </a:endParaRPr>
+          </a:p>
+          <a:p>
+            <a:pPr marL="216000" indent="-216000">
+              <a:lnSpc>
+                <a:spcPct val="100000"/>
+              </a:lnSpc>
+              <a:buClr>
+                <a:srgbClr val="ffffff"/>
+              </a:buClr>
+              <a:buSzPct val="45000"/>
+              <a:buFont typeface="Wingdings" charset="2"/>
+              <a:buChar char=""/>
+            </a:pPr>
+            <a:r>
+              <a:rPr b="0" lang="en-US" sz="3200" spc="-1" strike="noStrike">
+                <a:solidFill>
+                  <a:srgbClr val="ffffff"/>
+                </a:solidFill>
+                <a:latin typeface="Arial"/>
+              </a:rPr>
+              <a:t>Study platform software that interlinks resources</a:t>
+            </a:r>
+            <a:endParaRPr b="0" lang="en-US" sz="3200" spc="-1" strike="noStrike">
+              <a:solidFill>
+                <a:srgbClr val="000000"/>
+              </a:solidFill>
+              <a:latin typeface="Arial"/>
+            </a:endParaRPr>
+          </a:p>
+          <a:p>
+            <a:pPr marL="216000" indent="-216000">
+              <a:lnSpc>
+                <a:spcPct val="100000"/>
+              </a:lnSpc>
+              <a:buClr>
+                <a:srgbClr val="ffffff"/>
+              </a:buClr>
+              <a:buSzPct val="45000"/>
+              <a:buFont typeface="Wingdings" charset="2"/>
+              <a:buChar char=""/>
+            </a:pPr>
+            <a:r>
+              <a:rPr b="0" lang="en-US" sz="3200" spc="-1" strike="noStrike">
+                <a:solidFill>
+                  <a:srgbClr val="ffffff"/>
+                </a:solidFill>
+                <a:latin typeface="Arial"/>
+              </a:rPr>
+              <a:t>Identify themes that span multiple pillars.</a:t>
+            </a:r>
             <a:endParaRPr b="0" lang="en-US" sz="3200" spc="-1" strike="noStrike">
               <a:solidFill>
                 <a:srgbClr val="000000"/>
@@ -5449,7 +5741,7 @@
         <p:spPr>
           <a:xfrm>
             <a:off x="457200" y="228600"/>
-            <a:ext cx="9069840" cy="945000"/>
+            <a:ext cx="9069480" cy="944640"/>
           </a:xfrm>
           <a:prstGeom prst="rect">
             <a:avLst/>
@@ -5480,7 +5772,7 @@
                 </a:solidFill>
                 <a:latin typeface="Arial"/>
               </a:rPr>
-              <a:t>Pivot on Different Categories</a:t>
+              <a:t>Spine</a:t>
             </a:r>
             <a:endParaRPr b="0" lang="en-US" sz="3300" spc="-1" strike="noStrike">
               <a:solidFill>
@@ -5504,7 +5796,7 @@
         <p:spPr>
           <a:xfrm>
             <a:off x="504000" y="1371600"/>
-            <a:ext cx="9069840" cy="4113000"/>
+            <a:ext cx="9069480" cy="4112640"/>
           </a:xfrm>
           <a:prstGeom prst="rect">
             <a:avLst/>
@@ -5537,7 +5829,7 @@
                 </a:solidFill>
                 <a:latin typeface="Arial"/>
               </a:rPr>
-              <a:t>Create Logos Books that link to other resources</a:t>
+              <a:t>Read CCC and NABRE every six months</a:t>
             </a:r>
             <a:endParaRPr b="0" lang="en-US" sz="3200" spc="-1" strike="noStrike">
               <a:solidFill>
@@ -5565,7 +5857,7 @@
                 </a:solidFill>
                 <a:latin typeface="Arial"/>
               </a:rPr>
-              <a:t>Convert the online lessons to Logos Books</a:t>
+              <a:t>Logos Study Platform reading plans</a:t>
             </a:r>
             <a:endParaRPr b="0" lang="en-US" sz="3200" spc="-1" strike="noStrike">
               <a:solidFill>
@@ -5593,7 +5885,7 @@
                 </a:solidFill>
                 <a:latin typeface="Arial"/>
               </a:rPr>
-              <a:t>Convert RE Standards for K-8 to Logos Books</a:t>
+              <a:t>Plans for Pentateuch, Historical, Wisdom, Prophets, Gospels, Acts-Letters-Rev</a:t>
             </a:r>
             <a:endParaRPr b="0" lang="en-US" sz="3200" spc="-1" strike="noStrike">
               <a:solidFill>
@@ -5621,81 +5913,8 @@
                 </a:solidFill>
                 <a:latin typeface="Arial"/>
               </a:rPr>
-              <a:t>Convert the Compendium of the CCC to Logos </a:t>
-            </a:r>
-            <a:endParaRPr b="0" lang="en-US" sz="3200" spc="-1" strike="noStrike">
-              <a:solidFill>
-                <a:srgbClr val="000000"/>
-              </a:solidFill>
-              <a:latin typeface="Arial"/>
-            </a:endParaRPr>
-          </a:p>
-          <a:p>
-            <a:pPr marL="216000" indent="-216000">
-              <a:lnSpc>
-                <a:spcPct val="100000"/>
-              </a:lnSpc>
-              <a:buClr>
-                <a:srgbClr val="ffffff"/>
-              </a:buClr>
-              <a:buSzPct val="45000"/>
-              <a:buFont typeface="Wingdings" charset="2"/>
-              <a:buChar char=""/>
-            </a:pPr>
-            <a:r>
-              <a:rPr b="0" lang="en-US" sz="3200" spc="-1" strike="noStrike">
-                <a:solidFill>
-                  <a:srgbClr val="ffffff"/>
-                </a:solidFill>
-                <a:latin typeface="Arial"/>
-              </a:rPr>
-              <a:t>Link full RE Standards pdf on Logos panel</a:t>
-            </a:r>
-            <a:endParaRPr b="0" lang="en-US" sz="3200" spc="-1" strike="noStrike">
-              <a:solidFill>
-                <a:srgbClr val="000000"/>
-              </a:solidFill>
-              <a:latin typeface="Arial"/>
-            </a:endParaRPr>
-          </a:p>
-          <a:p>
-            <a:pPr marL="216000" indent="-216000">
-              <a:lnSpc>
-                <a:spcPct val="100000"/>
-              </a:lnSpc>
-              <a:buClr>
-                <a:srgbClr val="ffffff"/>
-              </a:buClr>
-              <a:buSzPct val="45000"/>
-              <a:buFont typeface="Wingdings" charset="2"/>
-              <a:buChar char=""/>
-            </a:pPr>
-            <a:r>
-              <a:rPr b="0" lang="en-US" sz="3200" spc="-1" strike="noStrike">
-                <a:solidFill>
-                  <a:srgbClr val="ffffff"/>
-                </a:solidFill>
-                <a:latin typeface="Arial"/>
-              </a:rPr>
-              <a:t>Manage with on the fly reading plans (demo).</a:t>
-            </a:r>
-            <a:endParaRPr b="0" lang="en-US" sz="3200" spc="-1" strike="noStrike">
-              <a:solidFill>
-                <a:srgbClr val="000000"/>
-              </a:solidFill>
-              <a:latin typeface="Arial"/>
-            </a:endParaRPr>
-          </a:p>
-          <a:p>
-            <a:pPr marL="216000" indent="0">
-              <a:lnSpc>
-                <a:spcPct val="100000"/>
-              </a:lnSpc>
-              <a:buNone/>
-              <a:tabLst>
-                <a:tab algn="l" pos="0"/>
-              </a:tabLst>
-            </a:pPr>
+              <a:t>Plans for each of the 4 CCC pillars</a:t>
+            </a:r>
             <a:endParaRPr b="0" lang="en-US" sz="3200" spc="-1" strike="noStrike">
               <a:solidFill>
                 <a:srgbClr val="000000"/>
@@ -5765,7 +5984,7 @@
         <p:spPr>
           <a:xfrm>
             <a:off x="457200" y="228600"/>
-            <a:ext cx="9069840" cy="945000"/>
+            <a:ext cx="9069480" cy="944640"/>
           </a:xfrm>
           <a:prstGeom prst="rect">
             <a:avLst/>
@@ -5796,7 +6015,7 @@
                 </a:solidFill>
                 <a:latin typeface="Arial"/>
               </a:rPr>
-              <a:t>Flashcards</a:t>
+              <a:t>Pivot on Different Categories</a:t>
             </a:r>
             <a:endParaRPr b="0" lang="en-US" sz="3300" spc="-1" strike="noStrike">
               <a:solidFill>
@@ -5820,7 +6039,7 @@
         <p:spPr>
           <a:xfrm>
             <a:off x="504000" y="1371600"/>
-            <a:ext cx="9069840" cy="4556160"/>
+            <a:ext cx="9069480" cy="4112640"/>
           </a:xfrm>
           <a:prstGeom prst="rect">
             <a:avLst/>
@@ -5853,7 +6072,7 @@
                 </a:solidFill>
                 <a:latin typeface="Arial"/>
               </a:rPr>
-              <a:t>Create and use Anki Flashcards.</a:t>
+              <a:t>Create Logos Books that link to other resources</a:t>
             </a:r>
             <a:endParaRPr b="0" lang="en-US" sz="3200" spc="-1" strike="noStrike">
               <a:solidFill>
@@ -5881,7 +6100,7 @@
                 </a:solidFill>
                 <a:latin typeface="Arial"/>
               </a:rPr>
-              <a:t>RE Standards into Tasks, Concepts, Items.</a:t>
+              <a:t>Convert the online lessons to Logos Books</a:t>
             </a:r>
             <a:endParaRPr b="0" lang="en-US" sz="3200" spc="-1" strike="noStrike">
               <a:solidFill>
@@ -5909,7 +6128,7 @@
                 </a:solidFill>
                 <a:latin typeface="Arial"/>
               </a:rPr>
-              <a:t>CCC glossary flashcards.</a:t>
+              <a:t>Convert RE Standards for K-8 to Logos Books</a:t>
             </a:r>
             <a:endParaRPr b="0" lang="en-US" sz="3200" spc="-1" strike="noStrike">
               <a:solidFill>
@@ -5937,7 +6156,7 @@
                 </a:solidFill>
                 <a:latin typeface="Arial"/>
               </a:rPr>
-              <a:t>Compendium Index, Prayers, Doctrine</a:t>
+              <a:t>Convert the Compendium of the CCC to Logos </a:t>
             </a:r>
             <a:endParaRPr b="0" lang="en-US" sz="3200" spc="-1" strike="noStrike">
               <a:solidFill>
@@ -5965,25 +6184,36 @@
                 </a:solidFill>
                 <a:latin typeface="Arial"/>
               </a:rPr>
-              <a:t>Flashcards on Ecumenical Councils, Particular Councils and Synods, Pontifical Documents, Ecclesiastical Documents, Canon Law, Liturgy, Ecclesiastical Writers. </a:t>
-            </a:r>
-            <a:endParaRPr b="0" lang="en-US" sz="3200" spc="-1" strike="noStrike">
-              <a:solidFill>
-                <a:srgbClr val="000000"/>
-              </a:solidFill>
-              <a:latin typeface="Arial"/>
-            </a:endParaRPr>
-          </a:p>
-          <a:p>
-            <a:pPr marL="216000" indent="0">
-              <a:lnSpc>
-                <a:spcPct val="100000"/>
-              </a:lnSpc>
-              <a:buNone/>
-              <a:tabLst>
-                <a:tab algn="l" pos="0"/>
-              </a:tabLst>
-            </a:pPr>
+              <a:t>Link full RE Standards pdf on Logos panel</a:t>
+            </a:r>
+            <a:endParaRPr b="0" lang="en-US" sz="3200" spc="-1" strike="noStrike">
+              <a:solidFill>
+                <a:srgbClr val="000000"/>
+              </a:solidFill>
+              <a:latin typeface="Arial"/>
+            </a:endParaRPr>
+          </a:p>
+          <a:p>
+            <a:pPr marL="216000" indent="-216000">
+              <a:lnSpc>
+                <a:spcPct val="100000"/>
+              </a:lnSpc>
+              <a:buClr>
+                <a:srgbClr val="ffffff"/>
+              </a:buClr>
+              <a:buSzPct val="45000"/>
+              <a:buFont typeface="Wingdings" charset="2"/>
+              <a:buChar char=""/>
+            </a:pPr>
+            <a:r>
+              <a:rPr b="0" lang="en-US" sz="3200" spc="-1" strike="noStrike">
+                <a:solidFill>
+                  <a:srgbClr val="ffffff"/>
+                </a:solidFill>
+                <a:latin typeface="Arial"/>
+              </a:rPr>
+              <a:t>Manage with on the fly reading plans (demo).</a:t>
+            </a:r>
             <a:endParaRPr b="0" lang="en-US" sz="3200" spc="-1" strike="noStrike">
               <a:solidFill>
                 <a:srgbClr val="000000"/>
@@ -6070,7 +6300,7 @@
         <p:spPr>
           <a:xfrm>
             <a:off x="457200" y="228600"/>
-            <a:ext cx="9069840" cy="945000"/>
+            <a:ext cx="9069480" cy="944640"/>
           </a:xfrm>
           <a:prstGeom prst="rect">
             <a:avLst/>
@@ -6101,7 +6331,7 @@
                 </a:solidFill>
                 <a:latin typeface="Arial"/>
               </a:rPr>
-              <a:t>CCC Indexes</a:t>
+              <a:t>Flashcards</a:t>
             </a:r>
             <a:endParaRPr b="0" lang="en-US" sz="3300" spc="-1" strike="noStrike">
               <a:solidFill>
@@ -6125,7 +6355,7 @@
         <p:spPr>
           <a:xfrm>
             <a:off x="504000" y="1371600"/>
-            <a:ext cx="9069840" cy="4113000"/>
+            <a:ext cx="9069480" cy="4555800"/>
           </a:xfrm>
           <a:prstGeom prst="rect">
             <a:avLst/>
@@ -6158,7 +6388,7 @@
                 </a:solidFill>
                 <a:latin typeface="Arial"/>
               </a:rPr>
-              <a:t>Read Scriptures driven by Scripture Index</a:t>
+              <a:t>Create and use Anki Flashcards.</a:t>
             </a:r>
             <a:endParaRPr b="0" lang="en-US" sz="3200" spc="-1" strike="noStrike">
               <a:solidFill>
@@ -6186,7 +6416,7 @@
                 </a:solidFill>
                 <a:latin typeface="Arial"/>
               </a:rPr>
-              <a:t>Read CCC and DS driven by Ecumenical Councils, Particular Councils and Synods, Pontifical Documents, Ecclesiastical Documents, Canon Law, Liturgy, Ecclesiastical Writers.</a:t>
+              <a:t>RE Standards into Tasks, Concepts, Items.</a:t>
             </a:r>
             <a:endParaRPr b="0" lang="en-US" sz="3200" spc="-1" strike="noStrike">
               <a:solidFill>
@@ -6214,7 +6444,63 @@
                 </a:solidFill>
                 <a:latin typeface="Arial"/>
               </a:rPr>
-              <a:t>Manage with on the fly reading plans.</a:t>
+              <a:t>CCC glossary flashcards.</a:t>
+            </a:r>
+            <a:endParaRPr b="0" lang="en-US" sz="3200" spc="-1" strike="noStrike">
+              <a:solidFill>
+                <a:srgbClr val="000000"/>
+              </a:solidFill>
+              <a:latin typeface="Arial"/>
+            </a:endParaRPr>
+          </a:p>
+          <a:p>
+            <a:pPr marL="216000" indent="-216000">
+              <a:lnSpc>
+                <a:spcPct val="100000"/>
+              </a:lnSpc>
+              <a:buClr>
+                <a:srgbClr val="ffffff"/>
+              </a:buClr>
+              <a:buSzPct val="45000"/>
+              <a:buFont typeface="Wingdings" charset="2"/>
+              <a:buChar char=""/>
+            </a:pPr>
+            <a:r>
+              <a:rPr b="0" lang="en-US" sz="3200" spc="-1" strike="noStrike">
+                <a:solidFill>
+                  <a:srgbClr val="ffffff"/>
+                </a:solidFill>
+                <a:latin typeface="Arial"/>
+              </a:rPr>
+              <a:t>Compendium Index, Prayers, Doctrine</a:t>
+            </a:r>
+            <a:endParaRPr b="0" lang="en-US" sz="3200" spc="-1" strike="noStrike">
+              <a:solidFill>
+                <a:srgbClr val="000000"/>
+              </a:solidFill>
+              <a:latin typeface="Arial"/>
+            </a:endParaRPr>
+          </a:p>
+          <a:p>
+            <a:pPr marL="216000" indent="-216000">
+              <a:lnSpc>
+                <a:spcPct val="100000"/>
+              </a:lnSpc>
+              <a:buClr>
+                <a:srgbClr val="ffffff"/>
+              </a:buClr>
+              <a:buSzPct val="45000"/>
+              <a:buFont typeface="Wingdings" charset="2"/>
+              <a:buChar char=""/>
+            </a:pPr>
+            <a:r>
+              <a:rPr b="0" lang="en-US" sz="3200" spc="-1" strike="noStrike">
+                <a:solidFill>
+                  <a:srgbClr val="ffffff"/>
+                </a:solidFill>
+                <a:latin typeface="Arial"/>
+              </a:rPr>
+              <a:t>Flashcards on Ecumenical Councils, Particular Councils and Synods, Pontifical Documents, Ecclesiastical Documents, Canon Law, Liturgy, Ecclesiastical Writers. </a:t>
             </a:r>
             <a:endParaRPr b="0" lang="en-US" sz="3200" spc="-1" strike="noStrike">
               <a:solidFill>
@@ -6319,7 +6605,7 @@
         <p:spPr>
           <a:xfrm>
             <a:off x="457200" y="228600"/>
-            <a:ext cx="9069840" cy="945000"/>
+            <a:ext cx="9069480" cy="944640"/>
           </a:xfrm>
           <a:prstGeom prst="rect">
             <a:avLst/>
@@ -6350,7 +6636,7 @@
                 </a:solidFill>
                 <a:latin typeface="Arial"/>
               </a:rPr>
-              <a:t>AI Queries</a:t>
+              <a:t>CCC Indexes</a:t>
             </a:r>
             <a:endParaRPr b="0" lang="en-US" sz="3300" spc="-1" strike="noStrike">
               <a:solidFill>
@@ -6374,7 +6660,7 @@
         <p:spPr>
           <a:xfrm>
             <a:off x="504000" y="1371600"/>
-            <a:ext cx="9069840" cy="4113000"/>
+            <a:ext cx="9069480" cy="4112640"/>
           </a:xfrm>
           <a:prstGeom prst="rect">
             <a:avLst/>
@@ -6407,7 +6693,7 @@
                 </a:solidFill>
                 <a:latin typeface="Arial"/>
               </a:rPr>
-              <a:t>Use AI (like Bing Copilot) as an advanced indexer that can target authoritative sources.</a:t>
+              <a:t>Read Scriptures driven by Scripture Index</a:t>
             </a:r>
             <a:endParaRPr b="0" lang="en-US" sz="3200" spc="-1" strike="noStrike">
               <a:solidFill>
@@ -6435,7 +6721,7 @@
                 </a:solidFill>
                 <a:latin typeface="Arial"/>
               </a:rPr>
-              <a:t>Target CCC, Summa, Fathers, etc.</a:t>
+              <a:t>Read CCC and DS driven by Ecumenical Councils, Particular Councils and Synods, Pontifical Documents, Ecclesiastical Documents, Canon Law, Liturgy, Ecclesiastical Writers.</a:t>
             </a:r>
             <a:endParaRPr b="0" lang="en-US" sz="3200" spc="-1" strike="noStrike">
               <a:solidFill>
@@ -6463,7 +6749,7 @@
                 </a:solidFill>
                 <a:latin typeface="Arial"/>
               </a:rPr>
-              <a:t>Make Logos Books out of the results.</a:t>
+              <a:t>Manage with on the fly reading plans.</a:t>
             </a:r>
             <a:endParaRPr b="0" lang="en-US" sz="3200" spc="-1" strike="noStrike">
               <a:solidFill>
@@ -6568,7 +6854,7 @@
         <p:spPr>
           <a:xfrm>
             <a:off x="457200" y="228600"/>
-            <a:ext cx="9069840" cy="945000"/>
+            <a:ext cx="9069480" cy="944640"/>
           </a:xfrm>
           <a:prstGeom prst="rect">
             <a:avLst/>
@@ -6599,7 +6885,7 @@
                 </a:solidFill>
                 <a:latin typeface="Arial"/>
               </a:rPr>
-              <a:t>Stretch Goal Reading Plans</a:t>
+              <a:t>AI Queries</a:t>
             </a:r>
             <a:endParaRPr b="0" lang="en-US" sz="3300" spc="-1" strike="noStrike">
               <a:solidFill>
@@ -6623,7 +6909,7 @@
         <p:spPr>
           <a:xfrm>
             <a:off x="504000" y="1371600"/>
-            <a:ext cx="9069840" cy="4113000"/>
+            <a:ext cx="9069480" cy="4112640"/>
           </a:xfrm>
           <a:prstGeom prst="rect">
             <a:avLst/>
@@ -6650,15 +6936,15 @@
               <a:buChar char=""/>
             </a:pPr>
             <a:r>
-              <a:rPr b="0" lang="en-US" sz="2200" spc="-1" strike="noStrike">
-                <a:solidFill>
-                  <a:srgbClr val="ffffff"/>
-                </a:solidFill>
-                <a:latin typeface="Arial"/>
-              </a:rPr>
-              <a:t>Summas by Aquinas (or abridged versions)</a:t>
-            </a:r>
-            <a:endParaRPr b="0" lang="en-US" sz="2200" spc="-1" strike="noStrike">
+              <a:rPr b="0" lang="en-US" sz="3200" spc="-1" strike="noStrike">
+                <a:solidFill>
+                  <a:srgbClr val="ffffff"/>
+                </a:solidFill>
+                <a:latin typeface="Arial"/>
+              </a:rPr>
+              <a:t>Use AI (like Bing Copilot) as an advanced indexer that can target authoritative sources.</a:t>
+            </a:r>
+            <a:endParaRPr b="0" lang="en-US" sz="3200" spc="-1" strike="noStrike">
               <a:solidFill>
                 <a:srgbClr val="000000"/>
               </a:solidFill>
@@ -6678,15 +6964,15 @@
               <a:buChar char=""/>
             </a:pPr>
             <a:r>
-              <a:rPr b="0" lang="en-US" sz="2200" spc="-1" strike="noStrike">
-                <a:solidFill>
-                  <a:srgbClr val="ffffff"/>
-                </a:solidFill>
-                <a:latin typeface="Arial"/>
-              </a:rPr>
-              <a:t>Ludwig Ott, Foundations</a:t>
-            </a:r>
-            <a:endParaRPr b="0" lang="en-US" sz="2200" spc="-1" strike="noStrike">
+              <a:rPr b="0" lang="en-US" sz="3200" spc="-1" strike="noStrike">
+                <a:solidFill>
+                  <a:srgbClr val="ffffff"/>
+                </a:solidFill>
+                <a:latin typeface="Arial"/>
+              </a:rPr>
+              <a:t>Target CCC, Summa, Fathers, etc.</a:t>
+            </a:r>
+            <a:endParaRPr b="0" lang="en-US" sz="3200" spc="-1" strike="noStrike">
               <a:solidFill>
                 <a:srgbClr val="000000"/>
               </a:solidFill>
@@ -6706,269 +6992,32 @@
               <a:buChar char=""/>
             </a:pPr>
             <a:r>
-              <a:rPr b="0" lang="en-US" sz="2200" spc="-1" strike="noStrike">
-                <a:solidFill>
-                  <a:srgbClr val="ffffff"/>
-                </a:solidFill>
-                <a:latin typeface="Arial"/>
-              </a:rPr>
-              <a:t>Denzinger, Sources</a:t>
-            </a:r>
-            <a:endParaRPr b="0" lang="en-US" sz="2200" spc="-1" strike="noStrike">
-              <a:solidFill>
-                <a:srgbClr val="000000"/>
-              </a:solidFill>
-              <a:latin typeface="Arial"/>
-            </a:endParaRPr>
-          </a:p>
-          <a:p>
-            <a:pPr marL="216000" indent="-216000">
-              <a:lnSpc>
-                <a:spcPct val="100000"/>
-              </a:lnSpc>
-              <a:buClr>
-                <a:srgbClr val="ffffff"/>
-              </a:buClr>
-              <a:buSzPct val="45000"/>
-              <a:buFont typeface="Wingdings" charset="2"/>
-              <a:buChar char=""/>
-            </a:pPr>
-            <a:r>
-              <a:rPr b="0" lang="en-US" sz="2200" spc="-1" strike="noStrike">
-                <a:solidFill>
-                  <a:srgbClr val="ffffff"/>
-                </a:solidFill>
-                <a:latin typeface="Arial"/>
-              </a:rPr>
-              <a:t>Vatican II Documents</a:t>
-            </a:r>
-            <a:endParaRPr b="0" lang="en-US" sz="2200" spc="-1" strike="noStrike">
-              <a:solidFill>
-                <a:srgbClr val="000000"/>
-              </a:solidFill>
-              <a:latin typeface="Arial"/>
-            </a:endParaRPr>
-          </a:p>
-          <a:p>
-            <a:pPr marL="216000" indent="-216000">
-              <a:lnSpc>
-                <a:spcPct val="100000"/>
-              </a:lnSpc>
-              <a:buClr>
-                <a:srgbClr val="ffffff"/>
-              </a:buClr>
-              <a:buSzPct val="45000"/>
-              <a:buFont typeface="Wingdings" charset="2"/>
-              <a:buChar char=""/>
-            </a:pPr>
-            <a:r>
-              <a:rPr b="0" lang="en-US" sz="2200" spc="-1" strike="noStrike">
-                <a:solidFill>
-                  <a:srgbClr val="ffffff"/>
-                </a:solidFill>
-                <a:latin typeface="Arial"/>
-              </a:rPr>
-              <a:t>Encyclicals post Vat II</a:t>
-            </a:r>
-            <a:endParaRPr b="0" lang="en-US" sz="2200" spc="-1" strike="noStrike">
-              <a:solidFill>
-                <a:srgbClr val="000000"/>
-              </a:solidFill>
-              <a:latin typeface="Arial"/>
-            </a:endParaRPr>
-          </a:p>
-          <a:p>
-            <a:pPr marL="216000" indent="-216000">
-              <a:lnSpc>
-                <a:spcPct val="100000"/>
-              </a:lnSpc>
-              <a:buClr>
-                <a:srgbClr val="ffffff"/>
-              </a:buClr>
-              <a:buSzPct val="45000"/>
-              <a:buFont typeface="Wingdings" charset="2"/>
-              <a:buChar char=""/>
-            </a:pPr>
-            <a:r>
-              <a:rPr b="0" lang="en-US" sz="2200" spc="-1" strike="noStrike">
-                <a:solidFill>
-                  <a:srgbClr val="ffffff"/>
-                </a:solidFill>
-                <a:latin typeface="Arial"/>
-              </a:rPr>
-              <a:t>Patrology (4 vol on Fathers)</a:t>
-            </a:r>
-            <a:endParaRPr b="0" lang="en-US" sz="2200" spc="-1" strike="noStrike">
-              <a:solidFill>
-                <a:srgbClr val="000000"/>
-              </a:solidFill>
-              <a:latin typeface="Arial"/>
-            </a:endParaRPr>
-          </a:p>
-          <a:p>
-            <a:pPr marL="216000" indent="-216000">
-              <a:lnSpc>
-                <a:spcPct val="100000"/>
-              </a:lnSpc>
-              <a:buClr>
-                <a:srgbClr val="ffffff"/>
-              </a:buClr>
-              <a:buSzPct val="45000"/>
-              <a:buFont typeface="Wingdings" charset="2"/>
-              <a:buChar char=""/>
-            </a:pPr>
-            <a:r>
-              <a:rPr b="0" lang="en-US" sz="2200" spc="-1" strike="noStrike">
-                <a:solidFill>
-                  <a:srgbClr val="ffffff"/>
-                </a:solidFill>
-                <a:latin typeface="Arial"/>
-              </a:rPr>
-              <a:t>The 33 Doctors of the Church, Rengers</a:t>
-            </a:r>
-            <a:endParaRPr b="0" lang="en-US" sz="2200" spc="-1" strike="noStrike">
-              <a:solidFill>
-                <a:srgbClr val="000000"/>
-              </a:solidFill>
-              <a:latin typeface="Arial"/>
-            </a:endParaRPr>
-          </a:p>
-          <a:p>
-            <a:pPr marL="216000" indent="-216000">
-              <a:lnSpc>
-                <a:spcPct val="100000"/>
-              </a:lnSpc>
-              <a:buClr>
-                <a:srgbClr val="ffffff"/>
-              </a:buClr>
-              <a:buSzPct val="45000"/>
-              <a:buFont typeface="Wingdings" charset="2"/>
-              <a:buChar char=""/>
-            </a:pPr>
-            <a:r>
-              <a:rPr b="0" lang="en-US" sz="2200" spc="-1" strike="noStrike">
-                <a:solidFill>
-                  <a:srgbClr val="ffffff"/>
-                </a:solidFill>
-                <a:latin typeface="Arial"/>
-              </a:rPr>
-              <a:t>Church History (Chadwick, Frend, Gonzalez</a:t>
-            </a:r>
-            <a:endParaRPr b="0" lang="en-US" sz="2200" spc="-1" strike="noStrike">
-              <a:solidFill>
-                <a:srgbClr val="000000"/>
-              </a:solidFill>
-              <a:latin typeface="Arial"/>
-            </a:endParaRPr>
-          </a:p>
-          <a:p>
-            <a:pPr marL="216000" indent="-216000">
-              <a:lnSpc>
-                <a:spcPct val="100000"/>
-              </a:lnSpc>
-              <a:buClr>
-                <a:srgbClr val="ffffff"/>
-              </a:buClr>
-              <a:buSzPct val="45000"/>
-              <a:buFont typeface="Wingdings" charset="2"/>
-              <a:buChar char=""/>
-            </a:pPr>
-            <a:r>
-              <a:rPr b="0" lang="en-US" sz="2200" spc="-1" strike="noStrike">
-                <a:solidFill>
-                  <a:srgbClr val="ffffff"/>
-                </a:solidFill>
-                <a:latin typeface="Arial"/>
-              </a:rPr>
-              <a:t>The Making of Modern German Christology, McGrath</a:t>
-            </a:r>
-            <a:endParaRPr b="0" lang="en-US" sz="2200" spc="-1" strike="noStrike">
-              <a:solidFill>
-                <a:srgbClr val="000000"/>
-              </a:solidFill>
-              <a:latin typeface="Arial"/>
-            </a:endParaRPr>
-          </a:p>
-          <a:p>
-            <a:pPr marL="216000" indent="-216000">
-              <a:lnSpc>
-                <a:spcPct val="100000"/>
-              </a:lnSpc>
-              <a:buClr>
-                <a:srgbClr val="ffffff"/>
-              </a:buClr>
-              <a:buSzPct val="45000"/>
-              <a:buFont typeface="Wingdings" charset="2"/>
-              <a:buChar char=""/>
-            </a:pPr>
-            <a:r>
-              <a:rPr b="0" lang="en-US" sz="2200" spc="-1" strike="noStrike">
-                <a:solidFill>
-                  <a:srgbClr val="ffffff"/>
-                </a:solidFill>
-                <a:latin typeface="Arial"/>
-              </a:rPr>
-              <a:t>Reading Guides in the NABRE Oxford Study Bible (Donald Senior)</a:t>
-            </a:r>
-            <a:endParaRPr b="0" lang="en-US" sz="2200" spc="-1" strike="noStrike">
-              <a:solidFill>
-                <a:srgbClr val="000000"/>
-              </a:solidFill>
-              <a:latin typeface="Arial"/>
-            </a:endParaRPr>
-          </a:p>
-          <a:p>
-            <a:pPr marL="216000" indent="-216000">
-              <a:lnSpc>
-                <a:spcPct val="100000"/>
-              </a:lnSpc>
-              <a:buClr>
-                <a:srgbClr val="ffffff"/>
-              </a:buClr>
-              <a:buSzPct val="45000"/>
-              <a:buFont typeface="Wingdings" charset="2"/>
-              <a:buChar char=""/>
-            </a:pPr>
-            <a:r>
-              <a:rPr b="0" lang="en-US" sz="2200" spc="-1" strike="noStrike">
-                <a:solidFill>
-                  <a:srgbClr val="ffffff"/>
-                </a:solidFill>
-                <a:latin typeface="Arial"/>
-                <a:ea typeface="Microsoft YaHei"/>
-              </a:rPr>
-              <a:t>Introductory articles NABRE Oxford Study Bible.</a:t>
-            </a:r>
-            <a:endParaRPr b="0" lang="en-US" sz="2200" spc="-1" strike="noStrike">
-              <a:solidFill>
-                <a:srgbClr val="000000"/>
-              </a:solidFill>
-              <a:latin typeface="Arial"/>
-            </a:endParaRPr>
-          </a:p>
-          <a:p>
-            <a:pPr marL="216000" indent="-216000">
-              <a:lnSpc>
-                <a:spcPct val="100000"/>
-              </a:lnSpc>
-              <a:buClr>
-                <a:srgbClr val="ffffff"/>
-              </a:buClr>
-              <a:buSzPct val="45000"/>
-              <a:buFont typeface="Wingdings" charset="2"/>
-              <a:buChar char=""/>
-            </a:pPr>
-            <a:r>
-              <a:rPr b="0" lang="en-US" sz="2200" spc="-1" strike="noStrike">
-                <a:solidFill>
-                  <a:srgbClr val="ffffff"/>
-                </a:solidFill>
-                <a:latin typeface="Arial"/>
-                <a:ea typeface="Microsoft YaHei"/>
-              </a:rPr>
-              <a:t>Pontifical Commision material</a:t>
-            </a:r>
-            <a:endParaRPr b="0" lang="en-US" sz="2200" spc="-1" strike="noStrike">
+              <a:rPr b="0" lang="en-US" sz="3200" spc="-1" strike="noStrike">
+                <a:solidFill>
+                  <a:srgbClr val="ffffff"/>
+                </a:solidFill>
+                <a:latin typeface="Arial"/>
+              </a:rPr>
+              <a:t>Make Logos Books out of the results.</a:t>
+            </a:r>
+            <a:endParaRPr b="0" lang="en-US" sz="3200" spc="-1" strike="noStrike">
+              <a:solidFill>
+                <a:srgbClr val="000000"/>
+              </a:solidFill>
+              <a:latin typeface="Arial"/>
+            </a:endParaRPr>
+          </a:p>
+          <a:p>
+            <a:pPr marL="216000" indent="0">
+              <a:lnSpc>
+                <a:spcPct val="100000"/>
+              </a:lnSpc>
+              <a:buNone/>
+              <a:tabLst>
+                <a:tab algn="l" pos="0"/>
+              </a:tabLst>
+            </a:pPr>
+            <a:endParaRPr b="0" lang="en-US" sz="3200" spc="-1" strike="noStrike">
               <a:solidFill>
                 <a:srgbClr val="000000"/>
               </a:solidFill>
@@ -7054,7 +7103,7 @@
         <p:spPr>
           <a:xfrm>
             <a:off x="457200" y="228600"/>
-            <a:ext cx="9069840" cy="945000"/>
+            <a:ext cx="9069480" cy="944640"/>
           </a:xfrm>
           <a:prstGeom prst="rect">
             <a:avLst/>
@@ -7085,7 +7134,7 @@
                 </a:solidFill>
                 <a:latin typeface="Arial"/>
               </a:rPr>
-              <a:t>Logos Packages</a:t>
+              <a:t>Stretch Goal Reading Plans</a:t>
             </a:r>
             <a:endParaRPr b="0" lang="en-US" sz="3300" spc="-1" strike="noStrike">
               <a:solidFill>
@@ -7109,7 +7158,7 @@
         <p:spPr>
           <a:xfrm>
             <a:off x="504000" y="1371600"/>
-            <a:ext cx="9069840" cy="4113000"/>
+            <a:ext cx="9069480" cy="4112640"/>
           </a:xfrm>
           <a:prstGeom prst="rect">
             <a:avLst/>
@@ -7136,60 +7185,43 @@
               <a:buChar char=""/>
             </a:pPr>
             <a:r>
-              <a:rPr b="0" lang="en-US" sz="3200" spc="-1" strike="noStrike">
-                <a:solidFill>
-                  <a:srgbClr val="ffffff"/>
-                </a:solidFill>
-                <a:latin typeface="Arial"/>
-              </a:rPr>
-              <a:t>https://www.logos.com/product/18543/catechism-of-the-catholic-church-collection </a:t>
-            </a:r>
-            <a:endParaRPr b="0" lang="en-US" sz="3200" spc="-1" strike="noStrike">
-              <a:solidFill>
-                <a:srgbClr val="000000"/>
-              </a:solidFill>
-              <a:latin typeface="Arial"/>
-            </a:endParaRPr>
-          </a:p>
-          <a:p>
-            <a:pPr lvl="1" marL="432000" indent="-216000">
+              <a:rPr b="0" lang="en-US" sz="2200" spc="-1" strike="noStrike">
+                <a:solidFill>
+                  <a:srgbClr val="ffffff"/>
+                </a:solidFill>
+                <a:latin typeface="Arial"/>
+              </a:rPr>
+              <a:t>Summas by Aquinas (or abridged versions)</a:t>
+            </a:r>
+            <a:endParaRPr b="0" lang="en-US" sz="2200" spc="-1" strike="noStrike">
+              <a:solidFill>
+                <a:srgbClr val="000000"/>
+              </a:solidFill>
+              <a:latin typeface="Arial"/>
+            </a:endParaRPr>
+          </a:p>
+          <a:p>
+            <a:pPr marL="216000" indent="-216000">
               <a:lnSpc>
                 <a:spcPct val="100000"/>
               </a:lnSpc>
               <a:buClr>
-                <a:srgbClr val="000000"/>
+                <a:srgbClr val="ffffff"/>
               </a:buClr>
               <a:buSzPct val="45000"/>
               <a:buFont typeface="Wingdings" charset="2"/>
               <a:buChar char=""/>
             </a:pPr>
             <a:r>
-              <a:rPr b="0" lang="en-US" sz="3200" spc="-1" strike="noStrike">
-                <a:solidFill>
-                  <a:srgbClr val="ffffff"/>
-                </a:solidFill>
-                <a:latin typeface="Arial"/>
-              </a:rPr>
-              <a:t>$49</a:t>
-            </a:r>
-            <a:endParaRPr b="0" lang="en-US" sz="3200" spc="-1" strike="noStrike">
-              <a:solidFill>
-                <a:srgbClr val="000000"/>
-              </a:solidFill>
-              <a:latin typeface="Arial"/>
-            </a:endParaRPr>
-          </a:p>
-          <a:p>
-            <a:pPr marL="216000" indent="0">
-              <a:lnSpc>
-                <a:spcPct val="100000"/>
-              </a:lnSpc>
-              <a:buNone/>
-              <a:tabLst>
-                <a:tab algn="l" pos="0"/>
-              </a:tabLst>
-            </a:pPr>
-            <a:endParaRPr b="0" lang="en-US" sz="3200" spc="-1" strike="noStrike">
+              <a:rPr b="0" lang="en-US" sz="2200" spc="-1" strike="noStrike">
+                <a:solidFill>
+                  <a:srgbClr val="ffffff"/>
+                </a:solidFill>
+                <a:latin typeface="Arial"/>
+              </a:rPr>
+              <a:t>Ludwig Ott, Foundations</a:t>
+            </a:r>
+            <a:endParaRPr b="0" lang="en-US" sz="2200" spc="-1" strike="noStrike">
               <a:solidFill>
                 <a:srgbClr val="000000"/>
               </a:solidFill>
@@ -7207,50 +7239,287 @@
               <a:buSzPct val="45000"/>
               <a:buFont typeface="Wingdings" charset="2"/>
               <a:buChar char=""/>
-              <a:tabLst>
-                <a:tab algn="l" pos="0"/>
-              </a:tabLst>
-            </a:pPr>
-            <a:r>
-              <a:rPr b="0" lang="en-US" sz="3200" spc="-1" strike="noStrike">
-                <a:solidFill>
-                  <a:srgbClr val="ffffff"/>
-                </a:solidFill>
-                <a:latin typeface="Arial"/>
-              </a:rPr>
-              <a:t>https://www.logos.com/product/241746/verbum-10-preaching-suite   </a:t>
-            </a:r>
-            <a:endParaRPr b="0" lang="en-US" sz="3200" spc="-1" strike="noStrike">
-              <a:solidFill>
-                <a:srgbClr val="000000"/>
-              </a:solidFill>
-              <a:latin typeface="Arial"/>
-            </a:endParaRPr>
-          </a:p>
-          <a:p>
-            <a:pPr lvl="1" marL="432000" indent="-216000">
+            </a:pPr>
+            <a:r>
+              <a:rPr b="0" lang="en-US" sz="2200" spc="-1" strike="noStrike">
+                <a:solidFill>
+                  <a:srgbClr val="ffffff"/>
+                </a:solidFill>
+                <a:latin typeface="Arial"/>
+              </a:rPr>
+              <a:t>Denzinger, Sources</a:t>
+            </a:r>
+            <a:endParaRPr b="0" lang="en-US" sz="2200" spc="-1" strike="noStrike">
+              <a:solidFill>
+                <a:srgbClr val="000000"/>
+              </a:solidFill>
+              <a:latin typeface="Arial"/>
+            </a:endParaRPr>
+          </a:p>
+          <a:p>
+            <a:pPr marL="216000" indent="-216000">
               <a:lnSpc>
                 <a:spcPct val="100000"/>
               </a:lnSpc>
               <a:buClr>
-                <a:srgbClr val="000000"/>
+                <a:srgbClr val="ffffff"/>
               </a:buClr>
               <a:buSzPct val="45000"/>
               <a:buFont typeface="Wingdings" charset="2"/>
               <a:buChar char=""/>
+            </a:pPr>
+            <a:r>
+              <a:rPr b="0" lang="en-US" sz="2200" spc="-1" strike="noStrike">
+                <a:solidFill>
+                  <a:srgbClr val="ffffff"/>
+                </a:solidFill>
+                <a:latin typeface="Arial"/>
+              </a:rPr>
+              <a:t>Vatican II Documents</a:t>
+            </a:r>
+            <a:endParaRPr b="0" lang="en-US" sz="2200" spc="-1" strike="noStrike">
+              <a:solidFill>
+                <a:srgbClr val="000000"/>
+              </a:solidFill>
+              <a:latin typeface="Arial"/>
+            </a:endParaRPr>
+          </a:p>
+          <a:p>
+            <a:pPr marL="216000" indent="-216000">
+              <a:lnSpc>
+                <a:spcPct val="100000"/>
+              </a:lnSpc>
+              <a:buClr>
+                <a:srgbClr val="ffffff"/>
+              </a:buClr>
+              <a:buSzPct val="45000"/>
+              <a:buFont typeface="Wingdings" charset="2"/>
+              <a:buChar char=""/>
+            </a:pPr>
+            <a:r>
+              <a:rPr b="0" lang="en-US" sz="2200" spc="-1" strike="noStrike">
+                <a:solidFill>
+                  <a:srgbClr val="ffffff"/>
+                </a:solidFill>
+                <a:latin typeface="Arial"/>
+              </a:rPr>
+              <a:t>Encyclicals post Vat II</a:t>
+            </a:r>
+            <a:endParaRPr b="0" lang="en-US" sz="2200" spc="-1" strike="noStrike">
+              <a:solidFill>
+                <a:srgbClr val="000000"/>
+              </a:solidFill>
+              <a:latin typeface="Arial"/>
+            </a:endParaRPr>
+          </a:p>
+          <a:p>
+            <a:pPr marL="216000" indent="-216000">
+              <a:lnSpc>
+                <a:spcPct val="100000"/>
+              </a:lnSpc>
+              <a:buClr>
+                <a:srgbClr val="ffffff"/>
+              </a:buClr>
+              <a:buSzPct val="45000"/>
+              <a:buFont typeface="Wingdings" charset="2"/>
+              <a:buChar char=""/>
+            </a:pPr>
+            <a:r>
+              <a:rPr b="0" lang="en-US" sz="2200" spc="-1" strike="noStrike">
+                <a:solidFill>
+                  <a:srgbClr val="ffffff"/>
+                </a:solidFill>
+                <a:latin typeface="Arial"/>
+              </a:rPr>
+              <a:t>Patrology (4 vol on Fathers)</a:t>
+            </a:r>
+            <a:endParaRPr b="0" lang="en-US" sz="2200" spc="-1" strike="noStrike">
+              <a:solidFill>
+                <a:srgbClr val="000000"/>
+              </a:solidFill>
+              <a:latin typeface="Arial"/>
+            </a:endParaRPr>
+          </a:p>
+          <a:p>
+            <a:pPr marL="216000" indent="-216000">
+              <a:lnSpc>
+                <a:spcPct val="100000"/>
+              </a:lnSpc>
+              <a:buClr>
+                <a:srgbClr val="ffffff"/>
+              </a:buClr>
+              <a:buSzPct val="45000"/>
+              <a:buFont typeface="Wingdings" charset="2"/>
+              <a:buChar char=""/>
+            </a:pPr>
+            <a:r>
+              <a:rPr b="0" lang="en-US" sz="2200" spc="-1" strike="noStrike">
+                <a:solidFill>
+                  <a:srgbClr val="ffffff"/>
+                </a:solidFill>
+                <a:latin typeface="Arial"/>
+              </a:rPr>
+              <a:t>The 33 Doctors of the Church, Rengers</a:t>
+            </a:r>
+            <a:endParaRPr b="0" lang="en-US" sz="2200" spc="-1" strike="noStrike">
+              <a:solidFill>
+                <a:srgbClr val="000000"/>
+              </a:solidFill>
+              <a:latin typeface="Arial"/>
+            </a:endParaRPr>
+          </a:p>
+          <a:p>
+            <a:pPr marL="216000" indent="-216000">
+              <a:lnSpc>
+                <a:spcPct val="100000"/>
+              </a:lnSpc>
+              <a:buClr>
+                <a:srgbClr val="ffffff"/>
+              </a:buClr>
+              <a:buSzPct val="45000"/>
+              <a:buFont typeface="Wingdings" charset="2"/>
+              <a:buChar char=""/>
+            </a:pPr>
+            <a:r>
+              <a:rPr b="0" lang="en-US" sz="2200" spc="-1" strike="noStrike">
+                <a:solidFill>
+                  <a:srgbClr val="ffffff"/>
+                </a:solidFill>
+                <a:latin typeface="Arial"/>
+              </a:rPr>
+              <a:t>Church History (Chadwick, Frend, Gonzalez</a:t>
+            </a:r>
+            <a:endParaRPr b="0" lang="en-US" sz="2200" spc="-1" strike="noStrike">
+              <a:solidFill>
+                <a:srgbClr val="000000"/>
+              </a:solidFill>
+              <a:latin typeface="Arial"/>
+            </a:endParaRPr>
+          </a:p>
+          <a:p>
+            <a:pPr marL="216000" indent="-216000">
+              <a:lnSpc>
+                <a:spcPct val="100000"/>
+              </a:lnSpc>
+              <a:buClr>
+                <a:srgbClr val="ffffff"/>
+              </a:buClr>
+              <a:buSzPct val="45000"/>
+              <a:buFont typeface="Wingdings" charset="2"/>
+              <a:buChar char=""/>
+            </a:pPr>
+            <a:r>
+              <a:rPr b="0" lang="en-US" sz="2200" spc="-1" strike="noStrike">
+                <a:solidFill>
+                  <a:srgbClr val="ffffff"/>
+                </a:solidFill>
+                <a:latin typeface="Arial"/>
+              </a:rPr>
+              <a:t>The Making of Modern German Christology, McGrath</a:t>
+            </a:r>
+            <a:endParaRPr b="0" lang="en-US" sz="2200" spc="-1" strike="noStrike">
+              <a:solidFill>
+                <a:srgbClr val="000000"/>
+              </a:solidFill>
+              <a:latin typeface="Arial"/>
+            </a:endParaRPr>
+          </a:p>
+          <a:p>
+            <a:pPr marL="216000" indent="-216000">
+              <a:lnSpc>
+                <a:spcPct val="100000"/>
+              </a:lnSpc>
+              <a:buClr>
+                <a:srgbClr val="ffffff"/>
+              </a:buClr>
+              <a:buSzPct val="45000"/>
+              <a:buFont typeface="Wingdings" charset="2"/>
+              <a:buChar char=""/>
+            </a:pPr>
+            <a:r>
+              <a:rPr b="0" lang="en-US" sz="2200" spc="-1" strike="noStrike">
+                <a:solidFill>
+                  <a:srgbClr val="ffffff"/>
+                </a:solidFill>
+                <a:latin typeface="Arial"/>
+              </a:rPr>
+              <a:t>Reading Guides in the NABRE Oxford Study Bible (Donald Senior)</a:t>
+            </a:r>
+            <a:endParaRPr b="0" lang="en-US" sz="2200" spc="-1" strike="noStrike">
+              <a:solidFill>
+                <a:srgbClr val="000000"/>
+              </a:solidFill>
+              <a:latin typeface="Arial"/>
+            </a:endParaRPr>
+          </a:p>
+          <a:p>
+            <a:pPr marL="216000" indent="-216000">
+              <a:lnSpc>
+                <a:spcPct val="100000"/>
+              </a:lnSpc>
+              <a:buClr>
+                <a:srgbClr val="ffffff"/>
+              </a:buClr>
+              <a:buSzPct val="45000"/>
+              <a:buFont typeface="Wingdings" charset="2"/>
+              <a:buChar char=""/>
+            </a:pPr>
+            <a:r>
+              <a:rPr b="0" lang="en-US" sz="2200" spc="-1" strike="noStrike">
+                <a:solidFill>
+                  <a:srgbClr val="ffffff"/>
+                </a:solidFill>
+                <a:latin typeface="Arial"/>
+                <a:ea typeface="Microsoft YaHei"/>
+              </a:rPr>
+              <a:t>Introductory articles NABRE Oxford Study Bible.</a:t>
+            </a:r>
+            <a:endParaRPr b="0" lang="en-US" sz="2200" spc="-1" strike="noStrike">
+              <a:solidFill>
+                <a:srgbClr val="000000"/>
+              </a:solidFill>
+              <a:latin typeface="Arial"/>
+            </a:endParaRPr>
+          </a:p>
+          <a:p>
+            <a:pPr marL="216000" indent="-216000">
+              <a:lnSpc>
+                <a:spcPct val="100000"/>
+              </a:lnSpc>
+              <a:buClr>
+                <a:srgbClr val="ffffff"/>
+              </a:buClr>
+              <a:buSzPct val="45000"/>
+              <a:buFont typeface="Wingdings" charset="2"/>
+              <a:buChar char=""/>
+            </a:pPr>
+            <a:r>
+              <a:rPr b="0" lang="en-US" sz="2200" spc="-1" strike="noStrike">
+                <a:solidFill>
+                  <a:srgbClr val="ffffff"/>
+                </a:solidFill>
+                <a:latin typeface="Arial"/>
+                <a:ea typeface="Microsoft YaHei"/>
+              </a:rPr>
+              <a:t>Pontifical Commision material</a:t>
+            </a:r>
+            <a:endParaRPr b="0" lang="en-US" sz="2200" spc="-1" strike="noStrike">
+              <a:solidFill>
+                <a:srgbClr val="000000"/>
+              </a:solidFill>
+              <a:latin typeface="Arial"/>
+            </a:endParaRPr>
+          </a:p>
+          <a:p>
+            <a:pPr marL="216000" indent="0">
+              <a:lnSpc>
+                <a:spcPct val="100000"/>
+              </a:lnSpc>
+              <a:buNone/>
               <a:tabLst>
                 <a:tab algn="l" pos="0"/>
               </a:tabLst>
             </a:pPr>
-            <a:r>
-              <a:rPr b="0" lang="en-US" sz="3200" spc="-1" strike="noStrike">
-                <a:solidFill>
-                  <a:srgbClr val="ffffff"/>
-                </a:solidFill>
-                <a:latin typeface="Arial"/>
-              </a:rPr>
-              <a:t>$399</a:t>
-            </a:r>
             <a:endParaRPr b="0" lang="en-US" sz="3200" spc="-1" strike="noStrike">
               <a:solidFill>
                 <a:srgbClr val="000000"/>

--- a/Mastery.pptx
+++ b/Mastery.pptx
@@ -75,7 +75,7 @@
         <p:txBody>
           <a:bodyPr/>
           <a:p>
-            <a:fld id="{8CEC3B88-042B-43DB-BB2D-A26A950AEE3E}" type="slidenum">
+            <a:fld id="{3462505C-65AE-4D19-9326-ED3362CEEAE5}" type="slidenum">
               <a:t>&lt;#&gt;</a:t>
             </a:fld>
           </a:p>
@@ -284,7 +284,7 @@
         <p:txBody>
           <a:bodyPr/>
           <a:p>
-            <a:fld id="{DD61D45B-62F7-47BE-88C5-B5A0153D0CC9}" type="slidenum">
+            <a:fld id="{26C65C6B-9C87-4335-B716-A6ACB5DDC84A}" type="slidenum">
               <a:t>&lt;#&gt;</a:t>
             </a:fld>
           </a:p>
@@ -579,7 +579,7 @@
         <p:txBody>
           <a:bodyPr/>
           <a:p>
-            <a:fld id="{30320C63-3EEF-4329-8F3C-0E02A7C05887}" type="slidenum">
+            <a:fld id="{8CA1E403-1ED3-498A-A004-A7BA1139C080}" type="slidenum">
               <a:t>&lt;#&gt;</a:t>
             </a:fld>
           </a:p>
@@ -960,7 +960,7 @@
         <p:txBody>
           <a:bodyPr/>
           <a:p>
-            <a:fld id="{A4A13397-2D48-42CF-B6A5-394FA5C49866}" type="slidenum">
+            <a:fld id="{D0ACFE07-E616-4992-96E0-630662FF99F1}" type="slidenum">
               <a:t>&lt;#&gt;</a:t>
             </a:fld>
           </a:p>
@@ -1123,7 +1123,7 @@
         <p:txBody>
           <a:bodyPr/>
           <a:p>
-            <a:fld id="{FF3FCEDF-95A1-430A-B86B-92B8EF77FBA8}" type="slidenum">
+            <a:fld id="{57008235-61E0-4C00-9737-6360371805DA}" type="slidenum">
               <a:t>&lt;#&gt;</a:t>
             </a:fld>
           </a:p>
@@ -1289,7 +1289,7 @@
         <p:txBody>
           <a:bodyPr/>
           <a:p>
-            <a:fld id="{E66FB993-9F95-42BB-B49B-F4C3A93680F0}" type="slidenum">
+            <a:fld id="{9083D1C8-DDCD-4BFB-99A5-5FFF4FE6E2F4}" type="slidenum">
               <a:t>&lt;#&gt;</a:t>
             </a:fld>
           </a:p>
@@ -1498,7 +1498,7 @@
         <p:txBody>
           <a:bodyPr/>
           <a:p>
-            <a:fld id="{0FEA9676-6FC5-4B6C-A8BF-CBAEF568CE7A}" type="slidenum">
+            <a:fld id="{B9F2B12A-7708-4E17-8B5B-D86069F72052}" type="slidenum">
               <a:t>&lt;#&gt;</a:t>
             </a:fld>
           </a:p>
@@ -1621,7 +1621,7 @@
         <p:txBody>
           <a:bodyPr/>
           <a:p>
-            <a:fld id="{8C980D35-00C4-4FDB-849D-A0886B32D3CC}" type="slidenum">
+            <a:fld id="{86167C9D-C21F-402D-8925-AC5749424843}" type="slidenum">
               <a:t>&lt;#&gt;</a:t>
             </a:fld>
           </a:p>
@@ -1742,7 +1742,7 @@
         <p:txBody>
           <a:bodyPr/>
           <a:p>
-            <a:fld id="{85017B00-2F39-4EB7-984E-75FEB7707753}" type="slidenum">
+            <a:fld id="{4957081D-F3F4-4BDC-8A9C-33A0E5FB9147}" type="slidenum">
               <a:t>&lt;#&gt;</a:t>
             </a:fld>
           </a:p>
@@ -1994,7 +1994,7 @@
         <p:txBody>
           <a:bodyPr/>
           <a:p>
-            <a:fld id="{DFD16500-7EE6-4429-B798-064A6D32D3B0}" type="slidenum">
+            <a:fld id="{A097DC1A-F305-4375-ACF0-3895484EC46C}" type="slidenum">
               <a:t>&lt;#&gt;</a:t>
             </a:fld>
           </a:p>
@@ -2246,7 +2246,7 @@
         <p:txBody>
           <a:bodyPr/>
           <a:p>
-            <a:fld id="{83C53963-7365-4A31-BD5C-DC3EB106DA4B}" type="slidenum">
+            <a:fld id="{6444E122-6C2B-4093-BC68-EF739E76BA35}" type="slidenum">
               <a:t>&lt;#&gt;</a:t>
             </a:fld>
           </a:p>
@@ -2498,7 +2498,7 @@
         <p:txBody>
           <a:bodyPr/>
           <a:p>
-            <a:fld id="{0F1A4A90-12FD-4755-B974-86ECAB453C0A}" type="slidenum">
+            <a:fld id="{FE6399F2-B93E-46C7-88C9-CF938967EEF8}" type="slidenum">
               <a:t>&lt;#&gt;</a:t>
             </a:fld>
           </a:p>
@@ -2556,7 +2556,7 @@
         <p:spPr>
           <a:xfrm>
             <a:off x="0" y="0"/>
-            <a:ext cx="10077840" cy="5667840"/>
+            <a:ext cx="10077480" cy="5667480"/>
           </a:xfrm>
           <a:prstGeom prst="rect">
             <a:avLst/>
@@ -2611,7 +2611,7 @@
         <p:spPr>
           <a:xfrm>
             <a:off x="1440000" y="1080000"/>
-            <a:ext cx="1437840" cy="1257840"/>
+            <a:ext cx="1437480" cy="1257480"/>
           </a:xfrm>
           <a:prstGeom prst="ellipse">
             <a:avLst/>
@@ -2660,7 +2660,7 @@
         <p:spPr>
           <a:xfrm>
             <a:off x="7380000" y="3960000"/>
-            <a:ext cx="1437840" cy="1257840"/>
+            <a:ext cx="1437480" cy="1257480"/>
           </a:xfrm>
           <a:prstGeom prst="ellipse">
             <a:avLst/>
@@ -2709,7 +2709,7 @@
         <p:spPr>
           <a:xfrm>
             <a:off x="9000000" y="2700000"/>
-            <a:ext cx="1257840" cy="1077840"/>
+            <a:ext cx="1257480" cy="1077480"/>
           </a:xfrm>
           <a:prstGeom prst="ellipse">
             <a:avLst/>
@@ -2758,7 +2758,7 @@
         <p:spPr>
           <a:xfrm>
             <a:off x="-180000" y="2430000"/>
-            <a:ext cx="1437840" cy="1347840"/>
+            <a:ext cx="1437480" cy="1347480"/>
           </a:xfrm>
           <a:prstGeom prst="ellipse">
             <a:avLst/>
@@ -2807,7 +2807,7 @@
         <p:spPr>
           <a:xfrm>
             <a:off x="540000" y="1080000"/>
-            <a:ext cx="717840" cy="717840"/>
+            <a:ext cx="717480" cy="717480"/>
           </a:xfrm>
           <a:prstGeom prst="ellipse">
             <a:avLst/>
@@ -2856,7 +2856,7 @@
         <p:spPr>
           <a:xfrm>
             <a:off x="0" y="1260000"/>
-            <a:ext cx="717840" cy="717840"/>
+            <a:ext cx="717480" cy="717480"/>
           </a:xfrm>
           <a:prstGeom prst="ellipse">
             <a:avLst/>
@@ -2905,7 +2905,7 @@
         <p:spPr>
           <a:xfrm>
             <a:off x="0" y="5220000"/>
-            <a:ext cx="1617840" cy="1257840"/>
+            <a:ext cx="1617480" cy="1257480"/>
           </a:xfrm>
           <a:prstGeom prst="ellipse">
             <a:avLst/>
@@ -2954,7 +2954,7 @@
         <p:spPr>
           <a:xfrm>
             <a:off x="9720000" y="4680000"/>
-            <a:ext cx="717840" cy="717840"/>
+            <a:ext cx="717480" cy="717480"/>
           </a:xfrm>
           <a:prstGeom prst="ellipse">
             <a:avLst/>
@@ -3003,7 +3003,7 @@
         <p:spPr>
           <a:xfrm>
             <a:off x="9540000" y="3420000"/>
-            <a:ext cx="717840" cy="717840"/>
+            <a:ext cx="717480" cy="717480"/>
           </a:xfrm>
           <a:prstGeom prst="ellipse">
             <a:avLst/>
@@ -3052,7 +3052,7 @@
         <p:spPr>
           <a:xfrm>
             <a:off x="8100000" y="4680000"/>
-            <a:ext cx="1077840" cy="840240"/>
+            <a:ext cx="1077480" cy="839880"/>
           </a:xfrm>
           <a:prstGeom prst="ellipse">
             <a:avLst/>
@@ -3101,7 +3101,7 @@
         <p:spPr>
           <a:xfrm>
             <a:off x="7920000" y="5400000"/>
-            <a:ext cx="897840" cy="897840"/>
+            <a:ext cx="897480" cy="897480"/>
           </a:xfrm>
           <a:prstGeom prst="ellipse">
             <a:avLst/>
@@ -3154,7 +3154,7 @@
         <p:spPr>
           <a:xfrm>
             <a:off x="3420000" y="5130000"/>
-            <a:ext cx="3237840" cy="390240"/>
+            <a:ext cx="3237480" cy="389880"/>
           </a:xfrm>
           <a:prstGeom prst="rect">
             <a:avLst/>
@@ -3226,7 +3226,7 @@
         <p:spPr>
           <a:xfrm>
             <a:off x="7560000" y="5130000"/>
-            <a:ext cx="2337840" cy="390240"/>
+            <a:ext cx="2337480" cy="389880"/>
           </a:xfrm>
           <a:prstGeom prst="rect">
             <a:avLst/>
@@ -3267,7 +3267,7 @@
                 <a:tab algn="l" pos="0"/>
               </a:tabLst>
             </a:pPr>
-            <a:fld id="{AD7FD348-FDC0-4543-80E8-FB570CA3DFE7}" type="slidenum">
+            <a:fld id="{EAA574F0-33AC-48D4-ACDC-EE3150E09787}" type="slidenum">
               <a:rPr b="0" lang="en-US" sz="1400" spc="-1" strike="noStrike">
                 <a:solidFill>
                   <a:srgbClr val="ffffff"/>
@@ -3298,7 +3298,7 @@
         <p:spPr>
           <a:xfrm>
             <a:off x="180000" y="5130000"/>
-            <a:ext cx="2337840" cy="390240"/>
+            <a:ext cx="2337480" cy="389880"/>
           </a:xfrm>
           <a:prstGeom prst="rect">
             <a:avLst/>
@@ -3669,7 +3669,7 @@
         <p:spPr>
           <a:xfrm>
             <a:off x="504000" y="1428840"/>
-            <a:ext cx="9069480" cy="944640"/>
+            <a:ext cx="9069120" cy="944280"/>
           </a:xfrm>
           <a:prstGeom prst="rect">
             <a:avLst/>
@@ -3724,7 +3724,7 @@
         <p:spPr>
           <a:xfrm>
             <a:off x="504000" y="2592000"/>
-            <a:ext cx="9069480" cy="2020680"/>
+            <a:ext cx="9069120" cy="2020320"/>
           </a:xfrm>
           <a:prstGeom prst="rect">
             <a:avLst/>
@@ -3809,7 +3809,7 @@
         <p:spPr>
           <a:xfrm>
             <a:off x="457200" y="228600"/>
-            <a:ext cx="9069480" cy="944640"/>
+            <a:ext cx="9069120" cy="944280"/>
           </a:xfrm>
           <a:prstGeom prst="rect">
             <a:avLst/>
@@ -3864,7 +3864,7 @@
         <p:spPr>
           <a:xfrm>
             <a:off x="504000" y="1371600"/>
-            <a:ext cx="9069480" cy="4112640"/>
+            <a:ext cx="9069120" cy="4112280"/>
           </a:xfrm>
           <a:prstGeom prst="rect">
             <a:avLst/>
@@ -4075,7 +4075,7 @@
         <p:spPr>
           <a:xfrm>
             <a:off x="457200" y="228600"/>
-            <a:ext cx="9069480" cy="944640"/>
+            <a:ext cx="9069120" cy="944280"/>
           </a:xfrm>
           <a:prstGeom prst="rect">
             <a:avLst/>
@@ -4130,7 +4130,7 @@
         <p:spPr>
           <a:xfrm>
             <a:off x="504000" y="1143000"/>
-            <a:ext cx="9069480" cy="4341240"/>
+            <a:ext cx="9069120" cy="4340880"/>
           </a:xfrm>
           <a:prstGeom prst="rect">
             <a:avLst/>
@@ -4604,7 +4604,7 @@
         <p:spPr>
           <a:xfrm>
             <a:off x="457200" y="228600"/>
-            <a:ext cx="9069480" cy="944640"/>
+            <a:ext cx="9069120" cy="944280"/>
           </a:xfrm>
           <a:prstGeom prst="rect">
             <a:avLst/>
@@ -4659,7 +4659,7 @@
         <p:spPr>
           <a:xfrm>
             <a:off x="504000" y="1371600"/>
-            <a:ext cx="9069480" cy="4112640"/>
+            <a:ext cx="9069120" cy="4112280"/>
           </a:xfrm>
           <a:prstGeom prst="rect">
             <a:avLst/>
@@ -4897,7 +4897,7 @@
         <p:spPr>
           <a:xfrm>
             <a:off x="457200" y="228600"/>
-            <a:ext cx="9069480" cy="944640"/>
+            <a:ext cx="9069120" cy="944280"/>
           </a:xfrm>
           <a:prstGeom prst="rect">
             <a:avLst/>
@@ -4952,7 +4952,7 @@
         <p:spPr>
           <a:xfrm>
             <a:off x="504000" y="1371600"/>
-            <a:ext cx="9069480" cy="4112640"/>
+            <a:ext cx="9069120" cy="4112280"/>
           </a:xfrm>
           <a:prstGeom prst="rect">
             <a:avLst/>
@@ -5163,7 +5163,7 @@
         <p:spPr>
           <a:xfrm>
             <a:off x="457200" y="228600"/>
-            <a:ext cx="9069480" cy="944640"/>
+            <a:ext cx="9069120" cy="944280"/>
           </a:xfrm>
           <a:prstGeom prst="rect">
             <a:avLst/>
@@ -5218,7 +5218,7 @@
         <p:spPr>
           <a:xfrm>
             <a:off x="504000" y="1371600"/>
-            <a:ext cx="9069480" cy="4112640"/>
+            <a:ext cx="9069120" cy="4112280"/>
           </a:xfrm>
           <a:prstGeom prst="rect">
             <a:avLst/>
@@ -5378,6 +5378,9 @@
                 <a:spcPct val="100000"/>
               </a:lnSpc>
               <a:buNone/>
+              <a:tabLst>
+                <a:tab algn="l" pos="0"/>
+              </a:tabLst>
             </a:pPr>
             <a:endParaRPr b="0" lang="en-US" sz="3200" spc="-1" strike="noStrike">
               <a:solidFill>
@@ -5431,7 +5434,7 @@
         <p:spPr>
           <a:xfrm>
             <a:off x="457200" y="228600"/>
-            <a:ext cx="9069480" cy="944640"/>
+            <a:ext cx="9069120" cy="944280"/>
           </a:xfrm>
           <a:prstGeom prst="rect">
             <a:avLst/>
@@ -5486,7 +5489,7 @@
         <p:spPr>
           <a:xfrm>
             <a:off x="504000" y="1371600"/>
-            <a:ext cx="9069480" cy="4112640"/>
+            <a:ext cx="9069120" cy="4112280"/>
           </a:xfrm>
           <a:prstGeom prst="rect">
             <a:avLst/>
@@ -5688,6 +5691,34 @@
                 <a:latin typeface="Arial"/>
               </a:rPr>
               <a:t>Identify themes that span multiple pillars.</a:t>
+            </a:r>
+            <a:endParaRPr b="0" lang="en-US" sz="3200" spc="-1" strike="noStrike">
+              <a:solidFill>
+                <a:srgbClr val="000000"/>
+              </a:solidFill>
+              <a:latin typeface="Arial"/>
+            </a:endParaRPr>
+          </a:p>
+          <a:p>
+            <a:pPr marL="216000" indent="-216000">
+              <a:lnSpc>
+                <a:spcPct val="100000"/>
+              </a:lnSpc>
+              <a:buClr>
+                <a:srgbClr val="ffffff"/>
+              </a:buClr>
+              <a:buSzPct val="45000"/>
+              <a:buFont typeface="Wingdings" charset="2"/>
+              <a:buChar char=""/>
+            </a:pPr>
+            <a:r>
+              <a:rPr b="0" lang="en-US" sz="3200" spc="-1" strike="noStrike">
+                <a:solidFill>
+                  <a:srgbClr val="ffffff"/>
+                </a:solidFill>
+                <a:latin typeface="Arial"/>
+              </a:rPr>
+              <a:t>Flesh out pregnant terms</a:t>
             </a:r>
             <a:endParaRPr b="0" lang="en-US" sz="3200" spc="-1" strike="noStrike">
               <a:solidFill>
@@ -5741,7 +5772,7 @@
         <p:spPr>
           <a:xfrm>
             <a:off x="457200" y="228600"/>
-            <a:ext cx="9069480" cy="944640"/>
+            <a:ext cx="9069120" cy="944280"/>
           </a:xfrm>
           <a:prstGeom prst="rect">
             <a:avLst/>
@@ -5796,7 +5827,7 @@
         <p:spPr>
           <a:xfrm>
             <a:off x="504000" y="1371600"/>
-            <a:ext cx="9069480" cy="4112640"/>
+            <a:ext cx="9069120" cy="4112280"/>
           </a:xfrm>
           <a:prstGeom prst="rect">
             <a:avLst/>
@@ -5984,7 +6015,7 @@
         <p:spPr>
           <a:xfrm>
             <a:off x="457200" y="228600"/>
-            <a:ext cx="9069480" cy="944640"/>
+            <a:ext cx="9069120" cy="944280"/>
           </a:xfrm>
           <a:prstGeom prst="rect">
             <a:avLst/>
@@ -6039,7 +6070,7 @@
         <p:spPr>
           <a:xfrm>
             <a:off x="504000" y="1371600"/>
-            <a:ext cx="9069480" cy="4112640"/>
+            <a:ext cx="9069120" cy="4112280"/>
           </a:xfrm>
           <a:prstGeom prst="rect">
             <a:avLst/>
@@ -6300,7 +6331,7 @@
         <p:spPr>
           <a:xfrm>
             <a:off x="457200" y="228600"/>
-            <a:ext cx="9069480" cy="944640"/>
+            <a:ext cx="9069120" cy="944280"/>
           </a:xfrm>
           <a:prstGeom prst="rect">
             <a:avLst/>
@@ -6355,7 +6386,7 @@
         <p:spPr>
           <a:xfrm>
             <a:off x="504000" y="1371600"/>
-            <a:ext cx="9069480" cy="4555800"/>
+            <a:ext cx="9069120" cy="4555440"/>
           </a:xfrm>
           <a:prstGeom prst="rect">
             <a:avLst/>
@@ -6605,7 +6636,7 @@
         <p:spPr>
           <a:xfrm>
             <a:off x="457200" y="228600"/>
-            <a:ext cx="9069480" cy="944640"/>
+            <a:ext cx="9069120" cy="944280"/>
           </a:xfrm>
           <a:prstGeom prst="rect">
             <a:avLst/>
@@ -6660,7 +6691,7 @@
         <p:spPr>
           <a:xfrm>
             <a:off x="504000" y="1371600"/>
-            <a:ext cx="9069480" cy="4112640"/>
+            <a:ext cx="9069120" cy="4112280"/>
           </a:xfrm>
           <a:prstGeom prst="rect">
             <a:avLst/>
@@ -6722,6 +6753,34 @@
                 <a:latin typeface="Arial"/>
               </a:rPr>
               <a:t>Read CCC and DS driven by Ecumenical Councils, Particular Councils and Synods, Pontifical Documents, Ecclesiastical Documents, Canon Law, Liturgy, Ecclesiastical Writers.</a:t>
+            </a:r>
+            <a:endParaRPr b="0" lang="en-US" sz="3200" spc="-1" strike="noStrike">
+              <a:solidFill>
+                <a:srgbClr val="000000"/>
+              </a:solidFill>
+              <a:latin typeface="Arial"/>
+            </a:endParaRPr>
+          </a:p>
+          <a:p>
+            <a:pPr marL="216000" indent="-216000">
+              <a:lnSpc>
+                <a:spcPct val="100000"/>
+              </a:lnSpc>
+              <a:buClr>
+                <a:srgbClr val="ffffff"/>
+              </a:buClr>
+              <a:buSzPct val="45000"/>
+              <a:buFont typeface="Wingdings" charset="2"/>
+              <a:buChar char=""/>
+            </a:pPr>
+            <a:r>
+              <a:rPr b="0" lang="en-US" sz="3200" spc="-1" strike="noStrike">
+                <a:solidFill>
+                  <a:srgbClr val="ffffff"/>
+                </a:solidFill>
+                <a:latin typeface="Arial"/>
+              </a:rPr>
+              <a:t>Use AI to create short overviews </a:t>
             </a:r>
             <a:endParaRPr b="0" lang="en-US" sz="3200" spc="-1" strike="noStrike">
               <a:solidFill>
@@ -6854,7 +6913,7 @@
         <p:spPr>
           <a:xfrm>
             <a:off x="457200" y="228600"/>
-            <a:ext cx="9069480" cy="944640"/>
+            <a:ext cx="9069120" cy="944280"/>
           </a:xfrm>
           <a:prstGeom prst="rect">
             <a:avLst/>
@@ -6909,7 +6968,7 @@
         <p:spPr>
           <a:xfrm>
             <a:off x="504000" y="1371600"/>
-            <a:ext cx="9069480" cy="4112640"/>
+            <a:ext cx="9069120" cy="4112280"/>
           </a:xfrm>
           <a:prstGeom prst="rect">
             <a:avLst/>
@@ -6999,6 +7058,90 @@
                 <a:latin typeface="Arial"/>
               </a:rPr>
               <a:t>Make Logos Books out of the results.</a:t>
+            </a:r>
+            <a:endParaRPr b="0" lang="en-US" sz="3200" spc="-1" strike="noStrike">
+              <a:solidFill>
+                <a:srgbClr val="000000"/>
+              </a:solidFill>
+              <a:latin typeface="Arial"/>
+            </a:endParaRPr>
+          </a:p>
+          <a:p>
+            <a:pPr marL="216000" indent="-216000">
+              <a:lnSpc>
+                <a:spcPct val="100000"/>
+              </a:lnSpc>
+              <a:buClr>
+                <a:srgbClr val="ffffff"/>
+              </a:buClr>
+              <a:buSzPct val="45000"/>
+              <a:buFont typeface="Wingdings" charset="2"/>
+              <a:buChar char=""/>
+            </a:pPr>
+            <a:r>
+              <a:rPr b="0" lang="en-US" sz="3200" spc="-1" strike="noStrike">
+                <a:solidFill>
+                  <a:srgbClr val="ffffff"/>
+                </a:solidFill>
+                <a:latin typeface="Arial"/>
+              </a:rPr>
+              <a:t>Short overviews of CCC indexes</a:t>
+            </a:r>
+            <a:endParaRPr b="0" lang="en-US" sz="3200" spc="-1" strike="noStrike">
+              <a:solidFill>
+                <a:srgbClr val="000000"/>
+              </a:solidFill>
+              <a:latin typeface="Arial"/>
+            </a:endParaRPr>
+          </a:p>
+          <a:p>
+            <a:pPr marL="216000" indent="-216000">
+              <a:lnSpc>
+                <a:spcPct val="100000"/>
+              </a:lnSpc>
+              <a:buClr>
+                <a:srgbClr val="ffffff"/>
+              </a:buClr>
+              <a:buSzPct val="45000"/>
+              <a:buFont typeface="Wingdings" charset="2"/>
+              <a:buChar char=""/>
+            </a:pPr>
+            <a:r>
+              <a:rPr b="0" lang="en-US" sz="3200" spc="-1" strike="noStrike">
+                <a:solidFill>
+                  <a:srgbClr val="ffffff"/>
+                </a:solidFill>
+                <a:latin typeface="Arial"/>
+              </a:rPr>
+              <a:t>Find themes that possibly span multiple pillars.</a:t>
+            </a:r>
+            <a:endParaRPr b="0" lang="en-US" sz="3200" spc="-1" strike="noStrike">
+              <a:solidFill>
+                <a:srgbClr val="000000"/>
+              </a:solidFill>
+              <a:latin typeface="Arial"/>
+            </a:endParaRPr>
+          </a:p>
+          <a:p>
+            <a:pPr marL="216000" indent="-216000">
+              <a:lnSpc>
+                <a:spcPct val="100000"/>
+              </a:lnSpc>
+              <a:buClr>
+                <a:srgbClr val="ffffff"/>
+              </a:buClr>
+              <a:buSzPct val="45000"/>
+              <a:buFont typeface="Wingdings" charset="2"/>
+              <a:buChar char=""/>
+            </a:pPr>
+            <a:r>
+              <a:rPr b="0" lang="en-US" sz="3200" spc="-1" strike="noStrike">
+                <a:solidFill>
+                  <a:srgbClr val="ffffff"/>
+                </a:solidFill>
+                <a:latin typeface="Arial"/>
+              </a:rPr>
+              <a:t>Flesh out pregnant terms.</a:t>
             </a:r>
             <a:endParaRPr b="0" lang="en-US" sz="3200" spc="-1" strike="noStrike">
               <a:solidFill>
@@ -7103,7 +7246,7 @@
         <p:spPr>
           <a:xfrm>
             <a:off x="457200" y="228600"/>
-            <a:ext cx="9069480" cy="944640"/>
+            <a:ext cx="9069120" cy="944280"/>
           </a:xfrm>
           <a:prstGeom prst="rect">
             <a:avLst/>
@@ -7158,7 +7301,7 @@
         <p:spPr>
           <a:xfrm>
             <a:off x="504000" y="1371600"/>
-            <a:ext cx="9069480" cy="4112640"/>
+            <a:ext cx="9069120" cy="4112280"/>
           </a:xfrm>
           <a:prstGeom prst="rect">
             <a:avLst/>

--- a/Mastery.pptx
+++ b/Mastery.pptx
@@ -75,7 +75,7 @@
         <p:txBody>
           <a:bodyPr/>
           <a:p>
-            <a:fld id="{3462505C-65AE-4D19-9326-ED3362CEEAE5}" type="slidenum">
+            <a:fld id="{1377CF48-67AC-431E-92C0-FD57D26ED02D}" type="slidenum">
               <a:t>&lt;#&gt;</a:t>
             </a:fld>
           </a:p>
@@ -284,7 +284,7 @@
         <p:txBody>
           <a:bodyPr/>
           <a:p>
-            <a:fld id="{26C65C6B-9C87-4335-B716-A6ACB5DDC84A}" type="slidenum">
+            <a:fld id="{89DF4CC6-3BA8-4503-BC49-43F73286E06A}" type="slidenum">
               <a:t>&lt;#&gt;</a:t>
             </a:fld>
           </a:p>
@@ -579,7 +579,7 @@
         <p:txBody>
           <a:bodyPr/>
           <a:p>
-            <a:fld id="{8CA1E403-1ED3-498A-A004-A7BA1139C080}" type="slidenum">
+            <a:fld id="{33F76D71-E943-47D0-A02E-90336BF6E70A}" type="slidenum">
               <a:t>&lt;#&gt;</a:t>
             </a:fld>
           </a:p>
@@ -960,7 +960,7 @@
         <p:txBody>
           <a:bodyPr/>
           <a:p>
-            <a:fld id="{D0ACFE07-E616-4992-96E0-630662FF99F1}" type="slidenum">
+            <a:fld id="{65FA2990-C7A9-4BDB-964B-DC77E1D31D6C}" type="slidenum">
               <a:t>&lt;#&gt;</a:t>
             </a:fld>
           </a:p>
@@ -1123,7 +1123,7 @@
         <p:txBody>
           <a:bodyPr/>
           <a:p>
-            <a:fld id="{57008235-61E0-4C00-9737-6360371805DA}" type="slidenum">
+            <a:fld id="{D8536C46-27C5-4A8A-9806-AB58CA1AD81D}" type="slidenum">
               <a:t>&lt;#&gt;</a:t>
             </a:fld>
           </a:p>
@@ -1289,7 +1289,7 @@
         <p:txBody>
           <a:bodyPr/>
           <a:p>
-            <a:fld id="{9083D1C8-DDCD-4BFB-99A5-5FFF4FE6E2F4}" type="slidenum">
+            <a:fld id="{72EAD28B-4D9A-4E2B-B2FA-473F523E4124}" type="slidenum">
               <a:t>&lt;#&gt;</a:t>
             </a:fld>
           </a:p>
@@ -1498,7 +1498,7 @@
         <p:txBody>
           <a:bodyPr/>
           <a:p>
-            <a:fld id="{B9F2B12A-7708-4E17-8B5B-D86069F72052}" type="slidenum">
+            <a:fld id="{8E4E1872-7FF9-4D71-AE5A-B327977634BA}" type="slidenum">
               <a:t>&lt;#&gt;</a:t>
             </a:fld>
           </a:p>
@@ -1621,7 +1621,7 @@
         <p:txBody>
           <a:bodyPr/>
           <a:p>
-            <a:fld id="{86167C9D-C21F-402D-8925-AC5749424843}" type="slidenum">
+            <a:fld id="{B3A1CCCF-11F0-40B0-83F9-482826CD75AB}" type="slidenum">
               <a:t>&lt;#&gt;</a:t>
             </a:fld>
           </a:p>
@@ -1742,7 +1742,7 @@
         <p:txBody>
           <a:bodyPr/>
           <a:p>
-            <a:fld id="{4957081D-F3F4-4BDC-8A9C-33A0E5FB9147}" type="slidenum">
+            <a:fld id="{B8F8831D-220D-4B47-A3DF-FDE1905AAE54}" type="slidenum">
               <a:t>&lt;#&gt;</a:t>
             </a:fld>
           </a:p>
@@ -1994,7 +1994,7 @@
         <p:txBody>
           <a:bodyPr/>
           <a:p>
-            <a:fld id="{A097DC1A-F305-4375-ACF0-3895484EC46C}" type="slidenum">
+            <a:fld id="{1A2DC397-220A-4CE0-98BE-EA9759CBBACC}" type="slidenum">
               <a:t>&lt;#&gt;</a:t>
             </a:fld>
           </a:p>
@@ -2246,7 +2246,7 @@
         <p:txBody>
           <a:bodyPr/>
           <a:p>
-            <a:fld id="{6444E122-6C2B-4093-BC68-EF739E76BA35}" type="slidenum">
+            <a:fld id="{7446BB47-2437-4794-9F74-6314A8B58472}" type="slidenum">
               <a:t>&lt;#&gt;</a:t>
             </a:fld>
           </a:p>
@@ -2498,7 +2498,7 @@
         <p:txBody>
           <a:bodyPr/>
           <a:p>
-            <a:fld id="{FE6399F2-B93E-46C7-88C9-CF938967EEF8}" type="slidenum">
+            <a:fld id="{D13799C1-E349-40BA-A8B5-3E4730EDB31F}" type="slidenum">
               <a:t>&lt;#&gt;</a:t>
             </a:fld>
           </a:p>
@@ -2556,7 +2556,7 @@
         <p:spPr>
           <a:xfrm>
             <a:off x="0" y="0"/>
-            <a:ext cx="10077480" cy="5667480"/>
+            <a:ext cx="10077120" cy="5667120"/>
           </a:xfrm>
           <a:prstGeom prst="rect">
             <a:avLst/>
@@ -2611,7 +2611,7 @@
         <p:spPr>
           <a:xfrm>
             <a:off x="1440000" y="1080000"/>
-            <a:ext cx="1437480" cy="1257480"/>
+            <a:ext cx="1437120" cy="1257120"/>
           </a:xfrm>
           <a:prstGeom prst="ellipse">
             <a:avLst/>
@@ -2660,7 +2660,7 @@
         <p:spPr>
           <a:xfrm>
             <a:off x="7380000" y="3960000"/>
-            <a:ext cx="1437480" cy="1257480"/>
+            <a:ext cx="1437120" cy="1257120"/>
           </a:xfrm>
           <a:prstGeom prst="ellipse">
             <a:avLst/>
@@ -2709,7 +2709,7 @@
         <p:spPr>
           <a:xfrm>
             <a:off x="9000000" y="2700000"/>
-            <a:ext cx="1257480" cy="1077480"/>
+            <a:ext cx="1257120" cy="1077120"/>
           </a:xfrm>
           <a:prstGeom prst="ellipse">
             <a:avLst/>
@@ -2758,7 +2758,7 @@
         <p:spPr>
           <a:xfrm>
             <a:off x="-180000" y="2430000"/>
-            <a:ext cx="1437480" cy="1347480"/>
+            <a:ext cx="1437120" cy="1347120"/>
           </a:xfrm>
           <a:prstGeom prst="ellipse">
             <a:avLst/>
@@ -2807,7 +2807,7 @@
         <p:spPr>
           <a:xfrm>
             <a:off x="540000" y="1080000"/>
-            <a:ext cx="717480" cy="717480"/>
+            <a:ext cx="717120" cy="717120"/>
           </a:xfrm>
           <a:prstGeom prst="ellipse">
             <a:avLst/>
@@ -2856,7 +2856,7 @@
         <p:spPr>
           <a:xfrm>
             <a:off x="0" y="1260000"/>
-            <a:ext cx="717480" cy="717480"/>
+            <a:ext cx="717120" cy="717120"/>
           </a:xfrm>
           <a:prstGeom prst="ellipse">
             <a:avLst/>
@@ -2905,7 +2905,7 @@
         <p:spPr>
           <a:xfrm>
             <a:off x="0" y="5220000"/>
-            <a:ext cx="1617480" cy="1257480"/>
+            <a:ext cx="1617120" cy="1257120"/>
           </a:xfrm>
           <a:prstGeom prst="ellipse">
             <a:avLst/>
@@ -2954,7 +2954,7 @@
         <p:spPr>
           <a:xfrm>
             <a:off x="9720000" y="4680000"/>
-            <a:ext cx="717480" cy="717480"/>
+            <a:ext cx="717120" cy="717120"/>
           </a:xfrm>
           <a:prstGeom prst="ellipse">
             <a:avLst/>
@@ -3003,7 +3003,7 @@
         <p:spPr>
           <a:xfrm>
             <a:off x="9540000" y="3420000"/>
-            <a:ext cx="717480" cy="717480"/>
+            <a:ext cx="717120" cy="717120"/>
           </a:xfrm>
           <a:prstGeom prst="ellipse">
             <a:avLst/>
@@ -3052,7 +3052,7 @@
         <p:spPr>
           <a:xfrm>
             <a:off x="8100000" y="4680000"/>
-            <a:ext cx="1077480" cy="839880"/>
+            <a:ext cx="1077120" cy="839520"/>
           </a:xfrm>
           <a:prstGeom prst="ellipse">
             <a:avLst/>
@@ -3101,7 +3101,7 @@
         <p:spPr>
           <a:xfrm>
             <a:off x="7920000" y="5400000"/>
-            <a:ext cx="897480" cy="897480"/>
+            <a:ext cx="897120" cy="897120"/>
           </a:xfrm>
           <a:prstGeom prst="ellipse">
             <a:avLst/>
@@ -3154,7 +3154,7 @@
         <p:spPr>
           <a:xfrm>
             <a:off x="3420000" y="5130000"/>
-            <a:ext cx="3237480" cy="389880"/>
+            <a:ext cx="3237120" cy="389520"/>
           </a:xfrm>
           <a:prstGeom prst="rect">
             <a:avLst/>
@@ -3226,7 +3226,7 @@
         <p:spPr>
           <a:xfrm>
             <a:off x="7560000" y="5130000"/>
-            <a:ext cx="2337480" cy="389880"/>
+            <a:ext cx="2337120" cy="389520"/>
           </a:xfrm>
           <a:prstGeom prst="rect">
             <a:avLst/>
@@ -3267,7 +3267,7 @@
                 <a:tab algn="l" pos="0"/>
               </a:tabLst>
             </a:pPr>
-            <a:fld id="{EAA574F0-33AC-48D4-ACDC-EE3150E09787}" type="slidenum">
+            <a:fld id="{E86A17A7-A593-4E52-BA81-995B60557BD2}" type="slidenum">
               <a:rPr b="0" lang="en-US" sz="1400" spc="-1" strike="noStrike">
                 <a:solidFill>
                   <a:srgbClr val="ffffff"/>
@@ -3298,7 +3298,7 @@
         <p:spPr>
           <a:xfrm>
             <a:off x="180000" y="5130000"/>
-            <a:ext cx="2337480" cy="389880"/>
+            <a:ext cx="2337120" cy="389520"/>
           </a:xfrm>
           <a:prstGeom prst="rect">
             <a:avLst/>
@@ -3669,7 +3669,7 @@
         <p:spPr>
           <a:xfrm>
             <a:off x="504000" y="1428840"/>
-            <a:ext cx="9069120" cy="944280"/>
+            <a:ext cx="9068760" cy="943920"/>
           </a:xfrm>
           <a:prstGeom prst="rect">
             <a:avLst/>
@@ -3724,7 +3724,7 @@
         <p:spPr>
           <a:xfrm>
             <a:off x="504000" y="2592000"/>
-            <a:ext cx="9069120" cy="2020320"/>
+            <a:ext cx="9068760" cy="2019960"/>
           </a:xfrm>
           <a:prstGeom prst="rect">
             <a:avLst/>
@@ -3809,7 +3809,7 @@
         <p:spPr>
           <a:xfrm>
             <a:off x="457200" y="228600"/>
-            <a:ext cx="9069120" cy="944280"/>
+            <a:ext cx="9068760" cy="943920"/>
           </a:xfrm>
           <a:prstGeom prst="rect">
             <a:avLst/>
@@ -3864,7 +3864,7 @@
         <p:spPr>
           <a:xfrm>
             <a:off x="504000" y="1371600"/>
-            <a:ext cx="9069120" cy="4112280"/>
+            <a:ext cx="9068760" cy="4111920"/>
           </a:xfrm>
           <a:prstGeom prst="rect">
             <a:avLst/>
@@ -4075,7 +4075,7 @@
         <p:spPr>
           <a:xfrm>
             <a:off x="457200" y="228600"/>
-            <a:ext cx="9069120" cy="944280"/>
+            <a:ext cx="9068760" cy="943920"/>
           </a:xfrm>
           <a:prstGeom prst="rect">
             <a:avLst/>
@@ -4130,7 +4130,7 @@
         <p:spPr>
           <a:xfrm>
             <a:off x="504000" y="1143000"/>
-            <a:ext cx="9069120" cy="4340880"/>
+            <a:ext cx="9068760" cy="4340520"/>
           </a:xfrm>
           <a:prstGeom prst="rect">
             <a:avLst/>
@@ -4604,7 +4604,7 @@
         <p:spPr>
           <a:xfrm>
             <a:off x="457200" y="228600"/>
-            <a:ext cx="9069120" cy="944280"/>
+            <a:ext cx="9068760" cy="943920"/>
           </a:xfrm>
           <a:prstGeom prst="rect">
             <a:avLst/>
@@ -4659,7 +4659,7 @@
         <p:spPr>
           <a:xfrm>
             <a:off x="504000" y="1371600"/>
-            <a:ext cx="9069120" cy="4112280"/>
+            <a:ext cx="9068760" cy="4111920"/>
           </a:xfrm>
           <a:prstGeom prst="rect">
             <a:avLst/>
@@ -4897,7 +4897,7 @@
         <p:spPr>
           <a:xfrm>
             <a:off x="457200" y="228600"/>
-            <a:ext cx="9069120" cy="944280"/>
+            <a:ext cx="9068760" cy="943920"/>
           </a:xfrm>
           <a:prstGeom prst="rect">
             <a:avLst/>
@@ -4952,7 +4952,7 @@
         <p:spPr>
           <a:xfrm>
             <a:off x="504000" y="1371600"/>
-            <a:ext cx="9069120" cy="4112280"/>
+            <a:ext cx="9068760" cy="4111920"/>
           </a:xfrm>
           <a:prstGeom prst="rect">
             <a:avLst/>
@@ -5163,7 +5163,7 @@
         <p:spPr>
           <a:xfrm>
             <a:off x="457200" y="228600"/>
-            <a:ext cx="9069120" cy="944280"/>
+            <a:ext cx="9068760" cy="943920"/>
           </a:xfrm>
           <a:prstGeom prst="rect">
             <a:avLst/>
@@ -5218,7 +5218,7 @@
         <p:spPr>
           <a:xfrm>
             <a:off x="504000" y="1371600"/>
-            <a:ext cx="9069120" cy="4112280"/>
+            <a:ext cx="9068760" cy="4111920"/>
           </a:xfrm>
           <a:prstGeom prst="rect">
             <a:avLst/>
@@ -5364,6 +5364,34 @@
                 <a:latin typeface="Arial"/>
               </a:rPr>
               <a:t>Use AI as an advanced indexer (live demo)</a:t>
+            </a:r>
+            <a:endParaRPr b="0" lang="en-US" sz="3200" spc="-1" strike="noStrike">
+              <a:solidFill>
+                <a:srgbClr val="000000"/>
+              </a:solidFill>
+              <a:latin typeface="Arial"/>
+            </a:endParaRPr>
+          </a:p>
+          <a:p>
+            <a:pPr lvl="1" marL="432000" indent="-216000">
+              <a:lnSpc>
+                <a:spcPct val="100000"/>
+              </a:lnSpc>
+              <a:buClr>
+                <a:srgbClr val="000000"/>
+              </a:buClr>
+              <a:buSzPct val="45000"/>
+              <a:buFont typeface="Wingdings" charset="2"/>
+              <a:buChar char=""/>
+            </a:pPr>
+            <a:r>
+              <a:rPr b="0" lang="en-US" sz="3200" spc="-1" strike="noStrike">
+                <a:solidFill>
+                  <a:srgbClr val="ffffff"/>
+                </a:solidFill>
+                <a:latin typeface="Arial"/>
+              </a:rPr>
+              <a:t>Brief overview of the first 5 councils.</a:t>
             </a:r>
             <a:endParaRPr b="0" lang="en-US" sz="3200" spc="-1" strike="noStrike">
               <a:solidFill>
@@ -5434,7 +5462,7 @@
         <p:spPr>
           <a:xfrm>
             <a:off x="457200" y="228600"/>
-            <a:ext cx="9069120" cy="944280"/>
+            <a:ext cx="9068760" cy="943920"/>
           </a:xfrm>
           <a:prstGeom prst="rect">
             <a:avLst/>
@@ -5489,7 +5517,7 @@
         <p:spPr>
           <a:xfrm>
             <a:off x="504000" y="1371600"/>
-            <a:ext cx="9069120" cy="4112280"/>
+            <a:ext cx="9068760" cy="4111920"/>
           </a:xfrm>
           <a:prstGeom prst="rect">
             <a:avLst/>
@@ -5772,7 +5800,7 @@
         <p:spPr>
           <a:xfrm>
             <a:off x="457200" y="228600"/>
-            <a:ext cx="9069120" cy="944280"/>
+            <a:ext cx="9068760" cy="943920"/>
           </a:xfrm>
           <a:prstGeom prst="rect">
             <a:avLst/>
@@ -5827,7 +5855,7 @@
         <p:spPr>
           <a:xfrm>
             <a:off x="504000" y="1371600"/>
-            <a:ext cx="9069120" cy="4112280"/>
+            <a:ext cx="9068760" cy="4111920"/>
           </a:xfrm>
           <a:prstGeom prst="rect">
             <a:avLst/>
@@ -6015,7 +6043,7 @@
         <p:spPr>
           <a:xfrm>
             <a:off x="457200" y="228600"/>
-            <a:ext cx="9069120" cy="944280"/>
+            <a:ext cx="9068760" cy="943920"/>
           </a:xfrm>
           <a:prstGeom prst="rect">
             <a:avLst/>
@@ -6070,7 +6098,7 @@
         <p:spPr>
           <a:xfrm>
             <a:off x="504000" y="1371600"/>
-            <a:ext cx="9069120" cy="4112280"/>
+            <a:ext cx="9068760" cy="4111920"/>
           </a:xfrm>
           <a:prstGeom prst="rect">
             <a:avLst/>
@@ -6331,7 +6359,7 @@
         <p:spPr>
           <a:xfrm>
             <a:off x="457200" y="228600"/>
-            <a:ext cx="9069120" cy="944280"/>
+            <a:ext cx="9068760" cy="943920"/>
           </a:xfrm>
           <a:prstGeom prst="rect">
             <a:avLst/>
@@ -6386,7 +6414,7 @@
         <p:spPr>
           <a:xfrm>
             <a:off x="504000" y="1371600"/>
-            <a:ext cx="9069120" cy="4555440"/>
+            <a:ext cx="9068760" cy="4555080"/>
           </a:xfrm>
           <a:prstGeom prst="rect">
             <a:avLst/>
@@ -6636,7 +6664,7 @@
         <p:spPr>
           <a:xfrm>
             <a:off x="457200" y="228600"/>
-            <a:ext cx="9069120" cy="944280"/>
+            <a:ext cx="9068760" cy="943920"/>
           </a:xfrm>
           <a:prstGeom prst="rect">
             <a:avLst/>
@@ -6691,7 +6719,7 @@
         <p:spPr>
           <a:xfrm>
             <a:off x="504000" y="1371600"/>
-            <a:ext cx="9069120" cy="4112280"/>
+            <a:ext cx="9068760" cy="4111920"/>
           </a:xfrm>
           <a:prstGeom prst="rect">
             <a:avLst/>
@@ -6913,7 +6941,7 @@
         <p:spPr>
           <a:xfrm>
             <a:off x="457200" y="228600"/>
-            <a:ext cx="9069120" cy="944280"/>
+            <a:ext cx="9068760" cy="943920"/>
           </a:xfrm>
           <a:prstGeom prst="rect">
             <a:avLst/>
@@ -6968,7 +6996,7 @@
         <p:spPr>
           <a:xfrm>
             <a:off x="504000" y="1371600"/>
-            <a:ext cx="9069120" cy="4112280"/>
+            <a:ext cx="9068760" cy="4111920"/>
           </a:xfrm>
           <a:prstGeom prst="rect">
             <a:avLst/>
@@ -7246,7 +7274,7 @@
         <p:spPr>
           <a:xfrm>
             <a:off x="457200" y="228600"/>
-            <a:ext cx="9069120" cy="944280"/>
+            <a:ext cx="9068760" cy="943920"/>
           </a:xfrm>
           <a:prstGeom prst="rect">
             <a:avLst/>
@@ -7301,7 +7329,7 @@
         <p:spPr>
           <a:xfrm>
             <a:off x="504000" y="1371600"/>
-            <a:ext cx="9069120" cy="4112280"/>
+            <a:ext cx="9068760" cy="4111920"/>
           </a:xfrm>
           <a:prstGeom prst="rect">
             <a:avLst/>

--- a/Mastery.pptx
+++ b/Mastery.pptx
@@ -16,8 +16,6 @@
     <p:sldId id="264" r:id="rId11"/>
     <p:sldId id="265" r:id="rId12"/>
     <p:sldId id="266" r:id="rId13"/>
-    <p:sldId id="267" r:id="rId14"/>
-    <p:sldId id="268" r:id="rId15"/>
   </p:sldIdLst>
   <p:sldSz cx="10080625" cy="5670550"/>
   <p:notesSz cx="7772400" cy="10058400"/>
@@ -75,7 +73,7 @@
         <p:txBody>
           <a:bodyPr/>
           <a:p>
-            <a:fld id="{1377CF48-67AC-431E-92C0-FD57D26ED02D}" type="slidenum">
+            <a:fld id="{D9CE7A3B-F592-44E9-8D0C-0A0F5D8557E3}" type="slidenum">
               <a:t>&lt;#&gt;</a:t>
             </a:fld>
           </a:p>
@@ -284,7 +282,7 @@
         <p:txBody>
           <a:bodyPr/>
           <a:p>
-            <a:fld id="{89DF4CC6-3BA8-4503-BC49-43F73286E06A}" type="slidenum">
+            <a:fld id="{7B494008-88B8-4EDF-B9D1-9C4BF61180EA}" type="slidenum">
               <a:t>&lt;#&gt;</a:t>
             </a:fld>
           </a:p>
@@ -579,7 +577,7 @@
         <p:txBody>
           <a:bodyPr/>
           <a:p>
-            <a:fld id="{33F76D71-E943-47D0-A02E-90336BF6E70A}" type="slidenum">
+            <a:fld id="{BB850EC5-545F-4806-B291-ECF4B85621A9}" type="slidenum">
               <a:t>&lt;#&gt;</a:t>
             </a:fld>
           </a:p>
@@ -960,7 +958,7 @@
         <p:txBody>
           <a:bodyPr/>
           <a:p>
-            <a:fld id="{65FA2990-C7A9-4BDB-964B-DC77E1D31D6C}" type="slidenum">
+            <a:fld id="{2631FC2A-D7A9-40B7-8D8B-0BB44C25F914}" type="slidenum">
               <a:t>&lt;#&gt;</a:t>
             </a:fld>
           </a:p>
@@ -1123,7 +1121,7 @@
         <p:txBody>
           <a:bodyPr/>
           <a:p>
-            <a:fld id="{D8536C46-27C5-4A8A-9806-AB58CA1AD81D}" type="slidenum">
+            <a:fld id="{2E3F8288-0299-4F26-A80B-56883A6756EF}" type="slidenum">
               <a:t>&lt;#&gt;</a:t>
             </a:fld>
           </a:p>
@@ -1289,7 +1287,7 @@
         <p:txBody>
           <a:bodyPr/>
           <a:p>
-            <a:fld id="{72EAD28B-4D9A-4E2B-B2FA-473F523E4124}" type="slidenum">
+            <a:fld id="{99043C5F-7DD6-4EAD-957D-E38DF8E77BEF}" type="slidenum">
               <a:t>&lt;#&gt;</a:t>
             </a:fld>
           </a:p>
@@ -1498,7 +1496,7 @@
         <p:txBody>
           <a:bodyPr/>
           <a:p>
-            <a:fld id="{8E4E1872-7FF9-4D71-AE5A-B327977634BA}" type="slidenum">
+            <a:fld id="{E531D4F7-C00A-499C-87FF-A14AF21456F4}" type="slidenum">
               <a:t>&lt;#&gt;</a:t>
             </a:fld>
           </a:p>
@@ -1621,7 +1619,7 @@
         <p:txBody>
           <a:bodyPr/>
           <a:p>
-            <a:fld id="{B3A1CCCF-11F0-40B0-83F9-482826CD75AB}" type="slidenum">
+            <a:fld id="{3ADCC6DD-85F3-4B2D-B788-8C9D24B30990}" type="slidenum">
               <a:t>&lt;#&gt;</a:t>
             </a:fld>
           </a:p>
@@ -1742,7 +1740,7 @@
         <p:txBody>
           <a:bodyPr/>
           <a:p>
-            <a:fld id="{B8F8831D-220D-4B47-A3DF-FDE1905AAE54}" type="slidenum">
+            <a:fld id="{E7901AFF-F979-4702-A840-8E6CFE2EFCF8}" type="slidenum">
               <a:t>&lt;#&gt;</a:t>
             </a:fld>
           </a:p>
@@ -1994,7 +1992,7 @@
         <p:txBody>
           <a:bodyPr/>
           <a:p>
-            <a:fld id="{1A2DC397-220A-4CE0-98BE-EA9759CBBACC}" type="slidenum">
+            <a:fld id="{89C3522F-796D-48A3-BEAF-9F4D6FDAD12B}" type="slidenum">
               <a:t>&lt;#&gt;</a:t>
             </a:fld>
           </a:p>
@@ -2246,7 +2244,7 @@
         <p:txBody>
           <a:bodyPr/>
           <a:p>
-            <a:fld id="{7446BB47-2437-4794-9F74-6314A8B58472}" type="slidenum">
+            <a:fld id="{B81BFC62-C5FE-480F-9DBF-71E107EE7679}" type="slidenum">
               <a:t>&lt;#&gt;</a:t>
             </a:fld>
           </a:p>
@@ -2498,7 +2496,7 @@
         <p:txBody>
           <a:bodyPr/>
           <a:p>
-            <a:fld id="{D13799C1-E349-40BA-A8B5-3E4730EDB31F}" type="slidenum">
+            <a:fld id="{ADAD25A5-D8F5-47D2-BE4C-A442F12D2B8E}" type="slidenum">
               <a:t>&lt;#&gt;</a:t>
             </a:fld>
           </a:p>
@@ -2556,7 +2554,7 @@
         <p:spPr>
           <a:xfrm>
             <a:off x="0" y="0"/>
-            <a:ext cx="10077120" cy="5667120"/>
+            <a:ext cx="10075320" cy="5665320"/>
           </a:xfrm>
           <a:prstGeom prst="rect">
             <a:avLst/>
@@ -2611,7 +2609,7 @@
         <p:spPr>
           <a:xfrm>
             <a:off x="1440000" y="1080000"/>
-            <a:ext cx="1437120" cy="1257120"/>
+            <a:ext cx="1435320" cy="1255320"/>
           </a:xfrm>
           <a:prstGeom prst="ellipse">
             <a:avLst/>
@@ -2660,7 +2658,7 @@
         <p:spPr>
           <a:xfrm>
             <a:off x="7380000" y="3960000"/>
-            <a:ext cx="1437120" cy="1257120"/>
+            <a:ext cx="1435320" cy="1255320"/>
           </a:xfrm>
           <a:prstGeom prst="ellipse">
             <a:avLst/>
@@ -2709,7 +2707,7 @@
         <p:spPr>
           <a:xfrm>
             <a:off x="9000000" y="2700000"/>
-            <a:ext cx="1257120" cy="1077120"/>
+            <a:ext cx="1255320" cy="1075320"/>
           </a:xfrm>
           <a:prstGeom prst="ellipse">
             <a:avLst/>
@@ -2758,7 +2756,7 @@
         <p:spPr>
           <a:xfrm>
             <a:off x="-180000" y="2430000"/>
-            <a:ext cx="1437120" cy="1347120"/>
+            <a:ext cx="1435320" cy="1345320"/>
           </a:xfrm>
           <a:prstGeom prst="ellipse">
             <a:avLst/>
@@ -2807,7 +2805,7 @@
         <p:spPr>
           <a:xfrm>
             <a:off x="540000" y="1080000"/>
-            <a:ext cx="717120" cy="717120"/>
+            <a:ext cx="715320" cy="715320"/>
           </a:xfrm>
           <a:prstGeom prst="ellipse">
             <a:avLst/>
@@ -2856,7 +2854,7 @@
         <p:spPr>
           <a:xfrm>
             <a:off x="0" y="1260000"/>
-            <a:ext cx="717120" cy="717120"/>
+            <a:ext cx="715320" cy="715320"/>
           </a:xfrm>
           <a:prstGeom prst="ellipse">
             <a:avLst/>
@@ -2905,7 +2903,7 @@
         <p:spPr>
           <a:xfrm>
             <a:off x="0" y="5220000"/>
-            <a:ext cx="1617120" cy="1257120"/>
+            <a:ext cx="1615320" cy="1255320"/>
           </a:xfrm>
           <a:prstGeom prst="ellipse">
             <a:avLst/>
@@ -2954,7 +2952,7 @@
         <p:spPr>
           <a:xfrm>
             <a:off x="9720000" y="4680000"/>
-            <a:ext cx="717120" cy="717120"/>
+            <a:ext cx="715320" cy="715320"/>
           </a:xfrm>
           <a:prstGeom prst="ellipse">
             <a:avLst/>
@@ -3003,7 +3001,7 @@
         <p:spPr>
           <a:xfrm>
             <a:off x="9540000" y="3420000"/>
-            <a:ext cx="717120" cy="717120"/>
+            <a:ext cx="715320" cy="715320"/>
           </a:xfrm>
           <a:prstGeom prst="ellipse">
             <a:avLst/>
@@ -3052,7 +3050,7 @@
         <p:spPr>
           <a:xfrm>
             <a:off x="8100000" y="4680000"/>
-            <a:ext cx="1077120" cy="839520"/>
+            <a:ext cx="1075320" cy="837720"/>
           </a:xfrm>
           <a:prstGeom prst="ellipse">
             <a:avLst/>
@@ -3101,7 +3099,7 @@
         <p:spPr>
           <a:xfrm>
             <a:off x="7920000" y="5400000"/>
-            <a:ext cx="897120" cy="897120"/>
+            <a:ext cx="895320" cy="895320"/>
           </a:xfrm>
           <a:prstGeom prst="ellipse">
             <a:avLst/>
@@ -3154,7 +3152,7 @@
         <p:spPr>
           <a:xfrm>
             <a:off x="3420000" y="5130000"/>
-            <a:ext cx="3237120" cy="389520"/>
+            <a:ext cx="3235320" cy="387720"/>
           </a:xfrm>
           <a:prstGeom prst="rect">
             <a:avLst/>
@@ -3226,7 +3224,7 @@
         <p:spPr>
           <a:xfrm>
             <a:off x="7560000" y="5130000"/>
-            <a:ext cx="2337120" cy="389520"/>
+            <a:ext cx="2335320" cy="387720"/>
           </a:xfrm>
           <a:prstGeom prst="rect">
             <a:avLst/>
@@ -3267,7 +3265,7 @@
                 <a:tab algn="l" pos="0"/>
               </a:tabLst>
             </a:pPr>
-            <a:fld id="{E86A17A7-A593-4E52-BA81-995B60557BD2}" type="slidenum">
+            <a:fld id="{04238FAF-DF92-40E5-AB3D-E3059765B794}" type="slidenum">
               <a:rPr b="0" lang="en-US" sz="1400" spc="-1" strike="noStrike">
                 <a:solidFill>
                   <a:srgbClr val="ffffff"/>
@@ -3298,7 +3296,7 @@
         <p:spPr>
           <a:xfrm>
             <a:off x="180000" y="5130000"/>
-            <a:ext cx="2337120" cy="389520"/>
+            <a:ext cx="2335320" cy="387720"/>
           </a:xfrm>
           <a:prstGeom prst="rect">
             <a:avLst/>
@@ -3669,7 +3667,7 @@
         <p:spPr>
           <a:xfrm>
             <a:off x="504000" y="1428840"/>
-            <a:ext cx="9068760" cy="943920"/>
+            <a:ext cx="9066960" cy="942120"/>
           </a:xfrm>
           <a:prstGeom prst="rect">
             <a:avLst/>
@@ -3700,7 +3698,7 @@
                 </a:solidFill>
                 <a:latin typeface="Arial"/>
               </a:rPr>
-              <a:t>Catechist Mastery</a:t>
+              <a:t>Plan to Master Catechist Materials</a:t>
             </a:r>
             <a:endParaRPr b="0" lang="en-US" sz="3300" spc="-1" strike="noStrike">
               <a:solidFill>
@@ -3724,7 +3722,7 @@
         <p:spPr>
           <a:xfrm>
             <a:off x="504000" y="2592000"/>
-            <a:ext cx="9068760" cy="2019960"/>
+            <a:ext cx="9066960" cy="2018160"/>
           </a:xfrm>
           <a:prstGeom prst="rect">
             <a:avLst/>
@@ -3809,7 +3807,7 @@
         <p:spPr>
           <a:xfrm>
             <a:off x="457200" y="228600"/>
-            <a:ext cx="9068760" cy="943920"/>
+            <a:ext cx="9066960" cy="942120"/>
           </a:xfrm>
           <a:prstGeom prst="rect">
             <a:avLst/>
@@ -3840,7 +3838,7 @@
                 </a:solidFill>
                 <a:latin typeface="Arial"/>
               </a:rPr>
-              <a:t>Logos Packages</a:t>
+              <a:t>EVEN More!!! Distinctives of the Expert – Names and Dates</a:t>
             </a:r>
             <a:endParaRPr b="0" lang="en-US" sz="3300" spc="-1" strike="noStrike">
               <a:solidFill>
@@ -3864,7 +3862,7 @@
         <p:spPr>
           <a:xfrm>
             <a:off x="504000" y="1371600"/>
-            <a:ext cx="9068760" cy="4111920"/>
+            <a:ext cx="9066960" cy="4110120"/>
           </a:xfrm>
           <a:prstGeom prst="rect">
             <a:avLst/>
@@ -3891,122 +3889,353 @@
               <a:buChar char=""/>
             </a:pPr>
             <a:r>
-              <a:rPr b="0" lang="en-US" sz="3200" spc="-1" strike="noStrike">
-                <a:solidFill>
-                  <a:srgbClr val="ffffff"/>
-                </a:solidFill>
-                <a:latin typeface="Arial"/>
-              </a:rPr>
-              <a:t>https://www.logos.com/product/18543/catechism-of-the-catholic-church-collection </a:t>
-            </a:r>
-            <a:endParaRPr b="0" lang="en-US" sz="3200" spc="-1" strike="noStrike">
-              <a:solidFill>
-                <a:srgbClr val="000000"/>
-              </a:solidFill>
-              <a:latin typeface="Arial"/>
-            </a:endParaRPr>
-          </a:p>
-          <a:p>
-            <a:pPr lvl="1" marL="432000" indent="-216000">
-              <a:lnSpc>
-                <a:spcPct val="100000"/>
-              </a:lnSpc>
-              <a:buClr>
-                <a:srgbClr val="000000"/>
-              </a:buClr>
-              <a:buSzPct val="45000"/>
-              <a:buFont typeface="Wingdings" charset="2"/>
-              <a:buChar char=""/>
-            </a:pPr>
-            <a:r>
-              <a:rPr b="0" lang="en-US" sz="3200" spc="-1" strike="noStrike">
-                <a:solidFill>
-                  <a:srgbClr val="ffffff"/>
-                </a:solidFill>
-                <a:latin typeface="Arial"/>
-              </a:rPr>
-              <a:t>$49</a:t>
-            </a:r>
-            <a:endParaRPr b="0" lang="en-US" sz="3200" spc="-1" strike="noStrike">
-              <a:solidFill>
-                <a:srgbClr val="000000"/>
-              </a:solidFill>
-              <a:latin typeface="Arial"/>
-            </a:endParaRPr>
-          </a:p>
-          <a:p>
-            <a:pPr marL="216000" indent="0">
-              <a:lnSpc>
-                <a:spcPct val="100000"/>
-              </a:lnSpc>
-              <a:buNone/>
-              <a:tabLst>
-                <a:tab algn="l" pos="0"/>
-              </a:tabLst>
-            </a:pPr>
-            <a:endParaRPr b="0" lang="en-US" sz="3200" spc="-1" strike="noStrike">
-              <a:solidFill>
-                <a:srgbClr val="000000"/>
-              </a:solidFill>
-              <a:latin typeface="Arial"/>
-            </a:endParaRPr>
-          </a:p>
-          <a:p>
-            <a:pPr marL="216000" indent="-216000">
-              <a:lnSpc>
-                <a:spcPct val="100000"/>
-              </a:lnSpc>
-              <a:buClr>
-                <a:srgbClr val="ffffff"/>
-              </a:buClr>
-              <a:buSzPct val="45000"/>
-              <a:buFont typeface="Wingdings" charset="2"/>
-              <a:buChar char=""/>
-              <a:tabLst>
-                <a:tab algn="l" pos="0"/>
-              </a:tabLst>
-            </a:pPr>
-            <a:r>
-              <a:rPr b="0" lang="en-US" sz="3200" spc="-1" strike="noStrike">
-                <a:solidFill>
-                  <a:srgbClr val="ffffff"/>
-                </a:solidFill>
-                <a:latin typeface="Arial"/>
-              </a:rPr>
-              <a:t>https://www.logos.com/product/241746/verbum-10-preaching-suite   </a:t>
-            </a:r>
-            <a:endParaRPr b="0" lang="en-US" sz="3200" spc="-1" strike="noStrike">
-              <a:solidFill>
-                <a:srgbClr val="000000"/>
-              </a:solidFill>
-              <a:latin typeface="Arial"/>
-            </a:endParaRPr>
-          </a:p>
-          <a:p>
-            <a:pPr lvl="1" marL="432000" indent="-216000">
-              <a:lnSpc>
-                <a:spcPct val="100000"/>
-              </a:lnSpc>
-              <a:buClr>
-                <a:srgbClr val="000000"/>
-              </a:buClr>
-              <a:buSzPct val="45000"/>
-              <a:buFont typeface="Wingdings" charset="2"/>
-              <a:buChar char=""/>
-              <a:tabLst>
-                <a:tab algn="l" pos="0"/>
-              </a:tabLst>
-            </a:pPr>
-            <a:r>
-              <a:rPr b="0" lang="en-US" sz="3200" spc="-1" strike="noStrike">
-                <a:solidFill>
-                  <a:srgbClr val="ffffff"/>
-                </a:solidFill>
-                <a:latin typeface="Arial"/>
-              </a:rPr>
-              <a:t>$399</a:t>
-            </a:r>
-            <a:endParaRPr b="0" lang="en-US" sz="3200" spc="-1" strike="noStrike">
+              <a:rPr b="0" lang="en-US" sz="2100" spc="-1" strike="noStrike">
+                <a:solidFill>
+                  <a:srgbClr val="ffffff"/>
+                </a:solidFill>
+                <a:latin typeface="Arial"/>
+              </a:rPr>
+              <a:t>From the “Beginnings” to the Council of Chalcedon</a:t>
+            </a:r>
+            <a:endParaRPr b="0" lang="en-US" sz="2100" spc="-1" strike="noStrike">
+              <a:solidFill>
+                <a:srgbClr val="000000"/>
+              </a:solidFill>
+              <a:latin typeface="Arial"/>
+            </a:endParaRPr>
+          </a:p>
+          <a:p>
+            <a:pPr marL="216000" indent="-216000">
+              <a:lnSpc>
+                <a:spcPct val="100000"/>
+              </a:lnSpc>
+              <a:buClr>
+                <a:srgbClr val="ffffff"/>
+              </a:buClr>
+              <a:buSzPct val="45000"/>
+              <a:buFont typeface="Wingdings" charset="2"/>
+              <a:buChar char=""/>
+            </a:pPr>
+            <a:r>
+              <a:rPr b="0" lang="en-US" sz="2100" spc="-1" strike="noStrike">
+                <a:solidFill>
+                  <a:srgbClr val="ffffff"/>
+                </a:solidFill>
+                <a:latin typeface="Arial"/>
+              </a:rPr>
+              <a:t>Apostolic Fathers, Greek apologists, early heresies</a:t>
+            </a:r>
+            <a:endParaRPr b="0" lang="en-US" sz="2100" spc="-1" strike="noStrike">
+              <a:solidFill>
+                <a:srgbClr val="000000"/>
+              </a:solidFill>
+              <a:latin typeface="Arial"/>
+            </a:endParaRPr>
+          </a:p>
+          <a:p>
+            <a:pPr marL="216000" indent="-216000">
+              <a:lnSpc>
+                <a:spcPct val="100000"/>
+              </a:lnSpc>
+              <a:buClr>
+                <a:srgbClr val="ffffff"/>
+              </a:buClr>
+              <a:buSzPct val="45000"/>
+              <a:buFont typeface="Wingdings" charset="2"/>
+              <a:buChar char=""/>
+            </a:pPr>
+            <a:r>
+              <a:rPr b="0" lang="en-US" sz="2100" spc="-1" strike="noStrike">
+                <a:solidFill>
+                  <a:srgbClr val="ffffff"/>
+                </a:solidFill>
+                <a:latin typeface="Arial"/>
+              </a:rPr>
+              <a:t>Alexandrian School, Western thought, Arian controversy after Nicea</a:t>
+            </a:r>
+            <a:endParaRPr b="0" lang="en-US" sz="2100" spc="-1" strike="noStrike">
+              <a:solidFill>
+                <a:srgbClr val="000000"/>
+              </a:solidFill>
+              <a:latin typeface="Arial"/>
+            </a:endParaRPr>
+          </a:p>
+          <a:p>
+            <a:pPr marL="216000" indent="-216000">
+              <a:lnSpc>
+                <a:spcPct val="100000"/>
+              </a:lnSpc>
+              <a:buClr>
+                <a:srgbClr val="ffffff"/>
+              </a:buClr>
+              <a:buSzPct val="45000"/>
+              <a:buFont typeface="Wingdings" charset="2"/>
+              <a:buChar char=""/>
+            </a:pPr>
+            <a:r>
+              <a:rPr b="0" lang="en-US" sz="2100" spc="-1" strike="noStrike">
+                <a:solidFill>
+                  <a:srgbClr val="ffffff"/>
+                </a:solidFill>
+                <a:latin typeface="Arial"/>
+              </a:rPr>
+              <a:t>Athenasius, Cappadocians, Trinity doctrine of the West</a:t>
+            </a:r>
+            <a:endParaRPr b="0" lang="en-US" sz="2100" spc="-1" strike="noStrike">
+              <a:solidFill>
+                <a:srgbClr val="000000"/>
+              </a:solidFill>
+              <a:latin typeface="Arial"/>
+            </a:endParaRPr>
+          </a:p>
+          <a:p>
+            <a:pPr marL="216000" indent="-216000">
+              <a:lnSpc>
+                <a:spcPct val="100000"/>
+              </a:lnSpc>
+              <a:buClr>
+                <a:srgbClr val="ffffff"/>
+              </a:buClr>
+              <a:buSzPct val="45000"/>
+              <a:buFont typeface="Wingdings" charset="2"/>
+              <a:buChar char=""/>
+            </a:pPr>
+            <a:r>
+              <a:rPr b="0" lang="en-US" sz="2100" spc="-1" strike="noStrike">
+                <a:solidFill>
+                  <a:srgbClr val="ffffff"/>
+                </a:solidFill>
+                <a:latin typeface="Arial"/>
+                <a:ea typeface="Microsoft YaHei"/>
+              </a:rPr>
+              <a:t>Christological, Nestorian controversies, Ephesus, Chalcedon</a:t>
+            </a:r>
+            <a:endParaRPr b="0" lang="en-US" sz="2100" spc="-1" strike="noStrike">
+              <a:solidFill>
+                <a:srgbClr val="000000"/>
+              </a:solidFill>
+              <a:latin typeface="Arial"/>
+            </a:endParaRPr>
+          </a:p>
+          <a:p>
+            <a:pPr marL="216000" indent="-216000">
+              <a:lnSpc>
+                <a:spcPct val="100000"/>
+              </a:lnSpc>
+              <a:buClr>
+                <a:srgbClr val="ffffff"/>
+              </a:buClr>
+              <a:buSzPct val="45000"/>
+              <a:buFont typeface="Wingdings" charset="2"/>
+              <a:buChar char=""/>
+            </a:pPr>
+            <a:r>
+              <a:rPr b="0" lang="en-US" sz="2100" spc="-1" strike="noStrike">
+                <a:solidFill>
+                  <a:srgbClr val="ffffff"/>
+                </a:solidFill>
+                <a:latin typeface="Arial"/>
+                <a:ea typeface="Microsoft YaHei"/>
+              </a:rPr>
+              <a:t>Augustine, Carolingian Renaissance, Dark Age, 12</a:t>
+            </a:r>
+            <a:r>
+              <a:rPr b="0" lang="en-US" sz="2100" spc="-1" strike="noStrike" baseline="33000">
+                <a:solidFill>
+                  <a:srgbClr val="ffffff"/>
+                </a:solidFill>
+                <a:latin typeface="Arial"/>
+                <a:ea typeface="Microsoft YaHei"/>
+              </a:rPr>
+              <a:t>th</a:t>
+            </a:r>
+            <a:r>
+              <a:rPr b="0" lang="en-US" sz="2100" spc="-1" strike="noStrike">
+                <a:solidFill>
+                  <a:srgbClr val="ffffff"/>
+                </a:solidFill>
+                <a:latin typeface="Arial"/>
+                <a:ea typeface="Microsoft YaHei"/>
+              </a:rPr>
+              <a:t> C., Crusades</a:t>
+            </a:r>
+            <a:endParaRPr b="0" lang="en-US" sz="2100" spc="-1" strike="noStrike">
+              <a:solidFill>
+                <a:srgbClr val="000000"/>
+              </a:solidFill>
+              <a:latin typeface="Arial"/>
+            </a:endParaRPr>
+          </a:p>
+          <a:p>
+            <a:pPr marL="216000" indent="-216000">
+              <a:lnSpc>
+                <a:spcPct val="100000"/>
+              </a:lnSpc>
+              <a:buClr>
+                <a:srgbClr val="ffffff"/>
+              </a:buClr>
+              <a:buSzPct val="45000"/>
+              <a:buFont typeface="Wingdings" charset="2"/>
+              <a:buChar char=""/>
+            </a:pPr>
+            <a:r>
+              <a:rPr b="0" lang="en-US" sz="2100" spc="-1" strike="noStrike">
+                <a:solidFill>
+                  <a:srgbClr val="ffffff"/>
+                </a:solidFill>
+                <a:latin typeface="Arial"/>
+                <a:ea typeface="Microsoft YaHei"/>
+              </a:rPr>
+              <a:t>13</a:t>
+            </a:r>
+            <a:r>
+              <a:rPr b="0" lang="en-US" sz="2100" spc="-1" strike="noStrike" baseline="33000">
+                <a:solidFill>
+                  <a:srgbClr val="ffffff"/>
+                </a:solidFill>
+                <a:latin typeface="Arial"/>
+                <a:ea typeface="Microsoft YaHei"/>
+              </a:rPr>
+              <a:t>th</a:t>
+            </a:r>
+            <a:r>
+              <a:rPr b="0" lang="en-US" sz="2100" spc="-1" strike="noStrike">
+                <a:solidFill>
+                  <a:srgbClr val="ffffff"/>
+                </a:solidFill>
+                <a:latin typeface="Arial"/>
+                <a:ea typeface="Microsoft YaHei"/>
+              </a:rPr>
+              <a:t> C, Dominical School, Aristotelinaism, Fall of Constantinople</a:t>
+            </a:r>
+            <a:endParaRPr b="0" lang="en-US" sz="2100" spc="-1" strike="noStrike">
+              <a:solidFill>
+                <a:srgbClr val="000000"/>
+              </a:solidFill>
+              <a:latin typeface="Arial"/>
+            </a:endParaRPr>
+          </a:p>
+          <a:p>
+            <a:pPr marL="216000" indent="-216000">
+              <a:lnSpc>
+                <a:spcPct val="100000"/>
+              </a:lnSpc>
+              <a:buClr>
+                <a:srgbClr val="ffffff"/>
+              </a:buClr>
+              <a:buSzPct val="45000"/>
+              <a:buFont typeface="Wingdings" charset="2"/>
+              <a:buChar char=""/>
+            </a:pPr>
+            <a:r>
+              <a:rPr b="0" lang="en-US" sz="2100" spc="-1" strike="noStrike">
+                <a:solidFill>
+                  <a:srgbClr val="ffffff"/>
+                </a:solidFill>
+                <a:latin typeface="Arial"/>
+                <a:ea typeface="Microsoft YaHei"/>
+              </a:rPr>
+              <a:t>Luther, Zwingli, Anabaptist, Calvin, Great Britain, counter-reformation</a:t>
+            </a:r>
+            <a:endParaRPr b="0" lang="en-US" sz="2100" spc="-1" strike="noStrike">
+              <a:solidFill>
+                <a:srgbClr val="000000"/>
+              </a:solidFill>
+              <a:latin typeface="Arial"/>
+            </a:endParaRPr>
+          </a:p>
+          <a:p>
+            <a:pPr marL="216000" indent="-216000">
+              <a:lnSpc>
+                <a:spcPct val="100000"/>
+              </a:lnSpc>
+              <a:buClr>
+                <a:srgbClr val="ffffff"/>
+              </a:buClr>
+              <a:buSzPct val="45000"/>
+              <a:buFont typeface="Wingdings" charset="2"/>
+              <a:buChar char=""/>
+            </a:pPr>
+            <a:r>
+              <a:rPr b="0" lang="en-US" sz="2100" spc="-1" strike="noStrike">
+                <a:solidFill>
+                  <a:srgbClr val="ffffff"/>
+                </a:solidFill>
+                <a:latin typeface="Arial"/>
+                <a:ea typeface="Microsoft YaHei"/>
+              </a:rPr>
+              <a:t>Awakenings, piety, 19</a:t>
+            </a:r>
+            <a:r>
+              <a:rPr b="0" lang="en-US" sz="2100" spc="-1" strike="noStrike" baseline="33000">
+                <a:solidFill>
+                  <a:srgbClr val="ffffff"/>
+                </a:solidFill>
+                <a:latin typeface="Arial"/>
+                <a:ea typeface="Microsoft YaHei"/>
+              </a:rPr>
+              <a:t>th</a:t>
+            </a:r>
+            <a:r>
+              <a:rPr b="0" lang="en-US" sz="2100" spc="-1" strike="noStrike">
+                <a:solidFill>
+                  <a:srgbClr val="ffffff"/>
+                </a:solidFill>
+                <a:latin typeface="Arial"/>
+                <a:ea typeface="Microsoft YaHei"/>
+              </a:rPr>
+              <a:t> C. Protestantism, Vat I, 20</a:t>
+            </a:r>
+            <a:r>
+              <a:rPr b="0" lang="en-US" sz="2100" spc="-1" strike="noStrike" baseline="33000">
+                <a:solidFill>
+                  <a:srgbClr val="ffffff"/>
+                </a:solidFill>
+                <a:latin typeface="Arial"/>
+                <a:ea typeface="Microsoft YaHei"/>
+              </a:rPr>
+              <a:t>th</a:t>
+            </a:r>
+            <a:r>
+              <a:rPr b="0" lang="en-US" sz="2100" spc="-1" strike="noStrike">
+                <a:solidFill>
+                  <a:srgbClr val="ffffff"/>
+                </a:solidFill>
+                <a:latin typeface="Arial"/>
+                <a:ea typeface="Microsoft YaHei"/>
+              </a:rPr>
+              <a:t> C. Vat II</a:t>
+            </a:r>
+            <a:endParaRPr b="0" lang="en-US" sz="2100" spc="-1" strike="noStrike">
+              <a:solidFill>
+                <a:srgbClr val="000000"/>
+              </a:solidFill>
+              <a:latin typeface="Arial"/>
+            </a:endParaRPr>
+          </a:p>
+          <a:p>
+            <a:pPr marL="216000" indent="-216000">
+              <a:lnSpc>
+                <a:spcPct val="100000"/>
+              </a:lnSpc>
+              <a:buClr>
+                <a:srgbClr val="ffffff"/>
+              </a:buClr>
+              <a:buSzPct val="45000"/>
+              <a:buFont typeface="Wingdings" charset="2"/>
+              <a:buChar char=""/>
+            </a:pPr>
+            <a:r>
+              <a:rPr b="0" lang="en-US" sz="2100" spc="-1" strike="noStrike">
+                <a:solidFill>
+                  <a:srgbClr val="ffffff"/>
+                </a:solidFill>
+                <a:latin typeface="Arial"/>
+                <a:ea typeface="Microsoft YaHei"/>
+              </a:rPr>
+              <a:t>JP II and the Cold War, New Evangelization.</a:t>
+            </a:r>
+            <a:endParaRPr b="0" lang="en-US" sz="2100" spc="-1" strike="noStrike">
               <a:solidFill>
                 <a:srgbClr val="000000"/>
               </a:solidFill>
@@ -4075,7 +4304,7 @@
         <p:spPr>
           <a:xfrm>
             <a:off x="457200" y="228600"/>
-            <a:ext cx="9068760" cy="943920"/>
+            <a:ext cx="9066960" cy="942120"/>
           </a:xfrm>
           <a:prstGeom prst="rect">
             <a:avLst/>
@@ -4130,7 +4359,7 @@
         <p:spPr>
           <a:xfrm>
             <a:off x="504000" y="1143000"/>
-            <a:ext cx="9068760" cy="4340520"/>
+            <a:ext cx="9066960" cy="4338720"/>
           </a:xfrm>
           <a:prstGeom prst="rect">
             <a:avLst/>
@@ -4527,565 +4756,6 @@
           </a:p>
           <a:p>
             <a:pPr marL="216000" indent="0">
-              <a:lnSpc>
-                <a:spcPct val="100000"/>
-              </a:lnSpc>
-              <a:buNone/>
-              <a:tabLst>
-                <a:tab algn="l" pos="0"/>
-              </a:tabLst>
-            </a:pPr>
-            <a:endParaRPr b="0" lang="en-US" sz="3200" spc="-1" strike="noStrike">
-              <a:solidFill>
-                <a:srgbClr val="000000"/>
-              </a:solidFill>
-              <a:latin typeface="Arial"/>
-            </a:endParaRPr>
-          </a:p>
-          <a:p>
-            <a:pPr marL="216000" indent="0">
-              <a:lnSpc>
-                <a:spcPct val="100000"/>
-              </a:lnSpc>
-              <a:buNone/>
-              <a:tabLst>
-                <a:tab algn="l" pos="0"/>
-              </a:tabLst>
-            </a:pPr>
-            <a:endParaRPr b="0" lang="en-US" sz="3200" spc="-1" strike="noStrike">
-              <a:solidFill>
-                <a:srgbClr val="000000"/>
-              </a:solidFill>
-              <a:latin typeface="Arial"/>
-            </a:endParaRPr>
-          </a:p>
-        </p:txBody>
-      </p:sp>
-    </p:spTree>
-  </p:cSld>
-  <mc:AlternateContent>
-    <mc:Choice Requires="p14">
-      <p:transition spd="slow" p14:dur="2000"/>
-    </mc:Choice>
-    <mc:Fallback>
-      <p:transition spd="slow"/>
-    </mc:Fallback>
-  </mc:AlternateContent>
-</p:sld>
-</file>
-
-<file path=ppt/slides/slide12.xml><?xml version="1.0" encoding="utf-8"?>
-<p:sld xmlns:a="http://schemas.openxmlformats.org/drawingml/2006/main" xmlns:p="http://schemas.openxmlformats.org/presentationml/2006/main" xmlns:r="http://schemas.openxmlformats.org/officeDocument/2006/relationships" xmlns:p14="http://schemas.microsoft.com/office/powerpoint/2010/main" xmlns:p15="http://schemas.microsoft.com/office/powerpoint/2012/main" xmlns:mc="http://schemas.openxmlformats.org/markup-compatibility/2006">
-  <p:cSld>
-    <p:spTree>
-      <p:nvGrpSpPr>
-        <p:cNvPr id="1" name=""/>
-        <p:cNvGrpSpPr/>
-        <p:nvPr/>
-      </p:nvGrpSpPr>
-      <p:grpSpPr>
-        <a:xfrm>
-          <a:off x="0" y="0"/>
-          <a:ext cx="0" cy="0"/>
-          <a:chOff x="0" y="0"/>
-          <a:chExt cx="0" cy="0"/>
-        </a:xfrm>
-      </p:grpSpPr>
-      <p:sp>
-        <p:nvSpPr>
-          <p:cNvPr id="75" name="PlaceHolder 1"/>
-          <p:cNvSpPr>
-            <a:spLocks noGrp="1"/>
-          </p:cNvSpPr>
-          <p:nvPr>
-            <p:ph type="title"/>
-          </p:nvPr>
-        </p:nvSpPr>
-        <p:spPr>
-          <a:xfrm>
-            <a:off x="457200" y="228600"/>
-            <a:ext cx="9068760" cy="943920"/>
-          </a:xfrm>
-          <a:prstGeom prst="rect">
-            <a:avLst/>
-          </a:prstGeom>
-          <a:noFill/>
-          <a:ln w="0">
-            <a:noFill/>
-          </a:ln>
-        </p:spPr>
-        <p:txBody>
-          <a:bodyPr lIns="0" rIns="0" tIns="0" bIns="0" anchor="ctr">
-            <a:noAutofit/>
-          </a:bodyPr>
-          <a:p>
-            <a:pPr indent="0" algn="ctr">
-              <a:lnSpc>
-                <a:spcPct val="100000"/>
-              </a:lnSpc>
-              <a:buNone/>
-              <a:tabLst>
-                <a:tab algn="l" pos="0"/>
-              </a:tabLst>
-            </a:pPr>
-            <a:r>
-              <a:rPr b="0" lang="en-US" sz="3300" spc="-1" strike="noStrike">
-                <a:solidFill>
-                  <a:srgbClr val="ffffff"/>
-                </a:solidFill>
-                <a:latin typeface="Arial"/>
-              </a:rPr>
-              <a:t>Open Source Project?</a:t>
-            </a:r>
-            <a:endParaRPr b="0" lang="en-US" sz="3300" spc="-1" strike="noStrike">
-              <a:solidFill>
-                <a:srgbClr val="000000"/>
-              </a:solidFill>
-              <a:latin typeface="Arial"/>
-            </a:endParaRPr>
-          </a:p>
-        </p:txBody>
-      </p:sp>
-      <p:sp>
-        <p:nvSpPr>
-          <p:cNvPr id="76" name="PlaceHolder 2"/>
-          <p:cNvSpPr>
-            <a:spLocks noGrp="1"/>
-          </p:cNvSpPr>
-          <p:nvPr>
-            <p:ph type="subTitle"/>
-          </p:nvPr>
-        </p:nvSpPr>
-        <p:spPr>
-          <a:xfrm>
-            <a:off x="504000" y="1371600"/>
-            <a:ext cx="9068760" cy="4111920"/>
-          </a:xfrm>
-          <a:prstGeom prst="rect">
-            <a:avLst/>
-          </a:prstGeom>
-          <a:noFill/>
-          <a:ln w="0">
-            <a:noFill/>
-          </a:ln>
-        </p:spPr>
-        <p:txBody>
-          <a:bodyPr lIns="0" rIns="0" tIns="0" bIns="0" anchor="t">
-            <a:noAutofit/>
-          </a:bodyPr>
-          <a:p>
-            <a:pPr marL="216000" indent="-216000">
-              <a:lnSpc>
-                <a:spcPct val="100000"/>
-              </a:lnSpc>
-              <a:buClr>
-                <a:srgbClr val="ffffff"/>
-              </a:buClr>
-              <a:buSzPct val="45000"/>
-              <a:buFont typeface="Wingdings" charset="2"/>
-              <a:buChar char=""/>
-            </a:pPr>
-            <a:r>
-              <a:rPr b="0" lang="en-US" sz="3200" spc="-1" strike="noStrike" u="sng">
-                <a:solidFill>
-                  <a:srgbClr val="0000ee"/>
-                </a:solidFill>
-                <a:uFillTx/>
-                <a:latin typeface="Arial"/>
-              </a:rPr>
-              <a:t>https://github.com/stevemac321/Catechist</a:t>
-            </a:r>
-            <a:endParaRPr b="0" lang="en-US" sz="3200" spc="-1" strike="noStrike">
-              <a:solidFill>
-                <a:srgbClr val="000000"/>
-              </a:solidFill>
-              <a:latin typeface="Arial"/>
-            </a:endParaRPr>
-          </a:p>
-          <a:p>
-            <a:pPr marL="216000" indent="-216000">
-              <a:lnSpc>
-                <a:spcPct val="100000"/>
-              </a:lnSpc>
-              <a:buClr>
-                <a:srgbClr val="ffffff"/>
-              </a:buClr>
-              <a:buSzPct val="45000"/>
-              <a:buFont typeface="Wingdings" charset="2"/>
-              <a:buChar char=""/>
-            </a:pPr>
-            <a:r>
-              <a:rPr b="0" lang="en-US" sz="3200" spc="-1" strike="noStrike" u="sng">
-                <a:solidFill>
-                  <a:srgbClr val="0000ee"/>
-                </a:solidFill>
-                <a:uFillTx/>
-                <a:latin typeface="Arial"/>
-                <a:hlinkClick r:id="rId1"/>
-              </a:rPr>
-              <a:t>https://apps.ankiweb.net/</a:t>
-            </a:r>
-            <a:endParaRPr b="0" lang="en-US" sz="3200" spc="-1" strike="noStrike">
-              <a:solidFill>
-                <a:srgbClr val="000000"/>
-              </a:solidFill>
-              <a:latin typeface="Arial"/>
-            </a:endParaRPr>
-          </a:p>
-          <a:p>
-            <a:pPr marL="216000" indent="-216000">
-              <a:lnSpc>
-                <a:spcPct val="100000"/>
-              </a:lnSpc>
-              <a:buClr>
-                <a:srgbClr val="ffffff"/>
-              </a:buClr>
-              <a:buSzPct val="45000"/>
-              <a:buFont typeface="Wingdings" charset="2"/>
-              <a:buChar char=""/>
-            </a:pPr>
-            <a:r>
-              <a:rPr b="0" lang="en-US" sz="3200" spc="-1" strike="noStrike" u="sng">
-                <a:solidFill>
-                  <a:srgbClr val="0000ee"/>
-                </a:solidFill>
-                <a:uFillTx/>
-                <a:latin typeface="Arial"/>
-                <a:hlinkClick r:id="rId2"/>
-              </a:rPr>
-              <a:t>https://www.logos.com/</a:t>
-            </a:r>
-            <a:endParaRPr b="0" lang="en-US" sz="3200" spc="-1" strike="noStrike">
-              <a:solidFill>
-                <a:srgbClr val="000000"/>
-              </a:solidFill>
-              <a:latin typeface="Arial"/>
-            </a:endParaRPr>
-          </a:p>
-          <a:p>
-            <a:pPr marL="216000" indent="-216000">
-              <a:lnSpc>
-                <a:spcPct val="100000"/>
-              </a:lnSpc>
-              <a:buClr>
-                <a:srgbClr val="ffffff"/>
-              </a:buClr>
-              <a:buSzPct val="45000"/>
-              <a:buFont typeface="Wingdings" charset="2"/>
-              <a:buChar char=""/>
-            </a:pPr>
-            <a:r>
-              <a:rPr b="0" lang="en-US" sz="3200" spc="-1" strike="noStrike" u="sng">
-                <a:solidFill>
-                  <a:srgbClr val="0000ee"/>
-                </a:solidFill>
-                <a:uFillTx/>
-                <a:latin typeface="Arial"/>
-                <a:hlinkClick r:id="rId3"/>
-              </a:rPr>
-              <a:t>https://e-sword.net/</a:t>
-            </a:r>
-            <a:endParaRPr b="0" lang="en-US" sz="3200" spc="-1" strike="noStrike">
-              <a:solidFill>
-                <a:srgbClr val="000000"/>
-              </a:solidFill>
-              <a:latin typeface="Arial"/>
-            </a:endParaRPr>
-          </a:p>
-          <a:p>
-            <a:pPr marL="216000" indent="0">
-              <a:lnSpc>
-                <a:spcPct val="100000"/>
-              </a:lnSpc>
-              <a:buNone/>
-              <a:tabLst>
-                <a:tab algn="l" pos="0"/>
-              </a:tabLst>
-            </a:pPr>
-            <a:r>
-              <a:rPr b="0" lang="en-US" sz="3200" spc="-1" strike="noStrike">
-                <a:solidFill>
-                  <a:srgbClr val="ffffff"/>
-                </a:solidFill>
-                <a:latin typeface="Arial"/>
-              </a:rPr>
-              <a:t> </a:t>
-            </a:r>
-            <a:endParaRPr b="0" lang="en-US" sz="3200" spc="-1" strike="noStrike">
-              <a:solidFill>
-                <a:srgbClr val="000000"/>
-              </a:solidFill>
-              <a:latin typeface="Arial"/>
-            </a:endParaRPr>
-          </a:p>
-          <a:p>
-            <a:pPr marL="432000" indent="0">
-              <a:lnSpc>
-                <a:spcPct val="100000"/>
-              </a:lnSpc>
-              <a:buNone/>
-              <a:tabLst>
-                <a:tab algn="l" pos="0"/>
-              </a:tabLst>
-            </a:pPr>
-            <a:endParaRPr b="0" lang="en-US" sz="3200" spc="-1" strike="noStrike">
-              <a:solidFill>
-                <a:srgbClr val="000000"/>
-              </a:solidFill>
-              <a:latin typeface="Arial"/>
-            </a:endParaRPr>
-          </a:p>
-          <a:p>
-            <a:pPr marL="216000" indent="0">
-              <a:lnSpc>
-                <a:spcPct val="100000"/>
-              </a:lnSpc>
-              <a:buNone/>
-              <a:tabLst>
-                <a:tab algn="l" pos="0"/>
-              </a:tabLst>
-            </a:pPr>
-            <a:endParaRPr b="0" lang="en-US" sz="3200" spc="-1" strike="noStrike">
-              <a:solidFill>
-                <a:srgbClr val="000000"/>
-              </a:solidFill>
-              <a:latin typeface="Arial"/>
-            </a:endParaRPr>
-          </a:p>
-        </p:txBody>
-      </p:sp>
-    </p:spTree>
-  </p:cSld>
-  <mc:AlternateContent>
-    <mc:Choice Requires="p14">
-      <p:transition spd="slow" p14:dur="2000"/>
-    </mc:Choice>
-    <mc:Fallback>
-      <p:transition spd="slow"/>
-    </mc:Fallback>
-  </mc:AlternateContent>
-</p:sld>
-</file>
-
-<file path=ppt/slides/slide13.xml><?xml version="1.0" encoding="utf-8"?>
-<p:sld xmlns:a="http://schemas.openxmlformats.org/drawingml/2006/main" xmlns:p="http://schemas.openxmlformats.org/presentationml/2006/main" xmlns:r="http://schemas.openxmlformats.org/officeDocument/2006/relationships" xmlns:p14="http://schemas.microsoft.com/office/powerpoint/2010/main" xmlns:p15="http://schemas.microsoft.com/office/powerpoint/2012/main" xmlns:mc="http://schemas.openxmlformats.org/markup-compatibility/2006">
-  <p:cSld>
-    <p:spTree>
-      <p:nvGrpSpPr>
-        <p:cNvPr id="1" name=""/>
-        <p:cNvGrpSpPr/>
-        <p:nvPr/>
-      </p:nvGrpSpPr>
-      <p:grpSpPr>
-        <a:xfrm>
-          <a:off x="0" y="0"/>
-          <a:ext cx="0" cy="0"/>
-          <a:chOff x="0" y="0"/>
-          <a:chExt cx="0" cy="0"/>
-        </a:xfrm>
-      </p:grpSpPr>
-      <p:sp>
-        <p:nvSpPr>
-          <p:cNvPr id="77" name="PlaceHolder 1"/>
-          <p:cNvSpPr>
-            <a:spLocks noGrp="1"/>
-          </p:cNvSpPr>
-          <p:nvPr>
-            <p:ph type="title"/>
-          </p:nvPr>
-        </p:nvSpPr>
-        <p:spPr>
-          <a:xfrm>
-            <a:off x="457200" y="228600"/>
-            <a:ext cx="9068760" cy="943920"/>
-          </a:xfrm>
-          <a:prstGeom prst="rect">
-            <a:avLst/>
-          </a:prstGeom>
-          <a:noFill/>
-          <a:ln w="0">
-            <a:noFill/>
-          </a:ln>
-        </p:spPr>
-        <p:txBody>
-          <a:bodyPr lIns="0" rIns="0" tIns="0" bIns="0" anchor="ctr">
-            <a:noAutofit/>
-          </a:bodyPr>
-          <a:p>
-            <a:pPr indent="0" algn="ctr">
-              <a:lnSpc>
-                <a:spcPct val="100000"/>
-              </a:lnSpc>
-              <a:buNone/>
-              <a:tabLst>
-                <a:tab algn="l" pos="0"/>
-              </a:tabLst>
-            </a:pPr>
-            <a:r>
-              <a:rPr b="0" lang="en-US" sz="3300" spc="-1" strike="noStrike">
-                <a:solidFill>
-                  <a:srgbClr val="ffffff"/>
-                </a:solidFill>
-                <a:latin typeface="Arial"/>
-              </a:rPr>
-              <a:t>My Channels</a:t>
-            </a:r>
-            <a:endParaRPr b="0" lang="en-US" sz="3300" spc="-1" strike="noStrike">
-              <a:solidFill>
-                <a:srgbClr val="000000"/>
-              </a:solidFill>
-              <a:latin typeface="Arial"/>
-            </a:endParaRPr>
-          </a:p>
-        </p:txBody>
-      </p:sp>
-      <p:sp>
-        <p:nvSpPr>
-          <p:cNvPr id="78" name="PlaceHolder 2"/>
-          <p:cNvSpPr>
-            <a:spLocks noGrp="1"/>
-          </p:cNvSpPr>
-          <p:nvPr>
-            <p:ph type="subTitle"/>
-          </p:nvPr>
-        </p:nvSpPr>
-        <p:spPr>
-          <a:xfrm>
-            <a:off x="504000" y="1371600"/>
-            <a:ext cx="9068760" cy="4111920"/>
-          </a:xfrm>
-          <a:prstGeom prst="rect">
-            <a:avLst/>
-          </a:prstGeom>
-          <a:noFill/>
-          <a:ln w="0">
-            <a:noFill/>
-          </a:ln>
-        </p:spPr>
-        <p:txBody>
-          <a:bodyPr lIns="0" rIns="0" tIns="0" bIns="0" anchor="t">
-            <a:noAutofit/>
-          </a:bodyPr>
-          <a:p>
-            <a:pPr marL="216000" indent="0">
-              <a:lnSpc>
-                <a:spcPct val="100000"/>
-              </a:lnSpc>
-              <a:buNone/>
-              <a:tabLst>
-                <a:tab algn="l" pos="0"/>
-              </a:tabLst>
-            </a:pPr>
-            <a:r>
-              <a:rPr b="0" lang="en-US" sz="3200" spc="-1" strike="noStrike">
-                <a:solidFill>
-                  <a:srgbClr val="ffffff"/>
-                </a:solidFill>
-                <a:latin typeface="Arial"/>
-              </a:rPr>
-              <a:t>12 Part Series on Textual Criticism:</a:t>
-            </a:r>
-            <a:endParaRPr b="0" lang="en-US" sz="3200" spc="-1" strike="noStrike">
-              <a:solidFill>
-                <a:srgbClr val="000000"/>
-              </a:solidFill>
-              <a:latin typeface="Arial"/>
-            </a:endParaRPr>
-          </a:p>
-          <a:p>
-            <a:pPr marL="216000" indent="-216000">
-              <a:lnSpc>
-                <a:spcPct val="100000"/>
-              </a:lnSpc>
-              <a:buClr>
-                <a:srgbClr val="ffffff"/>
-              </a:buClr>
-              <a:buSzPct val="45000"/>
-              <a:buFont typeface="Wingdings" charset="2"/>
-              <a:buChar char=""/>
-              <a:tabLst>
-                <a:tab algn="l" pos="0"/>
-              </a:tabLst>
-            </a:pPr>
-            <a:r>
-              <a:rPr b="0" lang="en-US" sz="3200" spc="-1" strike="noStrike" u="sng">
-                <a:solidFill>
-                  <a:srgbClr val="0000ee"/>
-                </a:solidFill>
-                <a:uFillTx/>
-                <a:latin typeface="Arial"/>
-                <a:hlinkClick r:id="rId1"/>
-              </a:rPr>
-              <a:t>https://www.youtube.com/@deepdivebiblestudy</a:t>
-            </a:r>
-            <a:endParaRPr b="0" lang="en-US" sz="3200" spc="-1" strike="noStrike">
-              <a:solidFill>
-                <a:srgbClr val="000000"/>
-              </a:solidFill>
-              <a:latin typeface="Arial"/>
-            </a:endParaRPr>
-          </a:p>
-          <a:p>
-            <a:pPr marL="216000" indent="-216000">
-              <a:lnSpc>
-                <a:spcPct val="100000"/>
-              </a:lnSpc>
-              <a:buClr>
-                <a:srgbClr val="ffffff"/>
-              </a:buClr>
-              <a:buSzPct val="45000"/>
-              <a:buFont typeface="Wingdings" charset="2"/>
-              <a:buChar char=""/>
-              <a:tabLst>
-                <a:tab algn="l" pos="0"/>
-              </a:tabLst>
-            </a:pPr>
-            <a:r>
-              <a:rPr b="0" lang="en-US" sz="3200" spc="-1" strike="noStrike" u="sng">
-                <a:solidFill>
-                  <a:srgbClr val="0000ee"/>
-                </a:solidFill>
-                <a:uFillTx/>
-                <a:latin typeface="Arial"/>
-                <a:hlinkClick r:id="rId2"/>
-              </a:rPr>
-              <a:t>https://www.youtube.com/@stephenmackenzie6782</a:t>
-            </a:r>
-            <a:endParaRPr b="0" lang="en-US" sz="3200" spc="-1" strike="noStrike">
-              <a:solidFill>
-                <a:srgbClr val="000000"/>
-              </a:solidFill>
-              <a:latin typeface="Arial"/>
-            </a:endParaRPr>
-          </a:p>
-          <a:p>
-            <a:pPr marL="216000" indent="0">
-              <a:lnSpc>
-                <a:spcPct val="100000"/>
-              </a:lnSpc>
-              <a:buNone/>
-              <a:tabLst>
-                <a:tab algn="l" pos="0"/>
-              </a:tabLst>
-            </a:pPr>
-            <a:r>
-              <a:rPr b="0" lang="en-US" sz="3200" spc="-1" strike="noStrike">
-                <a:solidFill>
-                  <a:srgbClr val="ffffff"/>
-                </a:solidFill>
-                <a:latin typeface="Arial"/>
-              </a:rPr>
-              <a:t> </a:t>
-            </a:r>
-            <a:endParaRPr b="0" lang="en-US" sz="3200" spc="-1" strike="noStrike">
-              <a:solidFill>
-                <a:srgbClr val="000000"/>
-              </a:solidFill>
-              <a:latin typeface="Arial"/>
-            </a:endParaRPr>
-          </a:p>
-          <a:p>
-            <a:pPr marL="432000" indent="0">
               <a:lnSpc>
                 <a:spcPct val="100000"/>
               </a:lnSpc>
@@ -5163,7 +4833,7 @@
         <p:spPr>
           <a:xfrm>
             <a:off x="457200" y="228600"/>
-            <a:ext cx="9068760" cy="943920"/>
+            <a:ext cx="9066960" cy="942120"/>
           </a:xfrm>
           <a:prstGeom prst="rect">
             <a:avLst/>
@@ -5194,7 +4864,7 @@
                 </a:solidFill>
                 <a:latin typeface="Arial"/>
               </a:rPr>
-              <a:t>Github TOC Teaser</a:t>
+              <a:t>Overview</a:t>
             </a:r>
             <a:endParaRPr b="0" lang="en-US" sz="3300" spc="-1" strike="noStrike">
               <a:solidFill>
@@ -5218,7 +4888,7 @@
         <p:spPr>
           <a:xfrm>
             <a:off x="504000" y="1371600"/>
-            <a:ext cx="9068760" cy="4111920"/>
+            <a:ext cx="9066960" cy="4110120"/>
           </a:xfrm>
           <a:prstGeom prst="rect">
             <a:avLst/>
@@ -5245,172 +4915,295 @@
               <a:buChar char=""/>
             </a:pPr>
             <a:r>
-              <a:rPr b="0" lang="en-US" sz="3200" spc="-1" strike="noStrike">
-                <a:solidFill>
-                  <a:srgbClr val="ffffff"/>
-                </a:solidFill>
-                <a:latin typeface="Arial"/>
-              </a:rPr>
-              <a:t>Start with demo to get your attn!</a:t>
-            </a:r>
-            <a:endParaRPr b="0" lang="en-US" sz="3200" spc="-1" strike="noStrike">
-              <a:solidFill>
-                <a:srgbClr val="000000"/>
-              </a:solidFill>
-              <a:latin typeface="Arial"/>
-            </a:endParaRPr>
-          </a:p>
-          <a:p>
-            <a:pPr marL="216000" indent="-216000">
-              <a:lnSpc>
-                <a:spcPct val="100000"/>
-              </a:lnSpc>
-              <a:buClr>
-                <a:srgbClr val="ffffff"/>
-              </a:buClr>
-              <a:buSzPct val="45000"/>
-              <a:buFont typeface="Wingdings" charset="2"/>
-              <a:buChar char=""/>
-            </a:pPr>
-            <a:r>
-              <a:rPr b="0" lang="en-US" sz="3200" spc="-1" strike="noStrike">
-                <a:solidFill>
-                  <a:srgbClr val="ffffff"/>
-                </a:solidFill>
-                <a:latin typeface="Arial"/>
-              </a:rPr>
-              <a:t>Demo Flashcards (along with standards LPB)</a:t>
-            </a:r>
-            <a:endParaRPr b="0" lang="en-US" sz="3200" spc="-1" strike="noStrike">
-              <a:solidFill>
-                <a:srgbClr val="000000"/>
-              </a:solidFill>
-              <a:latin typeface="Arial"/>
-            </a:endParaRPr>
-          </a:p>
-          <a:p>
-            <a:pPr marL="216000" indent="-216000">
-              <a:lnSpc>
-                <a:spcPct val="100000"/>
-              </a:lnSpc>
-              <a:buClr>
-                <a:srgbClr val="ffffff"/>
-              </a:buClr>
-              <a:buSzPct val="45000"/>
-              <a:buFont typeface="Wingdings" charset="2"/>
-              <a:buChar char=""/>
-            </a:pPr>
-            <a:r>
-              <a:rPr b="0" lang="en-US" sz="3200" spc="-1" strike="noStrike">
-                <a:solidFill>
-                  <a:srgbClr val="ffffff"/>
-                </a:solidFill>
-                <a:latin typeface="Arial"/>
-              </a:rPr>
-              <a:t>Catechist Notes LPB</a:t>
-            </a:r>
-            <a:endParaRPr b="0" lang="en-US" sz="3200" spc="-1" strike="noStrike">
-              <a:solidFill>
-                <a:srgbClr val="000000"/>
-              </a:solidFill>
-              <a:latin typeface="Arial"/>
-            </a:endParaRPr>
-          </a:p>
-          <a:p>
-            <a:pPr marL="216000" indent="-216000">
-              <a:lnSpc>
-                <a:spcPct val="100000"/>
-              </a:lnSpc>
-              <a:buClr>
-                <a:srgbClr val="ffffff"/>
-              </a:buClr>
-              <a:buSzPct val="45000"/>
-              <a:buFont typeface="Wingdings" charset="2"/>
-              <a:buChar char=""/>
-            </a:pPr>
-            <a:r>
-              <a:rPr b="0" lang="en-US" sz="3200" spc="-1" strike="noStrike">
-                <a:solidFill>
-                  <a:srgbClr val="ffffff"/>
-                </a:solidFill>
-                <a:latin typeface="Arial"/>
-              </a:rPr>
-              <a:t>Demo Compendium LPB</a:t>
-            </a:r>
-            <a:endParaRPr b="0" lang="en-US" sz="3200" spc="-1" strike="noStrike">
-              <a:solidFill>
-                <a:srgbClr val="000000"/>
-              </a:solidFill>
-              <a:latin typeface="Arial"/>
-            </a:endParaRPr>
-          </a:p>
-          <a:p>
-            <a:pPr marL="216000" indent="-216000">
-              <a:lnSpc>
-                <a:spcPct val="100000"/>
-              </a:lnSpc>
-              <a:buClr>
-                <a:srgbClr val="ffffff"/>
-              </a:buClr>
-              <a:buSzPct val="45000"/>
-              <a:buFont typeface="Wingdings" charset="2"/>
-              <a:buChar char=""/>
-            </a:pPr>
-            <a:r>
-              <a:rPr b="0" lang="en-US" sz="3200" spc="-1" strike="noStrike">
-                <a:solidFill>
-                  <a:srgbClr val="ffffff"/>
-                </a:solidFill>
-                <a:latin typeface="Arial"/>
-              </a:rPr>
-              <a:t>Use AI as an advanced indexer (live demo)</a:t>
-            </a:r>
-            <a:endParaRPr b="0" lang="en-US" sz="3200" spc="-1" strike="noStrike">
-              <a:solidFill>
-                <a:srgbClr val="000000"/>
-              </a:solidFill>
-              <a:latin typeface="Arial"/>
-            </a:endParaRPr>
-          </a:p>
-          <a:p>
-            <a:pPr lvl="1" marL="432000" indent="-216000">
-              <a:lnSpc>
-                <a:spcPct val="100000"/>
-              </a:lnSpc>
-              <a:buClr>
-                <a:srgbClr val="000000"/>
-              </a:buClr>
-              <a:buSzPct val="45000"/>
-              <a:buFont typeface="Wingdings" charset="2"/>
-              <a:buChar char=""/>
-            </a:pPr>
-            <a:r>
-              <a:rPr b="0" lang="en-US" sz="3200" spc="-1" strike="noStrike">
-                <a:solidFill>
-                  <a:srgbClr val="ffffff"/>
-                </a:solidFill>
-                <a:latin typeface="Arial"/>
-              </a:rPr>
-              <a:t>Brief overview of the first 5 councils.</a:t>
-            </a:r>
-            <a:endParaRPr b="0" lang="en-US" sz="3200" spc="-1" strike="noStrike">
-              <a:solidFill>
-                <a:srgbClr val="000000"/>
-              </a:solidFill>
-              <a:latin typeface="Arial"/>
-            </a:endParaRPr>
-          </a:p>
-          <a:p>
-            <a:pPr marL="216000" indent="0">
-              <a:lnSpc>
-                <a:spcPct val="100000"/>
-              </a:lnSpc>
-              <a:buNone/>
-              <a:tabLst>
-                <a:tab algn="l" pos="0"/>
-              </a:tabLst>
-            </a:pPr>
-            <a:endParaRPr b="0" lang="en-US" sz="3200" spc="-1" strike="noStrike">
+              <a:rPr b="0" lang="en-US" sz="2400" spc="-1" strike="noStrike">
+                <a:solidFill>
+                  <a:srgbClr val="ffffff"/>
+                </a:solidFill>
+                <a:latin typeface="Arial"/>
+              </a:rPr>
+              <a:t>Read CCC and NABRE every six months (demo reading plans)</a:t>
+            </a:r>
+            <a:endParaRPr b="0" lang="en-US" sz="2400" spc="-1" strike="noStrike">
+              <a:solidFill>
+                <a:srgbClr val="000000"/>
+              </a:solidFill>
+              <a:latin typeface="Arial"/>
+            </a:endParaRPr>
+          </a:p>
+          <a:p>
+            <a:pPr marL="216000" indent="-216000">
+              <a:lnSpc>
+                <a:spcPct val="100000"/>
+              </a:lnSpc>
+              <a:buClr>
+                <a:srgbClr val="ffffff"/>
+              </a:buClr>
+              <a:buSzPct val="45000"/>
+              <a:buFont typeface="Wingdings" charset="2"/>
+              <a:buChar char=""/>
+            </a:pPr>
+            <a:r>
+              <a:rPr b="0" lang="en-US" sz="2400" spc="-1" strike="noStrike">
+                <a:solidFill>
+                  <a:srgbClr val="ffffff"/>
+                </a:solidFill>
+                <a:latin typeface="Arial"/>
+              </a:rPr>
+              <a:t>Study CCC per RE Standard Categories</a:t>
+            </a:r>
+            <a:endParaRPr b="0" lang="en-US" sz="2400" spc="-1" strike="noStrike">
+              <a:solidFill>
+                <a:srgbClr val="000000"/>
+              </a:solidFill>
+              <a:latin typeface="Arial"/>
+            </a:endParaRPr>
+          </a:p>
+          <a:p>
+            <a:pPr marL="216000" indent="-216000">
+              <a:lnSpc>
+                <a:spcPct val="100000"/>
+              </a:lnSpc>
+              <a:buClr>
+                <a:srgbClr val="ffffff"/>
+              </a:buClr>
+              <a:buSzPct val="45000"/>
+              <a:buFont typeface="Wingdings" charset="2"/>
+              <a:buChar char=""/>
+            </a:pPr>
+            <a:r>
+              <a:rPr b="0" lang="en-US" sz="2400" spc="-1" strike="noStrike">
+                <a:solidFill>
+                  <a:srgbClr val="ffffff"/>
+                </a:solidFill>
+                <a:latin typeface="Arial"/>
+              </a:rPr>
+              <a:t>Study CCC per Compendium of the CCC questions</a:t>
+            </a:r>
+            <a:endParaRPr b="0" lang="en-US" sz="2400" spc="-1" strike="noStrike">
+              <a:solidFill>
+                <a:srgbClr val="000000"/>
+              </a:solidFill>
+              <a:latin typeface="Arial"/>
+            </a:endParaRPr>
+          </a:p>
+          <a:p>
+            <a:pPr marL="216000" indent="-216000">
+              <a:lnSpc>
+                <a:spcPct val="100000"/>
+              </a:lnSpc>
+              <a:buClr>
+                <a:srgbClr val="ffffff"/>
+              </a:buClr>
+              <a:buSzPct val="45000"/>
+              <a:buFont typeface="Wingdings" charset="2"/>
+              <a:buChar char=""/>
+            </a:pPr>
+            <a:r>
+              <a:rPr b="0" lang="en-US" sz="2400" spc="-1" strike="noStrike">
+                <a:solidFill>
+                  <a:srgbClr val="ffffff"/>
+                </a:solidFill>
+                <a:latin typeface="Arial"/>
+              </a:rPr>
+              <a:t>Study CCC indexes</a:t>
+            </a:r>
+            <a:endParaRPr b="0" lang="en-US" sz="2400" spc="-1" strike="noStrike">
+              <a:solidFill>
+                <a:srgbClr val="000000"/>
+              </a:solidFill>
+              <a:latin typeface="Arial"/>
+            </a:endParaRPr>
+          </a:p>
+          <a:p>
+            <a:pPr marL="216000" indent="-216000">
+              <a:lnSpc>
+                <a:spcPct val="100000"/>
+              </a:lnSpc>
+              <a:buClr>
+                <a:srgbClr val="ffffff"/>
+              </a:buClr>
+              <a:buSzPct val="45000"/>
+              <a:buFont typeface="Wingdings" charset="2"/>
+              <a:buChar char=""/>
+            </a:pPr>
+            <a:r>
+              <a:rPr b="0" lang="en-US" sz="2400" spc="-1" strike="noStrike">
+                <a:solidFill>
+                  <a:srgbClr val="ffffff"/>
+                </a:solidFill>
+                <a:latin typeface="Arial"/>
+              </a:rPr>
+              <a:t>Study DS Systematic index</a:t>
+            </a:r>
+            <a:endParaRPr b="0" lang="en-US" sz="2400" spc="-1" strike="noStrike">
+              <a:solidFill>
+                <a:srgbClr val="000000"/>
+              </a:solidFill>
+              <a:latin typeface="Arial"/>
+            </a:endParaRPr>
+          </a:p>
+          <a:p>
+            <a:pPr marL="216000" indent="-216000">
+              <a:lnSpc>
+                <a:spcPct val="100000"/>
+              </a:lnSpc>
+              <a:buClr>
+                <a:srgbClr val="ffffff"/>
+              </a:buClr>
+              <a:buSzPct val="45000"/>
+              <a:buFont typeface="Wingdings" charset="2"/>
+              <a:buChar char=""/>
+            </a:pPr>
+            <a:r>
+              <a:rPr b="0" lang="en-US" sz="2400" spc="-1" strike="noStrike">
+                <a:solidFill>
+                  <a:srgbClr val="ffffff"/>
+                </a:solidFill>
+                <a:latin typeface="Arial"/>
+              </a:rPr>
+              <a:t>Identify CCC themes that span multiple pillars.</a:t>
+            </a:r>
+            <a:endParaRPr b="0" lang="en-US" sz="2400" spc="-1" strike="noStrike">
+              <a:solidFill>
+                <a:srgbClr val="000000"/>
+              </a:solidFill>
+              <a:latin typeface="Arial"/>
+            </a:endParaRPr>
+          </a:p>
+          <a:p>
+            <a:pPr marL="216000" indent="-216000">
+              <a:lnSpc>
+                <a:spcPct val="100000"/>
+              </a:lnSpc>
+              <a:buClr>
+                <a:srgbClr val="ffffff"/>
+              </a:buClr>
+              <a:buSzPct val="45000"/>
+              <a:buFont typeface="Wingdings" charset="2"/>
+              <a:buChar char=""/>
+            </a:pPr>
+            <a:r>
+              <a:rPr b="0" lang="en-US" sz="2400" spc="-1" strike="noStrike">
+                <a:solidFill>
+                  <a:srgbClr val="ffffff"/>
+                </a:solidFill>
+                <a:latin typeface="Arial"/>
+              </a:rPr>
+              <a:t>Flesh out pregnant terms, e.g. The Paschal Mystery</a:t>
+            </a:r>
+            <a:endParaRPr b="0" lang="en-US" sz="2400" spc="-1" strike="noStrike">
+              <a:solidFill>
+                <a:srgbClr val="000000"/>
+              </a:solidFill>
+              <a:latin typeface="Arial"/>
+            </a:endParaRPr>
+          </a:p>
+          <a:p>
+            <a:pPr marL="216000" indent="-216000">
+              <a:lnSpc>
+                <a:spcPct val="100000"/>
+              </a:lnSpc>
+              <a:buClr>
+                <a:srgbClr val="ffffff"/>
+              </a:buClr>
+              <a:buSzPct val="45000"/>
+              <a:buFont typeface="Wingdings" charset="2"/>
+              <a:buChar char=""/>
+            </a:pPr>
+            <a:r>
+              <a:rPr b="0" lang="en-US" sz="2400" spc="-1" strike="noStrike">
+                <a:solidFill>
+                  <a:srgbClr val="ffffff"/>
+                </a:solidFill>
+                <a:latin typeface="Arial"/>
+              </a:rPr>
+              <a:t>Use of AI (e.g. Bing Copilot) for supportive content</a:t>
+            </a:r>
+            <a:endParaRPr b="0" lang="en-US" sz="2400" spc="-1" strike="noStrike">
+              <a:solidFill>
+                <a:srgbClr val="000000"/>
+              </a:solidFill>
+              <a:latin typeface="Arial"/>
+            </a:endParaRPr>
+          </a:p>
+          <a:p>
+            <a:pPr marL="216000" indent="-216000">
+              <a:lnSpc>
+                <a:spcPct val="100000"/>
+              </a:lnSpc>
+              <a:buClr>
+                <a:srgbClr val="ffffff"/>
+              </a:buClr>
+              <a:buSzPct val="45000"/>
+              <a:buFont typeface="Wingdings" charset="2"/>
+              <a:buChar char=""/>
+            </a:pPr>
+            <a:r>
+              <a:rPr b="0" lang="en-US" sz="2400" spc="-1" strike="noStrike">
+                <a:solidFill>
+                  <a:srgbClr val="ffffff"/>
+                </a:solidFill>
+                <a:latin typeface="Arial"/>
+              </a:rPr>
+              <a:t>Use Logos Study Platform to integrate resources (Factbook AI)</a:t>
+            </a:r>
+            <a:endParaRPr b="0" lang="en-US" sz="2400" spc="-1" strike="noStrike">
+              <a:solidFill>
+                <a:srgbClr val="000000"/>
+              </a:solidFill>
+              <a:latin typeface="Arial"/>
+            </a:endParaRPr>
+          </a:p>
+          <a:p>
+            <a:pPr marL="216000" indent="-216000">
+              <a:lnSpc>
+                <a:spcPct val="100000"/>
+              </a:lnSpc>
+              <a:buClr>
+                <a:srgbClr val="ffffff"/>
+              </a:buClr>
+              <a:buSzPct val="45000"/>
+              <a:buFont typeface="Wingdings" charset="2"/>
+              <a:buChar char=""/>
+            </a:pPr>
+            <a:r>
+              <a:rPr b="0" lang="en-US" sz="2400" spc="-1" strike="noStrike">
+                <a:solidFill>
+                  <a:srgbClr val="ffffff"/>
+                </a:solidFill>
+                <a:latin typeface="Arial"/>
+              </a:rPr>
+              <a:t>What are the distinctives of an expert Catechist? </a:t>
+            </a:r>
+            <a:endParaRPr b="0" lang="en-US" sz="2400" spc="-1" strike="noStrike">
+              <a:solidFill>
+                <a:srgbClr val="000000"/>
+              </a:solidFill>
+              <a:latin typeface="Arial"/>
+            </a:endParaRPr>
+          </a:p>
+          <a:p>
+            <a:pPr marL="216000" indent="-216000">
+              <a:lnSpc>
+                <a:spcPct val="100000"/>
+              </a:lnSpc>
+              <a:buClr>
+                <a:srgbClr val="ffffff"/>
+              </a:buClr>
+              <a:buSzPct val="45000"/>
+              <a:buFont typeface="Wingdings" charset="2"/>
+              <a:buChar char=""/>
+            </a:pPr>
+            <a:r>
+              <a:rPr b="0" lang="en-US" sz="2400" spc="-1" strike="noStrike">
+                <a:solidFill>
+                  <a:srgbClr val="ffffff"/>
+                </a:solidFill>
+                <a:latin typeface="Arial"/>
+              </a:rPr>
+              <a:t>How to Read a book, Adler, Van Doren pg 291ff</a:t>
+            </a:r>
+            <a:endParaRPr b="0" lang="en-US" sz="2400" spc="-1" strike="noStrike">
               <a:solidFill>
                 <a:srgbClr val="000000"/>
               </a:solidFill>
@@ -5462,7 +5255,7 @@
         <p:spPr>
           <a:xfrm>
             <a:off x="457200" y="228600"/>
-            <a:ext cx="9068760" cy="943920"/>
+            <a:ext cx="9066960" cy="942120"/>
           </a:xfrm>
           <a:prstGeom prst="rect">
             <a:avLst/>
@@ -5493,7 +5286,7 @@
                 </a:solidFill>
                 <a:latin typeface="Arial"/>
               </a:rPr>
-              <a:t>Overview</a:t>
+              <a:t>Demo Free Resources on Github</a:t>
             </a:r>
             <a:endParaRPr b="0" lang="en-US" sz="3300" spc="-1" strike="noStrike">
               <a:solidFill>
@@ -5517,7 +5310,7 @@
         <p:spPr>
           <a:xfrm>
             <a:off x="504000" y="1371600"/>
-            <a:ext cx="9068760" cy="4111920"/>
+            <a:ext cx="9066960" cy="4110120"/>
           </a:xfrm>
           <a:prstGeom prst="rect">
             <a:avLst/>
@@ -5550,7 +5343,7 @@
                 </a:solidFill>
                 <a:latin typeface="Arial"/>
               </a:rPr>
-              <a:t>Spine: Read CCC and NABRE every six months</a:t>
+              <a:t>RE Standards Pre-K-8 Anki Flashcards</a:t>
             </a:r>
             <a:endParaRPr b="0" lang="en-US" sz="3200" spc="-1" strike="noStrike">
               <a:solidFill>
@@ -5578,7 +5371,7 @@
                 </a:solidFill>
                 <a:latin typeface="Arial"/>
               </a:rPr>
-              <a:t>Break out CCC in a variety of categories</a:t>
+              <a:t>RE Standards Pre-K-8 LPB</a:t>
             </a:r>
             <a:endParaRPr b="0" lang="en-US" sz="3200" spc="-1" strike="noStrike">
               <a:solidFill>
@@ -5606,7 +5399,7 @@
                 </a:solidFill>
                 <a:latin typeface="Arial"/>
               </a:rPr>
-              <a:t>Develop and use flashcards</a:t>
+              <a:t>Lessons from Catechist program convert to LPB</a:t>
             </a:r>
             <a:endParaRPr b="0" lang="en-US" sz="3200" spc="-1" strike="noStrike">
               <a:solidFill>
@@ -5634,7 +5427,7 @@
                 </a:solidFill>
                 <a:latin typeface="Arial"/>
               </a:rPr>
-              <a:t>Study deeper pivoting on indexes</a:t>
+              <a:t>Compendium of the CCC converted LPB</a:t>
             </a:r>
             <a:endParaRPr b="0" lang="en-US" sz="3200" spc="-1" strike="noStrike">
               <a:solidFill>
@@ -5662,7 +5455,7 @@
                 </a:solidFill>
                 <a:latin typeface="Arial"/>
               </a:rPr>
-              <a:t>Use AI as an advanced indexer</a:t>
+              <a:t>AI generated brief overviews councils, synods, papal and church docs, church writers, canon law, listed in the CCC indexes.</a:t>
             </a:r>
             <a:endParaRPr b="0" lang="en-US" sz="3200" spc="-1" strike="noStrike">
               <a:solidFill>
@@ -5690,7 +5483,7 @@
                 </a:solidFill>
                 <a:latin typeface="Arial"/>
               </a:rPr>
-              <a:t>Study platform software that interlinks resources</a:t>
+              <a:t>How to Read a Book pdf</a:t>
             </a:r>
             <a:endParaRPr b="0" lang="en-US" sz="3200" spc="-1" strike="noStrike">
               <a:solidFill>
@@ -5700,54 +5493,15 @@
             </a:endParaRPr>
           </a:p>
           <a:p>
-            <a:pPr marL="216000" indent="-216000">
-              <a:lnSpc>
-                <a:spcPct val="100000"/>
-              </a:lnSpc>
-              <a:buClr>
-                <a:srgbClr val="ffffff"/>
-              </a:buClr>
-              <a:buSzPct val="45000"/>
-              <a:buFont typeface="Wingdings" charset="2"/>
-              <a:buChar char=""/>
-            </a:pPr>
-            <a:r>
-              <a:rPr b="0" lang="en-US" sz="3200" spc="-1" strike="noStrike">
-                <a:solidFill>
-                  <a:srgbClr val="ffffff"/>
-                </a:solidFill>
-                <a:latin typeface="Arial"/>
-              </a:rPr>
-              <a:t>Identify themes that span multiple pillars.</a:t>
-            </a:r>
-            <a:endParaRPr b="0" lang="en-US" sz="3200" spc="-1" strike="noStrike">
-              <a:solidFill>
-                <a:srgbClr val="000000"/>
-              </a:solidFill>
-              <a:latin typeface="Arial"/>
-            </a:endParaRPr>
-          </a:p>
-          <a:p>
-            <a:pPr marL="216000" indent="-216000">
-              <a:lnSpc>
-                <a:spcPct val="100000"/>
-              </a:lnSpc>
-              <a:buClr>
-                <a:srgbClr val="ffffff"/>
-              </a:buClr>
-              <a:buSzPct val="45000"/>
-              <a:buFont typeface="Wingdings" charset="2"/>
-              <a:buChar char=""/>
-            </a:pPr>
-            <a:r>
-              <a:rPr b="0" lang="en-US" sz="3200" spc="-1" strike="noStrike">
-                <a:solidFill>
-                  <a:srgbClr val="ffffff"/>
-                </a:solidFill>
-                <a:latin typeface="Arial"/>
-              </a:rPr>
-              <a:t>Flesh out pregnant terms</a:t>
-            </a:r>
+            <a:pPr marL="216000" indent="0">
+              <a:lnSpc>
+                <a:spcPct val="100000"/>
+              </a:lnSpc>
+              <a:buNone/>
+              <a:tabLst>
+                <a:tab algn="l" pos="0"/>
+              </a:tabLst>
+            </a:pPr>
             <a:endParaRPr b="0" lang="en-US" sz="3200" spc="-1" strike="noStrike">
               <a:solidFill>
                 <a:srgbClr val="000000"/>
@@ -5800,7 +5554,7 @@
         <p:spPr>
           <a:xfrm>
             <a:off x="457200" y="228600"/>
-            <a:ext cx="9068760" cy="943920"/>
+            <a:ext cx="9066960" cy="942120"/>
           </a:xfrm>
           <a:prstGeom prst="rect">
             <a:avLst/>
@@ -5831,7 +5585,7 @@
                 </a:solidFill>
                 <a:latin typeface="Arial"/>
               </a:rPr>
-              <a:t>Spine</a:t>
+              <a:t>Stretch Goal Scan Reading Plans</a:t>
             </a:r>
             <a:endParaRPr b="0" lang="en-US" sz="3300" spc="-1" strike="noStrike">
               <a:solidFill>
@@ -5855,7 +5609,7 @@
         <p:spPr>
           <a:xfrm>
             <a:off x="504000" y="1371600"/>
-            <a:ext cx="9068760" cy="4111920"/>
+            <a:ext cx="9066960" cy="4110120"/>
           </a:xfrm>
           <a:prstGeom prst="rect">
             <a:avLst/>
@@ -5882,98 +5636,341 @@
               <a:buChar char=""/>
             </a:pPr>
             <a:r>
-              <a:rPr b="0" lang="en-US" sz="3200" spc="-1" strike="noStrike">
-                <a:solidFill>
-                  <a:srgbClr val="ffffff"/>
-                </a:solidFill>
-                <a:latin typeface="Arial"/>
-              </a:rPr>
-              <a:t>Read CCC and NABRE every six months</a:t>
-            </a:r>
-            <a:endParaRPr b="0" lang="en-US" sz="3200" spc="-1" strike="noStrike">
-              <a:solidFill>
-                <a:srgbClr val="000000"/>
-              </a:solidFill>
-              <a:latin typeface="Arial"/>
-            </a:endParaRPr>
-          </a:p>
-          <a:p>
-            <a:pPr marL="216000" indent="-216000">
-              <a:lnSpc>
-                <a:spcPct val="100000"/>
-              </a:lnSpc>
-              <a:buClr>
-                <a:srgbClr val="ffffff"/>
-              </a:buClr>
-              <a:buSzPct val="45000"/>
-              <a:buFont typeface="Wingdings" charset="2"/>
-              <a:buChar char=""/>
-            </a:pPr>
-            <a:r>
-              <a:rPr b="0" lang="en-US" sz="3200" spc="-1" strike="noStrike">
-                <a:solidFill>
-                  <a:srgbClr val="ffffff"/>
-                </a:solidFill>
-                <a:latin typeface="Arial"/>
-              </a:rPr>
-              <a:t>Logos Study Platform reading plans</a:t>
-            </a:r>
-            <a:endParaRPr b="0" lang="en-US" sz="3200" spc="-1" strike="noStrike">
-              <a:solidFill>
-                <a:srgbClr val="000000"/>
-              </a:solidFill>
-              <a:latin typeface="Arial"/>
-            </a:endParaRPr>
-          </a:p>
-          <a:p>
-            <a:pPr marL="216000" indent="-216000">
-              <a:lnSpc>
-                <a:spcPct val="100000"/>
-              </a:lnSpc>
-              <a:buClr>
-                <a:srgbClr val="ffffff"/>
-              </a:buClr>
-              <a:buSzPct val="45000"/>
-              <a:buFont typeface="Wingdings" charset="2"/>
-              <a:buChar char=""/>
-            </a:pPr>
-            <a:r>
-              <a:rPr b="0" lang="en-US" sz="3200" spc="-1" strike="noStrike">
-                <a:solidFill>
-                  <a:srgbClr val="ffffff"/>
-                </a:solidFill>
-                <a:latin typeface="Arial"/>
-              </a:rPr>
-              <a:t>Plans for Pentateuch, Historical, Wisdom, Prophets, Gospels, Acts-Letters-Rev</a:t>
-            </a:r>
-            <a:endParaRPr b="0" lang="en-US" sz="3200" spc="-1" strike="noStrike">
-              <a:solidFill>
-                <a:srgbClr val="000000"/>
-              </a:solidFill>
-              <a:latin typeface="Arial"/>
-            </a:endParaRPr>
-          </a:p>
-          <a:p>
-            <a:pPr marL="216000" indent="-216000">
-              <a:lnSpc>
-                <a:spcPct val="100000"/>
-              </a:lnSpc>
-              <a:buClr>
-                <a:srgbClr val="ffffff"/>
-              </a:buClr>
-              <a:buSzPct val="45000"/>
-              <a:buFont typeface="Wingdings" charset="2"/>
-              <a:buChar char=""/>
-            </a:pPr>
-            <a:r>
-              <a:rPr b="0" lang="en-US" sz="3200" spc="-1" strike="noStrike">
-                <a:solidFill>
-                  <a:srgbClr val="ffffff"/>
-                </a:solidFill>
-                <a:latin typeface="Arial"/>
-              </a:rPr>
-              <a:t>Plans for each of the 4 CCC pillars</a:t>
-            </a:r>
+              <a:rPr b="0" lang="en-US" sz="2200" spc="-1" strike="noStrike">
+                <a:solidFill>
+                  <a:srgbClr val="ffffff"/>
+                </a:solidFill>
+                <a:latin typeface="Arial"/>
+              </a:rPr>
+              <a:t>Summas by Aquinas (or abridged versions)</a:t>
+            </a:r>
+            <a:endParaRPr b="0" lang="en-US" sz="2200" spc="-1" strike="noStrike">
+              <a:solidFill>
+                <a:srgbClr val="000000"/>
+              </a:solidFill>
+              <a:latin typeface="Arial"/>
+            </a:endParaRPr>
+          </a:p>
+          <a:p>
+            <a:pPr marL="216000" indent="-216000">
+              <a:lnSpc>
+                <a:spcPct val="100000"/>
+              </a:lnSpc>
+              <a:buClr>
+                <a:srgbClr val="ffffff"/>
+              </a:buClr>
+              <a:buSzPct val="45000"/>
+              <a:buFont typeface="Wingdings" charset="2"/>
+              <a:buChar char=""/>
+            </a:pPr>
+            <a:r>
+              <a:rPr b="0" lang="en-US" sz="2200" spc="-1" strike="noStrike">
+                <a:solidFill>
+                  <a:srgbClr val="ffffff"/>
+                </a:solidFill>
+                <a:latin typeface="Arial"/>
+              </a:rPr>
+              <a:t>Ludwig Ott, Foundations</a:t>
+            </a:r>
+            <a:endParaRPr b="0" lang="en-US" sz="2200" spc="-1" strike="noStrike">
+              <a:solidFill>
+                <a:srgbClr val="000000"/>
+              </a:solidFill>
+              <a:latin typeface="Arial"/>
+            </a:endParaRPr>
+          </a:p>
+          <a:p>
+            <a:pPr marL="216000" indent="-216000">
+              <a:lnSpc>
+                <a:spcPct val="100000"/>
+              </a:lnSpc>
+              <a:buClr>
+                <a:srgbClr val="ffffff"/>
+              </a:buClr>
+              <a:buSzPct val="45000"/>
+              <a:buFont typeface="Wingdings" charset="2"/>
+              <a:buChar char=""/>
+            </a:pPr>
+            <a:r>
+              <a:rPr b="0" lang="en-US" sz="2200" spc="-1" strike="noStrike">
+                <a:solidFill>
+                  <a:srgbClr val="ffffff"/>
+                </a:solidFill>
+                <a:latin typeface="Arial"/>
+              </a:rPr>
+              <a:t>Denzinger, Sources</a:t>
+            </a:r>
+            <a:endParaRPr b="0" lang="en-US" sz="2200" spc="-1" strike="noStrike">
+              <a:solidFill>
+                <a:srgbClr val="000000"/>
+              </a:solidFill>
+              <a:latin typeface="Arial"/>
+            </a:endParaRPr>
+          </a:p>
+          <a:p>
+            <a:pPr marL="216000" indent="-216000">
+              <a:lnSpc>
+                <a:spcPct val="100000"/>
+              </a:lnSpc>
+              <a:buClr>
+                <a:srgbClr val="ffffff"/>
+              </a:buClr>
+              <a:buSzPct val="45000"/>
+              <a:buFont typeface="Wingdings" charset="2"/>
+              <a:buChar char=""/>
+            </a:pPr>
+            <a:r>
+              <a:rPr b="0" lang="en-US" sz="2200" spc="-1" strike="noStrike">
+                <a:solidFill>
+                  <a:srgbClr val="ffffff"/>
+                </a:solidFill>
+                <a:latin typeface="Arial"/>
+              </a:rPr>
+              <a:t>Vatican II Documents</a:t>
+            </a:r>
+            <a:endParaRPr b="0" lang="en-US" sz="2200" spc="-1" strike="noStrike">
+              <a:solidFill>
+                <a:srgbClr val="000000"/>
+              </a:solidFill>
+              <a:latin typeface="Arial"/>
+            </a:endParaRPr>
+          </a:p>
+          <a:p>
+            <a:pPr marL="216000" indent="-216000">
+              <a:lnSpc>
+                <a:spcPct val="100000"/>
+              </a:lnSpc>
+              <a:buClr>
+                <a:srgbClr val="ffffff"/>
+              </a:buClr>
+              <a:buSzPct val="45000"/>
+              <a:buFont typeface="Wingdings" charset="2"/>
+              <a:buChar char=""/>
+            </a:pPr>
+            <a:r>
+              <a:rPr b="0" lang="en-US" sz="2200" spc="-1" strike="noStrike">
+                <a:solidFill>
+                  <a:srgbClr val="ffffff"/>
+                </a:solidFill>
+                <a:latin typeface="Arial"/>
+              </a:rPr>
+              <a:t>Encyclicals post Vat II</a:t>
+            </a:r>
+            <a:endParaRPr b="0" lang="en-US" sz="2200" spc="-1" strike="noStrike">
+              <a:solidFill>
+                <a:srgbClr val="000000"/>
+              </a:solidFill>
+              <a:latin typeface="Arial"/>
+            </a:endParaRPr>
+          </a:p>
+          <a:p>
+            <a:pPr marL="216000" indent="-216000">
+              <a:lnSpc>
+                <a:spcPct val="100000"/>
+              </a:lnSpc>
+              <a:buClr>
+                <a:srgbClr val="ffffff"/>
+              </a:buClr>
+              <a:buSzPct val="45000"/>
+              <a:buFont typeface="Wingdings" charset="2"/>
+              <a:buChar char=""/>
+            </a:pPr>
+            <a:r>
+              <a:rPr b="0" lang="en-US" sz="2200" spc="-1" strike="noStrike">
+                <a:solidFill>
+                  <a:srgbClr val="ffffff"/>
+                </a:solidFill>
+                <a:latin typeface="Arial"/>
+              </a:rPr>
+              <a:t>Patrology (4 vol on Fathers)</a:t>
+            </a:r>
+            <a:endParaRPr b="0" lang="en-US" sz="2200" spc="-1" strike="noStrike">
+              <a:solidFill>
+                <a:srgbClr val="000000"/>
+              </a:solidFill>
+              <a:latin typeface="Arial"/>
+            </a:endParaRPr>
+          </a:p>
+          <a:p>
+            <a:pPr marL="216000" indent="-216000">
+              <a:lnSpc>
+                <a:spcPct val="100000"/>
+              </a:lnSpc>
+              <a:buClr>
+                <a:srgbClr val="ffffff"/>
+              </a:buClr>
+              <a:buSzPct val="45000"/>
+              <a:buFont typeface="Wingdings" charset="2"/>
+              <a:buChar char=""/>
+            </a:pPr>
+            <a:r>
+              <a:rPr b="0" lang="en-US" sz="2200" spc="-1" strike="noStrike">
+                <a:solidFill>
+                  <a:srgbClr val="ffffff"/>
+                </a:solidFill>
+                <a:latin typeface="Arial"/>
+              </a:rPr>
+              <a:t>The 33 Doctors of the Church, Rengers</a:t>
+            </a:r>
+            <a:endParaRPr b="0" lang="en-US" sz="2200" spc="-1" strike="noStrike">
+              <a:solidFill>
+                <a:srgbClr val="000000"/>
+              </a:solidFill>
+              <a:latin typeface="Arial"/>
+            </a:endParaRPr>
+          </a:p>
+          <a:p>
+            <a:pPr marL="216000" indent="-216000">
+              <a:lnSpc>
+                <a:spcPct val="100000"/>
+              </a:lnSpc>
+              <a:buClr>
+                <a:srgbClr val="ffffff"/>
+              </a:buClr>
+              <a:buSzPct val="45000"/>
+              <a:buFont typeface="Wingdings" charset="2"/>
+              <a:buChar char=""/>
+            </a:pPr>
+            <a:r>
+              <a:rPr b="0" lang="en-US" sz="2200" spc="-1" strike="noStrike">
+                <a:solidFill>
+                  <a:srgbClr val="ffffff"/>
+                </a:solidFill>
+                <a:latin typeface="Arial"/>
+              </a:rPr>
+              <a:t>Church History (Chadwick, Frend, Gonzalez</a:t>
+            </a:r>
+            <a:endParaRPr b="0" lang="en-US" sz="2200" spc="-1" strike="noStrike">
+              <a:solidFill>
+                <a:srgbClr val="000000"/>
+              </a:solidFill>
+              <a:latin typeface="Arial"/>
+            </a:endParaRPr>
+          </a:p>
+          <a:p>
+            <a:pPr marL="216000" indent="-216000">
+              <a:lnSpc>
+                <a:spcPct val="100000"/>
+              </a:lnSpc>
+              <a:buClr>
+                <a:srgbClr val="ffffff"/>
+              </a:buClr>
+              <a:buSzPct val="45000"/>
+              <a:buFont typeface="Wingdings" charset="2"/>
+              <a:buChar char=""/>
+            </a:pPr>
+            <a:r>
+              <a:rPr b="0" lang="en-US" sz="2200" spc="-1" strike="noStrike">
+                <a:solidFill>
+                  <a:srgbClr val="ffffff"/>
+                </a:solidFill>
+                <a:latin typeface="Arial"/>
+              </a:rPr>
+              <a:t>The Making of Modern German Christology, McGrath</a:t>
+            </a:r>
+            <a:endParaRPr b="0" lang="en-US" sz="2200" spc="-1" strike="noStrike">
+              <a:solidFill>
+                <a:srgbClr val="000000"/>
+              </a:solidFill>
+              <a:latin typeface="Arial"/>
+            </a:endParaRPr>
+          </a:p>
+          <a:p>
+            <a:pPr marL="216000" indent="-216000">
+              <a:lnSpc>
+                <a:spcPct val="100000"/>
+              </a:lnSpc>
+              <a:buClr>
+                <a:srgbClr val="ffffff"/>
+              </a:buClr>
+              <a:buSzPct val="45000"/>
+              <a:buFont typeface="Wingdings" charset="2"/>
+              <a:buChar char=""/>
+            </a:pPr>
+            <a:r>
+              <a:rPr b="0" lang="en-US" sz="2200" spc="-1" strike="noStrike">
+                <a:solidFill>
+                  <a:srgbClr val="ffffff"/>
+                </a:solidFill>
+                <a:latin typeface="Arial"/>
+              </a:rPr>
+              <a:t>Reading Guides in the NABRE Oxford Study Bible (Donald Senior)</a:t>
+            </a:r>
+            <a:endParaRPr b="0" lang="en-US" sz="2200" spc="-1" strike="noStrike">
+              <a:solidFill>
+                <a:srgbClr val="000000"/>
+              </a:solidFill>
+              <a:latin typeface="Arial"/>
+            </a:endParaRPr>
+          </a:p>
+          <a:p>
+            <a:pPr marL="216000" indent="-216000">
+              <a:lnSpc>
+                <a:spcPct val="100000"/>
+              </a:lnSpc>
+              <a:buClr>
+                <a:srgbClr val="ffffff"/>
+              </a:buClr>
+              <a:buSzPct val="45000"/>
+              <a:buFont typeface="Wingdings" charset="2"/>
+              <a:buChar char=""/>
+            </a:pPr>
+            <a:r>
+              <a:rPr b="0" lang="en-US" sz="2200" spc="-1" strike="noStrike">
+                <a:solidFill>
+                  <a:srgbClr val="ffffff"/>
+                </a:solidFill>
+                <a:latin typeface="Arial"/>
+                <a:ea typeface="Microsoft YaHei"/>
+              </a:rPr>
+              <a:t>Introductory background articles NABRE Oxford Study Bible.</a:t>
+            </a:r>
+            <a:endParaRPr b="0" lang="en-US" sz="2200" spc="-1" strike="noStrike">
+              <a:solidFill>
+                <a:srgbClr val="000000"/>
+              </a:solidFill>
+              <a:latin typeface="Arial"/>
+            </a:endParaRPr>
+          </a:p>
+          <a:p>
+            <a:pPr marL="216000" indent="-216000">
+              <a:lnSpc>
+                <a:spcPct val="100000"/>
+              </a:lnSpc>
+              <a:buClr>
+                <a:srgbClr val="ffffff"/>
+              </a:buClr>
+              <a:buSzPct val="45000"/>
+              <a:buFont typeface="Wingdings" charset="2"/>
+              <a:buChar char=""/>
+            </a:pPr>
+            <a:r>
+              <a:rPr b="0" lang="en-US" sz="2200" spc="-1" strike="noStrike">
+                <a:solidFill>
+                  <a:srgbClr val="ffffff"/>
+                </a:solidFill>
+                <a:latin typeface="Arial"/>
+                <a:ea typeface="Microsoft YaHei"/>
+              </a:rPr>
+              <a:t>Pontifical Commision material</a:t>
+            </a:r>
+            <a:endParaRPr b="0" lang="en-US" sz="2200" spc="-1" strike="noStrike">
+              <a:solidFill>
+                <a:srgbClr val="000000"/>
+              </a:solidFill>
+              <a:latin typeface="Arial"/>
+            </a:endParaRPr>
+          </a:p>
+          <a:p>
+            <a:pPr marL="216000" indent="0">
+              <a:lnSpc>
+                <a:spcPct val="100000"/>
+              </a:lnSpc>
+              <a:buNone/>
+              <a:tabLst>
+                <a:tab algn="l" pos="0"/>
+              </a:tabLst>
+            </a:pPr>
             <a:endParaRPr b="0" lang="en-US" sz="3200" spc="-1" strike="noStrike">
               <a:solidFill>
                 <a:srgbClr val="000000"/>
@@ -6043,7 +6040,7 @@
         <p:spPr>
           <a:xfrm>
             <a:off x="457200" y="228600"/>
-            <a:ext cx="9068760" cy="943920"/>
+            <a:ext cx="9066960" cy="942120"/>
           </a:xfrm>
           <a:prstGeom prst="rect">
             <a:avLst/>
@@ -6074,7 +6071,7 @@
                 </a:solidFill>
                 <a:latin typeface="Arial"/>
               </a:rPr>
-              <a:t>Pivot on Different Categories</a:t>
+              <a:t>Logos Packages + Workshop?</a:t>
             </a:r>
             <a:endParaRPr b="0" lang="en-US" sz="3300" spc="-1" strike="noStrike">
               <a:solidFill>
@@ -6098,7 +6095,7 @@
         <p:spPr>
           <a:xfrm>
             <a:off x="504000" y="1371600"/>
-            <a:ext cx="9068760" cy="4111920"/>
+            <a:ext cx="9066960" cy="4110120"/>
           </a:xfrm>
           <a:prstGeom prst="rect">
             <a:avLst/>
@@ -6131,7 +6128,7 @@
                 </a:solidFill>
                 <a:latin typeface="Arial"/>
               </a:rPr>
-              <a:t>Create Logos Books that link to other resources</a:t>
+              <a:t>https://www.logos.com/product/18543/catechism-of-the-catholic-church-collection </a:t>
             </a:r>
             <a:endParaRPr b="0" lang="en-US" sz="3200" spc="-1" strike="noStrike">
               <a:solidFill>
@@ -6141,12 +6138,12 @@
             </a:endParaRPr>
           </a:p>
           <a:p>
-            <a:pPr marL="216000" indent="-216000">
-              <a:lnSpc>
-                <a:spcPct val="100000"/>
-              </a:lnSpc>
-              <a:buClr>
-                <a:srgbClr val="ffffff"/>
+            <a:pPr lvl="1" marL="432000" indent="-216000">
+              <a:lnSpc>
+                <a:spcPct val="100000"/>
+              </a:lnSpc>
+              <a:buClr>
+                <a:srgbClr val="000000"/>
               </a:buClr>
               <a:buSzPct val="45000"/>
               <a:buFont typeface="Wingdings" charset="2"/>
@@ -6159,7 +6156,7 @@
                 </a:solidFill>
                 <a:latin typeface="Arial"/>
               </a:rPr>
-              <a:t>Convert the online lessons to Logos Books</a:t>
+              <a:t>$49</a:t>
             </a:r>
             <a:endParaRPr b="0" lang="en-US" sz="3200" spc="-1" strike="noStrike">
               <a:solidFill>
@@ -6169,16 +6166,36 @@
             </a:endParaRPr>
           </a:p>
           <a:p>
-            <a:pPr marL="216000" indent="-216000">
-              <a:lnSpc>
-                <a:spcPct val="100000"/>
-              </a:lnSpc>
-              <a:buClr>
-                <a:srgbClr val="ffffff"/>
-              </a:buClr>
-              <a:buSzPct val="45000"/>
-              <a:buFont typeface="Wingdings" charset="2"/>
-              <a:buChar char=""/>
+            <a:pPr marL="216000" indent="0">
+              <a:lnSpc>
+                <a:spcPct val="100000"/>
+              </a:lnSpc>
+              <a:buNone/>
+              <a:tabLst>
+                <a:tab algn="l" pos="0"/>
+              </a:tabLst>
+            </a:pPr>
+            <a:endParaRPr b="0" lang="en-US" sz="3200" spc="-1" strike="noStrike">
+              <a:solidFill>
+                <a:srgbClr val="000000"/>
+              </a:solidFill>
+              <a:latin typeface="Arial"/>
+            </a:endParaRPr>
+          </a:p>
+          <a:p>
+            <a:pPr marL="216000" indent="-216000">
+              <a:lnSpc>
+                <a:spcPct val="100000"/>
+              </a:lnSpc>
+              <a:buClr>
+                <a:srgbClr val="ffffff"/>
+              </a:buClr>
+              <a:buSzPct val="45000"/>
+              <a:buFont typeface="Wingdings" charset="2"/>
+              <a:buChar char=""/>
+              <a:tabLst>
+                <a:tab algn="l" pos="0"/>
+              </a:tabLst>
             </a:pPr>
             <a:r>
               <a:rPr b="0" lang="en-US" sz="3200" spc="-1" strike="noStrike">
@@ -6187,7 +6204,7 @@
                 </a:solidFill>
                 <a:latin typeface="Arial"/>
               </a:rPr>
-              <a:t>Convert RE Standards for K-8 to Logos Books</a:t>
+              <a:t>https://www.logos.com/product/241746/verbum-10-preaching-suite   </a:t>
             </a:r>
             <a:endParaRPr b="0" lang="en-US" sz="3200" spc="-1" strike="noStrike">
               <a:solidFill>
@@ -6197,16 +6214,19 @@
             </a:endParaRPr>
           </a:p>
           <a:p>
-            <a:pPr marL="216000" indent="-216000">
-              <a:lnSpc>
-                <a:spcPct val="100000"/>
-              </a:lnSpc>
-              <a:buClr>
-                <a:srgbClr val="ffffff"/>
-              </a:buClr>
-              <a:buSzPct val="45000"/>
-              <a:buFont typeface="Wingdings" charset="2"/>
-              <a:buChar char=""/>
+            <a:pPr lvl="1" marL="432000" indent="-216000">
+              <a:lnSpc>
+                <a:spcPct val="100000"/>
+              </a:lnSpc>
+              <a:buClr>
+                <a:srgbClr val="000000"/>
+              </a:buClr>
+              <a:buSzPct val="45000"/>
+              <a:buFont typeface="Wingdings" charset="2"/>
+              <a:buChar char=""/>
+              <a:tabLst>
+                <a:tab algn="l" pos="0"/>
+              </a:tabLst>
             </a:pPr>
             <a:r>
               <a:rPr b="0" lang="en-US" sz="3200" spc="-1" strike="noStrike">
@@ -6215,7 +6235,7 @@
                 </a:solidFill>
                 <a:latin typeface="Arial"/>
               </a:rPr>
-              <a:t>Convert the Compendium of the CCC to Logos </a:t>
+              <a:t>$399</a:t>
             </a:r>
             <a:endParaRPr b="0" lang="en-US" sz="3200" spc="-1" strike="noStrike">
               <a:solidFill>
@@ -6225,63 +6245,7 @@
             </a:endParaRPr>
           </a:p>
           <a:p>
-            <a:pPr marL="216000" indent="-216000">
-              <a:lnSpc>
-                <a:spcPct val="100000"/>
-              </a:lnSpc>
-              <a:buClr>
-                <a:srgbClr val="ffffff"/>
-              </a:buClr>
-              <a:buSzPct val="45000"/>
-              <a:buFont typeface="Wingdings" charset="2"/>
-              <a:buChar char=""/>
-            </a:pPr>
-            <a:r>
-              <a:rPr b="0" lang="en-US" sz="3200" spc="-1" strike="noStrike">
-                <a:solidFill>
-                  <a:srgbClr val="ffffff"/>
-                </a:solidFill>
-                <a:latin typeface="Arial"/>
-              </a:rPr>
-              <a:t>Link full RE Standards pdf on Logos panel</a:t>
-            </a:r>
-            <a:endParaRPr b="0" lang="en-US" sz="3200" spc="-1" strike="noStrike">
-              <a:solidFill>
-                <a:srgbClr val="000000"/>
-              </a:solidFill>
-              <a:latin typeface="Arial"/>
-            </a:endParaRPr>
-          </a:p>
-          <a:p>
-            <a:pPr marL="216000" indent="-216000">
-              <a:lnSpc>
-                <a:spcPct val="100000"/>
-              </a:lnSpc>
-              <a:buClr>
-                <a:srgbClr val="ffffff"/>
-              </a:buClr>
-              <a:buSzPct val="45000"/>
-              <a:buFont typeface="Wingdings" charset="2"/>
-              <a:buChar char=""/>
-            </a:pPr>
-            <a:r>
-              <a:rPr b="0" lang="en-US" sz="3200" spc="-1" strike="noStrike">
-                <a:solidFill>
-                  <a:srgbClr val="ffffff"/>
-                </a:solidFill>
-                <a:latin typeface="Arial"/>
-              </a:rPr>
-              <a:t>Manage with on the fly reading plans (demo).</a:t>
-            </a:r>
-            <a:endParaRPr b="0" lang="en-US" sz="3200" spc="-1" strike="noStrike">
-              <a:solidFill>
-                <a:srgbClr val="000000"/>
-              </a:solidFill>
-              <a:latin typeface="Arial"/>
-            </a:endParaRPr>
-          </a:p>
-          <a:p>
-            <a:pPr marL="216000" indent="0">
+            <a:pPr marL="432000" indent="0">
               <a:lnSpc>
                 <a:spcPct val="100000"/>
               </a:lnSpc>
@@ -6359,7 +6323,7 @@
         <p:spPr>
           <a:xfrm>
             <a:off x="457200" y="228600"/>
-            <a:ext cx="9068760" cy="943920"/>
+            <a:ext cx="9066960" cy="942120"/>
           </a:xfrm>
           <a:prstGeom prst="rect">
             <a:avLst/>
@@ -6390,7 +6354,7 @@
                 </a:solidFill>
                 <a:latin typeface="Arial"/>
               </a:rPr>
-              <a:t>Flashcards</a:t>
+              <a:t>Open Source Project?</a:t>
             </a:r>
             <a:endParaRPr b="0" lang="en-US" sz="3300" spc="-1" strike="noStrike">
               <a:solidFill>
@@ -6414,7 +6378,7 @@
         <p:spPr>
           <a:xfrm>
             <a:off x="504000" y="1371600"/>
-            <a:ext cx="9068760" cy="4555080"/>
+            <a:ext cx="9066960" cy="4110120"/>
           </a:xfrm>
           <a:prstGeom prst="rect">
             <a:avLst/>
@@ -6441,13 +6405,14 @@
               <a:buChar char=""/>
             </a:pPr>
             <a:r>
-              <a:rPr b="0" lang="en-US" sz="3200" spc="-1" strike="noStrike">
-                <a:solidFill>
-                  <a:srgbClr val="ffffff"/>
-                </a:solidFill>
-                <a:latin typeface="Arial"/>
-              </a:rPr>
-              <a:t>Create and use Anki Flashcards.</a:t>
+              <a:rPr b="0" lang="en-US" sz="3200" spc="-1" strike="noStrike" u="sng">
+                <a:solidFill>
+                  <a:srgbClr val="0000ee"/>
+                </a:solidFill>
+                <a:uFillTx/>
+                <a:latin typeface="Arial"/>
+              </a:rPr>
+              <a:t>https://github.com/stevemac321/Catechist</a:t>
             </a:r>
             <a:endParaRPr b="0" lang="en-US" sz="3200" spc="-1" strike="noStrike">
               <a:solidFill>
@@ -6469,13 +6434,15 @@
               <a:buChar char=""/>
             </a:pPr>
             <a:r>
-              <a:rPr b="0" lang="en-US" sz="3200" spc="-1" strike="noStrike">
-                <a:solidFill>
-                  <a:srgbClr val="ffffff"/>
-                </a:solidFill>
-                <a:latin typeface="Arial"/>
-              </a:rPr>
-              <a:t>RE Standards into Tasks, Concepts, Items.</a:t>
+              <a:rPr b="0" lang="en-US" sz="3200" spc="-1" strike="noStrike" u="sng">
+                <a:solidFill>
+                  <a:srgbClr val="0000ee"/>
+                </a:solidFill>
+                <a:uFillTx/>
+                <a:latin typeface="Arial"/>
+                <a:hlinkClick r:id="rId1"/>
+              </a:rPr>
+              <a:t>https://apps.ankiweb.net/</a:t>
             </a:r>
             <a:endParaRPr b="0" lang="en-US" sz="3200" spc="-1" strike="noStrike">
               <a:solidFill>
@@ -6497,13 +6464,15 @@
               <a:buChar char=""/>
             </a:pPr>
             <a:r>
-              <a:rPr b="0" lang="en-US" sz="3200" spc="-1" strike="noStrike">
-                <a:solidFill>
-                  <a:srgbClr val="ffffff"/>
-                </a:solidFill>
-                <a:latin typeface="Arial"/>
-              </a:rPr>
-              <a:t>CCC glossary flashcards.</a:t>
+              <a:rPr b="0" lang="en-US" sz="3200" spc="-1" strike="noStrike" u="sng">
+                <a:solidFill>
+                  <a:srgbClr val="0000ee"/>
+                </a:solidFill>
+                <a:uFillTx/>
+                <a:latin typeface="Arial"/>
+                <a:hlinkClick r:id="rId2"/>
+              </a:rPr>
+              <a:t>https://www.logos.com/</a:t>
             </a:r>
             <a:endParaRPr b="0" lang="en-US" sz="3200" spc="-1" strike="noStrike">
               <a:solidFill>
@@ -6525,41 +6494,15 @@
               <a:buChar char=""/>
             </a:pPr>
             <a:r>
-              <a:rPr b="0" lang="en-US" sz="3200" spc="-1" strike="noStrike">
-                <a:solidFill>
-                  <a:srgbClr val="ffffff"/>
-                </a:solidFill>
-                <a:latin typeface="Arial"/>
-              </a:rPr>
-              <a:t>Compendium Index, Prayers, Doctrine</a:t>
-            </a:r>
-            <a:endParaRPr b="0" lang="en-US" sz="3200" spc="-1" strike="noStrike">
-              <a:solidFill>
-                <a:srgbClr val="000000"/>
-              </a:solidFill>
-              <a:latin typeface="Arial"/>
-            </a:endParaRPr>
-          </a:p>
-          <a:p>
-            <a:pPr marL="216000" indent="-216000">
-              <a:lnSpc>
-                <a:spcPct val="100000"/>
-              </a:lnSpc>
-              <a:buClr>
-                <a:srgbClr val="ffffff"/>
-              </a:buClr>
-              <a:buSzPct val="45000"/>
-              <a:buFont typeface="Wingdings" charset="2"/>
-              <a:buChar char=""/>
-            </a:pPr>
-            <a:r>
-              <a:rPr b="0" lang="en-US" sz="3200" spc="-1" strike="noStrike">
-                <a:solidFill>
-                  <a:srgbClr val="ffffff"/>
-                </a:solidFill>
-                <a:latin typeface="Arial"/>
-              </a:rPr>
-              <a:t>Flashcards on Ecumenical Councils, Particular Councils and Synods, Pontifical Documents, Ecclesiastical Documents, Canon Law, Liturgy, Ecclesiastical Writers. </a:t>
+              <a:rPr b="0" lang="en-US" sz="3200" spc="-1" strike="noStrike" u="sng">
+                <a:solidFill>
+                  <a:srgbClr val="0000ee"/>
+                </a:solidFill>
+                <a:uFillTx/>
+                <a:latin typeface="Arial"/>
+                <a:hlinkClick r:id="rId3"/>
+              </a:rPr>
+              <a:t>https://e-sword.net/</a:t>
             </a:r>
             <a:endParaRPr b="0" lang="en-US" sz="3200" spc="-1" strike="noStrike">
               <a:solidFill>
@@ -6578,6 +6521,15 @@
                 <a:tab algn="l" pos="0"/>
               </a:tabLst>
             </a:pPr>
+            <a:r>
+              <a:rPr b="0" lang="en-US" sz="3200" spc="-1" strike="noStrike">
+                <a:solidFill>
+                  <a:srgbClr val="ffffff"/>
+                </a:solidFill>
+                <a:latin typeface="Arial"/>
+              </a:rPr>
+              <a:t> </a:t>
+            </a:r>
             <a:endParaRPr b="0" lang="en-US" sz="3200" spc="-1" strike="noStrike">
               <a:solidFill>
                 <a:srgbClr val="000000"/>
@@ -6586,7 +6538,7 @@
             </a:endParaRPr>
           </a:p>
           <a:p>
-            <a:pPr marL="216000" indent="0">
+            <a:pPr marL="432000" indent="0">
               <a:lnSpc>
                 <a:spcPct val="100000"/>
               </a:lnSpc>
@@ -6664,7 +6616,7 @@
         <p:spPr>
           <a:xfrm>
             <a:off x="457200" y="228600"/>
-            <a:ext cx="9068760" cy="943920"/>
+            <a:ext cx="9066960" cy="942120"/>
           </a:xfrm>
           <a:prstGeom prst="rect">
             <a:avLst/>
@@ -6695,7 +6647,7 @@
                 </a:solidFill>
                 <a:latin typeface="Arial"/>
               </a:rPr>
-              <a:t>CCC Indexes</a:t>
+              <a:t>My Channels</a:t>
             </a:r>
             <a:endParaRPr b="0" lang="en-US" sz="3300" spc="-1" strike="noStrike">
               <a:solidFill>
@@ -6719,7 +6671,7 @@
         <p:spPr>
           <a:xfrm>
             <a:off x="504000" y="1371600"/>
-            <a:ext cx="9068760" cy="4111920"/>
+            <a:ext cx="9066960" cy="4110120"/>
           </a:xfrm>
           <a:prstGeom prst="rect">
             <a:avLst/>
@@ -6734,118 +6686,6 @@
             <a:noAutofit/>
           </a:bodyPr>
           <a:p>
-            <a:pPr marL="216000" indent="-216000">
-              <a:lnSpc>
-                <a:spcPct val="100000"/>
-              </a:lnSpc>
-              <a:buClr>
-                <a:srgbClr val="ffffff"/>
-              </a:buClr>
-              <a:buSzPct val="45000"/>
-              <a:buFont typeface="Wingdings" charset="2"/>
-              <a:buChar char=""/>
-            </a:pPr>
-            <a:r>
-              <a:rPr b="0" lang="en-US" sz="3200" spc="-1" strike="noStrike">
-                <a:solidFill>
-                  <a:srgbClr val="ffffff"/>
-                </a:solidFill>
-                <a:latin typeface="Arial"/>
-              </a:rPr>
-              <a:t>Read Scriptures driven by Scripture Index</a:t>
-            </a:r>
-            <a:endParaRPr b="0" lang="en-US" sz="3200" spc="-1" strike="noStrike">
-              <a:solidFill>
-                <a:srgbClr val="000000"/>
-              </a:solidFill>
-              <a:latin typeface="Arial"/>
-            </a:endParaRPr>
-          </a:p>
-          <a:p>
-            <a:pPr marL="216000" indent="-216000">
-              <a:lnSpc>
-                <a:spcPct val="100000"/>
-              </a:lnSpc>
-              <a:buClr>
-                <a:srgbClr val="ffffff"/>
-              </a:buClr>
-              <a:buSzPct val="45000"/>
-              <a:buFont typeface="Wingdings" charset="2"/>
-              <a:buChar char=""/>
-            </a:pPr>
-            <a:r>
-              <a:rPr b="0" lang="en-US" sz="3200" spc="-1" strike="noStrike">
-                <a:solidFill>
-                  <a:srgbClr val="ffffff"/>
-                </a:solidFill>
-                <a:latin typeface="Arial"/>
-              </a:rPr>
-              <a:t>Read CCC and DS driven by Ecumenical Councils, Particular Councils and Synods, Pontifical Documents, Ecclesiastical Documents, Canon Law, Liturgy, Ecclesiastical Writers.</a:t>
-            </a:r>
-            <a:endParaRPr b="0" lang="en-US" sz="3200" spc="-1" strike="noStrike">
-              <a:solidFill>
-                <a:srgbClr val="000000"/>
-              </a:solidFill>
-              <a:latin typeface="Arial"/>
-            </a:endParaRPr>
-          </a:p>
-          <a:p>
-            <a:pPr marL="216000" indent="-216000">
-              <a:lnSpc>
-                <a:spcPct val="100000"/>
-              </a:lnSpc>
-              <a:buClr>
-                <a:srgbClr val="ffffff"/>
-              </a:buClr>
-              <a:buSzPct val="45000"/>
-              <a:buFont typeface="Wingdings" charset="2"/>
-              <a:buChar char=""/>
-            </a:pPr>
-            <a:r>
-              <a:rPr b="0" lang="en-US" sz="3200" spc="-1" strike="noStrike">
-                <a:solidFill>
-                  <a:srgbClr val="ffffff"/>
-                </a:solidFill>
-                <a:latin typeface="Arial"/>
-              </a:rPr>
-              <a:t>Use AI to create short overviews </a:t>
-            </a:r>
-            <a:endParaRPr b="0" lang="en-US" sz="3200" spc="-1" strike="noStrike">
-              <a:solidFill>
-                <a:srgbClr val="000000"/>
-              </a:solidFill>
-              <a:latin typeface="Arial"/>
-            </a:endParaRPr>
-          </a:p>
-          <a:p>
-            <a:pPr marL="216000" indent="-216000">
-              <a:lnSpc>
-                <a:spcPct val="100000"/>
-              </a:lnSpc>
-              <a:buClr>
-                <a:srgbClr val="ffffff"/>
-              </a:buClr>
-              <a:buSzPct val="45000"/>
-              <a:buFont typeface="Wingdings" charset="2"/>
-              <a:buChar char=""/>
-            </a:pPr>
-            <a:r>
-              <a:rPr b="0" lang="en-US" sz="3200" spc="-1" strike="noStrike">
-                <a:solidFill>
-                  <a:srgbClr val="ffffff"/>
-                </a:solidFill>
-                <a:latin typeface="Arial"/>
-              </a:rPr>
-              <a:t>Manage with on the fly reading plans.</a:t>
-            </a:r>
-            <a:endParaRPr b="0" lang="en-US" sz="3200" spc="-1" strike="noStrike">
-              <a:solidFill>
-                <a:srgbClr val="000000"/>
-              </a:solidFill>
-              <a:latin typeface="Arial"/>
-            </a:endParaRPr>
-          </a:p>
-          <a:p>
             <a:pPr marL="216000" indent="0">
               <a:lnSpc>
                 <a:spcPct val="100000"/>
@@ -6855,6 +6695,15 @@
                 <a:tab algn="l" pos="0"/>
               </a:tabLst>
             </a:pPr>
+            <a:r>
+              <a:rPr b="0" lang="en-US" sz="3200" spc="-1" strike="noStrike">
+                <a:solidFill>
+                  <a:srgbClr val="ffffff"/>
+                </a:solidFill>
+                <a:latin typeface="Arial"/>
+              </a:rPr>
+              <a:t>12 Part Series on Textual Criticism:</a:t>
+            </a:r>
             <a:endParaRPr b="0" lang="en-US" sz="3200" spc="-1" strike="noStrike">
               <a:solidFill>
                 <a:srgbClr val="000000"/>
@@ -6863,7 +6712,99 @@
             </a:endParaRPr>
           </a:p>
           <a:p>
+            <a:pPr marL="216000" indent="-216000">
+              <a:lnSpc>
+                <a:spcPct val="100000"/>
+              </a:lnSpc>
+              <a:buClr>
+                <a:srgbClr val="ffffff"/>
+              </a:buClr>
+              <a:buSzPct val="45000"/>
+              <a:buFont typeface="Wingdings" charset="2"/>
+              <a:buChar char=""/>
+              <a:tabLst>
+                <a:tab algn="l" pos="0"/>
+              </a:tabLst>
+            </a:pPr>
+            <a:r>
+              <a:rPr b="0" lang="en-US" sz="3200" spc="-1" strike="noStrike" u="sng">
+                <a:solidFill>
+                  <a:srgbClr val="0000ee"/>
+                </a:solidFill>
+                <a:uFillTx/>
+                <a:latin typeface="Arial"/>
+                <a:hlinkClick r:id="rId1"/>
+              </a:rPr>
+              <a:t>https://www.youtube.com/@deepdivebiblestudy</a:t>
+            </a:r>
+            <a:endParaRPr b="0" lang="en-US" sz="3200" spc="-1" strike="noStrike">
+              <a:solidFill>
+                <a:srgbClr val="000000"/>
+              </a:solidFill>
+              <a:latin typeface="Arial"/>
+            </a:endParaRPr>
+          </a:p>
+          <a:p>
+            <a:pPr marL="216000" indent="-216000">
+              <a:lnSpc>
+                <a:spcPct val="100000"/>
+              </a:lnSpc>
+              <a:buClr>
+                <a:srgbClr val="ffffff"/>
+              </a:buClr>
+              <a:buSzPct val="45000"/>
+              <a:buFont typeface="Wingdings" charset="2"/>
+              <a:buChar char=""/>
+              <a:tabLst>
+                <a:tab algn="l" pos="0"/>
+              </a:tabLst>
+            </a:pPr>
+            <a:r>
+              <a:rPr b="0" lang="en-US" sz="3200" spc="-1" strike="noStrike" u="sng">
+                <a:solidFill>
+                  <a:srgbClr val="0000ee"/>
+                </a:solidFill>
+                <a:uFillTx/>
+                <a:latin typeface="Arial"/>
+                <a:hlinkClick r:id="rId2"/>
+              </a:rPr>
+              <a:t>https://www.youtube.com/@stephenmackenzie6782</a:t>
+            </a:r>
+            <a:endParaRPr b="0" lang="en-US" sz="3200" spc="-1" strike="noStrike">
+              <a:solidFill>
+                <a:srgbClr val="000000"/>
+              </a:solidFill>
+              <a:latin typeface="Arial"/>
+            </a:endParaRPr>
+          </a:p>
+          <a:p>
             <a:pPr marL="216000" indent="0">
+              <a:lnSpc>
+                <a:spcPct val="100000"/>
+              </a:lnSpc>
+              <a:buNone/>
+              <a:tabLst>
+                <a:tab algn="l" pos="0"/>
+              </a:tabLst>
+            </a:pPr>
+            <a:r>
+              <a:rPr b="0" lang="en-US" sz="3200" spc="-1" strike="noStrike">
+                <a:solidFill>
+                  <a:srgbClr val="ffffff"/>
+                </a:solidFill>
+                <a:latin typeface="Arial"/>
+              </a:rPr>
+              <a:t> </a:t>
+            </a:r>
+            <a:endParaRPr b="0" lang="en-US" sz="3200" spc="-1" strike="noStrike">
+              <a:solidFill>
+                <a:srgbClr val="000000"/>
+              </a:solidFill>
+              <a:latin typeface="Arial"/>
+            </a:endParaRPr>
+          </a:p>
+          <a:p>
+            <a:pPr marL="432000" indent="0">
               <a:lnSpc>
                 <a:spcPct val="100000"/>
               </a:lnSpc>
@@ -6941,7 +6882,7 @@
         <p:spPr>
           <a:xfrm>
             <a:off x="457200" y="228600"/>
-            <a:ext cx="9068760" cy="943920"/>
+            <a:ext cx="9066960" cy="942120"/>
           </a:xfrm>
           <a:prstGeom prst="rect">
             <a:avLst/>
@@ -6972,7 +6913,7 @@
                 </a:solidFill>
                 <a:latin typeface="Arial"/>
               </a:rPr>
-              <a:t>AI Queries</a:t>
+              <a:t>My Opinion!!! Distinctives of the Expert Catechist</a:t>
             </a:r>
             <a:endParaRPr b="0" lang="en-US" sz="3300" spc="-1" strike="noStrike">
               <a:solidFill>
@@ -6996,7 +6937,7 @@
         <p:spPr>
           <a:xfrm>
             <a:off x="504000" y="1371600"/>
-            <a:ext cx="9068760" cy="4111920"/>
+            <a:ext cx="9066960" cy="4110120"/>
           </a:xfrm>
           <a:prstGeom prst="rect">
             <a:avLst/>
@@ -7023,189 +6964,312 @@
               <a:buChar char=""/>
             </a:pPr>
             <a:r>
-              <a:rPr b="0" lang="en-US" sz="3200" spc="-1" strike="noStrike">
-                <a:solidFill>
-                  <a:srgbClr val="ffffff"/>
-                </a:solidFill>
-                <a:latin typeface="Arial"/>
-              </a:rPr>
-              <a:t>Use AI (like Bing Copilot) as an advanced indexer that can target authoritative sources.</a:t>
-            </a:r>
-            <a:endParaRPr b="0" lang="en-US" sz="3200" spc="-1" strike="noStrike">
-              <a:solidFill>
-                <a:srgbClr val="000000"/>
-              </a:solidFill>
-              <a:latin typeface="Arial"/>
-            </a:endParaRPr>
-          </a:p>
-          <a:p>
-            <a:pPr marL="216000" indent="-216000">
-              <a:lnSpc>
-                <a:spcPct val="100000"/>
-              </a:lnSpc>
-              <a:buClr>
-                <a:srgbClr val="ffffff"/>
-              </a:buClr>
-              <a:buSzPct val="45000"/>
-              <a:buFont typeface="Wingdings" charset="2"/>
-              <a:buChar char=""/>
-            </a:pPr>
-            <a:r>
-              <a:rPr b="0" lang="en-US" sz="3200" spc="-1" strike="noStrike">
-                <a:solidFill>
-                  <a:srgbClr val="ffffff"/>
-                </a:solidFill>
-                <a:latin typeface="Arial"/>
-              </a:rPr>
-              <a:t>Target CCC, Summa, Fathers, etc.</a:t>
-            </a:r>
-            <a:endParaRPr b="0" lang="en-US" sz="3200" spc="-1" strike="noStrike">
-              <a:solidFill>
-                <a:srgbClr val="000000"/>
-              </a:solidFill>
-              <a:latin typeface="Arial"/>
-            </a:endParaRPr>
-          </a:p>
-          <a:p>
-            <a:pPr marL="216000" indent="-216000">
-              <a:lnSpc>
-                <a:spcPct val="100000"/>
-              </a:lnSpc>
-              <a:buClr>
-                <a:srgbClr val="ffffff"/>
-              </a:buClr>
-              <a:buSzPct val="45000"/>
-              <a:buFont typeface="Wingdings" charset="2"/>
-              <a:buChar char=""/>
-            </a:pPr>
-            <a:r>
-              <a:rPr b="0" lang="en-US" sz="3200" spc="-1" strike="noStrike">
-                <a:solidFill>
-                  <a:srgbClr val="ffffff"/>
-                </a:solidFill>
-                <a:latin typeface="Arial"/>
-              </a:rPr>
-              <a:t>Make Logos Books out of the results.</a:t>
-            </a:r>
-            <a:endParaRPr b="0" lang="en-US" sz="3200" spc="-1" strike="noStrike">
-              <a:solidFill>
-                <a:srgbClr val="000000"/>
-              </a:solidFill>
-              <a:latin typeface="Arial"/>
-            </a:endParaRPr>
-          </a:p>
-          <a:p>
-            <a:pPr marL="216000" indent="-216000">
-              <a:lnSpc>
-                <a:spcPct val="100000"/>
-              </a:lnSpc>
-              <a:buClr>
-                <a:srgbClr val="ffffff"/>
-              </a:buClr>
-              <a:buSzPct val="45000"/>
-              <a:buFont typeface="Wingdings" charset="2"/>
-              <a:buChar char=""/>
-            </a:pPr>
-            <a:r>
-              <a:rPr b="0" lang="en-US" sz="3200" spc="-1" strike="noStrike">
-                <a:solidFill>
-                  <a:srgbClr val="ffffff"/>
-                </a:solidFill>
-                <a:latin typeface="Arial"/>
-              </a:rPr>
-              <a:t>Short overviews of CCC indexes</a:t>
-            </a:r>
-            <a:endParaRPr b="0" lang="en-US" sz="3200" spc="-1" strike="noStrike">
-              <a:solidFill>
-                <a:srgbClr val="000000"/>
-              </a:solidFill>
-              <a:latin typeface="Arial"/>
-            </a:endParaRPr>
-          </a:p>
-          <a:p>
-            <a:pPr marL="216000" indent="-216000">
-              <a:lnSpc>
-                <a:spcPct val="100000"/>
-              </a:lnSpc>
-              <a:buClr>
-                <a:srgbClr val="ffffff"/>
-              </a:buClr>
-              <a:buSzPct val="45000"/>
-              <a:buFont typeface="Wingdings" charset="2"/>
-              <a:buChar char=""/>
-            </a:pPr>
-            <a:r>
-              <a:rPr b="0" lang="en-US" sz="3200" spc="-1" strike="noStrike">
-                <a:solidFill>
-                  <a:srgbClr val="ffffff"/>
-                </a:solidFill>
-                <a:latin typeface="Arial"/>
-              </a:rPr>
-              <a:t>Find themes that possibly span multiple pillars.</a:t>
-            </a:r>
-            <a:endParaRPr b="0" lang="en-US" sz="3200" spc="-1" strike="noStrike">
-              <a:solidFill>
-                <a:srgbClr val="000000"/>
-              </a:solidFill>
-              <a:latin typeface="Arial"/>
-            </a:endParaRPr>
-          </a:p>
-          <a:p>
-            <a:pPr marL="216000" indent="-216000">
-              <a:lnSpc>
-                <a:spcPct val="100000"/>
-              </a:lnSpc>
-              <a:buClr>
-                <a:srgbClr val="ffffff"/>
-              </a:buClr>
-              <a:buSzPct val="45000"/>
-              <a:buFont typeface="Wingdings" charset="2"/>
-              <a:buChar char=""/>
-            </a:pPr>
-            <a:r>
-              <a:rPr b="0" lang="en-US" sz="3200" spc="-1" strike="noStrike">
-                <a:solidFill>
-                  <a:srgbClr val="ffffff"/>
-                </a:solidFill>
-                <a:latin typeface="Arial"/>
-              </a:rPr>
-              <a:t>Flesh out pregnant terms.</a:t>
-            </a:r>
-            <a:endParaRPr b="0" lang="en-US" sz="3200" spc="-1" strike="noStrike">
-              <a:solidFill>
-                <a:srgbClr val="000000"/>
-              </a:solidFill>
-              <a:latin typeface="Arial"/>
-            </a:endParaRPr>
-          </a:p>
-          <a:p>
-            <a:pPr marL="216000" indent="0">
-              <a:lnSpc>
-                <a:spcPct val="100000"/>
-              </a:lnSpc>
-              <a:buNone/>
-              <a:tabLst>
-                <a:tab algn="l" pos="0"/>
-              </a:tabLst>
-            </a:pPr>
-            <a:endParaRPr b="0" lang="en-US" sz="3200" spc="-1" strike="noStrike">
-              <a:solidFill>
-                <a:srgbClr val="000000"/>
-              </a:solidFill>
-              <a:latin typeface="Arial"/>
-            </a:endParaRPr>
-          </a:p>
-          <a:p>
-            <a:pPr marL="216000" indent="0">
-              <a:lnSpc>
-                <a:spcPct val="100000"/>
-              </a:lnSpc>
-              <a:buNone/>
-              <a:tabLst>
-                <a:tab algn="l" pos="0"/>
-              </a:tabLst>
-            </a:pPr>
-            <a:endParaRPr b="0" lang="en-US" sz="3200" spc="-1" strike="noStrike">
+              <a:rPr b="0" lang="en-US" sz="2100" spc="-1" strike="noStrike">
+                <a:solidFill>
+                  <a:srgbClr val="ffffff"/>
+                </a:solidFill>
+                <a:latin typeface="Arial"/>
+              </a:rPr>
+              <a:t>RE Standards is a good start</a:t>
+            </a:r>
+            <a:endParaRPr b="0" lang="en-US" sz="2100" spc="-1" strike="noStrike">
+              <a:solidFill>
+                <a:srgbClr val="000000"/>
+              </a:solidFill>
+              <a:latin typeface="Arial"/>
+            </a:endParaRPr>
+          </a:p>
+          <a:p>
+            <a:pPr marL="216000" indent="-216000">
+              <a:lnSpc>
+                <a:spcPct val="100000"/>
+              </a:lnSpc>
+              <a:buClr>
+                <a:srgbClr val="ffffff"/>
+              </a:buClr>
+              <a:buSzPct val="45000"/>
+              <a:buFont typeface="Wingdings" charset="2"/>
+              <a:buChar char=""/>
+            </a:pPr>
+            <a:r>
+              <a:rPr b="0" lang="en-US" sz="2100" spc="-1" strike="noStrike">
+                <a:solidFill>
+                  <a:srgbClr val="ffffff"/>
+                </a:solidFill>
+                <a:latin typeface="Arial"/>
+              </a:rPr>
+              <a:t>Knows where to find things, bible, CCC, DS, able to read commentaries</a:t>
+            </a:r>
+            <a:endParaRPr b="0" lang="en-US" sz="2100" spc="-1" strike="noStrike">
+              <a:solidFill>
+                <a:srgbClr val="000000"/>
+              </a:solidFill>
+              <a:latin typeface="Arial"/>
+            </a:endParaRPr>
+          </a:p>
+          <a:p>
+            <a:pPr marL="216000" indent="-216000">
+              <a:lnSpc>
+                <a:spcPct val="100000"/>
+              </a:lnSpc>
+              <a:buClr>
+                <a:srgbClr val="ffffff"/>
+              </a:buClr>
+              <a:buSzPct val="45000"/>
+              <a:buFont typeface="Wingdings" charset="2"/>
+              <a:buChar char=""/>
+            </a:pPr>
+            <a:r>
+              <a:rPr b="0" lang="en-US" sz="2100" spc="-1" strike="noStrike">
+                <a:solidFill>
+                  <a:srgbClr val="ffffff"/>
+                </a:solidFill>
+                <a:latin typeface="Arial"/>
+              </a:rPr>
+              <a:t>Familiar with Sacred Scriptures</a:t>
+            </a:r>
+            <a:endParaRPr b="0" lang="en-US" sz="2100" spc="-1" strike="noStrike">
+              <a:solidFill>
+                <a:srgbClr val="000000"/>
+              </a:solidFill>
+              <a:latin typeface="Arial"/>
+            </a:endParaRPr>
+          </a:p>
+          <a:p>
+            <a:pPr marL="216000" indent="-216000">
+              <a:lnSpc>
+                <a:spcPct val="100000"/>
+              </a:lnSpc>
+              <a:buClr>
+                <a:srgbClr val="ffffff"/>
+              </a:buClr>
+              <a:buSzPct val="45000"/>
+              <a:buFont typeface="Wingdings" charset="2"/>
+              <a:buChar char=""/>
+            </a:pPr>
+            <a:r>
+              <a:rPr b="0" lang="en-US" sz="2100" spc="-1" strike="noStrike">
+                <a:solidFill>
+                  <a:srgbClr val="ffffff"/>
+                </a:solidFill>
+                <a:latin typeface="Arial"/>
+              </a:rPr>
+              <a:t>Able to paraphrase answers to most questions in the Compendium</a:t>
+            </a:r>
+            <a:endParaRPr b="0" lang="en-US" sz="2100" spc="-1" strike="noStrike">
+              <a:solidFill>
+                <a:srgbClr val="000000"/>
+              </a:solidFill>
+              <a:latin typeface="Arial"/>
+            </a:endParaRPr>
+          </a:p>
+          <a:p>
+            <a:pPr marL="216000" indent="-216000">
+              <a:lnSpc>
+                <a:spcPct val="100000"/>
+              </a:lnSpc>
+              <a:buClr>
+                <a:srgbClr val="ffffff"/>
+              </a:buClr>
+              <a:buSzPct val="45000"/>
+              <a:buFont typeface="Wingdings" charset="2"/>
+              <a:buChar char=""/>
+            </a:pPr>
+            <a:r>
+              <a:rPr b="0" lang="en-US" sz="2100" spc="-1" strike="noStrike">
+                <a:solidFill>
+                  <a:srgbClr val="ffffff"/>
+                </a:solidFill>
+                <a:latin typeface="Arial"/>
+              </a:rPr>
+              <a:t>Familiar with Early Church History, 7 ecumenical councils, scholastic period, counter-refermation, Vat I and Vat II</a:t>
+            </a:r>
+            <a:endParaRPr b="0" lang="en-US" sz="2100" spc="-1" strike="noStrike">
+              <a:solidFill>
+                <a:srgbClr val="000000"/>
+              </a:solidFill>
+              <a:latin typeface="Arial"/>
+            </a:endParaRPr>
+          </a:p>
+          <a:p>
+            <a:pPr marL="216000" indent="-216000">
+              <a:lnSpc>
+                <a:spcPct val="100000"/>
+              </a:lnSpc>
+              <a:buClr>
+                <a:srgbClr val="ffffff"/>
+              </a:buClr>
+              <a:buSzPct val="45000"/>
+              <a:buFont typeface="Wingdings" charset="2"/>
+              <a:buChar char=""/>
+            </a:pPr>
+            <a:r>
+              <a:rPr b="0" lang="en-US" sz="2100" spc="-1" strike="noStrike">
+                <a:solidFill>
+                  <a:srgbClr val="ffffff"/>
+                </a:solidFill>
+                <a:latin typeface="Arial"/>
+              </a:rPr>
+              <a:t>Familiar with the transmission of scriptures</a:t>
+            </a:r>
+            <a:endParaRPr b="0" lang="en-US" sz="2100" spc="-1" strike="noStrike">
+              <a:solidFill>
+                <a:srgbClr val="000000"/>
+              </a:solidFill>
+              <a:latin typeface="Arial"/>
+            </a:endParaRPr>
+          </a:p>
+          <a:p>
+            <a:pPr marL="216000" indent="-216000">
+              <a:lnSpc>
+                <a:spcPct val="100000"/>
+              </a:lnSpc>
+              <a:buClr>
+                <a:srgbClr val="ffffff"/>
+              </a:buClr>
+              <a:buSzPct val="45000"/>
+              <a:buFont typeface="Wingdings" charset="2"/>
+              <a:buChar char=""/>
+            </a:pPr>
+            <a:r>
+              <a:rPr b="0" lang="en-US" sz="2100" spc="-1" strike="noStrike">
+                <a:solidFill>
+                  <a:srgbClr val="ffffff"/>
+                </a:solidFill>
+                <a:latin typeface="Arial"/>
+              </a:rPr>
+              <a:t>Enough Aristotle (categories, metaphysics, ethics, rhetoric) to grasp Aquinas, St. Paul</a:t>
+            </a:r>
+            <a:endParaRPr b="0" lang="en-US" sz="2100" spc="-1" strike="noStrike">
+              <a:solidFill>
+                <a:srgbClr val="000000"/>
+              </a:solidFill>
+              <a:latin typeface="Arial"/>
+            </a:endParaRPr>
+          </a:p>
+          <a:p>
+            <a:pPr marL="216000" indent="-216000">
+              <a:lnSpc>
+                <a:spcPct val="100000"/>
+              </a:lnSpc>
+              <a:buClr>
+                <a:srgbClr val="ffffff"/>
+              </a:buClr>
+              <a:buSzPct val="45000"/>
+              <a:buFont typeface="Wingdings" charset="2"/>
+              <a:buChar char=""/>
+            </a:pPr>
+            <a:r>
+              <a:rPr b="0" lang="en-US" sz="2100" spc="-1" strike="noStrike">
+                <a:solidFill>
+                  <a:srgbClr val="ffffff"/>
+                </a:solidFill>
+                <a:latin typeface="Arial"/>
+                <a:ea typeface="Microsoft YaHei"/>
+              </a:rPr>
+              <a:t>Familiar with the Sitz im leben of  1</a:t>
+            </a:r>
+            <a:r>
+              <a:rPr b="0" lang="en-US" sz="2100" spc="-1" strike="noStrike" baseline="33000">
+                <a:solidFill>
+                  <a:srgbClr val="ffffff"/>
+                </a:solidFill>
+                <a:latin typeface="Arial"/>
+                <a:ea typeface="Microsoft YaHei"/>
+              </a:rPr>
+              <a:t>st</a:t>
+            </a:r>
+            <a:r>
+              <a:rPr b="0" lang="en-US" sz="2100" spc="-1" strike="noStrike">
+                <a:solidFill>
+                  <a:srgbClr val="ffffff"/>
+                </a:solidFill>
+                <a:latin typeface="Arial"/>
+                <a:ea typeface="Microsoft YaHei"/>
+              </a:rPr>
+              <a:t> 11 ch. Genesis, Pentateuch, Historical, Wisdom lit, prophets (e.g. 1</a:t>
+            </a:r>
+            <a:r>
+              <a:rPr b="0" lang="en-US" sz="2100" spc="-1" strike="noStrike" baseline="33000">
+                <a:solidFill>
+                  <a:srgbClr val="ffffff"/>
+                </a:solidFill>
+                <a:latin typeface="Arial"/>
+                <a:ea typeface="Microsoft YaHei"/>
+              </a:rPr>
+              <a:t>st</a:t>
+            </a:r>
+            <a:r>
+              <a:rPr b="0" lang="en-US" sz="2100" spc="-1" strike="noStrike">
+                <a:solidFill>
+                  <a:srgbClr val="ffffff"/>
+                </a:solidFill>
+                <a:latin typeface="Arial"/>
+                <a:ea typeface="Microsoft YaHei"/>
+              </a:rPr>
+              <a:t>, 2</a:t>
+            </a:r>
+            <a:r>
+              <a:rPr b="0" lang="en-US" sz="2100" spc="-1" strike="noStrike" baseline="33000">
+                <a:solidFill>
+                  <a:srgbClr val="ffffff"/>
+                </a:solidFill>
+                <a:latin typeface="Arial"/>
+                <a:ea typeface="Microsoft YaHei"/>
+              </a:rPr>
+              <a:t>nd</a:t>
+            </a:r>
+            <a:r>
+              <a:rPr b="0" lang="en-US" sz="2100" spc="-1" strike="noStrike">
+                <a:solidFill>
+                  <a:srgbClr val="ffffff"/>
+                </a:solidFill>
+                <a:latin typeface="Arial"/>
+                <a:ea typeface="Microsoft YaHei"/>
+              </a:rPr>
+              <a:t>, 3</a:t>
+            </a:r>
+            <a:r>
+              <a:rPr b="0" lang="en-US" sz="2100" spc="-1" strike="noStrike" baseline="33000">
+                <a:solidFill>
+                  <a:srgbClr val="ffffff"/>
+                </a:solidFill>
+                <a:latin typeface="Arial"/>
+                <a:ea typeface="Microsoft YaHei"/>
+              </a:rPr>
+              <a:t>rd</a:t>
+            </a:r>
+            <a:r>
+              <a:rPr b="0" lang="en-US" sz="2100" spc="-1" strike="noStrike">
+                <a:solidFill>
+                  <a:srgbClr val="ffffff"/>
+                </a:solidFill>
+                <a:latin typeface="Arial"/>
+                <a:ea typeface="Microsoft YaHei"/>
+              </a:rPr>
+              <a:t> Isaiah), United-Divided Kingdom, exile, return, 2</a:t>
+            </a:r>
+            <a:r>
+              <a:rPr b="0" lang="en-US" sz="2100" spc="-1" strike="noStrike" baseline="33000">
+                <a:solidFill>
+                  <a:srgbClr val="ffffff"/>
+                </a:solidFill>
+                <a:latin typeface="Arial"/>
+                <a:ea typeface="Microsoft YaHei"/>
+              </a:rPr>
+              <a:t>nd</a:t>
+            </a:r>
+            <a:r>
+              <a:rPr b="0" lang="en-US" sz="2100" spc="-1" strike="noStrike">
+                <a:solidFill>
+                  <a:srgbClr val="ffffff"/>
+                </a:solidFill>
+                <a:latin typeface="Arial"/>
+                <a:ea typeface="Microsoft YaHei"/>
+              </a:rPr>
+              <a:t> temple Judaism, the Greco-Roman culture of Jesus, apostolic fathers, documentary hypothesis, synoptic problem.</a:t>
+            </a:r>
+            <a:endParaRPr b="0" lang="en-US" sz="2100" spc="-1" strike="noStrike">
               <a:solidFill>
                 <a:srgbClr val="000000"/>
               </a:solidFill>
@@ -7274,7 +7338,7 @@
         <p:spPr>
           <a:xfrm>
             <a:off x="457200" y="228600"/>
-            <a:ext cx="9068760" cy="943920"/>
+            <a:ext cx="9066960" cy="942120"/>
           </a:xfrm>
           <a:prstGeom prst="rect">
             <a:avLst/>
@@ -7305,7 +7369,7 @@
                 </a:solidFill>
                 <a:latin typeface="Arial"/>
               </a:rPr>
-              <a:t>Stretch Goal Reading Plans</a:t>
+              <a:t>More Opinion!! Distinctives of the Expert - Dates</a:t>
             </a:r>
             <a:endParaRPr b="0" lang="en-US" sz="3300" spc="-1" strike="noStrike">
               <a:solidFill>
@@ -7329,7 +7393,7 @@
         <p:spPr>
           <a:xfrm>
             <a:off x="504000" y="1371600"/>
-            <a:ext cx="9068760" cy="4111920"/>
+            <a:ext cx="9066960" cy="4110120"/>
           </a:xfrm>
           <a:prstGeom prst="rect">
             <a:avLst/>
@@ -7356,342 +7420,351 @@
               <a:buChar char=""/>
             </a:pPr>
             <a:r>
-              <a:rPr b="0" lang="en-US" sz="2200" spc="-1" strike="noStrike">
-                <a:solidFill>
-                  <a:srgbClr val="ffffff"/>
-                </a:solidFill>
-                <a:latin typeface="Arial"/>
-              </a:rPr>
-              <a:t>Summas by Aquinas (or abridged versions)</a:t>
-            </a:r>
-            <a:endParaRPr b="0" lang="en-US" sz="2200" spc="-1" strike="noStrike">
-              <a:solidFill>
-                <a:srgbClr val="000000"/>
-              </a:solidFill>
-              <a:latin typeface="Arial"/>
-            </a:endParaRPr>
-          </a:p>
-          <a:p>
-            <a:pPr marL="216000" indent="-216000">
-              <a:lnSpc>
-                <a:spcPct val="100000"/>
-              </a:lnSpc>
-              <a:buClr>
-                <a:srgbClr val="ffffff"/>
-              </a:buClr>
-              <a:buSzPct val="45000"/>
-              <a:buFont typeface="Wingdings" charset="2"/>
-              <a:buChar char=""/>
-            </a:pPr>
-            <a:r>
-              <a:rPr b="0" lang="en-US" sz="2200" spc="-1" strike="noStrike">
-                <a:solidFill>
-                  <a:srgbClr val="ffffff"/>
-                </a:solidFill>
-                <a:latin typeface="Arial"/>
-              </a:rPr>
-              <a:t>Ludwig Ott, Foundations</a:t>
-            </a:r>
-            <a:endParaRPr b="0" lang="en-US" sz="2200" spc="-1" strike="noStrike">
-              <a:solidFill>
-                <a:srgbClr val="000000"/>
-              </a:solidFill>
-              <a:latin typeface="Arial"/>
-            </a:endParaRPr>
-          </a:p>
-          <a:p>
-            <a:pPr marL="216000" indent="-216000">
-              <a:lnSpc>
-                <a:spcPct val="100000"/>
-              </a:lnSpc>
-              <a:buClr>
-                <a:srgbClr val="ffffff"/>
-              </a:buClr>
-              <a:buSzPct val="45000"/>
-              <a:buFont typeface="Wingdings" charset="2"/>
-              <a:buChar char=""/>
-            </a:pPr>
-            <a:r>
-              <a:rPr b="0" lang="en-US" sz="2200" spc="-1" strike="noStrike">
-                <a:solidFill>
-                  <a:srgbClr val="ffffff"/>
-                </a:solidFill>
-                <a:latin typeface="Arial"/>
-              </a:rPr>
-              <a:t>Denzinger, Sources</a:t>
-            </a:r>
-            <a:endParaRPr b="0" lang="en-US" sz="2200" spc="-1" strike="noStrike">
-              <a:solidFill>
-                <a:srgbClr val="000000"/>
-              </a:solidFill>
-              <a:latin typeface="Arial"/>
-            </a:endParaRPr>
-          </a:p>
-          <a:p>
-            <a:pPr marL="216000" indent="-216000">
-              <a:lnSpc>
-                <a:spcPct val="100000"/>
-              </a:lnSpc>
-              <a:buClr>
-                <a:srgbClr val="ffffff"/>
-              </a:buClr>
-              <a:buSzPct val="45000"/>
-              <a:buFont typeface="Wingdings" charset="2"/>
-              <a:buChar char=""/>
-            </a:pPr>
-            <a:r>
-              <a:rPr b="0" lang="en-US" sz="2200" spc="-1" strike="noStrike">
-                <a:solidFill>
-                  <a:srgbClr val="ffffff"/>
-                </a:solidFill>
-                <a:latin typeface="Arial"/>
-              </a:rPr>
-              <a:t>Vatican II Documents</a:t>
-            </a:r>
-            <a:endParaRPr b="0" lang="en-US" sz="2200" spc="-1" strike="noStrike">
-              <a:solidFill>
-                <a:srgbClr val="000000"/>
-              </a:solidFill>
-              <a:latin typeface="Arial"/>
-            </a:endParaRPr>
-          </a:p>
-          <a:p>
-            <a:pPr marL="216000" indent="-216000">
-              <a:lnSpc>
-                <a:spcPct val="100000"/>
-              </a:lnSpc>
-              <a:buClr>
-                <a:srgbClr val="ffffff"/>
-              </a:buClr>
-              <a:buSzPct val="45000"/>
-              <a:buFont typeface="Wingdings" charset="2"/>
-              <a:buChar char=""/>
-            </a:pPr>
-            <a:r>
-              <a:rPr b="0" lang="en-US" sz="2200" spc="-1" strike="noStrike">
-                <a:solidFill>
-                  <a:srgbClr val="ffffff"/>
-                </a:solidFill>
-                <a:latin typeface="Arial"/>
-              </a:rPr>
-              <a:t>Encyclicals post Vat II</a:t>
-            </a:r>
-            <a:endParaRPr b="0" lang="en-US" sz="2200" spc="-1" strike="noStrike">
-              <a:solidFill>
-                <a:srgbClr val="000000"/>
-              </a:solidFill>
-              <a:latin typeface="Arial"/>
-            </a:endParaRPr>
-          </a:p>
-          <a:p>
-            <a:pPr marL="216000" indent="-216000">
-              <a:lnSpc>
-                <a:spcPct val="100000"/>
-              </a:lnSpc>
-              <a:buClr>
-                <a:srgbClr val="ffffff"/>
-              </a:buClr>
-              <a:buSzPct val="45000"/>
-              <a:buFont typeface="Wingdings" charset="2"/>
-              <a:buChar char=""/>
-            </a:pPr>
-            <a:r>
-              <a:rPr b="0" lang="en-US" sz="2200" spc="-1" strike="noStrike">
-                <a:solidFill>
-                  <a:srgbClr val="ffffff"/>
-                </a:solidFill>
-                <a:latin typeface="Arial"/>
-              </a:rPr>
-              <a:t>Patrology (4 vol on Fathers)</a:t>
-            </a:r>
-            <a:endParaRPr b="0" lang="en-US" sz="2200" spc="-1" strike="noStrike">
-              <a:solidFill>
-                <a:srgbClr val="000000"/>
-              </a:solidFill>
-              <a:latin typeface="Arial"/>
-            </a:endParaRPr>
-          </a:p>
-          <a:p>
-            <a:pPr marL="216000" indent="-216000">
-              <a:lnSpc>
-                <a:spcPct val="100000"/>
-              </a:lnSpc>
-              <a:buClr>
-                <a:srgbClr val="ffffff"/>
-              </a:buClr>
-              <a:buSzPct val="45000"/>
-              <a:buFont typeface="Wingdings" charset="2"/>
-              <a:buChar char=""/>
-            </a:pPr>
-            <a:r>
-              <a:rPr b="0" lang="en-US" sz="2200" spc="-1" strike="noStrike">
-                <a:solidFill>
-                  <a:srgbClr val="ffffff"/>
-                </a:solidFill>
-                <a:latin typeface="Arial"/>
-              </a:rPr>
-              <a:t>The 33 Doctors of the Church, Rengers</a:t>
-            </a:r>
-            <a:endParaRPr b="0" lang="en-US" sz="2200" spc="-1" strike="noStrike">
-              <a:solidFill>
-                <a:srgbClr val="000000"/>
-              </a:solidFill>
-              <a:latin typeface="Arial"/>
-            </a:endParaRPr>
-          </a:p>
-          <a:p>
-            <a:pPr marL="216000" indent="-216000">
-              <a:lnSpc>
-                <a:spcPct val="100000"/>
-              </a:lnSpc>
-              <a:buClr>
-                <a:srgbClr val="ffffff"/>
-              </a:buClr>
-              <a:buSzPct val="45000"/>
-              <a:buFont typeface="Wingdings" charset="2"/>
-              <a:buChar char=""/>
-            </a:pPr>
-            <a:r>
-              <a:rPr b="0" lang="en-US" sz="2200" spc="-1" strike="noStrike">
-                <a:solidFill>
-                  <a:srgbClr val="ffffff"/>
-                </a:solidFill>
-                <a:latin typeface="Arial"/>
-              </a:rPr>
-              <a:t>Church History (Chadwick, Frend, Gonzalez</a:t>
-            </a:r>
-            <a:endParaRPr b="0" lang="en-US" sz="2200" spc="-1" strike="noStrike">
-              <a:solidFill>
-                <a:srgbClr val="000000"/>
-              </a:solidFill>
-              <a:latin typeface="Arial"/>
-            </a:endParaRPr>
-          </a:p>
-          <a:p>
-            <a:pPr marL="216000" indent="-216000">
-              <a:lnSpc>
-                <a:spcPct val="100000"/>
-              </a:lnSpc>
-              <a:buClr>
-                <a:srgbClr val="ffffff"/>
-              </a:buClr>
-              <a:buSzPct val="45000"/>
-              <a:buFont typeface="Wingdings" charset="2"/>
-              <a:buChar char=""/>
-            </a:pPr>
-            <a:r>
-              <a:rPr b="0" lang="en-US" sz="2200" spc="-1" strike="noStrike">
-                <a:solidFill>
-                  <a:srgbClr val="ffffff"/>
-                </a:solidFill>
-                <a:latin typeface="Arial"/>
-              </a:rPr>
-              <a:t>The Making of Modern German Christology, McGrath</a:t>
-            </a:r>
-            <a:endParaRPr b="0" lang="en-US" sz="2200" spc="-1" strike="noStrike">
-              <a:solidFill>
-                <a:srgbClr val="000000"/>
-              </a:solidFill>
-              <a:latin typeface="Arial"/>
-            </a:endParaRPr>
-          </a:p>
-          <a:p>
-            <a:pPr marL="216000" indent="-216000">
-              <a:lnSpc>
-                <a:spcPct val="100000"/>
-              </a:lnSpc>
-              <a:buClr>
-                <a:srgbClr val="ffffff"/>
-              </a:buClr>
-              <a:buSzPct val="45000"/>
-              <a:buFont typeface="Wingdings" charset="2"/>
-              <a:buChar char=""/>
-            </a:pPr>
-            <a:r>
-              <a:rPr b="0" lang="en-US" sz="2200" spc="-1" strike="noStrike">
-                <a:solidFill>
-                  <a:srgbClr val="ffffff"/>
-                </a:solidFill>
-                <a:latin typeface="Arial"/>
-              </a:rPr>
-              <a:t>Reading Guides in the NABRE Oxford Study Bible (Donald Senior)</a:t>
-            </a:r>
-            <a:endParaRPr b="0" lang="en-US" sz="2200" spc="-1" strike="noStrike">
-              <a:solidFill>
-                <a:srgbClr val="000000"/>
-              </a:solidFill>
-              <a:latin typeface="Arial"/>
-            </a:endParaRPr>
-          </a:p>
-          <a:p>
-            <a:pPr marL="216000" indent="-216000">
-              <a:lnSpc>
-                <a:spcPct val="100000"/>
-              </a:lnSpc>
-              <a:buClr>
-                <a:srgbClr val="ffffff"/>
-              </a:buClr>
-              <a:buSzPct val="45000"/>
-              <a:buFont typeface="Wingdings" charset="2"/>
-              <a:buChar char=""/>
-            </a:pPr>
-            <a:r>
-              <a:rPr b="0" lang="en-US" sz="2200" spc="-1" strike="noStrike">
-                <a:solidFill>
-                  <a:srgbClr val="ffffff"/>
-                </a:solidFill>
-                <a:latin typeface="Arial"/>
-                <a:ea typeface="Microsoft YaHei"/>
-              </a:rPr>
-              <a:t>Introductory articles NABRE Oxford Study Bible.</a:t>
-            </a:r>
-            <a:endParaRPr b="0" lang="en-US" sz="2200" spc="-1" strike="noStrike">
-              <a:solidFill>
-                <a:srgbClr val="000000"/>
-              </a:solidFill>
-              <a:latin typeface="Arial"/>
-            </a:endParaRPr>
-          </a:p>
-          <a:p>
-            <a:pPr marL="216000" indent="-216000">
-              <a:lnSpc>
-                <a:spcPct val="100000"/>
-              </a:lnSpc>
-              <a:buClr>
-                <a:srgbClr val="ffffff"/>
-              </a:buClr>
-              <a:buSzPct val="45000"/>
-              <a:buFont typeface="Wingdings" charset="2"/>
-              <a:buChar char=""/>
-            </a:pPr>
-            <a:r>
-              <a:rPr b="0" lang="en-US" sz="2200" spc="-1" strike="noStrike">
-                <a:solidFill>
-                  <a:srgbClr val="ffffff"/>
-                </a:solidFill>
-                <a:latin typeface="Arial"/>
-                <a:ea typeface="Microsoft YaHei"/>
-              </a:rPr>
-              <a:t>Pontifical Commision material</a:t>
-            </a:r>
-            <a:endParaRPr b="0" lang="en-US" sz="2200" spc="-1" strike="noStrike">
-              <a:solidFill>
-                <a:srgbClr val="000000"/>
-              </a:solidFill>
-              <a:latin typeface="Arial"/>
-            </a:endParaRPr>
-          </a:p>
-          <a:p>
-            <a:pPr marL="216000" indent="0">
-              <a:lnSpc>
-                <a:spcPct val="100000"/>
-              </a:lnSpc>
-              <a:buNone/>
-              <a:tabLst>
-                <a:tab algn="l" pos="0"/>
-              </a:tabLst>
-            </a:pPr>
-            <a:endParaRPr b="0" lang="en-US" sz="3200" spc="-1" strike="noStrike">
+              <a:rPr b="0" lang="en-US" sz="2100" spc="-1" strike="noStrike">
+                <a:solidFill>
+                  <a:srgbClr val="ffffff"/>
+                </a:solidFill>
+                <a:latin typeface="Arial"/>
+              </a:rPr>
+              <a:t>Abraham, Isaac, Jacob (“history starts”), determine from 1 Kings 6</a:t>
+            </a:r>
+            <a:endParaRPr b="0" lang="en-US" sz="2100" spc="-1" strike="noStrike">
+              <a:solidFill>
+                <a:srgbClr val="000000"/>
+              </a:solidFill>
+              <a:latin typeface="Arial"/>
+            </a:endParaRPr>
+          </a:p>
+          <a:p>
+            <a:pPr marL="216000" indent="-216000">
+              <a:lnSpc>
+                <a:spcPct val="100000"/>
+              </a:lnSpc>
+              <a:buClr>
+                <a:srgbClr val="ffffff"/>
+              </a:buClr>
+              <a:buSzPct val="45000"/>
+              <a:buFont typeface="Wingdings" charset="2"/>
+              <a:buChar char=""/>
+            </a:pPr>
+            <a:r>
+              <a:rPr b="0" lang="en-US" sz="2100" spc="-1" strike="noStrike">
+                <a:solidFill>
+                  <a:srgbClr val="ffffff"/>
+                </a:solidFill>
+                <a:latin typeface="Arial"/>
+              </a:rPr>
+              <a:t>Early and late dates of the Exodus</a:t>
+            </a:r>
+            <a:endParaRPr b="0" lang="en-US" sz="2100" spc="-1" strike="noStrike">
+              <a:solidFill>
+                <a:srgbClr val="000000"/>
+              </a:solidFill>
+              <a:latin typeface="Arial"/>
+            </a:endParaRPr>
+          </a:p>
+          <a:p>
+            <a:pPr marL="216000" indent="-216000">
+              <a:lnSpc>
+                <a:spcPct val="100000"/>
+              </a:lnSpc>
+              <a:buClr>
+                <a:srgbClr val="ffffff"/>
+              </a:buClr>
+              <a:buSzPct val="45000"/>
+              <a:buFont typeface="Wingdings" charset="2"/>
+              <a:buChar char=""/>
+            </a:pPr>
+            <a:r>
+              <a:rPr b="0" lang="en-US" sz="2100" spc="-1" strike="noStrike">
+                <a:solidFill>
+                  <a:srgbClr val="ffffff"/>
+                </a:solidFill>
+                <a:latin typeface="Arial"/>
+              </a:rPr>
+              <a:t>Reign of Saul, David, Solomon, completion of Solomon’s Temple</a:t>
+            </a:r>
+            <a:endParaRPr b="0" lang="en-US" sz="2100" spc="-1" strike="noStrike">
+              <a:solidFill>
+                <a:srgbClr val="000000"/>
+              </a:solidFill>
+              <a:latin typeface="Arial"/>
+            </a:endParaRPr>
+          </a:p>
+          <a:p>
+            <a:pPr marL="216000" indent="-216000">
+              <a:lnSpc>
+                <a:spcPct val="100000"/>
+              </a:lnSpc>
+              <a:buClr>
+                <a:srgbClr val="ffffff"/>
+              </a:buClr>
+              <a:buSzPct val="45000"/>
+              <a:buFont typeface="Wingdings" charset="2"/>
+              <a:buChar char=""/>
+            </a:pPr>
+            <a:r>
+              <a:rPr b="0" lang="en-US" sz="2100" spc="-1" strike="noStrike">
+                <a:solidFill>
+                  <a:srgbClr val="ffffff"/>
+                </a:solidFill>
+                <a:latin typeface="Arial"/>
+              </a:rPr>
+              <a:t>Divided Kingdom</a:t>
+            </a:r>
+            <a:endParaRPr b="0" lang="en-US" sz="2100" spc="-1" strike="noStrike">
+              <a:solidFill>
+                <a:srgbClr val="000000"/>
+              </a:solidFill>
+              <a:latin typeface="Arial"/>
+            </a:endParaRPr>
+          </a:p>
+          <a:p>
+            <a:pPr marL="216000" indent="-216000">
+              <a:lnSpc>
+                <a:spcPct val="100000"/>
+              </a:lnSpc>
+              <a:buClr>
+                <a:srgbClr val="ffffff"/>
+              </a:buClr>
+              <a:buSzPct val="45000"/>
+              <a:buFont typeface="Wingdings" charset="2"/>
+              <a:buChar char=""/>
+            </a:pPr>
+            <a:r>
+              <a:rPr b="0" lang="en-US" sz="2100" spc="-1" strike="noStrike">
+                <a:solidFill>
+                  <a:srgbClr val="ffffff"/>
+                </a:solidFill>
+                <a:latin typeface="Arial"/>
+              </a:rPr>
+              <a:t>Assyrian conquest of the Northern Kingdom</a:t>
+            </a:r>
+            <a:endParaRPr b="0" lang="en-US" sz="2100" spc="-1" strike="noStrike">
+              <a:solidFill>
+                <a:srgbClr val="000000"/>
+              </a:solidFill>
+              <a:latin typeface="Arial"/>
+            </a:endParaRPr>
+          </a:p>
+          <a:p>
+            <a:pPr marL="216000" indent="-216000">
+              <a:lnSpc>
+                <a:spcPct val="100000"/>
+              </a:lnSpc>
+              <a:buClr>
+                <a:srgbClr val="ffffff"/>
+              </a:buClr>
+              <a:buSzPct val="45000"/>
+              <a:buFont typeface="Wingdings" charset="2"/>
+              <a:buChar char=""/>
+            </a:pPr>
+            <a:r>
+              <a:rPr b="0" lang="en-US" sz="2100" spc="-1" strike="noStrike">
+                <a:solidFill>
+                  <a:srgbClr val="ffffff"/>
+                </a:solidFill>
+                <a:latin typeface="Arial"/>
+              </a:rPr>
+              <a:t>Battle of Carchamesh, power struggles between Assyria, Egypt, Babylon</a:t>
+            </a:r>
+            <a:endParaRPr b="0" lang="en-US" sz="2100" spc="-1" strike="noStrike">
+              <a:solidFill>
+                <a:srgbClr val="000000"/>
+              </a:solidFill>
+              <a:latin typeface="Arial"/>
+            </a:endParaRPr>
+          </a:p>
+          <a:p>
+            <a:pPr marL="216000" indent="-216000">
+              <a:lnSpc>
+                <a:spcPct val="100000"/>
+              </a:lnSpc>
+              <a:buClr>
+                <a:srgbClr val="ffffff"/>
+              </a:buClr>
+              <a:buSzPct val="45000"/>
+              <a:buFont typeface="Wingdings" charset="2"/>
+              <a:buChar char=""/>
+            </a:pPr>
+            <a:r>
+              <a:rPr b="0" lang="en-US" sz="2100" spc="-1" strike="noStrike">
+                <a:solidFill>
+                  <a:srgbClr val="ffffff"/>
+                </a:solidFill>
+                <a:latin typeface="Arial"/>
+              </a:rPr>
+              <a:t>Babylonian conquest, exile, destruction of Jerusalem and temple</a:t>
+            </a:r>
+            <a:endParaRPr b="0" lang="en-US" sz="2100" spc="-1" strike="noStrike">
+              <a:solidFill>
+                <a:srgbClr val="000000"/>
+              </a:solidFill>
+              <a:latin typeface="Arial"/>
+            </a:endParaRPr>
+          </a:p>
+          <a:p>
+            <a:pPr marL="216000" indent="-216000">
+              <a:lnSpc>
+                <a:spcPct val="100000"/>
+              </a:lnSpc>
+              <a:buClr>
+                <a:srgbClr val="ffffff"/>
+              </a:buClr>
+              <a:buSzPct val="45000"/>
+              <a:buFont typeface="Wingdings" charset="2"/>
+              <a:buChar char=""/>
+            </a:pPr>
+            <a:r>
+              <a:rPr b="0" lang="en-US" sz="2100" spc="-1" strike="noStrike">
+                <a:solidFill>
+                  <a:srgbClr val="ffffff"/>
+                </a:solidFill>
+                <a:latin typeface="Arial"/>
+              </a:rPr>
+              <a:t>Medo-Persian defeat of Babylon, the Decree of Cyrus to return</a:t>
+            </a:r>
+            <a:endParaRPr b="0" lang="en-US" sz="2100" spc="-1" strike="noStrike">
+              <a:solidFill>
+                <a:srgbClr val="000000"/>
+              </a:solidFill>
+              <a:latin typeface="Arial"/>
+            </a:endParaRPr>
+          </a:p>
+          <a:p>
+            <a:pPr marL="216000" indent="-216000">
+              <a:lnSpc>
+                <a:spcPct val="100000"/>
+              </a:lnSpc>
+              <a:buClr>
+                <a:srgbClr val="ffffff"/>
+              </a:buClr>
+              <a:buSzPct val="45000"/>
+              <a:buFont typeface="Wingdings" charset="2"/>
+              <a:buChar char=""/>
+            </a:pPr>
+            <a:r>
+              <a:rPr b="0" lang="en-US" sz="2100" spc="-1" strike="noStrike">
+                <a:solidFill>
+                  <a:srgbClr val="ffffff"/>
+                </a:solidFill>
+                <a:latin typeface="Arial"/>
+              </a:rPr>
+              <a:t>Times of Ezra and Nehemiah under Xerxes, Artaxerxes</a:t>
+            </a:r>
+            <a:endParaRPr b="0" lang="en-US" sz="2100" spc="-1" strike="noStrike">
+              <a:solidFill>
+                <a:srgbClr val="000000"/>
+              </a:solidFill>
+              <a:latin typeface="Arial"/>
+            </a:endParaRPr>
+          </a:p>
+          <a:p>
+            <a:pPr marL="216000" indent="-216000">
+              <a:lnSpc>
+                <a:spcPct val="100000"/>
+              </a:lnSpc>
+              <a:buClr>
+                <a:srgbClr val="ffffff"/>
+              </a:buClr>
+              <a:buSzPct val="45000"/>
+              <a:buFont typeface="Wingdings" charset="2"/>
+              <a:buChar char=""/>
+            </a:pPr>
+            <a:r>
+              <a:rPr b="0" lang="en-US" sz="2100" spc="-1" strike="noStrike">
+                <a:solidFill>
+                  <a:srgbClr val="ffffff"/>
+                </a:solidFill>
+                <a:latin typeface="Arial"/>
+              </a:rPr>
+              <a:t>Hellenization of Palestine, Alexander the Great</a:t>
+            </a:r>
+            <a:endParaRPr b="0" lang="en-US" sz="2100" spc="-1" strike="noStrike">
+              <a:solidFill>
+                <a:srgbClr val="000000"/>
+              </a:solidFill>
+              <a:latin typeface="Arial"/>
+            </a:endParaRPr>
+          </a:p>
+          <a:p>
+            <a:pPr marL="216000" indent="-216000">
+              <a:lnSpc>
+                <a:spcPct val="100000"/>
+              </a:lnSpc>
+              <a:buClr>
+                <a:srgbClr val="ffffff"/>
+              </a:buClr>
+              <a:buSzPct val="45000"/>
+              <a:buFont typeface="Wingdings" charset="2"/>
+              <a:buChar char=""/>
+            </a:pPr>
+            <a:r>
+              <a:rPr b="0" lang="en-US" sz="2100" spc="-1" strike="noStrike">
+                <a:solidFill>
+                  <a:srgbClr val="ffffff"/>
+                </a:solidFill>
+                <a:latin typeface="Arial"/>
+              </a:rPr>
+              <a:t>Antiochus Epiphanes, abomination of desolation, Maccabean revolt</a:t>
+            </a:r>
+            <a:endParaRPr b="0" lang="en-US" sz="2100" spc="-1" strike="noStrike">
+              <a:solidFill>
+                <a:srgbClr val="000000"/>
+              </a:solidFill>
+              <a:latin typeface="Arial"/>
+            </a:endParaRPr>
+          </a:p>
+          <a:p>
+            <a:pPr marL="216000" indent="-216000">
+              <a:lnSpc>
+                <a:spcPct val="100000"/>
+              </a:lnSpc>
+              <a:buClr>
+                <a:srgbClr val="ffffff"/>
+              </a:buClr>
+              <a:buSzPct val="45000"/>
+              <a:buFont typeface="Wingdings" charset="2"/>
+              <a:buChar char=""/>
+            </a:pPr>
+            <a:r>
+              <a:rPr b="0" lang="en-US" sz="2100" spc="-1" strike="noStrike">
+                <a:solidFill>
+                  <a:srgbClr val="ffffff"/>
+                </a:solidFill>
+                <a:latin typeface="Arial"/>
+              </a:rPr>
+              <a:t>Battle of Actium, Octavian (Caesar Augustus), Herod Antepater</a:t>
+            </a:r>
+            <a:endParaRPr b="0" lang="en-US" sz="2100" spc="-1" strike="noStrike">
+              <a:solidFill>
+                <a:srgbClr val="000000"/>
+              </a:solidFill>
+              <a:latin typeface="Arial"/>
+            </a:endParaRPr>
+          </a:p>
+          <a:p>
+            <a:pPr marL="216000" indent="-216000">
+              <a:lnSpc>
+                <a:spcPct val="100000"/>
+              </a:lnSpc>
+              <a:buClr>
+                <a:srgbClr val="ffffff"/>
+              </a:buClr>
+              <a:buSzPct val="45000"/>
+              <a:buFont typeface="Wingdings" charset="2"/>
+              <a:buChar char=""/>
+            </a:pPr>
+            <a:r>
+              <a:rPr b="0" lang="en-US" sz="2100" spc="-1" strike="noStrike">
+                <a:solidFill>
+                  <a:srgbClr val="ffffff"/>
+                </a:solidFill>
+                <a:latin typeface="Arial"/>
+              </a:rPr>
+              <a:t>Birth of Christ, death, Letters, Gospels</a:t>
+            </a:r>
+            <a:endParaRPr b="0" lang="en-US" sz="2100" spc="-1" strike="noStrike">
               <a:solidFill>
                 <a:srgbClr val="000000"/>
               </a:solidFill>

--- a/Mastery.pptx
+++ b/Mastery.pptx
@@ -16,6 +16,7 @@
     <p:sldId id="264" r:id="rId11"/>
     <p:sldId id="265" r:id="rId12"/>
     <p:sldId id="266" r:id="rId13"/>
+    <p:sldId id="267" r:id="rId14"/>
   </p:sldIdLst>
   <p:sldSz cx="10080625" cy="5670550"/>
   <p:notesSz cx="7772400" cy="10058400"/>
@@ -73,7 +74,7 @@
         <p:txBody>
           <a:bodyPr/>
           <a:p>
-            <a:fld id="{D9CE7A3B-F592-44E9-8D0C-0A0F5D8557E3}" type="slidenum">
+            <a:fld id="{DC9E7F72-0C31-4D2B-ACAF-911BD950271F}" type="slidenum">
               <a:t>&lt;#&gt;</a:t>
             </a:fld>
           </a:p>
@@ -282,7 +283,7 @@
         <p:txBody>
           <a:bodyPr/>
           <a:p>
-            <a:fld id="{7B494008-88B8-4EDF-B9D1-9C4BF61180EA}" type="slidenum">
+            <a:fld id="{C8552785-1462-43C9-B7B3-D4C140D6D3A8}" type="slidenum">
               <a:t>&lt;#&gt;</a:t>
             </a:fld>
           </a:p>
@@ -577,7 +578,7 @@
         <p:txBody>
           <a:bodyPr/>
           <a:p>
-            <a:fld id="{BB850EC5-545F-4806-B291-ECF4B85621A9}" type="slidenum">
+            <a:fld id="{26CE41DB-0131-478F-8824-F4991DA3A402}" type="slidenum">
               <a:t>&lt;#&gt;</a:t>
             </a:fld>
           </a:p>
@@ -958,7 +959,7 @@
         <p:txBody>
           <a:bodyPr/>
           <a:p>
-            <a:fld id="{2631FC2A-D7A9-40B7-8D8B-0BB44C25F914}" type="slidenum">
+            <a:fld id="{232F48F9-2557-4F78-BCF3-E44F80D6C1FD}" type="slidenum">
               <a:t>&lt;#&gt;</a:t>
             </a:fld>
           </a:p>
@@ -1121,7 +1122,7 @@
         <p:txBody>
           <a:bodyPr/>
           <a:p>
-            <a:fld id="{2E3F8288-0299-4F26-A80B-56883A6756EF}" type="slidenum">
+            <a:fld id="{21DD29B9-740C-443A-9A96-2D2F7467E101}" type="slidenum">
               <a:t>&lt;#&gt;</a:t>
             </a:fld>
           </a:p>
@@ -1287,7 +1288,7 @@
         <p:txBody>
           <a:bodyPr/>
           <a:p>
-            <a:fld id="{99043C5F-7DD6-4EAD-957D-E38DF8E77BEF}" type="slidenum">
+            <a:fld id="{6FF9348A-C9B0-45C4-BDDE-FED5F240DB67}" type="slidenum">
               <a:t>&lt;#&gt;</a:t>
             </a:fld>
           </a:p>
@@ -1496,7 +1497,7 @@
         <p:txBody>
           <a:bodyPr/>
           <a:p>
-            <a:fld id="{E531D4F7-C00A-499C-87FF-A14AF21456F4}" type="slidenum">
+            <a:fld id="{F6C82553-DC1B-46E4-9C1E-D4FDCE50A3F0}" type="slidenum">
               <a:t>&lt;#&gt;</a:t>
             </a:fld>
           </a:p>
@@ -1619,7 +1620,7 @@
         <p:txBody>
           <a:bodyPr/>
           <a:p>
-            <a:fld id="{3ADCC6DD-85F3-4B2D-B788-8C9D24B30990}" type="slidenum">
+            <a:fld id="{036B7C5D-63E0-4F06-9F99-8FC43C26E380}" type="slidenum">
               <a:t>&lt;#&gt;</a:t>
             </a:fld>
           </a:p>
@@ -1740,7 +1741,7 @@
         <p:txBody>
           <a:bodyPr/>
           <a:p>
-            <a:fld id="{E7901AFF-F979-4702-A840-8E6CFE2EFCF8}" type="slidenum">
+            <a:fld id="{9EB43274-7035-43C4-A7A2-BC372BB56E93}" type="slidenum">
               <a:t>&lt;#&gt;</a:t>
             </a:fld>
           </a:p>
@@ -1992,7 +1993,7 @@
         <p:txBody>
           <a:bodyPr/>
           <a:p>
-            <a:fld id="{89C3522F-796D-48A3-BEAF-9F4D6FDAD12B}" type="slidenum">
+            <a:fld id="{E21B5F13-0E07-45CC-BF48-1635BFDE380A}" type="slidenum">
               <a:t>&lt;#&gt;</a:t>
             </a:fld>
           </a:p>
@@ -2244,7 +2245,7 @@
         <p:txBody>
           <a:bodyPr/>
           <a:p>
-            <a:fld id="{B81BFC62-C5FE-480F-9DBF-71E107EE7679}" type="slidenum">
+            <a:fld id="{78D0DA88-0C0A-4089-9F78-DDB19A3AB62C}" type="slidenum">
               <a:t>&lt;#&gt;</a:t>
             </a:fld>
           </a:p>
@@ -2496,7 +2497,7 @@
         <p:txBody>
           <a:bodyPr/>
           <a:p>
-            <a:fld id="{ADAD25A5-D8F5-47D2-BE4C-A442F12D2B8E}" type="slidenum">
+            <a:fld id="{19911470-7481-4396-8D77-1DF5B7CD357F}" type="slidenum">
               <a:t>&lt;#&gt;</a:t>
             </a:fld>
           </a:p>
@@ -3200,7 +3201,7 @@
                 </a:solidFill>
                 <a:latin typeface="Arial"/>
               </a:rPr>
-              <a:t>&lt;footer&gt;</a:t>
+              <a:t> </a:t>
             </a:r>
             <a:endParaRPr b="0" lang="en-US" sz="1400" spc="-1" strike="noStrike">
               <a:solidFill>
@@ -3265,14 +3266,14 @@
                 <a:tab algn="l" pos="0"/>
               </a:tabLst>
             </a:pPr>
-            <a:fld id="{04238FAF-DF92-40E5-AB3D-E3059765B794}" type="slidenum">
+            <a:fld id="{7C0085EE-826F-47B9-BF84-06F2ECC6382F}" type="slidenum">
               <a:rPr b="0" lang="en-US" sz="1400" spc="-1" strike="noStrike">
                 <a:solidFill>
                   <a:srgbClr val="ffffff"/>
                 </a:solidFill>
                 <a:latin typeface="Arial"/>
               </a:rPr>
-              <a:t>&lt;number&gt;</a:t>
+              <a:t>2</a:t>
             </a:fld>
             <a:endParaRPr b="0" lang="en-US" sz="1400" spc="-1" strike="noStrike">
               <a:solidFill>
@@ -3332,7 +3333,7 @@
                 </a:solidFill>
                 <a:latin typeface="Times New Roman"/>
               </a:rPr>
-              <a:t>&lt;date/time&gt;</a:t>
+              <a:t> </a:t>
             </a:r>
             <a:endParaRPr b="0" lang="en-US" sz="1400" spc="-1" strike="noStrike">
               <a:solidFill>
@@ -3838,7 +3839,7 @@
                 </a:solidFill>
                 <a:latin typeface="Arial"/>
               </a:rPr>
-              <a:t>EVEN More!!! Distinctives of the Expert – Names and Dates</a:t>
+              <a:t>More Opinion!! Distinctives of the Expert - Dates</a:t>
             </a:r>
             <a:endParaRPr b="0" lang="en-US" sz="3300" spc="-1" strike="noStrike">
               <a:solidFill>
@@ -3895,7 +3896,7 @@
                 </a:solidFill>
                 <a:latin typeface="Arial"/>
               </a:rPr>
-              <a:t>From the “Beginnings” to the Council of Chalcedon</a:t>
+              <a:t>Abraham, Isaac, Jacob (“history starts”), determine from 1 Kings 6</a:t>
             </a:r>
             <a:endParaRPr b="0" lang="en-US" sz="2100" spc="-1" strike="noStrike">
               <a:solidFill>
@@ -3923,7 +3924,7 @@
                 </a:solidFill>
                 <a:latin typeface="Arial"/>
               </a:rPr>
-              <a:t>Apostolic Fathers, Greek apologists, early heresies</a:t>
+              <a:t>Early and late dates of the Exodus</a:t>
             </a:r>
             <a:endParaRPr b="0" lang="en-US" sz="2100" spc="-1" strike="noStrike">
               <a:solidFill>
@@ -3951,7 +3952,7 @@
                 </a:solidFill>
                 <a:latin typeface="Arial"/>
               </a:rPr>
-              <a:t>Alexandrian School, Western thought, Arian controversy after Nicea</a:t>
+              <a:t>Reign of Saul, David, Solomon, completion of Solomon’s Temple</a:t>
             </a:r>
             <a:endParaRPr b="0" lang="en-US" sz="2100" spc="-1" strike="noStrike">
               <a:solidFill>
@@ -3979,7 +3980,7 @@
                 </a:solidFill>
                 <a:latin typeface="Arial"/>
               </a:rPr>
-              <a:t>Athenasius, Cappadocians, Trinity doctrine of the West</a:t>
+              <a:t>Divided Kingdom</a:t>
             </a:r>
             <a:endParaRPr b="0" lang="en-US" sz="2100" spc="-1" strike="noStrike">
               <a:solidFill>
@@ -4006,9 +4007,8 @@
                   <a:srgbClr val="ffffff"/>
                 </a:solidFill>
                 <a:latin typeface="Arial"/>
-                <a:ea typeface="Microsoft YaHei"/>
-              </a:rPr>
-              <a:t>Christological, Nestorian controversies, Ephesus, Chalcedon</a:t>
+              </a:rPr>
+              <a:t>Assyrian conquest of the Northern Kingdom</a:t>
             </a:r>
             <a:endParaRPr b="0" lang="en-US" sz="2100" spc="-1" strike="noStrike">
               <a:solidFill>
@@ -4035,29 +4035,36 @@
                   <a:srgbClr val="ffffff"/>
                 </a:solidFill>
                 <a:latin typeface="Arial"/>
-                <a:ea typeface="Microsoft YaHei"/>
-              </a:rPr>
-              <a:t>Augustine, Carolingian Renaissance, Dark Age, 12</a:t>
-            </a:r>
-            <a:r>
-              <a:rPr b="0" lang="en-US" sz="2100" spc="-1" strike="noStrike" baseline="33000">
-                <a:solidFill>
-                  <a:srgbClr val="ffffff"/>
-                </a:solidFill>
-                <a:latin typeface="Arial"/>
-                <a:ea typeface="Microsoft YaHei"/>
-              </a:rPr>
-              <a:t>th</a:t>
-            </a:r>
+              </a:rPr>
+              <a:t>Battle of Carchamesh, power struggles between Assyria, Egypt, Babylon</a:t>
+            </a:r>
+            <a:endParaRPr b="0" lang="en-US" sz="2100" spc="-1" strike="noStrike">
+              <a:solidFill>
+                <a:srgbClr val="000000"/>
+              </a:solidFill>
+              <a:latin typeface="Arial"/>
+            </a:endParaRPr>
+          </a:p>
+          <a:p>
+            <a:pPr marL="216000" indent="-216000">
+              <a:lnSpc>
+                <a:spcPct val="100000"/>
+              </a:lnSpc>
+              <a:buClr>
+                <a:srgbClr val="ffffff"/>
+              </a:buClr>
+              <a:buSzPct val="45000"/>
+              <a:buFont typeface="Wingdings" charset="2"/>
+              <a:buChar char=""/>
+            </a:pPr>
             <a:r>
               <a:rPr b="0" lang="en-US" sz="2100" spc="-1" strike="noStrike">
                 <a:solidFill>
                   <a:srgbClr val="ffffff"/>
                 </a:solidFill>
                 <a:latin typeface="Arial"/>
-                <a:ea typeface="Microsoft YaHei"/>
-              </a:rPr>
-              <a:t> C., Crusades</a:t>
+              </a:rPr>
+              <a:t>Babylonian conquest, exile, destruction of Jerusalem and temple</a:t>
             </a:r>
             <a:endParaRPr b="0" lang="en-US" sz="2100" spc="-1" strike="noStrike">
               <a:solidFill>
@@ -4084,29 +4091,36 @@
                   <a:srgbClr val="ffffff"/>
                 </a:solidFill>
                 <a:latin typeface="Arial"/>
-                <a:ea typeface="Microsoft YaHei"/>
-              </a:rPr>
-              <a:t>13</a:t>
-            </a:r>
-            <a:r>
-              <a:rPr b="0" lang="en-US" sz="2100" spc="-1" strike="noStrike" baseline="33000">
-                <a:solidFill>
-                  <a:srgbClr val="ffffff"/>
-                </a:solidFill>
-                <a:latin typeface="Arial"/>
-                <a:ea typeface="Microsoft YaHei"/>
-              </a:rPr>
-              <a:t>th</a:t>
-            </a:r>
+              </a:rPr>
+              <a:t>Medo-Persian defeat of Babylon, the Decree of Cyrus to return</a:t>
+            </a:r>
+            <a:endParaRPr b="0" lang="en-US" sz="2100" spc="-1" strike="noStrike">
+              <a:solidFill>
+                <a:srgbClr val="000000"/>
+              </a:solidFill>
+              <a:latin typeface="Arial"/>
+            </a:endParaRPr>
+          </a:p>
+          <a:p>
+            <a:pPr marL="216000" indent="-216000">
+              <a:lnSpc>
+                <a:spcPct val="100000"/>
+              </a:lnSpc>
+              <a:buClr>
+                <a:srgbClr val="ffffff"/>
+              </a:buClr>
+              <a:buSzPct val="45000"/>
+              <a:buFont typeface="Wingdings" charset="2"/>
+              <a:buChar char=""/>
+            </a:pPr>
             <a:r>
               <a:rPr b="0" lang="en-US" sz="2100" spc="-1" strike="noStrike">
                 <a:solidFill>
                   <a:srgbClr val="ffffff"/>
                 </a:solidFill>
                 <a:latin typeface="Arial"/>
-                <a:ea typeface="Microsoft YaHei"/>
-              </a:rPr>
-              <a:t> C, Dominical School, Aristotelinaism, Fall of Constantinople</a:t>
+              </a:rPr>
+              <a:t>Times of Ezra and Nehemiah under Xerxes, Artaxerxes</a:t>
             </a:r>
             <a:endParaRPr b="0" lang="en-US" sz="2100" spc="-1" strike="noStrike">
               <a:solidFill>
@@ -4133,9 +4147,8 @@
                   <a:srgbClr val="ffffff"/>
                 </a:solidFill>
                 <a:latin typeface="Arial"/>
-                <a:ea typeface="Microsoft YaHei"/>
-              </a:rPr>
-              <a:t>Luther, Zwingli, Anabaptist, Calvin, Great Britain, counter-reformation</a:t>
+              </a:rPr>
+              <a:t>Hellenization of Palestine, Alexander the Great</a:t>
             </a:r>
             <a:endParaRPr b="0" lang="en-US" sz="2100" spc="-1" strike="noStrike">
               <a:solidFill>
@@ -4162,78 +4175,64 @@
                   <a:srgbClr val="ffffff"/>
                 </a:solidFill>
                 <a:latin typeface="Arial"/>
-                <a:ea typeface="Microsoft YaHei"/>
-              </a:rPr>
-              <a:t>Awakenings, piety, 19</a:t>
-            </a:r>
-            <a:r>
-              <a:rPr b="0" lang="en-US" sz="2100" spc="-1" strike="noStrike" baseline="33000">
-                <a:solidFill>
-                  <a:srgbClr val="ffffff"/>
-                </a:solidFill>
-                <a:latin typeface="Arial"/>
-                <a:ea typeface="Microsoft YaHei"/>
-              </a:rPr>
-              <a:t>th</a:t>
-            </a:r>
+              </a:rPr>
+              <a:t>Antiochus Epiphanes, abomination of desolation, Maccabean revolt</a:t>
+            </a:r>
+            <a:endParaRPr b="0" lang="en-US" sz="2100" spc="-1" strike="noStrike">
+              <a:solidFill>
+                <a:srgbClr val="000000"/>
+              </a:solidFill>
+              <a:latin typeface="Arial"/>
+            </a:endParaRPr>
+          </a:p>
+          <a:p>
+            <a:pPr marL="216000" indent="-216000">
+              <a:lnSpc>
+                <a:spcPct val="100000"/>
+              </a:lnSpc>
+              <a:buClr>
+                <a:srgbClr val="ffffff"/>
+              </a:buClr>
+              <a:buSzPct val="45000"/>
+              <a:buFont typeface="Wingdings" charset="2"/>
+              <a:buChar char=""/>
+            </a:pPr>
             <a:r>
               <a:rPr b="0" lang="en-US" sz="2100" spc="-1" strike="noStrike">
                 <a:solidFill>
                   <a:srgbClr val="ffffff"/>
                 </a:solidFill>
                 <a:latin typeface="Arial"/>
-                <a:ea typeface="Microsoft YaHei"/>
-              </a:rPr>
-              <a:t> C. Protestantism, Vat I, 20</a:t>
-            </a:r>
-            <a:r>
-              <a:rPr b="0" lang="en-US" sz="2100" spc="-1" strike="noStrike" baseline="33000">
-                <a:solidFill>
-                  <a:srgbClr val="ffffff"/>
-                </a:solidFill>
-                <a:latin typeface="Arial"/>
-                <a:ea typeface="Microsoft YaHei"/>
-              </a:rPr>
-              <a:t>th</a:t>
-            </a:r>
+              </a:rPr>
+              <a:t>Battle of Actium, Octavian (Caesar Augustus), Herod Antepater</a:t>
+            </a:r>
+            <a:endParaRPr b="0" lang="en-US" sz="2100" spc="-1" strike="noStrike">
+              <a:solidFill>
+                <a:srgbClr val="000000"/>
+              </a:solidFill>
+              <a:latin typeface="Arial"/>
+            </a:endParaRPr>
+          </a:p>
+          <a:p>
+            <a:pPr marL="216000" indent="-216000">
+              <a:lnSpc>
+                <a:spcPct val="100000"/>
+              </a:lnSpc>
+              <a:buClr>
+                <a:srgbClr val="ffffff"/>
+              </a:buClr>
+              <a:buSzPct val="45000"/>
+              <a:buFont typeface="Wingdings" charset="2"/>
+              <a:buChar char=""/>
+            </a:pPr>
             <a:r>
               <a:rPr b="0" lang="en-US" sz="2100" spc="-1" strike="noStrike">
                 <a:solidFill>
                   <a:srgbClr val="ffffff"/>
                 </a:solidFill>
                 <a:latin typeface="Arial"/>
-                <a:ea typeface="Microsoft YaHei"/>
-              </a:rPr>
-              <a:t> C. Vat II</a:t>
-            </a:r>
-            <a:endParaRPr b="0" lang="en-US" sz="2100" spc="-1" strike="noStrike">
-              <a:solidFill>
-                <a:srgbClr val="000000"/>
-              </a:solidFill>
-              <a:latin typeface="Arial"/>
-            </a:endParaRPr>
-          </a:p>
-          <a:p>
-            <a:pPr marL="216000" indent="-216000">
-              <a:lnSpc>
-                <a:spcPct val="100000"/>
-              </a:lnSpc>
-              <a:buClr>
-                <a:srgbClr val="ffffff"/>
-              </a:buClr>
-              <a:buSzPct val="45000"/>
-              <a:buFont typeface="Wingdings" charset="2"/>
-              <a:buChar char=""/>
-            </a:pPr>
-            <a:r>
-              <a:rPr b="0" lang="en-US" sz="2100" spc="-1" strike="noStrike">
-                <a:solidFill>
-                  <a:srgbClr val="ffffff"/>
-                </a:solidFill>
-                <a:latin typeface="Arial"/>
-                <a:ea typeface="Microsoft YaHei"/>
-              </a:rPr>
-              <a:t>JP II and the Cold War, New Evangelization.</a:t>
+              </a:rPr>
+              <a:t>Birth of Christ, death, Letters, Gospels</a:t>
             </a:r>
             <a:endParaRPr b="0" lang="en-US" sz="2100" spc="-1" strike="noStrike">
               <a:solidFill>
@@ -4335,6 +4334,503 @@
                 </a:solidFill>
                 <a:latin typeface="Arial"/>
               </a:rPr>
+              <a:t>EVEN More!!! Distinctives of the Expert – Names and Dates</a:t>
+            </a:r>
+            <a:endParaRPr b="0" lang="en-US" sz="3300" spc="-1" strike="noStrike">
+              <a:solidFill>
+                <a:srgbClr val="000000"/>
+              </a:solidFill>
+              <a:latin typeface="Arial"/>
+            </a:endParaRPr>
+          </a:p>
+        </p:txBody>
+      </p:sp>
+      <p:sp>
+        <p:nvSpPr>
+          <p:cNvPr id="74" name="PlaceHolder 2"/>
+          <p:cNvSpPr>
+            <a:spLocks noGrp="1"/>
+          </p:cNvSpPr>
+          <p:nvPr>
+            <p:ph type="subTitle"/>
+          </p:nvPr>
+        </p:nvSpPr>
+        <p:spPr>
+          <a:xfrm>
+            <a:off x="504000" y="1371600"/>
+            <a:ext cx="9066960" cy="4110120"/>
+          </a:xfrm>
+          <a:prstGeom prst="rect">
+            <a:avLst/>
+          </a:prstGeom>
+          <a:noFill/>
+          <a:ln w="0">
+            <a:noFill/>
+          </a:ln>
+        </p:spPr>
+        <p:txBody>
+          <a:bodyPr lIns="0" rIns="0" tIns="0" bIns="0" anchor="t">
+            <a:noAutofit/>
+          </a:bodyPr>
+          <a:p>
+            <a:pPr marL="216000" indent="-216000">
+              <a:lnSpc>
+                <a:spcPct val="100000"/>
+              </a:lnSpc>
+              <a:buClr>
+                <a:srgbClr val="ffffff"/>
+              </a:buClr>
+              <a:buSzPct val="45000"/>
+              <a:buFont typeface="Wingdings" charset="2"/>
+              <a:buChar char=""/>
+            </a:pPr>
+            <a:r>
+              <a:rPr b="0" lang="en-US" sz="2100" spc="-1" strike="noStrike">
+                <a:solidFill>
+                  <a:srgbClr val="ffffff"/>
+                </a:solidFill>
+                <a:latin typeface="Arial"/>
+              </a:rPr>
+              <a:t>From the “Beginnings” to the Council of Chalcedon</a:t>
+            </a:r>
+            <a:endParaRPr b="0" lang="en-US" sz="2100" spc="-1" strike="noStrike">
+              <a:solidFill>
+                <a:srgbClr val="000000"/>
+              </a:solidFill>
+              <a:latin typeface="Arial"/>
+            </a:endParaRPr>
+          </a:p>
+          <a:p>
+            <a:pPr marL="216000" indent="-216000">
+              <a:lnSpc>
+                <a:spcPct val="100000"/>
+              </a:lnSpc>
+              <a:buClr>
+                <a:srgbClr val="ffffff"/>
+              </a:buClr>
+              <a:buSzPct val="45000"/>
+              <a:buFont typeface="Wingdings" charset="2"/>
+              <a:buChar char=""/>
+            </a:pPr>
+            <a:r>
+              <a:rPr b="0" lang="en-US" sz="2100" spc="-1" strike="noStrike">
+                <a:solidFill>
+                  <a:srgbClr val="ffffff"/>
+                </a:solidFill>
+                <a:latin typeface="Arial"/>
+              </a:rPr>
+              <a:t>Apostolic Fathers, Greek apologists, early heresies</a:t>
+            </a:r>
+            <a:endParaRPr b="0" lang="en-US" sz="2100" spc="-1" strike="noStrike">
+              <a:solidFill>
+                <a:srgbClr val="000000"/>
+              </a:solidFill>
+              <a:latin typeface="Arial"/>
+            </a:endParaRPr>
+          </a:p>
+          <a:p>
+            <a:pPr marL="216000" indent="-216000">
+              <a:lnSpc>
+                <a:spcPct val="100000"/>
+              </a:lnSpc>
+              <a:buClr>
+                <a:srgbClr val="ffffff"/>
+              </a:buClr>
+              <a:buSzPct val="45000"/>
+              <a:buFont typeface="Wingdings" charset="2"/>
+              <a:buChar char=""/>
+            </a:pPr>
+            <a:r>
+              <a:rPr b="0" lang="en-US" sz="2100" spc="-1" strike="noStrike">
+                <a:solidFill>
+                  <a:srgbClr val="ffffff"/>
+                </a:solidFill>
+                <a:latin typeface="Arial"/>
+              </a:rPr>
+              <a:t>Alexandrian School, Western thought, Arian controversy after Nicea</a:t>
+            </a:r>
+            <a:endParaRPr b="0" lang="en-US" sz="2100" spc="-1" strike="noStrike">
+              <a:solidFill>
+                <a:srgbClr val="000000"/>
+              </a:solidFill>
+              <a:latin typeface="Arial"/>
+            </a:endParaRPr>
+          </a:p>
+          <a:p>
+            <a:pPr marL="216000" indent="-216000">
+              <a:lnSpc>
+                <a:spcPct val="100000"/>
+              </a:lnSpc>
+              <a:buClr>
+                <a:srgbClr val="ffffff"/>
+              </a:buClr>
+              <a:buSzPct val="45000"/>
+              <a:buFont typeface="Wingdings" charset="2"/>
+              <a:buChar char=""/>
+            </a:pPr>
+            <a:r>
+              <a:rPr b="0" lang="en-US" sz="2100" spc="-1" strike="noStrike">
+                <a:solidFill>
+                  <a:srgbClr val="ffffff"/>
+                </a:solidFill>
+                <a:latin typeface="Arial"/>
+              </a:rPr>
+              <a:t>Athenasius, Cappadocians, Trinity doctrine of the West</a:t>
+            </a:r>
+            <a:endParaRPr b="0" lang="en-US" sz="2100" spc="-1" strike="noStrike">
+              <a:solidFill>
+                <a:srgbClr val="000000"/>
+              </a:solidFill>
+              <a:latin typeface="Arial"/>
+            </a:endParaRPr>
+          </a:p>
+          <a:p>
+            <a:pPr marL="216000" indent="-216000">
+              <a:lnSpc>
+                <a:spcPct val="100000"/>
+              </a:lnSpc>
+              <a:buClr>
+                <a:srgbClr val="ffffff"/>
+              </a:buClr>
+              <a:buSzPct val="45000"/>
+              <a:buFont typeface="Wingdings" charset="2"/>
+              <a:buChar char=""/>
+            </a:pPr>
+            <a:r>
+              <a:rPr b="0" lang="en-US" sz="2100" spc="-1" strike="noStrike">
+                <a:solidFill>
+                  <a:srgbClr val="ffffff"/>
+                </a:solidFill>
+                <a:latin typeface="Arial"/>
+                <a:ea typeface="Microsoft YaHei"/>
+              </a:rPr>
+              <a:t>Christological, Nestorian controversies, Ephesus, Chalcedon</a:t>
+            </a:r>
+            <a:endParaRPr b="0" lang="en-US" sz="2100" spc="-1" strike="noStrike">
+              <a:solidFill>
+                <a:srgbClr val="000000"/>
+              </a:solidFill>
+              <a:latin typeface="Arial"/>
+            </a:endParaRPr>
+          </a:p>
+          <a:p>
+            <a:pPr marL="216000" indent="-216000">
+              <a:lnSpc>
+                <a:spcPct val="100000"/>
+              </a:lnSpc>
+              <a:buClr>
+                <a:srgbClr val="ffffff"/>
+              </a:buClr>
+              <a:buSzPct val="45000"/>
+              <a:buFont typeface="Wingdings" charset="2"/>
+              <a:buChar char=""/>
+            </a:pPr>
+            <a:r>
+              <a:rPr b="0" lang="en-US" sz="2100" spc="-1" strike="noStrike">
+                <a:solidFill>
+                  <a:srgbClr val="ffffff"/>
+                </a:solidFill>
+                <a:latin typeface="Arial"/>
+                <a:ea typeface="Microsoft YaHei"/>
+              </a:rPr>
+              <a:t>Augustine, Carolingian Renaissance, Dark Age, 12</a:t>
+            </a:r>
+            <a:r>
+              <a:rPr b="0" lang="en-US" sz="2100" spc="-1" strike="noStrike" baseline="33000">
+                <a:solidFill>
+                  <a:srgbClr val="ffffff"/>
+                </a:solidFill>
+                <a:latin typeface="Arial"/>
+                <a:ea typeface="Microsoft YaHei"/>
+              </a:rPr>
+              <a:t>th</a:t>
+            </a:r>
+            <a:r>
+              <a:rPr b="0" lang="en-US" sz="2100" spc="-1" strike="noStrike">
+                <a:solidFill>
+                  <a:srgbClr val="ffffff"/>
+                </a:solidFill>
+                <a:latin typeface="Arial"/>
+                <a:ea typeface="Microsoft YaHei"/>
+              </a:rPr>
+              <a:t> C., Crusades</a:t>
+            </a:r>
+            <a:endParaRPr b="0" lang="en-US" sz="2100" spc="-1" strike="noStrike">
+              <a:solidFill>
+                <a:srgbClr val="000000"/>
+              </a:solidFill>
+              <a:latin typeface="Arial"/>
+            </a:endParaRPr>
+          </a:p>
+          <a:p>
+            <a:pPr marL="216000" indent="-216000">
+              <a:lnSpc>
+                <a:spcPct val="100000"/>
+              </a:lnSpc>
+              <a:buClr>
+                <a:srgbClr val="ffffff"/>
+              </a:buClr>
+              <a:buSzPct val="45000"/>
+              <a:buFont typeface="Wingdings" charset="2"/>
+              <a:buChar char=""/>
+            </a:pPr>
+            <a:r>
+              <a:rPr b="0" lang="en-US" sz="2100" spc="-1" strike="noStrike">
+                <a:solidFill>
+                  <a:srgbClr val="ffffff"/>
+                </a:solidFill>
+                <a:latin typeface="Arial"/>
+                <a:ea typeface="Microsoft YaHei"/>
+              </a:rPr>
+              <a:t>13</a:t>
+            </a:r>
+            <a:r>
+              <a:rPr b="0" lang="en-US" sz="2100" spc="-1" strike="noStrike" baseline="33000">
+                <a:solidFill>
+                  <a:srgbClr val="ffffff"/>
+                </a:solidFill>
+                <a:latin typeface="Arial"/>
+                <a:ea typeface="Microsoft YaHei"/>
+              </a:rPr>
+              <a:t>th</a:t>
+            </a:r>
+            <a:r>
+              <a:rPr b="0" lang="en-US" sz="2100" spc="-1" strike="noStrike">
+                <a:solidFill>
+                  <a:srgbClr val="ffffff"/>
+                </a:solidFill>
+                <a:latin typeface="Arial"/>
+                <a:ea typeface="Microsoft YaHei"/>
+              </a:rPr>
+              <a:t> C, Dominical School, Aristotelinaism, Fall of Constantinople</a:t>
+            </a:r>
+            <a:endParaRPr b="0" lang="en-US" sz="2100" spc="-1" strike="noStrike">
+              <a:solidFill>
+                <a:srgbClr val="000000"/>
+              </a:solidFill>
+              <a:latin typeface="Arial"/>
+            </a:endParaRPr>
+          </a:p>
+          <a:p>
+            <a:pPr marL="216000" indent="-216000">
+              <a:lnSpc>
+                <a:spcPct val="100000"/>
+              </a:lnSpc>
+              <a:buClr>
+                <a:srgbClr val="ffffff"/>
+              </a:buClr>
+              <a:buSzPct val="45000"/>
+              <a:buFont typeface="Wingdings" charset="2"/>
+              <a:buChar char=""/>
+            </a:pPr>
+            <a:r>
+              <a:rPr b="0" lang="en-US" sz="2100" spc="-1" strike="noStrike">
+                <a:solidFill>
+                  <a:srgbClr val="ffffff"/>
+                </a:solidFill>
+                <a:latin typeface="Arial"/>
+                <a:ea typeface="Microsoft YaHei"/>
+              </a:rPr>
+              <a:t>Luther, Zwingli, Anabaptist, Calvin, Great Britain, counter-reformation</a:t>
+            </a:r>
+            <a:endParaRPr b="0" lang="en-US" sz="2100" spc="-1" strike="noStrike">
+              <a:solidFill>
+                <a:srgbClr val="000000"/>
+              </a:solidFill>
+              <a:latin typeface="Arial"/>
+            </a:endParaRPr>
+          </a:p>
+          <a:p>
+            <a:pPr marL="216000" indent="-216000">
+              <a:lnSpc>
+                <a:spcPct val="100000"/>
+              </a:lnSpc>
+              <a:buClr>
+                <a:srgbClr val="ffffff"/>
+              </a:buClr>
+              <a:buSzPct val="45000"/>
+              <a:buFont typeface="Wingdings" charset="2"/>
+              <a:buChar char=""/>
+            </a:pPr>
+            <a:r>
+              <a:rPr b="0" lang="en-US" sz="2100" spc="-1" strike="noStrike">
+                <a:solidFill>
+                  <a:srgbClr val="ffffff"/>
+                </a:solidFill>
+                <a:latin typeface="Arial"/>
+                <a:ea typeface="Microsoft YaHei"/>
+              </a:rPr>
+              <a:t>Awakenings, piety, 19</a:t>
+            </a:r>
+            <a:r>
+              <a:rPr b="0" lang="en-US" sz="2100" spc="-1" strike="noStrike" baseline="33000">
+                <a:solidFill>
+                  <a:srgbClr val="ffffff"/>
+                </a:solidFill>
+                <a:latin typeface="Arial"/>
+                <a:ea typeface="Microsoft YaHei"/>
+              </a:rPr>
+              <a:t>th</a:t>
+            </a:r>
+            <a:r>
+              <a:rPr b="0" lang="en-US" sz="2100" spc="-1" strike="noStrike">
+                <a:solidFill>
+                  <a:srgbClr val="ffffff"/>
+                </a:solidFill>
+                <a:latin typeface="Arial"/>
+                <a:ea typeface="Microsoft YaHei"/>
+              </a:rPr>
+              <a:t> C. Protestantism, Vat I, 20</a:t>
+            </a:r>
+            <a:r>
+              <a:rPr b="0" lang="en-US" sz="2100" spc="-1" strike="noStrike" baseline="33000">
+                <a:solidFill>
+                  <a:srgbClr val="ffffff"/>
+                </a:solidFill>
+                <a:latin typeface="Arial"/>
+                <a:ea typeface="Microsoft YaHei"/>
+              </a:rPr>
+              <a:t>th</a:t>
+            </a:r>
+            <a:r>
+              <a:rPr b="0" lang="en-US" sz="2100" spc="-1" strike="noStrike">
+                <a:solidFill>
+                  <a:srgbClr val="ffffff"/>
+                </a:solidFill>
+                <a:latin typeface="Arial"/>
+                <a:ea typeface="Microsoft YaHei"/>
+              </a:rPr>
+              <a:t> C. Vat II</a:t>
+            </a:r>
+            <a:endParaRPr b="0" lang="en-US" sz="2100" spc="-1" strike="noStrike">
+              <a:solidFill>
+                <a:srgbClr val="000000"/>
+              </a:solidFill>
+              <a:latin typeface="Arial"/>
+            </a:endParaRPr>
+          </a:p>
+          <a:p>
+            <a:pPr marL="216000" indent="-216000">
+              <a:lnSpc>
+                <a:spcPct val="100000"/>
+              </a:lnSpc>
+              <a:buClr>
+                <a:srgbClr val="ffffff"/>
+              </a:buClr>
+              <a:buSzPct val="45000"/>
+              <a:buFont typeface="Wingdings" charset="2"/>
+              <a:buChar char=""/>
+            </a:pPr>
+            <a:r>
+              <a:rPr b="0" lang="en-US" sz="2100" spc="-1" strike="noStrike">
+                <a:solidFill>
+                  <a:srgbClr val="ffffff"/>
+                </a:solidFill>
+                <a:latin typeface="Arial"/>
+                <a:ea typeface="Microsoft YaHei"/>
+              </a:rPr>
+              <a:t>JP II and the Cold War, New Evangelization.</a:t>
+            </a:r>
+            <a:endParaRPr b="0" lang="en-US" sz="2100" spc="-1" strike="noStrike">
+              <a:solidFill>
+                <a:srgbClr val="000000"/>
+              </a:solidFill>
+              <a:latin typeface="Arial"/>
+            </a:endParaRPr>
+          </a:p>
+          <a:p>
+            <a:pPr marL="216000" indent="0">
+              <a:lnSpc>
+                <a:spcPct val="100000"/>
+              </a:lnSpc>
+              <a:buNone/>
+              <a:tabLst>
+                <a:tab algn="l" pos="0"/>
+              </a:tabLst>
+            </a:pPr>
+            <a:endParaRPr b="0" lang="en-US" sz="3200" spc="-1" strike="noStrike">
+              <a:solidFill>
+                <a:srgbClr val="000000"/>
+              </a:solidFill>
+              <a:latin typeface="Arial"/>
+            </a:endParaRPr>
+          </a:p>
+        </p:txBody>
+      </p:sp>
+    </p:spTree>
+  </p:cSld>
+  <mc:AlternateContent>
+    <mc:Choice Requires="p14">
+      <p:transition spd="slow" p14:dur="2000"/>
+    </mc:Choice>
+    <mc:Fallback>
+      <p:transition spd="slow"/>
+    </mc:Fallback>
+  </mc:AlternateContent>
+</p:sld>
+</file>
+
+<file path=ppt/slides/slide12.xml><?xml version="1.0" encoding="utf-8"?>
+<p:sld xmlns:a="http://schemas.openxmlformats.org/drawingml/2006/main" xmlns:p="http://schemas.openxmlformats.org/presentationml/2006/main" xmlns:r="http://schemas.openxmlformats.org/officeDocument/2006/relationships" xmlns:p14="http://schemas.microsoft.com/office/powerpoint/2010/main" xmlns:p15="http://schemas.microsoft.com/office/powerpoint/2012/main" xmlns:mc="http://schemas.openxmlformats.org/markup-compatibility/2006">
+  <p:cSld>
+    <p:spTree>
+      <p:nvGrpSpPr>
+        <p:cNvPr id="1" name=""/>
+        <p:cNvGrpSpPr/>
+        <p:nvPr/>
+      </p:nvGrpSpPr>
+      <p:grpSpPr>
+        <a:xfrm>
+          <a:off x="0" y="0"/>
+          <a:ext cx="0" cy="0"/>
+          <a:chOff x="0" y="0"/>
+          <a:chExt cx="0" cy="0"/>
+        </a:xfrm>
+      </p:grpSpPr>
+      <p:sp>
+        <p:nvSpPr>
+          <p:cNvPr id="75" name="PlaceHolder 1"/>
+          <p:cNvSpPr>
+            <a:spLocks noGrp="1"/>
+          </p:cNvSpPr>
+          <p:nvPr>
+            <p:ph type="title"/>
+          </p:nvPr>
+        </p:nvSpPr>
+        <p:spPr>
+          <a:xfrm>
+            <a:off x="457200" y="228600"/>
+            <a:ext cx="9066960" cy="942120"/>
+          </a:xfrm>
+          <a:prstGeom prst="rect">
+            <a:avLst/>
+          </a:prstGeom>
+          <a:noFill/>
+          <a:ln w="0">
+            <a:noFill/>
+          </a:ln>
+        </p:spPr>
+        <p:txBody>
+          <a:bodyPr lIns="0" rIns="0" tIns="0" bIns="0" anchor="ctr">
+            <a:noAutofit/>
+          </a:bodyPr>
+          <a:p>
+            <a:pPr indent="0" algn="ctr">
+              <a:lnSpc>
+                <a:spcPct val="100000"/>
+              </a:lnSpc>
+              <a:buNone/>
+              <a:tabLst>
+                <a:tab algn="l" pos="0"/>
+              </a:tabLst>
+            </a:pPr>
+            <a:r>
+              <a:rPr b="0" lang="en-US" sz="3300" spc="-1" strike="noStrike">
+                <a:solidFill>
+                  <a:srgbClr val="ffffff"/>
+                </a:solidFill>
+                <a:latin typeface="Arial"/>
+              </a:rPr>
               <a:t>Additional Resources</a:t>
             </a:r>
             <a:endParaRPr b="0" lang="en-US" sz="3300" spc="-1" strike="noStrike">
@@ -4348,7 +4844,7 @@
       </p:sp>
       <p:sp>
         <p:nvSpPr>
-          <p:cNvPr id="74" name="PlaceHolder 2"/>
+          <p:cNvPr id="76" name="PlaceHolder 2"/>
           <p:cNvSpPr>
             <a:spLocks noGrp="1"/>
           </p:cNvSpPr>
@@ -5005,7 +5501,7 @@
                 </a:solidFill>
                 <a:latin typeface="Arial"/>
               </a:rPr>
-              <a:t>Study CCC indexes</a:t>
+              <a:t>Study CCC indexes using Logos Reading Plans (LRP)</a:t>
             </a:r>
             <a:endParaRPr b="0" lang="en-US" sz="2400" spc="-1" strike="noStrike">
               <a:solidFill>
@@ -5033,7 +5529,7 @@
                 </a:solidFill>
                 <a:latin typeface="Arial"/>
               </a:rPr>
-              <a:t>Study DS Systematic index</a:t>
+              <a:t>Study DS Systematic index using LRP</a:t>
             </a:r>
             <a:endParaRPr b="0" lang="en-US" sz="2400" spc="-1" strike="noStrike">
               <a:solidFill>
@@ -5585,7 +6081,7 @@
                 </a:solidFill>
                 <a:latin typeface="Arial"/>
               </a:rPr>
-              <a:t>Stretch Goal Scan Reading Plans</a:t>
+              <a:t>Example Daily Workflow</a:t>
             </a:r>
             <a:endParaRPr b="0" lang="en-US" sz="3300" spc="-1" strike="noStrike">
               <a:solidFill>
@@ -5636,325 +6132,239 @@
               <a:buChar char=""/>
             </a:pPr>
             <a:r>
-              <a:rPr b="0" lang="en-US" sz="2200" spc="-1" strike="noStrike">
-                <a:solidFill>
-                  <a:srgbClr val="ffffff"/>
-                </a:solidFill>
-                <a:latin typeface="Arial"/>
-              </a:rPr>
-              <a:t>Summas by Aquinas (or abridged versions)</a:t>
-            </a:r>
-            <a:endParaRPr b="0" lang="en-US" sz="2200" spc="-1" strike="noStrike">
-              <a:solidFill>
-                <a:srgbClr val="000000"/>
-              </a:solidFill>
-              <a:latin typeface="Arial"/>
-            </a:endParaRPr>
-          </a:p>
-          <a:p>
-            <a:pPr marL="216000" indent="-216000">
-              <a:lnSpc>
-                <a:spcPct val="100000"/>
-              </a:lnSpc>
-              <a:buClr>
-                <a:srgbClr val="ffffff"/>
-              </a:buClr>
-              <a:buSzPct val="45000"/>
-              <a:buFont typeface="Wingdings" charset="2"/>
-              <a:buChar char=""/>
-            </a:pPr>
-            <a:r>
-              <a:rPr b="0" lang="en-US" sz="2200" spc="-1" strike="noStrike">
-                <a:solidFill>
-                  <a:srgbClr val="ffffff"/>
-                </a:solidFill>
-                <a:latin typeface="Arial"/>
-              </a:rPr>
-              <a:t>Ludwig Ott, Foundations</a:t>
-            </a:r>
-            <a:endParaRPr b="0" lang="en-US" sz="2200" spc="-1" strike="noStrike">
-              <a:solidFill>
-                <a:srgbClr val="000000"/>
-              </a:solidFill>
-              <a:latin typeface="Arial"/>
-            </a:endParaRPr>
-          </a:p>
-          <a:p>
-            <a:pPr marL="216000" indent="-216000">
-              <a:lnSpc>
-                <a:spcPct val="100000"/>
-              </a:lnSpc>
-              <a:buClr>
-                <a:srgbClr val="ffffff"/>
-              </a:buClr>
-              <a:buSzPct val="45000"/>
-              <a:buFont typeface="Wingdings" charset="2"/>
-              <a:buChar char=""/>
-            </a:pPr>
-            <a:r>
-              <a:rPr b="0" lang="en-US" sz="2200" spc="-1" strike="noStrike">
-                <a:solidFill>
-                  <a:srgbClr val="ffffff"/>
-                </a:solidFill>
-                <a:latin typeface="Arial"/>
-              </a:rPr>
-              <a:t>Denzinger, Sources</a:t>
-            </a:r>
-            <a:endParaRPr b="0" lang="en-US" sz="2200" spc="-1" strike="noStrike">
-              <a:solidFill>
-                <a:srgbClr val="000000"/>
-              </a:solidFill>
-              <a:latin typeface="Arial"/>
-            </a:endParaRPr>
-          </a:p>
-          <a:p>
-            <a:pPr marL="216000" indent="-216000">
-              <a:lnSpc>
-                <a:spcPct val="100000"/>
-              </a:lnSpc>
-              <a:buClr>
-                <a:srgbClr val="ffffff"/>
-              </a:buClr>
-              <a:buSzPct val="45000"/>
-              <a:buFont typeface="Wingdings" charset="2"/>
-              <a:buChar char=""/>
-            </a:pPr>
-            <a:r>
-              <a:rPr b="0" lang="en-US" sz="2200" spc="-1" strike="noStrike">
-                <a:solidFill>
-                  <a:srgbClr val="ffffff"/>
-                </a:solidFill>
-                <a:latin typeface="Arial"/>
-              </a:rPr>
-              <a:t>Vatican II Documents</a:t>
-            </a:r>
-            <a:endParaRPr b="0" lang="en-US" sz="2200" spc="-1" strike="noStrike">
-              <a:solidFill>
-                <a:srgbClr val="000000"/>
-              </a:solidFill>
-              <a:latin typeface="Arial"/>
-            </a:endParaRPr>
-          </a:p>
-          <a:p>
-            <a:pPr marL="216000" indent="-216000">
-              <a:lnSpc>
-                <a:spcPct val="100000"/>
-              </a:lnSpc>
-              <a:buClr>
-                <a:srgbClr val="ffffff"/>
-              </a:buClr>
-              <a:buSzPct val="45000"/>
-              <a:buFont typeface="Wingdings" charset="2"/>
-              <a:buChar char=""/>
-            </a:pPr>
-            <a:r>
-              <a:rPr b="0" lang="en-US" sz="2200" spc="-1" strike="noStrike">
-                <a:solidFill>
-                  <a:srgbClr val="ffffff"/>
-                </a:solidFill>
-                <a:latin typeface="Arial"/>
-              </a:rPr>
-              <a:t>Encyclicals post Vat II</a:t>
-            </a:r>
-            <a:endParaRPr b="0" lang="en-US" sz="2200" spc="-1" strike="noStrike">
-              <a:solidFill>
-                <a:srgbClr val="000000"/>
-              </a:solidFill>
-              <a:latin typeface="Arial"/>
-            </a:endParaRPr>
-          </a:p>
-          <a:p>
-            <a:pPr marL="216000" indent="-216000">
-              <a:lnSpc>
-                <a:spcPct val="100000"/>
-              </a:lnSpc>
-              <a:buClr>
-                <a:srgbClr val="ffffff"/>
-              </a:buClr>
-              <a:buSzPct val="45000"/>
-              <a:buFont typeface="Wingdings" charset="2"/>
-              <a:buChar char=""/>
-            </a:pPr>
-            <a:r>
-              <a:rPr b="0" lang="en-US" sz="2200" spc="-1" strike="noStrike">
-                <a:solidFill>
-                  <a:srgbClr val="ffffff"/>
-                </a:solidFill>
-                <a:latin typeface="Arial"/>
-              </a:rPr>
-              <a:t>Patrology (4 vol on Fathers)</a:t>
-            </a:r>
-            <a:endParaRPr b="0" lang="en-US" sz="2200" spc="-1" strike="noStrike">
-              <a:solidFill>
-                <a:srgbClr val="000000"/>
-              </a:solidFill>
-              <a:latin typeface="Arial"/>
-            </a:endParaRPr>
-          </a:p>
-          <a:p>
-            <a:pPr marL="216000" indent="-216000">
-              <a:lnSpc>
-                <a:spcPct val="100000"/>
-              </a:lnSpc>
-              <a:buClr>
-                <a:srgbClr val="ffffff"/>
-              </a:buClr>
-              <a:buSzPct val="45000"/>
-              <a:buFont typeface="Wingdings" charset="2"/>
-              <a:buChar char=""/>
-            </a:pPr>
-            <a:r>
-              <a:rPr b="0" lang="en-US" sz="2200" spc="-1" strike="noStrike">
-                <a:solidFill>
-                  <a:srgbClr val="ffffff"/>
-                </a:solidFill>
-                <a:latin typeface="Arial"/>
-              </a:rPr>
-              <a:t>The 33 Doctors of the Church, Rengers</a:t>
-            </a:r>
-            <a:endParaRPr b="0" lang="en-US" sz="2200" spc="-1" strike="noStrike">
-              <a:solidFill>
-                <a:srgbClr val="000000"/>
-              </a:solidFill>
-              <a:latin typeface="Arial"/>
-            </a:endParaRPr>
-          </a:p>
-          <a:p>
-            <a:pPr marL="216000" indent="-216000">
-              <a:lnSpc>
-                <a:spcPct val="100000"/>
-              </a:lnSpc>
-              <a:buClr>
-                <a:srgbClr val="ffffff"/>
-              </a:buClr>
-              <a:buSzPct val="45000"/>
-              <a:buFont typeface="Wingdings" charset="2"/>
-              <a:buChar char=""/>
-            </a:pPr>
-            <a:r>
-              <a:rPr b="0" lang="en-US" sz="2200" spc="-1" strike="noStrike">
-                <a:solidFill>
-                  <a:srgbClr val="ffffff"/>
-                </a:solidFill>
-                <a:latin typeface="Arial"/>
-              </a:rPr>
-              <a:t>Church History (Chadwick, Frend, Gonzalez</a:t>
-            </a:r>
-            <a:endParaRPr b="0" lang="en-US" sz="2200" spc="-1" strike="noStrike">
-              <a:solidFill>
-                <a:srgbClr val="000000"/>
-              </a:solidFill>
-              <a:latin typeface="Arial"/>
-            </a:endParaRPr>
-          </a:p>
-          <a:p>
-            <a:pPr marL="216000" indent="-216000">
-              <a:lnSpc>
-                <a:spcPct val="100000"/>
-              </a:lnSpc>
-              <a:buClr>
-                <a:srgbClr val="ffffff"/>
-              </a:buClr>
-              <a:buSzPct val="45000"/>
-              <a:buFont typeface="Wingdings" charset="2"/>
-              <a:buChar char=""/>
-            </a:pPr>
-            <a:r>
-              <a:rPr b="0" lang="en-US" sz="2200" spc="-1" strike="noStrike">
-                <a:solidFill>
-                  <a:srgbClr val="ffffff"/>
-                </a:solidFill>
-                <a:latin typeface="Arial"/>
-              </a:rPr>
-              <a:t>The Making of Modern German Christology, McGrath</a:t>
-            </a:r>
-            <a:endParaRPr b="0" lang="en-US" sz="2200" spc="-1" strike="noStrike">
-              <a:solidFill>
-                <a:srgbClr val="000000"/>
-              </a:solidFill>
-              <a:latin typeface="Arial"/>
-            </a:endParaRPr>
-          </a:p>
-          <a:p>
-            <a:pPr marL="216000" indent="-216000">
-              <a:lnSpc>
-                <a:spcPct val="100000"/>
-              </a:lnSpc>
-              <a:buClr>
-                <a:srgbClr val="ffffff"/>
-              </a:buClr>
-              <a:buSzPct val="45000"/>
-              <a:buFont typeface="Wingdings" charset="2"/>
-              <a:buChar char=""/>
-            </a:pPr>
-            <a:r>
-              <a:rPr b="0" lang="en-US" sz="2200" spc="-1" strike="noStrike">
-                <a:solidFill>
-                  <a:srgbClr val="ffffff"/>
-                </a:solidFill>
-                <a:latin typeface="Arial"/>
-              </a:rPr>
-              <a:t>Reading Guides in the NABRE Oxford Study Bible (Donald Senior)</a:t>
-            </a:r>
-            <a:endParaRPr b="0" lang="en-US" sz="2200" spc="-1" strike="noStrike">
-              <a:solidFill>
-                <a:srgbClr val="000000"/>
-              </a:solidFill>
-              <a:latin typeface="Arial"/>
-            </a:endParaRPr>
-          </a:p>
-          <a:p>
-            <a:pPr marL="216000" indent="-216000">
-              <a:lnSpc>
-                <a:spcPct val="100000"/>
-              </a:lnSpc>
-              <a:buClr>
-                <a:srgbClr val="ffffff"/>
-              </a:buClr>
-              <a:buSzPct val="45000"/>
-              <a:buFont typeface="Wingdings" charset="2"/>
-              <a:buChar char=""/>
-            </a:pPr>
-            <a:r>
-              <a:rPr b="0" lang="en-US" sz="2200" spc="-1" strike="noStrike">
-                <a:solidFill>
-                  <a:srgbClr val="ffffff"/>
-                </a:solidFill>
-                <a:latin typeface="Arial"/>
-                <a:ea typeface="Microsoft YaHei"/>
-              </a:rPr>
-              <a:t>Introductory background articles NABRE Oxford Study Bible.</a:t>
-            </a:r>
-            <a:endParaRPr b="0" lang="en-US" sz="2200" spc="-1" strike="noStrike">
-              <a:solidFill>
-                <a:srgbClr val="000000"/>
-              </a:solidFill>
-              <a:latin typeface="Arial"/>
-            </a:endParaRPr>
-          </a:p>
-          <a:p>
-            <a:pPr marL="216000" indent="-216000">
-              <a:lnSpc>
-                <a:spcPct val="100000"/>
-              </a:lnSpc>
-              <a:buClr>
-                <a:srgbClr val="ffffff"/>
-              </a:buClr>
-              <a:buSzPct val="45000"/>
-              <a:buFont typeface="Wingdings" charset="2"/>
-              <a:buChar char=""/>
-            </a:pPr>
-            <a:r>
-              <a:rPr b="0" lang="en-US" sz="2200" spc="-1" strike="noStrike">
-                <a:solidFill>
-                  <a:srgbClr val="ffffff"/>
-                </a:solidFill>
-                <a:latin typeface="Arial"/>
-                <a:ea typeface="Microsoft YaHei"/>
-              </a:rPr>
-              <a:t>Pontifical Commision material</a:t>
-            </a:r>
-            <a:endParaRPr b="0" lang="en-US" sz="2200" spc="-1" strike="noStrike">
+              <a:rPr b="0" lang="en-US" sz="2400" spc="-1" strike="noStrike">
+                <a:solidFill>
+                  <a:srgbClr val="ffffff"/>
+                </a:solidFill>
+                <a:latin typeface="Arial"/>
+              </a:rPr>
+              <a:t>CCC and NABRE reading plan</a:t>
+            </a:r>
+            <a:endParaRPr b="0" lang="en-US" sz="2400" spc="-1" strike="noStrike">
+              <a:solidFill>
+                <a:srgbClr val="000000"/>
+              </a:solidFill>
+              <a:latin typeface="Arial"/>
+            </a:endParaRPr>
+          </a:p>
+          <a:p>
+            <a:pPr marL="216000" indent="-216000">
+              <a:lnSpc>
+                <a:spcPct val="100000"/>
+              </a:lnSpc>
+              <a:buClr>
+                <a:srgbClr val="ffffff"/>
+              </a:buClr>
+              <a:buSzPct val="45000"/>
+              <a:buFont typeface="Wingdings" charset="2"/>
+              <a:buChar char=""/>
+            </a:pPr>
+            <a:r>
+              <a:rPr b="0" lang="en-US" sz="2400" spc="-1" strike="noStrike">
+                <a:solidFill>
+                  <a:srgbClr val="ffffff"/>
+                </a:solidFill>
+                <a:latin typeface="Arial"/>
+              </a:rPr>
+              <a:t>NABRE Reading Guide and Glossary reading plans</a:t>
+            </a:r>
+            <a:endParaRPr b="0" lang="en-US" sz="2400" spc="-1" strike="noStrike">
+              <a:solidFill>
+                <a:srgbClr val="000000"/>
+              </a:solidFill>
+              <a:latin typeface="Arial"/>
+            </a:endParaRPr>
+          </a:p>
+          <a:p>
+            <a:pPr marL="216000" indent="-216000">
+              <a:lnSpc>
+                <a:spcPct val="100000"/>
+              </a:lnSpc>
+              <a:buClr>
+                <a:srgbClr val="ffffff"/>
+              </a:buClr>
+              <a:buSzPct val="45000"/>
+              <a:buFont typeface="Wingdings" charset="2"/>
+              <a:buChar char=""/>
+            </a:pPr>
+            <a:r>
+              <a:rPr b="0" lang="en-US" sz="2400" spc="-1" strike="noStrike">
+                <a:solidFill>
+                  <a:srgbClr val="ffffff"/>
+                </a:solidFill>
+                <a:latin typeface="Arial"/>
+              </a:rPr>
+              <a:t>CCC-Index reading plan</a:t>
+            </a:r>
+            <a:endParaRPr b="0" lang="en-US" sz="2400" spc="-1" strike="noStrike">
+              <a:solidFill>
+                <a:srgbClr val="000000"/>
+              </a:solidFill>
+              <a:latin typeface="Arial"/>
+            </a:endParaRPr>
+          </a:p>
+          <a:p>
+            <a:pPr lvl="1" marL="432000" indent="-216000">
+              <a:lnSpc>
+                <a:spcPct val="100000"/>
+              </a:lnSpc>
+              <a:buClr>
+                <a:srgbClr val="000000"/>
+              </a:buClr>
+              <a:buSzPct val="45000"/>
+              <a:buFont typeface="Wingdings" charset="2"/>
+              <a:buChar char=""/>
+            </a:pPr>
+            <a:r>
+              <a:rPr b="0" lang="en-US" sz="2400" spc="-1" strike="noStrike">
+                <a:solidFill>
+                  <a:srgbClr val="ffffff"/>
+                </a:solidFill>
+                <a:latin typeface="Arial"/>
+              </a:rPr>
+              <a:t>generate heading overviews as needed with CoPilot</a:t>
+            </a:r>
+            <a:endParaRPr b="0" lang="en-US" sz="2400" spc="-1" strike="noStrike">
+              <a:solidFill>
+                <a:srgbClr val="000000"/>
+              </a:solidFill>
+              <a:latin typeface="Arial"/>
+            </a:endParaRPr>
+          </a:p>
+          <a:p>
+            <a:pPr marL="216000" indent="-216000">
+              <a:lnSpc>
+                <a:spcPct val="100000"/>
+              </a:lnSpc>
+              <a:buClr>
+                <a:srgbClr val="ffffff"/>
+              </a:buClr>
+              <a:buSzPct val="45000"/>
+              <a:buFont typeface="Wingdings" charset="2"/>
+              <a:buChar char=""/>
+            </a:pPr>
+            <a:r>
+              <a:rPr b="0" lang="en-US" sz="2400" spc="-1" strike="noStrike">
+                <a:solidFill>
+                  <a:srgbClr val="ffffff"/>
+                </a:solidFill>
+                <a:latin typeface="Arial"/>
+              </a:rPr>
+              <a:t>Compendium LPB reading plan</a:t>
+            </a:r>
+            <a:endParaRPr b="0" lang="en-US" sz="2400" spc="-1" strike="noStrike">
+              <a:solidFill>
+                <a:srgbClr val="000000"/>
+              </a:solidFill>
+              <a:latin typeface="Arial"/>
+            </a:endParaRPr>
+          </a:p>
+          <a:p>
+            <a:pPr marL="216000" indent="-216000">
+              <a:lnSpc>
+                <a:spcPct val="100000"/>
+              </a:lnSpc>
+              <a:buClr>
+                <a:srgbClr val="ffffff"/>
+              </a:buClr>
+              <a:buSzPct val="45000"/>
+              <a:buFont typeface="Wingdings" charset="2"/>
+              <a:buChar char=""/>
+            </a:pPr>
+            <a:r>
+              <a:rPr b="0" lang="en-US" sz="2400" spc="-1" strike="noStrike">
+                <a:solidFill>
+                  <a:srgbClr val="ffffff"/>
+                </a:solidFill>
+                <a:latin typeface="Arial"/>
+              </a:rPr>
+              <a:t>Catechist program LPB reading plan</a:t>
+            </a:r>
+            <a:endParaRPr b="0" lang="en-US" sz="2400" spc="-1" strike="noStrike">
+              <a:solidFill>
+                <a:srgbClr val="000000"/>
+              </a:solidFill>
+              <a:latin typeface="Arial"/>
+            </a:endParaRPr>
+          </a:p>
+          <a:p>
+            <a:pPr marL="216000" indent="-216000">
+              <a:lnSpc>
+                <a:spcPct val="100000"/>
+              </a:lnSpc>
+              <a:buClr>
+                <a:srgbClr val="ffffff"/>
+              </a:buClr>
+              <a:buSzPct val="45000"/>
+              <a:buFont typeface="Wingdings" charset="2"/>
+              <a:buChar char=""/>
+            </a:pPr>
+            <a:r>
+              <a:rPr b="0" lang="en-US" sz="2400" spc="-1" strike="noStrike">
+                <a:solidFill>
+                  <a:srgbClr val="ffffff"/>
+                </a:solidFill>
+                <a:latin typeface="Arial"/>
+              </a:rPr>
+              <a:t>RE Standards Pre-K-8 Flashcards</a:t>
+            </a:r>
+            <a:endParaRPr b="0" lang="en-US" sz="2400" spc="-1" strike="noStrike">
+              <a:solidFill>
+                <a:srgbClr val="000000"/>
+              </a:solidFill>
+              <a:latin typeface="Arial"/>
+            </a:endParaRPr>
+          </a:p>
+          <a:p>
+            <a:pPr marL="216000" indent="-216000">
+              <a:lnSpc>
+                <a:spcPct val="100000"/>
+              </a:lnSpc>
+              <a:buClr>
+                <a:srgbClr val="ffffff"/>
+              </a:buClr>
+              <a:buSzPct val="45000"/>
+              <a:buFont typeface="Wingdings" charset="2"/>
+              <a:buChar char=""/>
+            </a:pPr>
+            <a:r>
+              <a:rPr b="0" lang="en-US" sz="2400" spc="-1" strike="noStrike">
+                <a:solidFill>
+                  <a:srgbClr val="ffffff"/>
+                </a:solidFill>
+                <a:latin typeface="Arial"/>
+              </a:rPr>
+              <a:t>RE Standards reading plan </a:t>
+            </a:r>
+            <a:endParaRPr b="0" lang="en-US" sz="2400" spc="-1" strike="noStrike">
+              <a:solidFill>
+                <a:srgbClr val="000000"/>
+              </a:solidFill>
+              <a:latin typeface="Arial"/>
+            </a:endParaRPr>
+          </a:p>
+          <a:p>
+            <a:pPr marL="216000" indent="-216000">
+              <a:lnSpc>
+                <a:spcPct val="100000"/>
+              </a:lnSpc>
+              <a:buClr>
+                <a:srgbClr val="ffffff"/>
+              </a:buClr>
+              <a:buSzPct val="45000"/>
+              <a:buFont typeface="Wingdings" charset="2"/>
+              <a:buChar char=""/>
+            </a:pPr>
+            <a:r>
+              <a:rPr b="0" lang="en-US" sz="2400" spc="-1" strike="noStrike">
+                <a:solidFill>
+                  <a:srgbClr val="ffffff"/>
+                </a:solidFill>
+                <a:latin typeface="Arial"/>
+              </a:rPr>
+              <a:t>DS Systematic Index one page per day, use bookmark</a:t>
+            </a:r>
+            <a:endParaRPr b="0" lang="en-US" sz="2400" spc="-1" strike="noStrike">
               <a:solidFill>
                 <a:srgbClr val="000000"/>
               </a:solidFill>
@@ -5967,9 +6377,20 @@
                 <a:spcPct val="100000"/>
               </a:lnSpc>
               <a:buNone/>
-              <a:tabLst>
-                <a:tab algn="l" pos="0"/>
-              </a:tabLst>
+            </a:pPr>
+            <a:endParaRPr b="0" lang="en-US" sz="2400" spc="-1" strike="noStrike">
+              <a:solidFill>
+                <a:srgbClr val="000000"/>
+              </a:solidFill>
+              <a:latin typeface="Arial"/>
+            </a:endParaRPr>
+          </a:p>
+          <a:p>
+            <a:pPr marL="216000" indent="0">
+              <a:lnSpc>
+                <a:spcPct val="100000"/>
+              </a:lnSpc>
+              <a:buNone/>
             </a:pPr>
             <a:endParaRPr b="0" lang="en-US" sz="3200" spc="-1" strike="noStrike">
               <a:solidFill>
@@ -6071,7 +6492,7 @@
                 </a:solidFill>
                 <a:latin typeface="Arial"/>
               </a:rPr>
-              <a:t>Logos Packages + Workshop?</a:t>
+              <a:t>Stretch Goal Scan Reading Plans</a:t>
             </a:r>
             <a:endParaRPr b="0" lang="en-US" sz="3300" spc="-1" strike="noStrike">
               <a:solidFill>
@@ -6122,43 +6543,325 @@
               <a:buChar char=""/>
             </a:pPr>
             <a:r>
-              <a:rPr b="0" lang="en-US" sz="3200" spc="-1" strike="noStrike">
-                <a:solidFill>
-                  <a:srgbClr val="ffffff"/>
-                </a:solidFill>
-                <a:latin typeface="Arial"/>
-              </a:rPr>
-              <a:t>https://www.logos.com/product/18543/catechism-of-the-catholic-church-collection </a:t>
-            </a:r>
-            <a:endParaRPr b="0" lang="en-US" sz="3200" spc="-1" strike="noStrike">
-              <a:solidFill>
-                <a:srgbClr val="000000"/>
-              </a:solidFill>
-              <a:latin typeface="Arial"/>
-            </a:endParaRPr>
-          </a:p>
-          <a:p>
-            <a:pPr lvl="1" marL="432000" indent="-216000">
-              <a:lnSpc>
-                <a:spcPct val="100000"/>
-              </a:lnSpc>
-              <a:buClr>
-                <a:srgbClr val="000000"/>
-              </a:buClr>
-              <a:buSzPct val="45000"/>
-              <a:buFont typeface="Wingdings" charset="2"/>
-              <a:buChar char=""/>
-            </a:pPr>
-            <a:r>
-              <a:rPr b="0" lang="en-US" sz="3200" spc="-1" strike="noStrike">
-                <a:solidFill>
-                  <a:srgbClr val="ffffff"/>
-                </a:solidFill>
-                <a:latin typeface="Arial"/>
-              </a:rPr>
-              <a:t>$49</a:t>
-            </a:r>
-            <a:endParaRPr b="0" lang="en-US" sz="3200" spc="-1" strike="noStrike">
+              <a:rPr b="0" lang="en-US" sz="2200" spc="-1" strike="noStrike">
+                <a:solidFill>
+                  <a:srgbClr val="ffffff"/>
+                </a:solidFill>
+                <a:latin typeface="Arial"/>
+              </a:rPr>
+              <a:t>Summas by Aquinas (or abridged versions)</a:t>
+            </a:r>
+            <a:endParaRPr b="0" lang="en-US" sz="2200" spc="-1" strike="noStrike">
+              <a:solidFill>
+                <a:srgbClr val="000000"/>
+              </a:solidFill>
+              <a:latin typeface="Arial"/>
+            </a:endParaRPr>
+          </a:p>
+          <a:p>
+            <a:pPr marL="216000" indent="-216000">
+              <a:lnSpc>
+                <a:spcPct val="100000"/>
+              </a:lnSpc>
+              <a:buClr>
+                <a:srgbClr val="ffffff"/>
+              </a:buClr>
+              <a:buSzPct val="45000"/>
+              <a:buFont typeface="Wingdings" charset="2"/>
+              <a:buChar char=""/>
+            </a:pPr>
+            <a:r>
+              <a:rPr b="0" lang="en-US" sz="2200" spc="-1" strike="noStrike">
+                <a:solidFill>
+                  <a:srgbClr val="ffffff"/>
+                </a:solidFill>
+                <a:latin typeface="Arial"/>
+              </a:rPr>
+              <a:t>Ludwig Ott, Foundations</a:t>
+            </a:r>
+            <a:endParaRPr b="0" lang="en-US" sz="2200" spc="-1" strike="noStrike">
+              <a:solidFill>
+                <a:srgbClr val="000000"/>
+              </a:solidFill>
+              <a:latin typeface="Arial"/>
+            </a:endParaRPr>
+          </a:p>
+          <a:p>
+            <a:pPr marL="216000" indent="-216000">
+              <a:lnSpc>
+                <a:spcPct val="100000"/>
+              </a:lnSpc>
+              <a:buClr>
+                <a:srgbClr val="ffffff"/>
+              </a:buClr>
+              <a:buSzPct val="45000"/>
+              <a:buFont typeface="Wingdings" charset="2"/>
+              <a:buChar char=""/>
+            </a:pPr>
+            <a:r>
+              <a:rPr b="0" lang="en-US" sz="2200" spc="-1" strike="noStrike">
+                <a:solidFill>
+                  <a:srgbClr val="ffffff"/>
+                </a:solidFill>
+                <a:latin typeface="Arial"/>
+              </a:rPr>
+              <a:t>Denzinger, Sources</a:t>
+            </a:r>
+            <a:endParaRPr b="0" lang="en-US" sz="2200" spc="-1" strike="noStrike">
+              <a:solidFill>
+                <a:srgbClr val="000000"/>
+              </a:solidFill>
+              <a:latin typeface="Arial"/>
+            </a:endParaRPr>
+          </a:p>
+          <a:p>
+            <a:pPr marL="216000" indent="-216000">
+              <a:lnSpc>
+                <a:spcPct val="100000"/>
+              </a:lnSpc>
+              <a:buClr>
+                <a:srgbClr val="ffffff"/>
+              </a:buClr>
+              <a:buSzPct val="45000"/>
+              <a:buFont typeface="Wingdings" charset="2"/>
+              <a:buChar char=""/>
+            </a:pPr>
+            <a:r>
+              <a:rPr b="0" lang="en-US" sz="2200" spc="-1" strike="noStrike">
+                <a:solidFill>
+                  <a:srgbClr val="ffffff"/>
+                </a:solidFill>
+                <a:latin typeface="Arial"/>
+              </a:rPr>
+              <a:t>Vatican II Documents</a:t>
+            </a:r>
+            <a:endParaRPr b="0" lang="en-US" sz="2200" spc="-1" strike="noStrike">
+              <a:solidFill>
+                <a:srgbClr val="000000"/>
+              </a:solidFill>
+              <a:latin typeface="Arial"/>
+            </a:endParaRPr>
+          </a:p>
+          <a:p>
+            <a:pPr marL="216000" indent="-216000">
+              <a:lnSpc>
+                <a:spcPct val="100000"/>
+              </a:lnSpc>
+              <a:buClr>
+                <a:srgbClr val="ffffff"/>
+              </a:buClr>
+              <a:buSzPct val="45000"/>
+              <a:buFont typeface="Wingdings" charset="2"/>
+              <a:buChar char=""/>
+            </a:pPr>
+            <a:r>
+              <a:rPr b="0" lang="en-US" sz="2200" spc="-1" strike="noStrike">
+                <a:solidFill>
+                  <a:srgbClr val="ffffff"/>
+                </a:solidFill>
+                <a:latin typeface="Arial"/>
+              </a:rPr>
+              <a:t>Encyclicals post Vat II</a:t>
+            </a:r>
+            <a:endParaRPr b="0" lang="en-US" sz="2200" spc="-1" strike="noStrike">
+              <a:solidFill>
+                <a:srgbClr val="000000"/>
+              </a:solidFill>
+              <a:latin typeface="Arial"/>
+            </a:endParaRPr>
+          </a:p>
+          <a:p>
+            <a:pPr marL="216000" indent="-216000">
+              <a:lnSpc>
+                <a:spcPct val="100000"/>
+              </a:lnSpc>
+              <a:buClr>
+                <a:srgbClr val="ffffff"/>
+              </a:buClr>
+              <a:buSzPct val="45000"/>
+              <a:buFont typeface="Wingdings" charset="2"/>
+              <a:buChar char=""/>
+            </a:pPr>
+            <a:r>
+              <a:rPr b="0" lang="en-US" sz="2200" spc="-1" strike="noStrike">
+                <a:solidFill>
+                  <a:srgbClr val="ffffff"/>
+                </a:solidFill>
+                <a:latin typeface="Arial"/>
+              </a:rPr>
+              <a:t>Patrology (4 vol on Fathers)</a:t>
+            </a:r>
+            <a:endParaRPr b="0" lang="en-US" sz="2200" spc="-1" strike="noStrike">
+              <a:solidFill>
+                <a:srgbClr val="000000"/>
+              </a:solidFill>
+              <a:latin typeface="Arial"/>
+            </a:endParaRPr>
+          </a:p>
+          <a:p>
+            <a:pPr marL="216000" indent="-216000">
+              <a:lnSpc>
+                <a:spcPct val="100000"/>
+              </a:lnSpc>
+              <a:buClr>
+                <a:srgbClr val="ffffff"/>
+              </a:buClr>
+              <a:buSzPct val="45000"/>
+              <a:buFont typeface="Wingdings" charset="2"/>
+              <a:buChar char=""/>
+            </a:pPr>
+            <a:r>
+              <a:rPr b="0" lang="en-US" sz="2200" spc="-1" strike="noStrike">
+                <a:solidFill>
+                  <a:srgbClr val="ffffff"/>
+                </a:solidFill>
+                <a:latin typeface="Arial"/>
+              </a:rPr>
+              <a:t>The 33 Doctors of the Church, Rengers</a:t>
+            </a:r>
+            <a:endParaRPr b="0" lang="en-US" sz="2200" spc="-1" strike="noStrike">
+              <a:solidFill>
+                <a:srgbClr val="000000"/>
+              </a:solidFill>
+              <a:latin typeface="Arial"/>
+            </a:endParaRPr>
+          </a:p>
+          <a:p>
+            <a:pPr marL="216000" indent="-216000">
+              <a:lnSpc>
+                <a:spcPct val="100000"/>
+              </a:lnSpc>
+              <a:buClr>
+                <a:srgbClr val="ffffff"/>
+              </a:buClr>
+              <a:buSzPct val="45000"/>
+              <a:buFont typeface="Wingdings" charset="2"/>
+              <a:buChar char=""/>
+            </a:pPr>
+            <a:r>
+              <a:rPr b="0" lang="en-US" sz="2200" spc="-1" strike="noStrike">
+                <a:solidFill>
+                  <a:srgbClr val="ffffff"/>
+                </a:solidFill>
+                <a:latin typeface="Arial"/>
+              </a:rPr>
+              <a:t>Church History (Chadwick, Frend, Gonzalez</a:t>
+            </a:r>
+            <a:endParaRPr b="0" lang="en-US" sz="2200" spc="-1" strike="noStrike">
+              <a:solidFill>
+                <a:srgbClr val="000000"/>
+              </a:solidFill>
+              <a:latin typeface="Arial"/>
+            </a:endParaRPr>
+          </a:p>
+          <a:p>
+            <a:pPr marL="216000" indent="-216000">
+              <a:lnSpc>
+                <a:spcPct val="100000"/>
+              </a:lnSpc>
+              <a:buClr>
+                <a:srgbClr val="ffffff"/>
+              </a:buClr>
+              <a:buSzPct val="45000"/>
+              <a:buFont typeface="Wingdings" charset="2"/>
+              <a:buChar char=""/>
+            </a:pPr>
+            <a:r>
+              <a:rPr b="0" lang="en-US" sz="2200" spc="-1" strike="noStrike">
+                <a:solidFill>
+                  <a:srgbClr val="ffffff"/>
+                </a:solidFill>
+                <a:latin typeface="Arial"/>
+              </a:rPr>
+              <a:t>The Making of Modern German Christology, McGrath</a:t>
+            </a:r>
+            <a:endParaRPr b="0" lang="en-US" sz="2200" spc="-1" strike="noStrike">
+              <a:solidFill>
+                <a:srgbClr val="000000"/>
+              </a:solidFill>
+              <a:latin typeface="Arial"/>
+            </a:endParaRPr>
+          </a:p>
+          <a:p>
+            <a:pPr marL="216000" indent="-216000">
+              <a:lnSpc>
+                <a:spcPct val="100000"/>
+              </a:lnSpc>
+              <a:buClr>
+                <a:srgbClr val="ffffff"/>
+              </a:buClr>
+              <a:buSzPct val="45000"/>
+              <a:buFont typeface="Wingdings" charset="2"/>
+              <a:buChar char=""/>
+            </a:pPr>
+            <a:r>
+              <a:rPr b="0" lang="en-US" sz="2200" spc="-1" strike="noStrike">
+                <a:solidFill>
+                  <a:srgbClr val="ffffff"/>
+                </a:solidFill>
+                <a:latin typeface="Arial"/>
+              </a:rPr>
+              <a:t>Reading Guides in the NABRE Oxford Study Bible (Donald Senior)</a:t>
+            </a:r>
+            <a:endParaRPr b="0" lang="en-US" sz="2200" spc="-1" strike="noStrike">
+              <a:solidFill>
+                <a:srgbClr val="000000"/>
+              </a:solidFill>
+              <a:latin typeface="Arial"/>
+            </a:endParaRPr>
+          </a:p>
+          <a:p>
+            <a:pPr marL="216000" indent="-216000">
+              <a:lnSpc>
+                <a:spcPct val="100000"/>
+              </a:lnSpc>
+              <a:buClr>
+                <a:srgbClr val="ffffff"/>
+              </a:buClr>
+              <a:buSzPct val="45000"/>
+              <a:buFont typeface="Wingdings" charset="2"/>
+              <a:buChar char=""/>
+            </a:pPr>
+            <a:r>
+              <a:rPr b="0" lang="en-US" sz="2200" spc="-1" strike="noStrike">
+                <a:solidFill>
+                  <a:srgbClr val="ffffff"/>
+                </a:solidFill>
+                <a:latin typeface="Arial"/>
+                <a:ea typeface="Microsoft YaHei"/>
+              </a:rPr>
+              <a:t>Introductory background articles NABRE Oxford Study Bible.</a:t>
+            </a:r>
+            <a:endParaRPr b="0" lang="en-US" sz="2200" spc="-1" strike="noStrike">
+              <a:solidFill>
+                <a:srgbClr val="000000"/>
+              </a:solidFill>
+              <a:latin typeface="Arial"/>
+            </a:endParaRPr>
+          </a:p>
+          <a:p>
+            <a:pPr marL="216000" indent="-216000">
+              <a:lnSpc>
+                <a:spcPct val="100000"/>
+              </a:lnSpc>
+              <a:buClr>
+                <a:srgbClr val="ffffff"/>
+              </a:buClr>
+              <a:buSzPct val="45000"/>
+              <a:buFont typeface="Wingdings" charset="2"/>
+              <a:buChar char=""/>
+            </a:pPr>
+            <a:r>
+              <a:rPr b="0" lang="en-US" sz="2200" spc="-1" strike="noStrike">
+                <a:solidFill>
+                  <a:srgbClr val="ffffff"/>
+                </a:solidFill>
+                <a:latin typeface="Arial"/>
+                <a:ea typeface="Microsoft YaHei"/>
+              </a:rPr>
+              <a:t>Pontifical Commision material</a:t>
+            </a:r>
+            <a:endParaRPr b="0" lang="en-US" sz="2200" spc="-1" strike="noStrike">
               <a:solidFill>
                 <a:srgbClr val="000000"/>
               </a:solidFill>
@@ -6167,85 +6870,6 @@
           </a:p>
           <a:p>
             <a:pPr marL="216000" indent="0">
-              <a:lnSpc>
-                <a:spcPct val="100000"/>
-              </a:lnSpc>
-              <a:buNone/>
-              <a:tabLst>
-                <a:tab algn="l" pos="0"/>
-              </a:tabLst>
-            </a:pPr>
-            <a:endParaRPr b="0" lang="en-US" sz="3200" spc="-1" strike="noStrike">
-              <a:solidFill>
-                <a:srgbClr val="000000"/>
-              </a:solidFill>
-              <a:latin typeface="Arial"/>
-            </a:endParaRPr>
-          </a:p>
-          <a:p>
-            <a:pPr marL="216000" indent="-216000">
-              <a:lnSpc>
-                <a:spcPct val="100000"/>
-              </a:lnSpc>
-              <a:buClr>
-                <a:srgbClr val="ffffff"/>
-              </a:buClr>
-              <a:buSzPct val="45000"/>
-              <a:buFont typeface="Wingdings" charset="2"/>
-              <a:buChar char=""/>
-              <a:tabLst>
-                <a:tab algn="l" pos="0"/>
-              </a:tabLst>
-            </a:pPr>
-            <a:r>
-              <a:rPr b="0" lang="en-US" sz="3200" spc="-1" strike="noStrike">
-                <a:solidFill>
-                  <a:srgbClr val="ffffff"/>
-                </a:solidFill>
-                <a:latin typeface="Arial"/>
-              </a:rPr>
-              <a:t>https://www.logos.com/product/241746/verbum-10-preaching-suite   </a:t>
-            </a:r>
-            <a:endParaRPr b="0" lang="en-US" sz="3200" spc="-1" strike="noStrike">
-              <a:solidFill>
-                <a:srgbClr val="000000"/>
-              </a:solidFill>
-              <a:latin typeface="Arial"/>
-            </a:endParaRPr>
-          </a:p>
-          <a:p>
-            <a:pPr lvl="1" marL="432000" indent="-216000">
-              <a:lnSpc>
-                <a:spcPct val="100000"/>
-              </a:lnSpc>
-              <a:buClr>
-                <a:srgbClr val="000000"/>
-              </a:buClr>
-              <a:buSzPct val="45000"/>
-              <a:buFont typeface="Wingdings" charset="2"/>
-              <a:buChar char=""/>
-              <a:tabLst>
-                <a:tab algn="l" pos="0"/>
-              </a:tabLst>
-            </a:pPr>
-            <a:r>
-              <a:rPr b="0" lang="en-US" sz="3200" spc="-1" strike="noStrike">
-                <a:solidFill>
-                  <a:srgbClr val="ffffff"/>
-                </a:solidFill>
-                <a:latin typeface="Arial"/>
-              </a:rPr>
-              <a:t>$399</a:t>
-            </a:r>
-            <a:endParaRPr b="0" lang="en-US" sz="3200" spc="-1" strike="noStrike">
-              <a:solidFill>
-                <a:srgbClr val="000000"/>
-              </a:solidFill>
-              <a:latin typeface="Arial"/>
-            </a:endParaRPr>
-          </a:p>
-          <a:p>
-            <a:pPr marL="432000" indent="0">
               <a:lnSpc>
                 <a:spcPct val="100000"/>
               </a:lnSpc>
@@ -6354,7 +6978,7 @@
                 </a:solidFill>
                 <a:latin typeface="Arial"/>
               </a:rPr>
-              <a:t>Open Source Project?</a:t>
+              <a:t>Logos Packages + Workshop?</a:t>
             </a:r>
             <a:endParaRPr b="0" lang="en-US" sz="3300" spc="-1" strike="noStrike">
               <a:solidFill>
@@ -6405,14 +7029,13 @@
               <a:buChar char=""/>
             </a:pPr>
             <a:r>
-              <a:rPr b="0" lang="en-US" sz="3200" spc="-1" strike="noStrike" u="sng">
-                <a:solidFill>
-                  <a:srgbClr val="0000ee"/>
-                </a:solidFill>
-                <a:uFillTx/>
-                <a:latin typeface="Arial"/>
-              </a:rPr>
-              <a:t>https://github.com/stevemac321/Catechist</a:t>
+              <a:rPr b="0" lang="en-US" sz="3200" spc="-1" strike="noStrike">
+                <a:solidFill>
+                  <a:srgbClr val="ffffff"/>
+                </a:solidFill>
+                <a:latin typeface="Arial"/>
+              </a:rPr>
+              <a:t>https://www.logos.com/product/18543/catechism-of-the-catholic-church-collection </a:t>
             </a:r>
             <a:endParaRPr b="0" lang="en-US" sz="3200" spc="-1" strike="noStrike">
               <a:solidFill>
@@ -6422,87 +7045,25 @@
             </a:endParaRPr>
           </a:p>
           <a:p>
-            <a:pPr marL="216000" indent="-216000">
-              <a:lnSpc>
-                <a:spcPct val="100000"/>
-              </a:lnSpc>
-              <a:buClr>
-                <a:srgbClr val="ffffff"/>
-              </a:buClr>
-              <a:buSzPct val="45000"/>
-              <a:buFont typeface="Wingdings" charset="2"/>
-              <a:buChar char=""/>
-            </a:pPr>
-            <a:r>
-              <a:rPr b="0" lang="en-US" sz="3200" spc="-1" strike="noStrike" u="sng">
-                <a:solidFill>
-                  <a:srgbClr val="0000ee"/>
-                </a:solidFill>
-                <a:uFillTx/>
-                <a:latin typeface="Arial"/>
-                <a:hlinkClick r:id="rId1"/>
-              </a:rPr>
-              <a:t>https://apps.ankiweb.net/</a:t>
-            </a:r>
-            <a:endParaRPr b="0" lang="en-US" sz="3200" spc="-1" strike="noStrike">
-              <a:solidFill>
-                <a:srgbClr val="000000"/>
-              </a:solidFill>
-              <a:latin typeface="Arial"/>
-            </a:endParaRPr>
-          </a:p>
-          <a:p>
-            <a:pPr marL="216000" indent="-216000">
-              <a:lnSpc>
-                <a:spcPct val="100000"/>
-              </a:lnSpc>
-              <a:buClr>
-                <a:srgbClr val="ffffff"/>
-              </a:buClr>
-              <a:buSzPct val="45000"/>
-              <a:buFont typeface="Wingdings" charset="2"/>
-              <a:buChar char=""/>
-            </a:pPr>
-            <a:r>
-              <a:rPr b="0" lang="en-US" sz="3200" spc="-1" strike="noStrike" u="sng">
-                <a:solidFill>
-                  <a:srgbClr val="0000ee"/>
-                </a:solidFill>
-                <a:uFillTx/>
-                <a:latin typeface="Arial"/>
-                <a:hlinkClick r:id="rId2"/>
-              </a:rPr>
-              <a:t>https://www.logos.com/</a:t>
-            </a:r>
-            <a:endParaRPr b="0" lang="en-US" sz="3200" spc="-1" strike="noStrike">
-              <a:solidFill>
-                <a:srgbClr val="000000"/>
-              </a:solidFill>
-              <a:latin typeface="Arial"/>
-            </a:endParaRPr>
-          </a:p>
-          <a:p>
-            <a:pPr marL="216000" indent="-216000">
-              <a:lnSpc>
-                <a:spcPct val="100000"/>
-              </a:lnSpc>
-              <a:buClr>
-                <a:srgbClr val="ffffff"/>
-              </a:buClr>
-              <a:buSzPct val="45000"/>
-              <a:buFont typeface="Wingdings" charset="2"/>
-              <a:buChar char=""/>
-            </a:pPr>
-            <a:r>
-              <a:rPr b="0" lang="en-US" sz="3200" spc="-1" strike="noStrike" u="sng">
-                <a:solidFill>
-                  <a:srgbClr val="0000ee"/>
-                </a:solidFill>
-                <a:uFillTx/>
-                <a:latin typeface="Arial"/>
-                <a:hlinkClick r:id="rId3"/>
-              </a:rPr>
-              <a:t>https://e-sword.net/</a:t>
+            <a:pPr lvl="1" marL="432000" indent="-216000">
+              <a:lnSpc>
+                <a:spcPct val="100000"/>
+              </a:lnSpc>
+              <a:buClr>
+                <a:srgbClr val="000000"/>
+              </a:buClr>
+              <a:buSzPct val="45000"/>
+              <a:buFont typeface="Wingdings" charset="2"/>
+              <a:buChar char=""/>
+            </a:pPr>
+            <a:r>
+              <a:rPr b="0" lang="en-US" sz="3200" spc="-1" strike="noStrike">
+                <a:solidFill>
+                  <a:srgbClr val="ffffff"/>
+                </a:solidFill>
+                <a:latin typeface="Arial"/>
+              </a:rPr>
+              <a:t>$49</a:t>
             </a:r>
             <a:endParaRPr b="0" lang="en-US" sz="3200" spc="-1" strike="noStrike">
               <a:solidFill>
@@ -6521,6 +7082,28 @@
                 <a:tab algn="l" pos="0"/>
               </a:tabLst>
             </a:pPr>
+            <a:endParaRPr b="0" lang="en-US" sz="3200" spc="-1" strike="noStrike">
+              <a:solidFill>
+                <a:srgbClr val="000000"/>
+              </a:solidFill>
+              <a:latin typeface="Arial"/>
+            </a:endParaRPr>
+          </a:p>
+          <a:p>
+            <a:pPr marL="216000" indent="-216000">
+              <a:lnSpc>
+                <a:spcPct val="100000"/>
+              </a:lnSpc>
+              <a:buClr>
+                <a:srgbClr val="ffffff"/>
+              </a:buClr>
+              <a:buSzPct val="45000"/>
+              <a:buFont typeface="Wingdings" charset="2"/>
+              <a:buChar char=""/>
+              <a:tabLst>
+                <a:tab algn="l" pos="0"/>
+              </a:tabLst>
+            </a:pPr>
             <a:r>
               <a:rPr b="0" lang="en-US" sz="3200" spc="-1" strike="noStrike">
                 <a:solidFill>
@@ -6528,7 +7111,38 @@
                 </a:solidFill>
                 <a:latin typeface="Arial"/>
               </a:rPr>
-              <a:t> </a:t>
+              <a:t>https://www.logos.com/product/241746/verbum-10-preaching-suite   </a:t>
+            </a:r>
+            <a:endParaRPr b="0" lang="en-US" sz="3200" spc="-1" strike="noStrike">
+              <a:solidFill>
+                <a:srgbClr val="000000"/>
+              </a:solidFill>
+              <a:latin typeface="Arial"/>
+            </a:endParaRPr>
+          </a:p>
+          <a:p>
+            <a:pPr lvl="1" marL="432000" indent="-216000">
+              <a:lnSpc>
+                <a:spcPct val="100000"/>
+              </a:lnSpc>
+              <a:buClr>
+                <a:srgbClr val="000000"/>
+              </a:buClr>
+              <a:buSzPct val="45000"/>
+              <a:buFont typeface="Wingdings" charset="2"/>
+              <a:buChar char=""/>
+              <a:tabLst>
+                <a:tab algn="l" pos="0"/>
+              </a:tabLst>
+            </a:pPr>
+            <a:r>
+              <a:rPr b="0" lang="en-US" sz="3200" spc="-1" strike="noStrike">
+                <a:solidFill>
+                  <a:srgbClr val="ffffff"/>
+                </a:solidFill>
+                <a:latin typeface="Arial"/>
+              </a:rPr>
+              <a:t>$399</a:t>
             </a:r>
             <a:endParaRPr b="0" lang="en-US" sz="3200" spc="-1" strike="noStrike">
               <a:solidFill>
@@ -6647,7 +7261,7 @@
                 </a:solidFill>
                 <a:latin typeface="Arial"/>
               </a:rPr>
-              <a:t>My Channels</a:t>
+              <a:t>Open Source Project?</a:t>
             </a:r>
             <a:endParaRPr b="0" lang="en-US" sz="3300" spc="-1" strike="noStrike">
               <a:solidFill>
@@ -6686,23 +7300,26 @@
             <a:noAutofit/>
           </a:bodyPr>
           <a:p>
-            <a:pPr marL="216000" indent="0">
-              <a:lnSpc>
-                <a:spcPct val="100000"/>
-              </a:lnSpc>
-              <a:buNone/>
-              <a:tabLst>
-                <a:tab algn="l" pos="0"/>
-              </a:tabLst>
-            </a:pPr>
-            <a:r>
-              <a:rPr b="0" lang="en-US" sz="3200" spc="-1" strike="noStrike">
-                <a:solidFill>
-                  <a:srgbClr val="ffffff"/>
-                </a:solidFill>
-                <a:latin typeface="Arial"/>
-              </a:rPr>
-              <a:t>12 Part Series on Textual Criticism:</a:t>
+            <a:pPr marL="216000" indent="-216000">
+              <a:lnSpc>
+                <a:spcPct val="100000"/>
+              </a:lnSpc>
+              <a:buClr>
+                <a:srgbClr val="ffffff"/>
+              </a:buClr>
+              <a:buSzPct val="45000"/>
+              <a:buFont typeface="Wingdings" charset="2"/>
+              <a:buChar char=""/>
+            </a:pPr>
+            <a:r>
+              <a:rPr b="0" lang="en-US" sz="3200" spc="-1" strike="noStrike" u="sng">
+                <a:solidFill>
+                  <a:srgbClr val="0000ee"/>
+                </a:solidFill>
+                <a:uFillTx/>
+                <a:latin typeface="Arial"/>
+              </a:rPr>
+              <a:t>https://github.com/stevemac321/Catechist</a:t>
             </a:r>
             <a:endParaRPr b="0" lang="en-US" sz="3200" spc="-1" strike="noStrike">
               <a:solidFill>
@@ -6722,9 +7339,6 @@
               <a:buSzPct val="45000"/>
               <a:buFont typeface="Wingdings" charset="2"/>
               <a:buChar char=""/>
-              <a:tabLst>
-                <a:tab algn="l" pos="0"/>
-              </a:tabLst>
             </a:pPr>
             <a:r>
               <a:rPr b="0" lang="en-US" sz="3200" spc="-1" strike="noStrike" u="sng">
@@ -6735,7 +7349,7 @@
                 <a:latin typeface="Arial"/>
                 <a:hlinkClick r:id="rId1"/>
               </a:rPr>
-              <a:t>https://www.youtube.com/@deepdivebiblestudy</a:t>
+              <a:t>https://apps.ankiweb.net/</a:t>
             </a:r>
             <a:endParaRPr b="0" lang="en-US" sz="3200" spc="-1" strike="noStrike">
               <a:solidFill>
@@ -6755,9 +7369,6 @@
               <a:buSzPct val="45000"/>
               <a:buFont typeface="Wingdings" charset="2"/>
               <a:buChar char=""/>
-              <a:tabLst>
-                <a:tab algn="l" pos="0"/>
-              </a:tabLst>
             </a:pPr>
             <a:r>
               <a:rPr b="0" lang="en-US" sz="3200" spc="-1" strike="noStrike" u="sng">
@@ -6768,7 +7379,37 @@
                 <a:latin typeface="Arial"/>
                 <a:hlinkClick r:id="rId2"/>
               </a:rPr>
-              <a:t>https://www.youtube.com/@stephenmackenzie6782</a:t>
+              <a:t>https://www.logos.com/</a:t>
+            </a:r>
+            <a:endParaRPr b="0" lang="en-US" sz="3200" spc="-1" strike="noStrike">
+              <a:solidFill>
+                <a:srgbClr val="000000"/>
+              </a:solidFill>
+              <a:latin typeface="Arial"/>
+            </a:endParaRPr>
+          </a:p>
+          <a:p>
+            <a:pPr marL="216000" indent="-216000">
+              <a:lnSpc>
+                <a:spcPct val="100000"/>
+              </a:lnSpc>
+              <a:buClr>
+                <a:srgbClr val="ffffff"/>
+              </a:buClr>
+              <a:buSzPct val="45000"/>
+              <a:buFont typeface="Wingdings" charset="2"/>
+              <a:buChar char=""/>
+            </a:pPr>
+            <a:r>
+              <a:rPr b="0" lang="en-US" sz="3200" spc="-1" strike="noStrike" u="sng">
+                <a:solidFill>
+                  <a:srgbClr val="0000ee"/>
+                </a:solidFill>
+                <a:uFillTx/>
+                <a:latin typeface="Arial"/>
+                <a:hlinkClick r:id="rId3"/>
+              </a:rPr>
+              <a:t>https://e-sword.net/</a:t>
             </a:r>
             <a:endParaRPr b="0" lang="en-US" sz="3200" spc="-1" strike="noStrike">
               <a:solidFill>
@@ -6913,7 +7554,7 @@
                 </a:solidFill>
                 <a:latin typeface="Arial"/>
               </a:rPr>
-              <a:t>My Opinion!!! Distinctives of the Expert Catechist</a:t>
+              <a:t>My Channels</a:t>
             </a:r>
             <a:endParaRPr b="0" lang="en-US" sz="3300" spc="-1" strike="noStrike">
               <a:solidFill>
@@ -6952,324 +7593,134 @@
             <a:noAutofit/>
           </a:bodyPr>
           <a:p>
-            <a:pPr marL="216000" indent="-216000">
-              <a:lnSpc>
-                <a:spcPct val="100000"/>
-              </a:lnSpc>
-              <a:buClr>
-                <a:srgbClr val="ffffff"/>
-              </a:buClr>
-              <a:buSzPct val="45000"/>
-              <a:buFont typeface="Wingdings" charset="2"/>
-              <a:buChar char=""/>
-            </a:pPr>
-            <a:r>
-              <a:rPr b="0" lang="en-US" sz="2100" spc="-1" strike="noStrike">
-                <a:solidFill>
-                  <a:srgbClr val="ffffff"/>
-                </a:solidFill>
-                <a:latin typeface="Arial"/>
-              </a:rPr>
-              <a:t>RE Standards is a good start</a:t>
-            </a:r>
-            <a:endParaRPr b="0" lang="en-US" sz="2100" spc="-1" strike="noStrike">
-              <a:solidFill>
-                <a:srgbClr val="000000"/>
-              </a:solidFill>
-              <a:latin typeface="Arial"/>
-            </a:endParaRPr>
-          </a:p>
-          <a:p>
-            <a:pPr marL="216000" indent="-216000">
-              <a:lnSpc>
-                <a:spcPct val="100000"/>
-              </a:lnSpc>
-              <a:buClr>
-                <a:srgbClr val="ffffff"/>
-              </a:buClr>
-              <a:buSzPct val="45000"/>
-              <a:buFont typeface="Wingdings" charset="2"/>
-              <a:buChar char=""/>
-            </a:pPr>
-            <a:r>
-              <a:rPr b="0" lang="en-US" sz="2100" spc="-1" strike="noStrike">
-                <a:solidFill>
-                  <a:srgbClr val="ffffff"/>
-                </a:solidFill>
-                <a:latin typeface="Arial"/>
-              </a:rPr>
-              <a:t>Knows where to find things, bible, CCC, DS, able to read commentaries</a:t>
-            </a:r>
-            <a:endParaRPr b="0" lang="en-US" sz="2100" spc="-1" strike="noStrike">
-              <a:solidFill>
-                <a:srgbClr val="000000"/>
-              </a:solidFill>
-              <a:latin typeface="Arial"/>
-            </a:endParaRPr>
-          </a:p>
-          <a:p>
-            <a:pPr marL="216000" indent="-216000">
-              <a:lnSpc>
-                <a:spcPct val="100000"/>
-              </a:lnSpc>
-              <a:buClr>
-                <a:srgbClr val="ffffff"/>
-              </a:buClr>
-              <a:buSzPct val="45000"/>
-              <a:buFont typeface="Wingdings" charset="2"/>
-              <a:buChar char=""/>
-            </a:pPr>
-            <a:r>
-              <a:rPr b="0" lang="en-US" sz="2100" spc="-1" strike="noStrike">
-                <a:solidFill>
-                  <a:srgbClr val="ffffff"/>
-                </a:solidFill>
-                <a:latin typeface="Arial"/>
-              </a:rPr>
-              <a:t>Familiar with Sacred Scriptures</a:t>
-            </a:r>
-            <a:endParaRPr b="0" lang="en-US" sz="2100" spc="-1" strike="noStrike">
-              <a:solidFill>
-                <a:srgbClr val="000000"/>
-              </a:solidFill>
-              <a:latin typeface="Arial"/>
-            </a:endParaRPr>
-          </a:p>
-          <a:p>
-            <a:pPr marL="216000" indent="-216000">
-              <a:lnSpc>
-                <a:spcPct val="100000"/>
-              </a:lnSpc>
-              <a:buClr>
-                <a:srgbClr val="ffffff"/>
-              </a:buClr>
-              <a:buSzPct val="45000"/>
-              <a:buFont typeface="Wingdings" charset="2"/>
-              <a:buChar char=""/>
-            </a:pPr>
-            <a:r>
-              <a:rPr b="0" lang="en-US" sz="2100" spc="-1" strike="noStrike">
-                <a:solidFill>
-                  <a:srgbClr val="ffffff"/>
-                </a:solidFill>
-                <a:latin typeface="Arial"/>
-              </a:rPr>
-              <a:t>Able to paraphrase answers to most questions in the Compendium</a:t>
-            </a:r>
-            <a:endParaRPr b="0" lang="en-US" sz="2100" spc="-1" strike="noStrike">
-              <a:solidFill>
-                <a:srgbClr val="000000"/>
-              </a:solidFill>
-              <a:latin typeface="Arial"/>
-            </a:endParaRPr>
-          </a:p>
-          <a:p>
-            <a:pPr marL="216000" indent="-216000">
-              <a:lnSpc>
-                <a:spcPct val="100000"/>
-              </a:lnSpc>
-              <a:buClr>
-                <a:srgbClr val="ffffff"/>
-              </a:buClr>
-              <a:buSzPct val="45000"/>
-              <a:buFont typeface="Wingdings" charset="2"/>
-              <a:buChar char=""/>
-            </a:pPr>
-            <a:r>
-              <a:rPr b="0" lang="en-US" sz="2100" spc="-1" strike="noStrike">
-                <a:solidFill>
-                  <a:srgbClr val="ffffff"/>
-                </a:solidFill>
-                <a:latin typeface="Arial"/>
-              </a:rPr>
-              <a:t>Familiar with Early Church History, 7 ecumenical councils, scholastic period, counter-refermation, Vat I and Vat II</a:t>
-            </a:r>
-            <a:endParaRPr b="0" lang="en-US" sz="2100" spc="-1" strike="noStrike">
-              <a:solidFill>
-                <a:srgbClr val="000000"/>
-              </a:solidFill>
-              <a:latin typeface="Arial"/>
-            </a:endParaRPr>
-          </a:p>
-          <a:p>
-            <a:pPr marL="216000" indent="-216000">
-              <a:lnSpc>
-                <a:spcPct val="100000"/>
-              </a:lnSpc>
-              <a:buClr>
-                <a:srgbClr val="ffffff"/>
-              </a:buClr>
-              <a:buSzPct val="45000"/>
-              <a:buFont typeface="Wingdings" charset="2"/>
-              <a:buChar char=""/>
-            </a:pPr>
-            <a:r>
-              <a:rPr b="0" lang="en-US" sz="2100" spc="-1" strike="noStrike">
-                <a:solidFill>
-                  <a:srgbClr val="ffffff"/>
-                </a:solidFill>
-                <a:latin typeface="Arial"/>
-              </a:rPr>
-              <a:t>Familiar with the transmission of scriptures</a:t>
-            </a:r>
-            <a:endParaRPr b="0" lang="en-US" sz="2100" spc="-1" strike="noStrike">
-              <a:solidFill>
-                <a:srgbClr val="000000"/>
-              </a:solidFill>
-              <a:latin typeface="Arial"/>
-            </a:endParaRPr>
-          </a:p>
-          <a:p>
-            <a:pPr marL="216000" indent="-216000">
-              <a:lnSpc>
-                <a:spcPct val="100000"/>
-              </a:lnSpc>
-              <a:buClr>
-                <a:srgbClr val="ffffff"/>
-              </a:buClr>
-              <a:buSzPct val="45000"/>
-              <a:buFont typeface="Wingdings" charset="2"/>
-              <a:buChar char=""/>
-            </a:pPr>
-            <a:r>
-              <a:rPr b="0" lang="en-US" sz="2100" spc="-1" strike="noStrike">
-                <a:solidFill>
-                  <a:srgbClr val="ffffff"/>
-                </a:solidFill>
-                <a:latin typeface="Arial"/>
-              </a:rPr>
-              <a:t>Enough Aristotle (categories, metaphysics, ethics, rhetoric) to grasp Aquinas, St. Paul</a:t>
-            </a:r>
-            <a:endParaRPr b="0" lang="en-US" sz="2100" spc="-1" strike="noStrike">
-              <a:solidFill>
-                <a:srgbClr val="000000"/>
-              </a:solidFill>
-              <a:latin typeface="Arial"/>
-            </a:endParaRPr>
-          </a:p>
-          <a:p>
-            <a:pPr marL="216000" indent="-216000">
-              <a:lnSpc>
-                <a:spcPct val="100000"/>
-              </a:lnSpc>
-              <a:buClr>
-                <a:srgbClr val="ffffff"/>
-              </a:buClr>
-              <a:buSzPct val="45000"/>
-              <a:buFont typeface="Wingdings" charset="2"/>
-              <a:buChar char=""/>
-            </a:pPr>
-            <a:r>
-              <a:rPr b="0" lang="en-US" sz="2100" spc="-1" strike="noStrike">
-                <a:solidFill>
-                  <a:srgbClr val="ffffff"/>
-                </a:solidFill>
-                <a:latin typeface="Arial"/>
-                <a:ea typeface="Microsoft YaHei"/>
-              </a:rPr>
-              <a:t>Familiar with the Sitz im leben of  1</a:t>
-            </a:r>
-            <a:r>
-              <a:rPr b="0" lang="en-US" sz="2100" spc="-1" strike="noStrike" baseline="33000">
-                <a:solidFill>
-                  <a:srgbClr val="ffffff"/>
-                </a:solidFill>
-                <a:latin typeface="Arial"/>
-                <a:ea typeface="Microsoft YaHei"/>
-              </a:rPr>
-              <a:t>st</a:t>
-            </a:r>
-            <a:r>
-              <a:rPr b="0" lang="en-US" sz="2100" spc="-1" strike="noStrike">
-                <a:solidFill>
-                  <a:srgbClr val="ffffff"/>
-                </a:solidFill>
-                <a:latin typeface="Arial"/>
-                <a:ea typeface="Microsoft YaHei"/>
-              </a:rPr>
-              <a:t> 11 ch. Genesis, Pentateuch, Historical, Wisdom lit, prophets (e.g. 1</a:t>
-            </a:r>
-            <a:r>
-              <a:rPr b="0" lang="en-US" sz="2100" spc="-1" strike="noStrike" baseline="33000">
-                <a:solidFill>
-                  <a:srgbClr val="ffffff"/>
-                </a:solidFill>
-                <a:latin typeface="Arial"/>
-                <a:ea typeface="Microsoft YaHei"/>
-              </a:rPr>
-              <a:t>st</a:t>
-            </a:r>
-            <a:r>
-              <a:rPr b="0" lang="en-US" sz="2100" spc="-1" strike="noStrike">
-                <a:solidFill>
-                  <a:srgbClr val="ffffff"/>
-                </a:solidFill>
-                <a:latin typeface="Arial"/>
-                <a:ea typeface="Microsoft YaHei"/>
-              </a:rPr>
-              <a:t>, 2</a:t>
-            </a:r>
-            <a:r>
-              <a:rPr b="0" lang="en-US" sz="2100" spc="-1" strike="noStrike" baseline="33000">
-                <a:solidFill>
-                  <a:srgbClr val="ffffff"/>
-                </a:solidFill>
-                <a:latin typeface="Arial"/>
-                <a:ea typeface="Microsoft YaHei"/>
-              </a:rPr>
-              <a:t>nd</a:t>
-            </a:r>
-            <a:r>
-              <a:rPr b="0" lang="en-US" sz="2100" spc="-1" strike="noStrike">
-                <a:solidFill>
-                  <a:srgbClr val="ffffff"/>
-                </a:solidFill>
-                <a:latin typeface="Arial"/>
-                <a:ea typeface="Microsoft YaHei"/>
-              </a:rPr>
-              <a:t>, 3</a:t>
-            </a:r>
-            <a:r>
-              <a:rPr b="0" lang="en-US" sz="2100" spc="-1" strike="noStrike" baseline="33000">
-                <a:solidFill>
-                  <a:srgbClr val="ffffff"/>
-                </a:solidFill>
-                <a:latin typeface="Arial"/>
-                <a:ea typeface="Microsoft YaHei"/>
-              </a:rPr>
-              <a:t>rd</a:t>
-            </a:r>
-            <a:r>
-              <a:rPr b="0" lang="en-US" sz="2100" spc="-1" strike="noStrike">
-                <a:solidFill>
-                  <a:srgbClr val="ffffff"/>
-                </a:solidFill>
-                <a:latin typeface="Arial"/>
-                <a:ea typeface="Microsoft YaHei"/>
-              </a:rPr>
-              <a:t> Isaiah), United-Divided Kingdom, exile, return, 2</a:t>
-            </a:r>
-            <a:r>
-              <a:rPr b="0" lang="en-US" sz="2100" spc="-1" strike="noStrike" baseline="33000">
-                <a:solidFill>
-                  <a:srgbClr val="ffffff"/>
-                </a:solidFill>
-                <a:latin typeface="Arial"/>
-                <a:ea typeface="Microsoft YaHei"/>
-              </a:rPr>
-              <a:t>nd</a:t>
-            </a:r>
-            <a:r>
-              <a:rPr b="0" lang="en-US" sz="2100" spc="-1" strike="noStrike">
-                <a:solidFill>
-                  <a:srgbClr val="ffffff"/>
-                </a:solidFill>
-                <a:latin typeface="Arial"/>
-                <a:ea typeface="Microsoft YaHei"/>
-              </a:rPr>
-              <a:t> temple Judaism, the Greco-Roman culture of Jesus, apostolic fathers, documentary hypothesis, synoptic problem.</a:t>
-            </a:r>
-            <a:endParaRPr b="0" lang="en-US" sz="2100" spc="-1" strike="noStrike">
+            <a:pPr marL="216000" indent="0">
+              <a:lnSpc>
+                <a:spcPct val="100000"/>
+              </a:lnSpc>
+              <a:buNone/>
+              <a:tabLst>
+                <a:tab algn="l" pos="0"/>
+              </a:tabLst>
+            </a:pPr>
+            <a:r>
+              <a:rPr b="0" lang="en-US" sz="3200" spc="-1" strike="noStrike">
+                <a:solidFill>
+                  <a:srgbClr val="ffffff"/>
+                </a:solidFill>
+                <a:latin typeface="Arial"/>
+              </a:rPr>
+              <a:t>12 Part Series on Textual Criticism:</a:t>
+            </a:r>
+            <a:endParaRPr b="0" lang="en-US" sz="3200" spc="-1" strike="noStrike">
+              <a:solidFill>
+                <a:srgbClr val="000000"/>
+              </a:solidFill>
+              <a:latin typeface="Arial"/>
+            </a:endParaRPr>
+          </a:p>
+          <a:p>
+            <a:pPr marL="216000" indent="-216000">
+              <a:lnSpc>
+                <a:spcPct val="100000"/>
+              </a:lnSpc>
+              <a:buClr>
+                <a:srgbClr val="ffffff"/>
+              </a:buClr>
+              <a:buSzPct val="45000"/>
+              <a:buFont typeface="Wingdings" charset="2"/>
+              <a:buChar char=""/>
+              <a:tabLst>
+                <a:tab algn="l" pos="0"/>
+              </a:tabLst>
+            </a:pPr>
+            <a:r>
+              <a:rPr b="0" lang="en-US" sz="3200" spc="-1" strike="noStrike" u="sng">
+                <a:solidFill>
+                  <a:srgbClr val="0000ee"/>
+                </a:solidFill>
+                <a:uFillTx/>
+                <a:latin typeface="Arial"/>
+                <a:hlinkClick r:id="rId1"/>
+              </a:rPr>
+              <a:t>https://www.youtube.com/@deepdivebiblestudy</a:t>
+            </a:r>
+            <a:endParaRPr b="0" lang="en-US" sz="3200" spc="-1" strike="noStrike">
+              <a:solidFill>
+                <a:srgbClr val="000000"/>
+              </a:solidFill>
+              <a:latin typeface="Arial"/>
+            </a:endParaRPr>
+          </a:p>
+          <a:p>
+            <a:pPr marL="216000" indent="-216000">
+              <a:lnSpc>
+                <a:spcPct val="100000"/>
+              </a:lnSpc>
+              <a:buClr>
+                <a:srgbClr val="ffffff"/>
+              </a:buClr>
+              <a:buSzPct val="45000"/>
+              <a:buFont typeface="Wingdings" charset="2"/>
+              <a:buChar char=""/>
+              <a:tabLst>
+                <a:tab algn="l" pos="0"/>
+              </a:tabLst>
+            </a:pPr>
+            <a:r>
+              <a:rPr b="0" lang="en-US" sz="3200" spc="-1" strike="noStrike" u="sng">
+                <a:solidFill>
+                  <a:srgbClr val="0000ee"/>
+                </a:solidFill>
+                <a:uFillTx/>
+                <a:latin typeface="Arial"/>
+                <a:hlinkClick r:id="rId2"/>
+              </a:rPr>
+              <a:t>https://www.youtube.com/@stephenmackenzie6782</a:t>
+            </a:r>
+            <a:endParaRPr b="0" lang="en-US" sz="3200" spc="-1" strike="noStrike">
+              <a:solidFill>
+                <a:srgbClr val="000000"/>
+              </a:solidFill>
+              <a:latin typeface="Arial"/>
+            </a:endParaRPr>
+          </a:p>
+          <a:p>
+            <a:pPr marL="216000" indent="0">
+              <a:lnSpc>
+                <a:spcPct val="100000"/>
+              </a:lnSpc>
+              <a:buNone/>
+              <a:tabLst>
+                <a:tab algn="l" pos="0"/>
+              </a:tabLst>
+            </a:pPr>
+            <a:r>
+              <a:rPr b="0" lang="en-US" sz="3200" spc="-1" strike="noStrike">
+                <a:solidFill>
+                  <a:srgbClr val="ffffff"/>
+                </a:solidFill>
+                <a:latin typeface="Arial"/>
+              </a:rPr>
+              <a:t> </a:t>
+            </a:r>
+            <a:endParaRPr b="0" lang="en-US" sz="3200" spc="-1" strike="noStrike">
+              <a:solidFill>
+                <a:srgbClr val="000000"/>
+              </a:solidFill>
+              <a:latin typeface="Arial"/>
+            </a:endParaRPr>
+          </a:p>
+          <a:p>
+            <a:pPr marL="432000" indent="0">
+              <a:lnSpc>
+                <a:spcPct val="100000"/>
+              </a:lnSpc>
+              <a:buNone/>
+              <a:tabLst>
+                <a:tab algn="l" pos="0"/>
+              </a:tabLst>
+            </a:pPr>
+            <a:endParaRPr b="0" lang="en-US" sz="3200" spc="-1" strike="noStrike">
               <a:solidFill>
                 <a:srgbClr val="000000"/>
               </a:solidFill>
@@ -7369,7 +7820,7 @@
                 </a:solidFill>
                 <a:latin typeface="Arial"/>
               </a:rPr>
-              <a:t>More Opinion!! Distinctives of the Expert - Dates</a:t>
+              <a:t>My Opinion!!! Distinctives of the Expert Catechist</a:t>
             </a:r>
             <a:endParaRPr b="0" lang="en-US" sz="3300" spc="-1" strike="noStrike">
               <a:solidFill>
@@ -7426,7 +7877,7 @@
                 </a:solidFill>
                 <a:latin typeface="Arial"/>
               </a:rPr>
-              <a:t>Abraham, Isaac, Jacob (“history starts”), determine from 1 Kings 6</a:t>
+              <a:t>RE Standards is a good start</a:t>
             </a:r>
             <a:endParaRPr b="0" lang="en-US" sz="2100" spc="-1" strike="noStrike">
               <a:solidFill>
@@ -7454,7 +7905,7 @@
                 </a:solidFill>
                 <a:latin typeface="Arial"/>
               </a:rPr>
-              <a:t>Early and late dates of the Exodus</a:t>
+              <a:t>Knows where to find things, bible, CCC, DS, able to read commentaries</a:t>
             </a:r>
             <a:endParaRPr b="0" lang="en-US" sz="2100" spc="-1" strike="noStrike">
               <a:solidFill>
@@ -7482,7 +7933,7 @@
                 </a:solidFill>
                 <a:latin typeface="Arial"/>
               </a:rPr>
-              <a:t>Reign of Saul, David, Solomon, completion of Solomon’s Temple</a:t>
+              <a:t>Familiar with Sacred Scriptures</a:t>
             </a:r>
             <a:endParaRPr b="0" lang="en-US" sz="2100" spc="-1" strike="noStrike">
               <a:solidFill>
@@ -7510,7 +7961,7 @@
                 </a:solidFill>
                 <a:latin typeface="Arial"/>
               </a:rPr>
-              <a:t>Divided Kingdom</a:t>
+              <a:t>Able to paraphrase answers to most questions in the Compendium</a:t>
             </a:r>
             <a:endParaRPr b="0" lang="en-US" sz="2100" spc="-1" strike="noStrike">
               <a:solidFill>
@@ -7538,7 +7989,7 @@
                 </a:solidFill>
                 <a:latin typeface="Arial"/>
               </a:rPr>
-              <a:t>Assyrian conquest of the Northern Kingdom</a:t>
+              <a:t>Familiar with Early Church History, 7 ecumenical councils, scholastic period, counter-refermation, Vat I and Vat II</a:t>
             </a:r>
             <a:endParaRPr b="0" lang="en-US" sz="2100" spc="-1" strike="noStrike">
               <a:solidFill>
@@ -7566,7 +8017,7 @@
                 </a:solidFill>
                 <a:latin typeface="Arial"/>
               </a:rPr>
-              <a:t>Battle of Carchamesh, power struggles between Assyria, Egypt, Babylon</a:t>
+              <a:t>Familiar with the transmission of scriptures</a:t>
             </a:r>
             <a:endParaRPr b="0" lang="en-US" sz="2100" spc="-1" strike="noStrike">
               <a:solidFill>
@@ -7594,7 +8045,7 @@
                 </a:solidFill>
                 <a:latin typeface="Arial"/>
               </a:rPr>
-              <a:t>Babylonian conquest, exile, destruction of Jerusalem and temple</a:t>
+              <a:t>Enough Aristotle (categories, metaphysics, ethics, rhetoric) to grasp Aquinas, St. Paul</a:t>
             </a:r>
             <a:endParaRPr b="0" lang="en-US" sz="2100" spc="-1" strike="noStrike">
               <a:solidFill>
@@ -7621,148 +8072,109 @@
                   <a:srgbClr val="ffffff"/>
                 </a:solidFill>
                 <a:latin typeface="Arial"/>
-              </a:rPr>
-              <a:t>Medo-Persian defeat of Babylon, the Decree of Cyrus to return</a:t>
-            </a:r>
-            <a:endParaRPr b="0" lang="en-US" sz="2100" spc="-1" strike="noStrike">
-              <a:solidFill>
-                <a:srgbClr val="000000"/>
-              </a:solidFill>
-              <a:latin typeface="Arial"/>
-            </a:endParaRPr>
-          </a:p>
-          <a:p>
-            <a:pPr marL="216000" indent="-216000">
-              <a:lnSpc>
-                <a:spcPct val="100000"/>
-              </a:lnSpc>
-              <a:buClr>
-                <a:srgbClr val="ffffff"/>
-              </a:buClr>
-              <a:buSzPct val="45000"/>
-              <a:buFont typeface="Wingdings" charset="2"/>
-              <a:buChar char=""/>
-            </a:pPr>
+                <a:ea typeface="Microsoft YaHei"/>
+              </a:rPr>
+              <a:t>Familiar with the Sitz im leben of  1</a:t>
+            </a:r>
+            <a:r>
+              <a:rPr b="0" lang="en-US" sz="2100" spc="-1" strike="noStrike" baseline="33000">
+                <a:solidFill>
+                  <a:srgbClr val="ffffff"/>
+                </a:solidFill>
+                <a:latin typeface="Arial"/>
+                <a:ea typeface="Microsoft YaHei"/>
+              </a:rPr>
+              <a:t>st</a:t>
+            </a:r>
             <a:r>
               <a:rPr b="0" lang="en-US" sz="2100" spc="-1" strike="noStrike">
                 <a:solidFill>
                   <a:srgbClr val="ffffff"/>
                 </a:solidFill>
                 <a:latin typeface="Arial"/>
-              </a:rPr>
-              <a:t>Times of Ezra and Nehemiah under Xerxes, Artaxerxes</a:t>
-            </a:r>
-            <a:endParaRPr b="0" lang="en-US" sz="2100" spc="-1" strike="noStrike">
-              <a:solidFill>
-                <a:srgbClr val="000000"/>
-              </a:solidFill>
-              <a:latin typeface="Arial"/>
-            </a:endParaRPr>
-          </a:p>
-          <a:p>
-            <a:pPr marL="216000" indent="-216000">
-              <a:lnSpc>
-                <a:spcPct val="100000"/>
-              </a:lnSpc>
-              <a:buClr>
-                <a:srgbClr val="ffffff"/>
-              </a:buClr>
-              <a:buSzPct val="45000"/>
-              <a:buFont typeface="Wingdings" charset="2"/>
-              <a:buChar char=""/>
-            </a:pPr>
+                <a:ea typeface="Microsoft YaHei"/>
+              </a:rPr>
+              <a:t> 11 ch. Genesis, Pentateuch, Historical, Wisdom lit, prophets (e.g. 1</a:t>
+            </a:r>
+            <a:r>
+              <a:rPr b="0" lang="en-US" sz="2100" spc="-1" strike="noStrike" baseline="33000">
+                <a:solidFill>
+                  <a:srgbClr val="ffffff"/>
+                </a:solidFill>
+                <a:latin typeface="Arial"/>
+                <a:ea typeface="Microsoft YaHei"/>
+              </a:rPr>
+              <a:t>st</a:t>
+            </a:r>
             <a:r>
               <a:rPr b="0" lang="en-US" sz="2100" spc="-1" strike="noStrike">
                 <a:solidFill>
                   <a:srgbClr val="ffffff"/>
                 </a:solidFill>
                 <a:latin typeface="Arial"/>
-              </a:rPr>
-              <a:t>Hellenization of Palestine, Alexander the Great</a:t>
-            </a:r>
-            <a:endParaRPr b="0" lang="en-US" sz="2100" spc="-1" strike="noStrike">
-              <a:solidFill>
-                <a:srgbClr val="000000"/>
-              </a:solidFill>
-              <a:latin typeface="Arial"/>
-            </a:endParaRPr>
-          </a:p>
-          <a:p>
-            <a:pPr marL="216000" indent="-216000">
-              <a:lnSpc>
-                <a:spcPct val="100000"/>
-              </a:lnSpc>
-              <a:buClr>
-                <a:srgbClr val="ffffff"/>
-              </a:buClr>
-              <a:buSzPct val="45000"/>
-              <a:buFont typeface="Wingdings" charset="2"/>
-              <a:buChar char=""/>
-            </a:pPr>
+                <a:ea typeface="Microsoft YaHei"/>
+              </a:rPr>
+              <a:t>, 2</a:t>
+            </a:r>
+            <a:r>
+              <a:rPr b="0" lang="en-US" sz="2100" spc="-1" strike="noStrike" baseline="33000">
+                <a:solidFill>
+                  <a:srgbClr val="ffffff"/>
+                </a:solidFill>
+                <a:latin typeface="Arial"/>
+                <a:ea typeface="Microsoft YaHei"/>
+              </a:rPr>
+              <a:t>nd</a:t>
+            </a:r>
             <a:r>
               <a:rPr b="0" lang="en-US" sz="2100" spc="-1" strike="noStrike">
                 <a:solidFill>
                   <a:srgbClr val="ffffff"/>
                 </a:solidFill>
                 <a:latin typeface="Arial"/>
-              </a:rPr>
-              <a:t>Antiochus Epiphanes, abomination of desolation, Maccabean revolt</a:t>
-            </a:r>
-            <a:endParaRPr b="0" lang="en-US" sz="2100" spc="-1" strike="noStrike">
-              <a:solidFill>
-                <a:srgbClr val="000000"/>
-              </a:solidFill>
-              <a:latin typeface="Arial"/>
-            </a:endParaRPr>
-          </a:p>
-          <a:p>
-            <a:pPr marL="216000" indent="-216000">
-              <a:lnSpc>
-                <a:spcPct val="100000"/>
-              </a:lnSpc>
-              <a:buClr>
-                <a:srgbClr val="ffffff"/>
-              </a:buClr>
-              <a:buSzPct val="45000"/>
-              <a:buFont typeface="Wingdings" charset="2"/>
-              <a:buChar char=""/>
-            </a:pPr>
+                <a:ea typeface="Microsoft YaHei"/>
+              </a:rPr>
+              <a:t>, 3</a:t>
+            </a:r>
+            <a:r>
+              <a:rPr b="0" lang="en-US" sz="2100" spc="-1" strike="noStrike" baseline="33000">
+                <a:solidFill>
+                  <a:srgbClr val="ffffff"/>
+                </a:solidFill>
+                <a:latin typeface="Arial"/>
+                <a:ea typeface="Microsoft YaHei"/>
+              </a:rPr>
+              <a:t>rd</a:t>
+            </a:r>
             <a:r>
               <a:rPr b="0" lang="en-US" sz="2100" spc="-1" strike="noStrike">
                 <a:solidFill>
                   <a:srgbClr val="ffffff"/>
                 </a:solidFill>
                 <a:latin typeface="Arial"/>
-              </a:rPr>
-              <a:t>Battle of Actium, Octavian (Caesar Augustus), Herod Antepater</a:t>
-            </a:r>
-            <a:endParaRPr b="0" lang="en-US" sz="2100" spc="-1" strike="noStrike">
-              <a:solidFill>
-                <a:srgbClr val="000000"/>
-              </a:solidFill>
-              <a:latin typeface="Arial"/>
-            </a:endParaRPr>
-          </a:p>
-          <a:p>
-            <a:pPr marL="216000" indent="-216000">
-              <a:lnSpc>
-                <a:spcPct val="100000"/>
-              </a:lnSpc>
-              <a:buClr>
-                <a:srgbClr val="ffffff"/>
-              </a:buClr>
-              <a:buSzPct val="45000"/>
-              <a:buFont typeface="Wingdings" charset="2"/>
-              <a:buChar char=""/>
-            </a:pPr>
+                <a:ea typeface="Microsoft YaHei"/>
+              </a:rPr>
+              <a:t> Isaiah), United-Divided Kingdom, exile, return, 2</a:t>
+            </a:r>
+            <a:r>
+              <a:rPr b="0" lang="en-US" sz="2100" spc="-1" strike="noStrike" baseline="33000">
+                <a:solidFill>
+                  <a:srgbClr val="ffffff"/>
+                </a:solidFill>
+                <a:latin typeface="Arial"/>
+                <a:ea typeface="Microsoft YaHei"/>
+              </a:rPr>
+              <a:t>nd</a:t>
+            </a:r>
             <a:r>
               <a:rPr b="0" lang="en-US" sz="2100" spc="-1" strike="noStrike">
                 <a:solidFill>
                   <a:srgbClr val="ffffff"/>
                 </a:solidFill>
                 <a:latin typeface="Arial"/>
-              </a:rPr>
-              <a:t>Birth of Christ, death, Letters, Gospels</a:t>
+                <a:ea typeface="Microsoft YaHei"/>
+              </a:rPr>
+              <a:t> temple Judaism, the Greco-Roman culture of Jesus, apostolic fathers, documentary hypothesis, synoptic problem.</a:t>
             </a:r>
             <a:endParaRPr b="0" lang="en-US" sz="2100" spc="-1" strike="noStrike">
               <a:solidFill>

--- a/Mastery.pptx
+++ b/Mastery.pptx
@@ -254,7 +254,7 @@
         <p:txBody>
           <a:bodyPr/>
           <a:p>
-            <a:fld id="{C68AC1CB-7161-4601-B308-DFC8D74746BE}" type="slidenum">
+            <a:fld id="{64F88565-C016-4B76-A1EC-65B0FA7152DE}" type="slidenum">
               <a:t>&lt;#&gt;</a:t>
             </a:fld>
           </a:p>
@@ -287,7 +287,7 @@
 </file>
 
 <file path=ppt/slideLayouts/slideLayout10.xml><?xml version="1.0" encoding="utf-8"?>
-<p:sldLayout xmlns:a="http://schemas.openxmlformats.org/drawingml/2006/main" xmlns:p="http://schemas.openxmlformats.org/presentationml/2006/main" xmlns:r="http://schemas.openxmlformats.org/officeDocument/2006/relationships" xmlns:p14="http://schemas.microsoft.com/office/powerpoint/2010/main" xmlns:p15="http://schemas.microsoft.com/office/powerpoint/2012/main" xmlns:mc="http://schemas.openxmlformats.org/markup-compatibility/2006" type="mediaAndTx" preserve="1">
+<p:sldLayout xmlns:a="http://schemas.openxmlformats.org/drawingml/2006/main" xmlns:p="http://schemas.openxmlformats.org/presentationml/2006/main" xmlns:r="http://schemas.openxmlformats.org/officeDocument/2006/relationships" xmlns:p14="http://schemas.microsoft.com/office/powerpoint/2010/main" xmlns:p15="http://schemas.microsoft.com/office/powerpoint/2012/main" xmlns:mc="http://schemas.openxmlformats.org/markup-compatibility/2006" type="blank" preserve="1">
   <p:cSld name="Centered Text">
     <p:spTree>
       <p:nvGrpSpPr>
@@ -337,7 +337,7 @@
         <p:txBody>
           <a:bodyPr/>
           <a:p>
-            <a:fld id="{F68561F6-F092-4374-B883-BAD73D1E50A7}" type="slidenum">
+            <a:fld id="{82AEF305-DB0A-487A-B324-3590D314089A}" type="slidenum">
               <a:t>&lt;#&gt;</a:t>
             </a:fld>
           </a:p>
@@ -388,7 +388,7 @@
       </p:grpSpPr>
       <p:sp>
         <p:nvSpPr>
-          <p:cNvPr id="217" name="PlaceHolder 1"/>
+          <p:cNvPr id="211" name="PlaceHolder 1"/>
           <p:cNvSpPr>
             <a:spLocks noGrp="1"/>
           </p:cNvSpPr>
@@ -428,7 +428,7 @@
       </p:sp>
       <p:sp>
         <p:nvSpPr>
-          <p:cNvPr id="218" name="PlaceHolder 2"/>
+          <p:cNvPr id="212" name="PlaceHolder 2"/>
           <p:cNvSpPr>
             <a:spLocks noGrp="1"/>
           </p:cNvSpPr>
@@ -471,7 +471,7 @@
       </p:sp>
       <p:sp>
         <p:nvSpPr>
-          <p:cNvPr id="219" name="PlaceHolder 3"/>
+          <p:cNvPr id="213" name="PlaceHolder 3"/>
           <p:cNvSpPr>
             <a:spLocks noGrp="1"/>
           </p:cNvSpPr>
@@ -514,7 +514,7 @@
       </p:sp>
       <p:sp>
         <p:nvSpPr>
-          <p:cNvPr id="220" name="PlaceHolder 4"/>
+          <p:cNvPr id="214" name="PlaceHolder 4"/>
           <p:cNvSpPr>
             <a:spLocks noGrp="1"/>
           </p:cNvSpPr>
@@ -589,7 +589,7 @@
         <p:txBody>
           <a:bodyPr/>
           <a:p>
-            <a:fld id="{8CBF3FC6-A45B-45A7-BE24-35FFD6B94E21}" type="slidenum">
+            <a:fld id="{A4C58B39-F657-4B72-A377-DF7FB86117DF}" type="slidenum">
               <a:t>&lt;#&gt;</a:t>
             </a:fld>
           </a:p>
@@ -640,7 +640,7 @@
       </p:grpSpPr>
       <p:sp>
         <p:nvSpPr>
-          <p:cNvPr id="240" name="PlaceHolder 1"/>
+          <p:cNvPr id="234" name="PlaceHolder 1"/>
           <p:cNvSpPr>
             <a:spLocks noGrp="1"/>
           </p:cNvSpPr>
@@ -680,7 +680,7 @@
       </p:sp>
       <p:sp>
         <p:nvSpPr>
-          <p:cNvPr id="241" name="PlaceHolder 2"/>
+          <p:cNvPr id="235" name="PlaceHolder 2"/>
           <p:cNvSpPr>
             <a:spLocks noGrp="1"/>
           </p:cNvSpPr>
@@ -723,7 +723,7 @@
       </p:sp>
       <p:sp>
         <p:nvSpPr>
-          <p:cNvPr id="242" name="PlaceHolder 3"/>
+          <p:cNvPr id="236" name="PlaceHolder 3"/>
           <p:cNvSpPr>
             <a:spLocks noGrp="1"/>
           </p:cNvSpPr>
@@ -766,7 +766,7 @@
       </p:sp>
       <p:sp>
         <p:nvSpPr>
-          <p:cNvPr id="243" name="PlaceHolder 4"/>
+          <p:cNvPr id="237" name="PlaceHolder 4"/>
           <p:cNvSpPr>
             <a:spLocks noGrp="1"/>
           </p:cNvSpPr>
@@ -841,7 +841,7 @@
         <p:txBody>
           <a:bodyPr/>
           <a:p>
-            <a:fld id="{50E7DF63-B24E-4A1B-A56B-6A0419920ED1}" type="slidenum">
+            <a:fld id="{E615103B-15F2-4252-9FAC-63A61FE8B67C}" type="slidenum">
               <a:t>&lt;#&gt;</a:t>
             </a:fld>
           </a:p>
@@ -1050,7 +1050,7 @@
         <p:txBody>
           <a:bodyPr/>
           <a:p>
-            <a:fld id="{E3D59B69-F8DE-4166-85AE-434D67840B5E}" type="slidenum">
+            <a:fld id="{213BB790-A462-4602-95A4-F16E183C3692}" type="slidenum">
               <a:t>&lt;#&gt;</a:t>
             </a:fld>
           </a:p>
@@ -1345,7 +1345,7 @@
         <p:txBody>
           <a:bodyPr/>
           <a:p>
-            <a:fld id="{1E317E69-F41D-4E39-AEA5-2D850C3B77B3}" type="slidenum">
+            <a:fld id="{2293197C-45EC-4B99-B587-F499369A78B7}" type="slidenum">
               <a:t>&lt;#&gt;</a:t>
             </a:fld>
           </a:p>
@@ -1428,7 +1428,7 @@
         <p:txBody>
           <a:bodyPr/>
           <a:p>
-            <a:fld id="{DB71E8F1-83EA-4AE3-B4EC-76419E048696}" type="slidenum">
+            <a:fld id="{DBBDD735-5706-4E78-AD1A-7993A52B60FE}" type="slidenum">
               <a:t>&lt;#&gt;</a:t>
             </a:fld>
           </a:p>
@@ -1511,7 +1511,7 @@
         <p:txBody>
           <a:bodyPr/>
           <a:p>
-            <a:fld id="{C3BF93B2-9304-4FBF-89B9-7D86688EF7F0}" type="slidenum">
+            <a:fld id="{1B21C80C-F75A-4093-9C0E-96B46E913C0D}" type="slidenum">
               <a:t>&lt;#&gt;</a:t>
             </a:fld>
           </a:p>
@@ -1562,7 +1562,7 @@
       </p:grpSpPr>
       <p:sp>
         <p:nvSpPr>
-          <p:cNvPr id="124" name="PlaceHolder 1"/>
+          <p:cNvPr id="118" name="PlaceHolder 1"/>
           <p:cNvSpPr>
             <a:spLocks noGrp="1"/>
           </p:cNvSpPr>
@@ -1602,7 +1602,7 @@
       </p:sp>
       <p:sp>
         <p:nvSpPr>
-          <p:cNvPr id="125" name="PlaceHolder 2"/>
+          <p:cNvPr id="119" name="PlaceHolder 2"/>
           <p:cNvSpPr>
             <a:spLocks noGrp="1"/>
           </p:cNvSpPr>
@@ -1677,7 +1677,7 @@
         <p:txBody>
           <a:bodyPr/>
           <a:p>
-            <a:fld id="{840FCBD7-043B-4819-8A1F-86719CF3B719}" type="slidenum">
+            <a:fld id="{4628D527-5440-4968-99AF-0DD16444A9FF}" type="slidenum">
               <a:t>&lt;#&gt;</a:t>
             </a:fld>
           </a:p>
@@ -1728,7 +1728,7 @@
       </p:grpSpPr>
       <p:sp>
         <p:nvSpPr>
-          <p:cNvPr id="143" name="PlaceHolder 1"/>
+          <p:cNvPr id="137" name="PlaceHolder 1"/>
           <p:cNvSpPr>
             <a:spLocks noGrp="1"/>
           </p:cNvSpPr>
@@ -1768,7 +1768,7 @@
       </p:sp>
       <p:sp>
         <p:nvSpPr>
-          <p:cNvPr id="144" name="PlaceHolder 2"/>
+          <p:cNvPr id="138" name="PlaceHolder 2"/>
           <p:cNvSpPr>
             <a:spLocks noGrp="1"/>
           </p:cNvSpPr>
@@ -1843,7 +1843,7 @@
         <p:txBody>
           <a:bodyPr/>
           <a:p>
-            <a:fld id="{BF5DED2B-EBEE-4551-A0EB-80AE8DC9D399}" type="slidenum">
+            <a:fld id="{9BC5B8FB-3B89-486B-94A7-624EDABED1C4}" type="slidenum">
               <a:t>&lt;#&gt;</a:t>
             </a:fld>
           </a:p>
@@ -1894,7 +1894,7 @@
       </p:grpSpPr>
       <p:sp>
         <p:nvSpPr>
-          <p:cNvPr id="163" name="PlaceHolder 1"/>
+          <p:cNvPr id="157" name="PlaceHolder 1"/>
           <p:cNvSpPr>
             <a:spLocks noGrp="1"/>
           </p:cNvSpPr>
@@ -1934,7 +1934,7 @@
       </p:sp>
       <p:sp>
         <p:nvSpPr>
-          <p:cNvPr id="164" name="PlaceHolder 2"/>
+          <p:cNvPr id="158" name="PlaceHolder 2"/>
           <p:cNvSpPr>
             <a:spLocks noGrp="1"/>
           </p:cNvSpPr>
@@ -1977,7 +1977,7 @@
       </p:sp>
       <p:sp>
         <p:nvSpPr>
-          <p:cNvPr id="165" name="PlaceHolder 3"/>
+          <p:cNvPr id="159" name="PlaceHolder 3"/>
           <p:cNvSpPr>
             <a:spLocks noGrp="1"/>
           </p:cNvSpPr>
@@ -2052,7 +2052,7 @@
         <p:txBody>
           <a:bodyPr/>
           <a:p>
-            <a:fld id="{00D36069-FE2A-40B9-B8FF-0FAE58040FA6}" type="slidenum">
+            <a:fld id="{0DD25474-A988-4F06-A94F-EBBE5DF80054}" type="slidenum">
               <a:t>&lt;#&gt;</a:t>
             </a:fld>
           </a:p>
@@ -2103,7 +2103,7 @@
       </p:grpSpPr>
       <p:sp>
         <p:nvSpPr>
-          <p:cNvPr id="182" name="PlaceHolder 1"/>
+          <p:cNvPr id="176" name="PlaceHolder 1"/>
           <p:cNvSpPr>
             <a:spLocks noGrp="1"/>
           </p:cNvSpPr>
@@ -2175,7 +2175,7 @@
         <p:txBody>
           <a:bodyPr/>
           <a:p>
-            <a:fld id="{E3E916F3-A6C5-4007-8B61-796FF2A1F23E}" type="slidenum">
+            <a:fld id="{22711897-0129-4D3E-81B1-E750E06CF3A4}" type="slidenum">
               <a:t>&lt;#&gt;</a:t>
             </a:fld>
           </a:p>
@@ -2233,7 +2233,7 @@
         <p:spPr>
           <a:xfrm>
             <a:off x="0" y="0"/>
-            <a:ext cx="10074960" cy="5664960"/>
+            <a:ext cx="10074600" cy="5664600"/>
           </a:xfrm>
           <a:prstGeom prst="rect">
             <a:avLst/>
@@ -2288,7 +2288,7 @@
         <p:spPr>
           <a:xfrm>
             <a:off x="1440000" y="1080000"/>
-            <a:ext cx="1434960" cy="1254960"/>
+            <a:ext cx="1434600" cy="1254600"/>
           </a:xfrm>
           <a:prstGeom prst="ellipse">
             <a:avLst/>
@@ -2337,7 +2337,7 @@
         <p:spPr>
           <a:xfrm>
             <a:off x="7380000" y="3960000"/>
-            <a:ext cx="1434960" cy="1254960"/>
+            <a:ext cx="1434600" cy="1254600"/>
           </a:xfrm>
           <a:prstGeom prst="ellipse">
             <a:avLst/>
@@ -2386,7 +2386,7 @@
         <p:spPr>
           <a:xfrm>
             <a:off x="9000000" y="2700000"/>
-            <a:ext cx="1254960" cy="1074960"/>
+            <a:ext cx="1254600" cy="1074600"/>
           </a:xfrm>
           <a:prstGeom prst="ellipse">
             <a:avLst/>
@@ -2435,7 +2435,7 @@
         <p:spPr>
           <a:xfrm>
             <a:off x="-180000" y="2430000"/>
-            <a:ext cx="1434960" cy="1344960"/>
+            <a:ext cx="1434600" cy="1344600"/>
           </a:xfrm>
           <a:prstGeom prst="ellipse">
             <a:avLst/>
@@ -2484,7 +2484,7 @@
         <p:spPr>
           <a:xfrm>
             <a:off x="540000" y="1080000"/>
-            <a:ext cx="714960" cy="714960"/>
+            <a:ext cx="714600" cy="714600"/>
           </a:xfrm>
           <a:prstGeom prst="ellipse">
             <a:avLst/>
@@ -2533,7 +2533,7 @@
         <p:spPr>
           <a:xfrm>
             <a:off x="0" y="1260000"/>
-            <a:ext cx="714960" cy="714960"/>
+            <a:ext cx="714600" cy="714600"/>
           </a:xfrm>
           <a:prstGeom prst="ellipse">
             <a:avLst/>
@@ -2582,7 +2582,7 @@
         <p:spPr>
           <a:xfrm>
             <a:off x="0" y="5220000"/>
-            <a:ext cx="1614960" cy="1254960"/>
+            <a:ext cx="1614600" cy="1254600"/>
           </a:xfrm>
           <a:prstGeom prst="ellipse">
             <a:avLst/>
@@ -2631,7 +2631,7 @@
         <p:spPr>
           <a:xfrm>
             <a:off x="9720000" y="4680000"/>
-            <a:ext cx="714960" cy="714960"/>
+            <a:ext cx="714600" cy="714600"/>
           </a:xfrm>
           <a:prstGeom prst="ellipse">
             <a:avLst/>
@@ -2680,7 +2680,7 @@
         <p:spPr>
           <a:xfrm>
             <a:off x="9540000" y="3420000"/>
-            <a:ext cx="714960" cy="714960"/>
+            <a:ext cx="714600" cy="714600"/>
           </a:xfrm>
           <a:prstGeom prst="ellipse">
             <a:avLst/>
@@ -2729,7 +2729,7 @@
         <p:spPr>
           <a:xfrm>
             <a:off x="8100000" y="4680000"/>
-            <a:ext cx="1074960" cy="837360"/>
+            <a:ext cx="1074600" cy="837000"/>
           </a:xfrm>
           <a:prstGeom prst="ellipse">
             <a:avLst/>
@@ -2778,7 +2778,7 @@
         <p:spPr>
           <a:xfrm>
             <a:off x="7920000" y="5400000"/>
-            <a:ext cx="894960" cy="894960"/>
+            <a:ext cx="894600" cy="894600"/>
           </a:xfrm>
           <a:prstGeom prst="ellipse">
             <a:avLst/>
@@ -3555,7 +3555,7 @@
         <p:spPr>
           <a:xfrm>
             <a:off x="3420000" y="5130000"/>
-            <a:ext cx="3234960" cy="387360"/>
+            <a:ext cx="3234600" cy="387000"/>
           </a:xfrm>
           <a:prstGeom prst="rect">
             <a:avLst/>
@@ -3627,7 +3627,7 @@
         <p:spPr>
           <a:xfrm>
             <a:off x="7560000" y="5130000"/>
-            <a:ext cx="2334960" cy="387360"/>
+            <a:ext cx="2334600" cy="387000"/>
           </a:xfrm>
           <a:prstGeom prst="rect">
             <a:avLst/>
@@ -3668,7 +3668,7 @@
                 <a:tab algn="l" pos="0"/>
               </a:tabLst>
             </a:pPr>
-            <a:fld id="{77B48A1D-A071-44D4-92C1-7EEB1F2C56C3}" type="slidenum">
+            <a:fld id="{91F1F3A3-8EFF-4135-9593-B2CC857CD4EB}" type="slidenum">
               <a:rPr b="0" lang="en-US" sz="1400" spc="-1" strike="noStrike">
                 <a:solidFill>
                   <a:srgbClr val="ffffff"/>
@@ -3699,7 +3699,7 @@
         <p:spPr>
           <a:xfrm>
             <a:off x="180000" y="5130000"/>
-            <a:ext cx="2334960" cy="387360"/>
+            <a:ext cx="2334600" cy="387000"/>
           </a:xfrm>
           <a:prstGeom prst="rect">
             <a:avLst/>
@@ -3774,14 +3774,14 @@
       </p:grpSpPr>
       <p:sp>
         <p:nvSpPr>
-          <p:cNvPr id="183" name=""/>
+          <p:cNvPr id="177" name=""/>
           <p:cNvSpPr/>
           <p:nvPr/>
         </p:nvSpPr>
         <p:spPr>
           <a:xfrm>
             <a:off x="0" y="0"/>
-            <a:ext cx="10074960" cy="5664960"/>
+            <a:ext cx="10074600" cy="5664600"/>
           </a:xfrm>
           <a:prstGeom prst="rect">
             <a:avLst/>
@@ -3829,14 +3829,14 @@
       </p:sp>
       <p:sp>
         <p:nvSpPr>
-          <p:cNvPr id="184" name=""/>
+          <p:cNvPr id="178" name=""/>
           <p:cNvSpPr/>
           <p:nvPr/>
         </p:nvSpPr>
         <p:spPr>
           <a:xfrm>
             <a:off x="1440000" y="1080000"/>
-            <a:ext cx="1434960" cy="1254960"/>
+            <a:ext cx="1434600" cy="1254600"/>
           </a:xfrm>
           <a:prstGeom prst="ellipse">
             <a:avLst/>
@@ -3878,14 +3878,14 @@
       </p:sp>
       <p:sp>
         <p:nvSpPr>
-          <p:cNvPr id="185" name=""/>
+          <p:cNvPr id="179" name=""/>
           <p:cNvSpPr/>
           <p:nvPr/>
         </p:nvSpPr>
         <p:spPr>
           <a:xfrm>
             <a:off x="7380000" y="3960000"/>
-            <a:ext cx="1434960" cy="1254960"/>
+            <a:ext cx="1434600" cy="1254600"/>
           </a:xfrm>
           <a:prstGeom prst="ellipse">
             <a:avLst/>
@@ -3927,14 +3927,14 @@
       </p:sp>
       <p:sp>
         <p:nvSpPr>
-          <p:cNvPr id="186" name=""/>
+          <p:cNvPr id="180" name=""/>
           <p:cNvSpPr/>
           <p:nvPr/>
         </p:nvSpPr>
         <p:spPr>
           <a:xfrm>
             <a:off x="9000000" y="2700000"/>
-            <a:ext cx="1254960" cy="1074960"/>
+            <a:ext cx="1254600" cy="1074600"/>
           </a:xfrm>
           <a:prstGeom prst="ellipse">
             <a:avLst/>
@@ -3976,14 +3976,14 @@
       </p:sp>
       <p:sp>
         <p:nvSpPr>
-          <p:cNvPr id="187" name=""/>
+          <p:cNvPr id="181" name=""/>
           <p:cNvSpPr/>
           <p:nvPr/>
         </p:nvSpPr>
         <p:spPr>
           <a:xfrm>
             <a:off x="-180000" y="2430000"/>
-            <a:ext cx="1434960" cy="1344960"/>
+            <a:ext cx="1434600" cy="1344600"/>
           </a:xfrm>
           <a:prstGeom prst="ellipse">
             <a:avLst/>
@@ -4025,14 +4025,14 @@
       </p:sp>
       <p:sp>
         <p:nvSpPr>
-          <p:cNvPr id="188" name=""/>
+          <p:cNvPr id="182" name=""/>
           <p:cNvSpPr/>
           <p:nvPr/>
         </p:nvSpPr>
         <p:spPr>
           <a:xfrm>
             <a:off x="540000" y="1080000"/>
-            <a:ext cx="714960" cy="714960"/>
+            <a:ext cx="714600" cy="714600"/>
           </a:xfrm>
           <a:prstGeom prst="ellipse">
             <a:avLst/>
@@ -4074,14 +4074,14 @@
       </p:sp>
       <p:sp>
         <p:nvSpPr>
-          <p:cNvPr id="189" name=""/>
+          <p:cNvPr id="183" name=""/>
           <p:cNvSpPr/>
           <p:nvPr/>
         </p:nvSpPr>
         <p:spPr>
           <a:xfrm>
             <a:off x="0" y="1260000"/>
-            <a:ext cx="714960" cy="714960"/>
+            <a:ext cx="714600" cy="714600"/>
           </a:xfrm>
           <a:prstGeom prst="ellipse">
             <a:avLst/>
@@ -4123,14 +4123,14 @@
       </p:sp>
       <p:sp>
         <p:nvSpPr>
-          <p:cNvPr id="190" name=""/>
+          <p:cNvPr id="184" name=""/>
           <p:cNvSpPr/>
           <p:nvPr/>
         </p:nvSpPr>
         <p:spPr>
           <a:xfrm>
             <a:off x="0" y="5220000"/>
-            <a:ext cx="1614960" cy="1254960"/>
+            <a:ext cx="1614600" cy="1254600"/>
           </a:xfrm>
           <a:prstGeom prst="ellipse">
             <a:avLst/>
@@ -4172,14 +4172,14 @@
       </p:sp>
       <p:sp>
         <p:nvSpPr>
-          <p:cNvPr id="191" name=""/>
+          <p:cNvPr id="185" name=""/>
           <p:cNvSpPr/>
           <p:nvPr/>
         </p:nvSpPr>
         <p:spPr>
           <a:xfrm>
             <a:off x="9720000" y="4680000"/>
-            <a:ext cx="714960" cy="714960"/>
+            <a:ext cx="714600" cy="714600"/>
           </a:xfrm>
           <a:prstGeom prst="ellipse">
             <a:avLst/>
@@ -4221,14 +4221,14 @@
       </p:sp>
       <p:sp>
         <p:nvSpPr>
-          <p:cNvPr id="192" name=""/>
+          <p:cNvPr id="186" name=""/>
           <p:cNvSpPr/>
           <p:nvPr/>
         </p:nvSpPr>
         <p:spPr>
           <a:xfrm>
             <a:off x="9540000" y="3420000"/>
-            <a:ext cx="714960" cy="714960"/>
+            <a:ext cx="714600" cy="714600"/>
           </a:xfrm>
           <a:prstGeom prst="ellipse">
             <a:avLst/>
@@ -4270,14 +4270,14 @@
       </p:sp>
       <p:sp>
         <p:nvSpPr>
-          <p:cNvPr id="193" name=""/>
+          <p:cNvPr id="187" name=""/>
           <p:cNvSpPr/>
           <p:nvPr/>
         </p:nvSpPr>
         <p:spPr>
           <a:xfrm>
             <a:off x="8100000" y="4680000"/>
-            <a:ext cx="1074960" cy="837360"/>
+            <a:ext cx="1074600" cy="837000"/>
           </a:xfrm>
           <a:prstGeom prst="ellipse">
             <a:avLst/>
@@ -4319,14 +4319,14 @@
       </p:sp>
       <p:sp>
         <p:nvSpPr>
-          <p:cNvPr id="194" name=""/>
+          <p:cNvPr id="188" name=""/>
           <p:cNvSpPr/>
           <p:nvPr/>
         </p:nvSpPr>
         <p:spPr>
           <a:xfrm>
             <a:off x="7920000" y="5400000"/>
-            <a:ext cx="894960" cy="894960"/>
+            <a:ext cx="894600" cy="894600"/>
           </a:xfrm>
           <a:prstGeom prst="ellipse">
             <a:avLst/>
@@ -4368,7 +4368,7 @@
       </p:sp>
       <p:sp>
         <p:nvSpPr>
-          <p:cNvPr id="195" name="PlaceHolder 1"/>
+          <p:cNvPr id="189" name="PlaceHolder 1"/>
           <p:cNvSpPr>
             <a:spLocks noGrp="1"/>
           </p:cNvSpPr>
@@ -4379,7 +4379,7 @@
         <p:spPr>
           <a:xfrm>
             <a:off x="3420000" y="5130000"/>
-            <a:ext cx="3234960" cy="387360"/>
+            <a:ext cx="3234600" cy="387000"/>
           </a:xfrm>
           <a:prstGeom prst="rect">
             <a:avLst/>
@@ -4440,7 +4440,7 @@
       </p:sp>
       <p:sp>
         <p:nvSpPr>
-          <p:cNvPr id="196" name="PlaceHolder 2"/>
+          <p:cNvPr id="190" name="PlaceHolder 2"/>
           <p:cNvSpPr>
             <a:spLocks noGrp="1"/>
           </p:cNvSpPr>
@@ -4451,7 +4451,7 @@
         <p:spPr>
           <a:xfrm>
             <a:off x="7560000" y="5130000"/>
-            <a:ext cx="2334960" cy="387360"/>
+            <a:ext cx="2334600" cy="387000"/>
           </a:xfrm>
           <a:prstGeom prst="rect">
             <a:avLst/>
@@ -4492,7 +4492,7 @@
                 <a:tab algn="l" pos="0"/>
               </a:tabLst>
             </a:pPr>
-            <a:fld id="{9772AD0A-C8CE-4435-8858-4B5DB74F5790}" type="slidenum">
+            <a:fld id="{AE55C776-EE34-4480-B338-6021C3549FA8}" type="slidenum">
               <a:rPr b="0" lang="en-US" sz="1400" spc="-1" strike="noStrike">
                 <a:solidFill>
                   <a:srgbClr val="ffffff"/>
@@ -4512,7 +4512,7 @@
       </p:sp>
       <p:sp>
         <p:nvSpPr>
-          <p:cNvPr id="197" name="PlaceHolder 3"/>
+          <p:cNvPr id="191" name="PlaceHolder 3"/>
           <p:cNvSpPr>
             <a:spLocks noGrp="1"/>
           </p:cNvSpPr>
@@ -4523,7 +4523,7 @@
         <p:spPr>
           <a:xfrm>
             <a:off x="180000" y="5130000"/>
-            <a:ext cx="2334960" cy="387360"/>
+            <a:ext cx="2334600" cy="387000"/>
           </a:xfrm>
           <a:prstGeom prst="rect">
             <a:avLst/>
@@ -4598,14 +4598,14 @@
       </p:grpSpPr>
       <p:sp>
         <p:nvSpPr>
-          <p:cNvPr id="198" name=""/>
+          <p:cNvPr id="192" name=""/>
           <p:cNvSpPr/>
           <p:nvPr/>
         </p:nvSpPr>
         <p:spPr>
           <a:xfrm>
             <a:off x="0" y="0"/>
-            <a:ext cx="10074960" cy="5664960"/>
+            <a:ext cx="10074600" cy="5664600"/>
           </a:xfrm>
           <a:prstGeom prst="rect">
             <a:avLst/>
@@ -4653,14 +4653,14 @@
       </p:sp>
       <p:sp>
         <p:nvSpPr>
-          <p:cNvPr id="199" name=""/>
+          <p:cNvPr id="193" name=""/>
           <p:cNvSpPr/>
           <p:nvPr/>
         </p:nvSpPr>
         <p:spPr>
           <a:xfrm>
             <a:off x="1440000" y="1080000"/>
-            <a:ext cx="1434960" cy="1254960"/>
+            <a:ext cx="1434600" cy="1254600"/>
           </a:xfrm>
           <a:prstGeom prst="ellipse">
             <a:avLst/>
@@ -4702,14 +4702,14 @@
       </p:sp>
       <p:sp>
         <p:nvSpPr>
-          <p:cNvPr id="200" name=""/>
+          <p:cNvPr id="194" name=""/>
           <p:cNvSpPr/>
           <p:nvPr/>
         </p:nvSpPr>
         <p:spPr>
           <a:xfrm>
             <a:off x="7380000" y="3960000"/>
-            <a:ext cx="1434960" cy="1254960"/>
+            <a:ext cx="1434600" cy="1254600"/>
           </a:xfrm>
           <a:prstGeom prst="ellipse">
             <a:avLst/>
@@ -4751,14 +4751,14 @@
       </p:sp>
       <p:sp>
         <p:nvSpPr>
-          <p:cNvPr id="201" name=""/>
+          <p:cNvPr id="195" name=""/>
           <p:cNvSpPr/>
           <p:nvPr/>
         </p:nvSpPr>
         <p:spPr>
           <a:xfrm>
             <a:off x="9000000" y="2700000"/>
-            <a:ext cx="1254960" cy="1074960"/>
+            <a:ext cx="1254600" cy="1074600"/>
           </a:xfrm>
           <a:prstGeom prst="ellipse">
             <a:avLst/>
@@ -4800,14 +4800,14 @@
       </p:sp>
       <p:sp>
         <p:nvSpPr>
-          <p:cNvPr id="202" name=""/>
+          <p:cNvPr id="196" name=""/>
           <p:cNvSpPr/>
           <p:nvPr/>
         </p:nvSpPr>
         <p:spPr>
           <a:xfrm>
             <a:off x="-180000" y="2430000"/>
-            <a:ext cx="1434960" cy="1344960"/>
+            <a:ext cx="1434600" cy="1344600"/>
           </a:xfrm>
           <a:prstGeom prst="ellipse">
             <a:avLst/>
@@ -4849,14 +4849,14 @@
       </p:sp>
       <p:sp>
         <p:nvSpPr>
-          <p:cNvPr id="203" name=""/>
+          <p:cNvPr id="197" name=""/>
           <p:cNvSpPr/>
           <p:nvPr/>
         </p:nvSpPr>
         <p:spPr>
           <a:xfrm>
             <a:off x="540000" y="1080000"/>
-            <a:ext cx="714960" cy="714960"/>
+            <a:ext cx="714600" cy="714600"/>
           </a:xfrm>
           <a:prstGeom prst="ellipse">
             <a:avLst/>
@@ -4898,14 +4898,14 @@
       </p:sp>
       <p:sp>
         <p:nvSpPr>
-          <p:cNvPr id="204" name=""/>
+          <p:cNvPr id="198" name=""/>
           <p:cNvSpPr/>
           <p:nvPr/>
         </p:nvSpPr>
         <p:spPr>
           <a:xfrm>
             <a:off x="0" y="1260000"/>
-            <a:ext cx="714960" cy="714960"/>
+            <a:ext cx="714600" cy="714600"/>
           </a:xfrm>
           <a:prstGeom prst="ellipse">
             <a:avLst/>
@@ -4947,14 +4947,14 @@
       </p:sp>
       <p:sp>
         <p:nvSpPr>
-          <p:cNvPr id="205" name=""/>
+          <p:cNvPr id="199" name=""/>
           <p:cNvSpPr/>
           <p:nvPr/>
         </p:nvSpPr>
         <p:spPr>
           <a:xfrm>
             <a:off x="0" y="5220000"/>
-            <a:ext cx="1614960" cy="1254960"/>
+            <a:ext cx="1614600" cy="1254600"/>
           </a:xfrm>
           <a:prstGeom prst="ellipse">
             <a:avLst/>
@@ -4996,14 +4996,14 @@
       </p:sp>
       <p:sp>
         <p:nvSpPr>
-          <p:cNvPr id="206" name=""/>
+          <p:cNvPr id="200" name=""/>
           <p:cNvSpPr/>
           <p:nvPr/>
         </p:nvSpPr>
         <p:spPr>
           <a:xfrm>
             <a:off x="9720000" y="4680000"/>
-            <a:ext cx="714960" cy="714960"/>
+            <a:ext cx="714600" cy="714600"/>
           </a:xfrm>
           <a:prstGeom prst="ellipse">
             <a:avLst/>
@@ -5045,14 +5045,14 @@
       </p:sp>
       <p:sp>
         <p:nvSpPr>
-          <p:cNvPr id="207" name=""/>
+          <p:cNvPr id="201" name=""/>
           <p:cNvSpPr/>
           <p:nvPr/>
         </p:nvSpPr>
         <p:spPr>
           <a:xfrm>
             <a:off x="9540000" y="3420000"/>
-            <a:ext cx="714960" cy="714960"/>
+            <a:ext cx="714600" cy="714600"/>
           </a:xfrm>
           <a:prstGeom prst="ellipse">
             <a:avLst/>
@@ -5094,14 +5094,14 @@
       </p:sp>
       <p:sp>
         <p:nvSpPr>
-          <p:cNvPr id="208" name=""/>
+          <p:cNvPr id="202" name=""/>
           <p:cNvSpPr/>
           <p:nvPr/>
         </p:nvSpPr>
         <p:spPr>
           <a:xfrm>
             <a:off x="8100000" y="4680000"/>
-            <a:ext cx="1074960" cy="837360"/>
+            <a:ext cx="1074600" cy="837000"/>
           </a:xfrm>
           <a:prstGeom prst="ellipse">
             <a:avLst/>
@@ -5143,14 +5143,14 @@
       </p:sp>
       <p:sp>
         <p:nvSpPr>
-          <p:cNvPr id="209" name=""/>
+          <p:cNvPr id="203" name=""/>
           <p:cNvSpPr/>
           <p:nvPr/>
         </p:nvSpPr>
         <p:spPr>
           <a:xfrm>
             <a:off x="7920000" y="5400000"/>
-            <a:ext cx="894960" cy="894960"/>
+            <a:ext cx="894600" cy="894600"/>
           </a:xfrm>
           <a:prstGeom prst="ellipse">
             <a:avLst/>
@@ -5192,7 +5192,7 @@
       </p:sp>
       <p:sp>
         <p:nvSpPr>
-          <p:cNvPr id="210" name="PlaceHolder 1"/>
+          <p:cNvPr id="204" name="PlaceHolder 1"/>
           <p:cNvSpPr>
             <a:spLocks noGrp="1"/>
           </p:cNvSpPr>
@@ -5241,7 +5241,7 @@
       </p:sp>
       <p:sp>
         <p:nvSpPr>
-          <p:cNvPr id="211" name="PlaceHolder 2"/>
+          <p:cNvPr id="205" name="PlaceHolder 2"/>
           <p:cNvSpPr>
             <a:spLocks noGrp="1"/>
           </p:cNvSpPr>
@@ -5466,7 +5466,7 @@
       </p:sp>
       <p:sp>
         <p:nvSpPr>
-          <p:cNvPr id="212" name="PlaceHolder 3"/>
+          <p:cNvPr id="206" name="PlaceHolder 3"/>
           <p:cNvSpPr>
             <a:spLocks noGrp="1"/>
           </p:cNvSpPr>
@@ -5691,7 +5691,7 @@
       </p:sp>
       <p:sp>
         <p:nvSpPr>
-          <p:cNvPr id="213" name="PlaceHolder 4"/>
+          <p:cNvPr id="207" name="PlaceHolder 4"/>
           <p:cNvSpPr>
             <a:spLocks noGrp="1"/>
           </p:cNvSpPr>
@@ -5916,7 +5916,7 @@
       </p:sp>
       <p:sp>
         <p:nvSpPr>
-          <p:cNvPr id="214" name="PlaceHolder 5"/>
+          <p:cNvPr id="208" name="PlaceHolder 5"/>
           <p:cNvSpPr>
             <a:spLocks noGrp="1"/>
           </p:cNvSpPr>
@@ -5927,7 +5927,7 @@
         <p:spPr>
           <a:xfrm>
             <a:off x="3420000" y="5130000"/>
-            <a:ext cx="3234960" cy="387360"/>
+            <a:ext cx="3234600" cy="387000"/>
           </a:xfrm>
           <a:prstGeom prst="rect">
             <a:avLst/>
@@ -5988,7 +5988,7 @@
       </p:sp>
       <p:sp>
         <p:nvSpPr>
-          <p:cNvPr id="215" name="PlaceHolder 6"/>
+          <p:cNvPr id="209" name="PlaceHolder 6"/>
           <p:cNvSpPr>
             <a:spLocks noGrp="1"/>
           </p:cNvSpPr>
@@ -5999,7 +5999,7 @@
         <p:spPr>
           <a:xfrm>
             <a:off x="7560000" y="5130000"/>
-            <a:ext cx="2334960" cy="387360"/>
+            <a:ext cx="2334600" cy="387000"/>
           </a:xfrm>
           <a:prstGeom prst="rect">
             <a:avLst/>
@@ -6040,7 +6040,7 @@
                 <a:tab algn="l" pos="0"/>
               </a:tabLst>
             </a:pPr>
-            <a:fld id="{E46198CB-EF1C-46B1-8ACA-EB08B10DE977}" type="slidenum">
+            <a:fld id="{BEE5A912-3FA7-4F9F-9D41-40DF51E7CBD4}" type="slidenum">
               <a:rPr b="0" lang="en-US" sz="1400" spc="-1" strike="noStrike">
                 <a:solidFill>
                   <a:srgbClr val="ffffff"/>
@@ -6060,7 +6060,7 @@
       </p:sp>
       <p:sp>
         <p:nvSpPr>
-          <p:cNvPr id="216" name="PlaceHolder 7"/>
+          <p:cNvPr id="210" name="PlaceHolder 7"/>
           <p:cNvSpPr>
             <a:spLocks noGrp="1"/>
           </p:cNvSpPr>
@@ -6071,7 +6071,7 @@
         <p:spPr>
           <a:xfrm>
             <a:off x="180000" y="5130000"/>
-            <a:ext cx="2334960" cy="387360"/>
+            <a:ext cx="2334600" cy="387000"/>
           </a:xfrm>
           <a:prstGeom prst="rect">
             <a:avLst/>
@@ -6146,14 +6146,14 @@
       </p:grpSpPr>
       <p:sp>
         <p:nvSpPr>
-          <p:cNvPr id="221" name=""/>
+          <p:cNvPr id="215" name=""/>
           <p:cNvSpPr/>
           <p:nvPr/>
         </p:nvSpPr>
         <p:spPr>
           <a:xfrm>
             <a:off x="0" y="0"/>
-            <a:ext cx="10074960" cy="5664960"/>
+            <a:ext cx="10074600" cy="5664600"/>
           </a:xfrm>
           <a:prstGeom prst="rect">
             <a:avLst/>
@@ -6201,14 +6201,14 @@
       </p:sp>
       <p:sp>
         <p:nvSpPr>
-          <p:cNvPr id="222" name=""/>
+          <p:cNvPr id="216" name=""/>
           <p:cNvSpPr/>
           <p:nvPr/>
         </p:nvSpPr>
         <p:spPr>
           <a:xfrm>
             <a:off x="1440000" y="1080000"/>
-            <a:ext cx="1434960" cy="1254960"/>
+            <a:ext cx="1434600" cy="1254600"/>
           </a:xfrm>
           <a:prstGeom prst="ellipse">
             <a:avLst/>
@@ -6250,14 +6250,14 @@
       </p:sp>
       <p:sp>
         <p:nvSpPr>
-          <p:cNvPr id="223" name=""/>
+          <p:cNvPr id="217" name=""/>
           <p:cNvSpPr/>
           <p:nvPr/>
         </p:nvSpPr>
         <p:spPr>
           <a:xfrm>
             <a:off x="7380000" y="3960000"/>
-            <a:ext cx="1434960" cy="1254960"/>
+            <a:ext cx="1434600" cy="1254600"/>
           </a:xfrm>
           <a:prstGeom prst="ellipse">
             <a:avLst/>
@@ -6299,14 +6299,14 @@
       </p:sp>
       <p:sp>
         <p:nvSpPr>
-          <p:cNvPr id="224" name=""/>
+          <p:cNvPr id="218" name=""/>
           <p:cNvSpPr/>
           <p:nvPr/>
         </p:nvSpPr>
         <p:spPr>
           <a:xfrm>
             <a:off x="9000000" y="2700000"/>
-            <a:ext cx="1254960" cy="1074960"/>
+            <a:ext cx="1254600" cy="1074600"/>
           </a:xfrm>
           <a:prstGeom prst="ellipse">
             <a:avLst/>
@@ -6348,14 +6348,14 @@
       </p:sp>
       <p:sp>
         <p:nvSpPr>
-          <p:cNvPr id="225" name=""/>
+          <p:cNvPr id="219" name=""/>
           <p:cNvSpPr/>
           <p:nvPr/>
         </p:nvSpPr>
         <p:spPr>
           <a:xfrm>
             <a:off x="-180000" y="2430000"/>
-            <a:ext cx="1434960" cy="1344960"/>
+            <a:ext cx="1434600" cy="1344600"/>
           </a:xfrm>
           <a:prstGeom prst="ellipse">
             <a:avLst/>
@@ -6397,14 +6397,14 @@
       </p:sp>
       <p:sp>
         <p:nvSpPr>
-          <p:cNvPr id="226" name=""/>
+          <p:cNvPr id="220" name=""/>
           <p:cNvSpPr/>
           <p:nvPr/>
         </p:nvSpPr>
         <p:spPr>
           <a:xfrm>
             <a:off x="540000" y="1080000"/>
-            <a:ext cx="714960" cy="714960"/>
+            <a:ext cx="714600" cy="714600"/>
           </a:xfrm>
           <a:prstGeom prst="ellipse">
             <a:avLst/>
@@ -6446,14 +6446,14 @@
       </p:sp>
       <p:sp>
         <p:nvSpPr>
-          <p:cNvPr id="227" name=""/>
+          <p:cNvPr id="221" name=""/>
           <p:cNvSpPr/>
           <p:nvPr/>
         </p:nvSpPr>
         <p:spPr>
           <a:xfrm>
             <a:off x="0" y="1260000"/>
-            <a:ext cx="714960" cy="714960"/>
+            <a:ext cx="714600" cy="714600"/>
           </a:xfrm>
           <a:prstGeom prst="ellipse">
             <a:avLst/>
@@ -6495,14 +6495,14 @@
       </p:sp>
       <p:sp>
         <p:nvSpPr>
-          <p:cNvPr id="228" name=""/>
+          <p:cNvPr id="222" name=""/>
           <p:cNvSpPr/>
           <p:nvPr/>
         </p:nvSpPr>
         <p:spPr>
           <a:xfrm>
             <a:off x="0" y="5220000"/>
-            <a:ext cx="1614960" cy="1254960"/>
+            <a:ext cx="1614600" cy="1254600"/>
           </a:xfrm>
           <a:prstGeom prst="ellipse">
             <a:avLst/>
@@ -6544,14 +6544,14 @@
       </p:sp>
       <p:sp>
         <p:nvSpPr>
-          <p:cNvPr id="229" name=""/>
+          <p:cNvPr id="223" name=""/>
           <p:cNvSpPr/>
           <p:nvPr/>
         </p:nvSpPr>
         <p:spPr>
           <a:xfrm>
             <a:off x="9720000" y="4680000"/>
-            <a:ext cx="714960" cy="714960"/>
+            <a:ext cx="714600" cy="714600"/>
           </a:xfrm>
           <a:prstGeom prst="ellipse">
             <a:avLst/>
@@ -6593,14 +6593,14 @@
       </p:sp>
       <p:sp>
         <p:nvSpPr>
-          <p:cNvPr id="230" name=""/>
+          <p:cNvPr id="224" name=""/>
           <p:cNvSpPr/>
           <p:nvPr/>
         </p:nvSpPr>
         <p:spPr>
           <a:xfrm>
             <a:off x="9540000" y="3420000"/>
-            <a:ext cx="714960" cy="714960"/>
+            <a:ext cx="714600" cy="714600"/>
           </a:xfrm>
           <a:prstGeom prst="ellipse">
             <a:avLst/>
@@ -6642,14 +6642,14 @@
       </p:sp>
       <p:sp>
         <p:nvSpPr>
-          <p:cNvPr id="231" name=""/>
+          <p:cNvPr id="225" name=""/>
           <p:cNvSpPr/>
           <p:nvPr/>
         </p:nvSpPr>
         <p:spPr>
           <a:xfrm>
             <a:off x="8100000" y="4680000"/>
-            <a:ext cx="1074960" cy="837360"/>
+            <a:ext cx="1074600" cy="837000"/>
           </a:xfrm>
           <a:prstGeom prst="ellipse">
             <a:avLst/>
@@ -6691,14 +6691,14 @@
       </p:sp>
       <p:sp>
         <p:nvSpPr>
-          <p:cNvPr id="232" name=""/>
+          <p:cNvPr id="226" name=""/>
           <p:cNvSpPr/>
           <p:nvPr/>
         </p:nvSpPr>
         <p:spPr>
           <a:xfrm>
             <a:off x="7920000" y="5400000"/>
-            <a:ext cx="894960" cy="894960"/>
+            <a:ext cx="894600" cy="894600"/>
           </a:xfrm>
           <a:prstGeom prst="ellipse">
             <a:avLst/>
@@ -6740,7 +6740,7 @@
       </p:sp>
       <p:sp>
         <p:nvSpPr>
-          <p:cNvPr id="233" name="PlaceHolder 1"/>
+          <p:cNvPr id="227" name="PlaceHolder 1"/>
           <p:cNvSpPr>
             <a:spLocks noGrp="1"/>
           </p:cNvSpPr>
@@ -6789,7 +6789,7 @@
       </p:sp>
       <p:sp>
         <p:nvSpPr>
-          <p:cNvPr id="234" name="PlaceHolder 2"/>
+          <p:cNvPr id="228" name="PlaceHolder 2"/>
           <p:cNvSpPr>
             <a:spLocks noGrp="1"/>
           </p:cNvSpPr>
@@ -7014,7 +7014,7 @@
       </p:sp>
       <p:sp>
         <p:nvSpPr>
-          <p:cNvPr id="235" name="PlaceHolder 3"/>
+          <p:cNvPr id="229" name="PlaceHolder 3"/>
           <p:cNvSpPr>
             <a:spLocks noGrp="1"/>
           </p:cNvSpPr>
@@ -7239,7 +7239,7 @@
       </p:sp>
       <p:sp>
         <p:nvSpPr>
-          <p:cNvPr id="236" name="PlaceHolder 4"/>
+          <p:cNvPr id="230" name="PlaceHolder 4"/>
           <p:cNvSpPr>
             <a:spLocks noGrp="1"/>
           </p:cNvSpPr>
@@ -7464,7 +7464,7 @@
       </p:sp>
       <p:sp>
         <p:nvSpPr>
-          <p:cNvPr id="237" name="PlaceHolder 5"/>
+          <p:cNvPr id="231" name="PlaceHolder 5"/>
           <p:cNvSpPr>
             <a:spLocks noGrp="1"/>
           </p:cNvSpPr>
@@ -7475,7 +7475,7 @@
         <p:spPr>
           <a:xfrm>
             <a:off x="3420000" y="5130000"/>
-            <a:ext cx="3234960" cy="387360"/>
+            <a:ext cx="3234600" cy="387000"/>
           </a:xfrm>
           <a:prstGeom prst="rect">
             <a:avLst/>
@@ -7536,7 +7536,7 @@
       </p:sp>
       <p:sp>
         <p:nvSpPr>
-          <p:cNvPr id="238" name="PlaceHolder 6"/>
+          <p:cNvPr id="232" name="PlaceHolder 6"/>
           <p:cNvSpPr>
             <a:spLocks noGrp="1"/>
           </p:cNvSpPr>
@@ -7547,7 +7547,7 @@
         <p:spPr>
           <a:xfrm>
             <a:off x="7560000" y="5130000"/>
-            <a:ext cx="2334960" cy="387360"/>
+            <a:ext cx="2334600" cy="387000"/>
           </a:xfrm>
           <a:prstGeom prst="rect">
             <a:avLst/>
@@ -7588,7 +7588,7 @@
                 <a:tab algn="l" pos="0"/>
               </a:tabLst>
             </a:pPr>
-            <a:fld id="{DEEAF56E-8272-489E-B5C6-DC95F0207D1E}" type="slidenum">
+            <a:fld id="{346F72C6-26E2-4A60-9533-4FE820427366}" type="slidenum">
               <a:rPr b="0" lang="en-US" sz="1400" spc="-1" strike="noStrike">
                 <a:solidFill>
                   <a:srgbClr val="ffffff"/>
@@ -7608,7 +7608,7 @@
       </p:sp>
       <p:sp>
         <p:nvSpPr>
-          <p:cNvPr id="239" name="PlaceHolder 7"/>
+          <p:cNvPr id="233" name="PlaceHolder 7"/>
           <p:cNvSpPr>
             <a:spLocks noGrp="1"/>
           </p:cNvSpPr>
@@ -7619,7 +7619,7 @@
         <p:spPr>
           <a:xfrm>
             <a:off x="180000" y="5130000"/>
-            <a:ext cx="2334960" cy="387360"/>
+            <a:ext cx="2334600" cy="387000"/>
           </a:xfrm>
           <a:prstGeom prst="rect">
             <a:avLst/>
@@ -7701,7 +7701,7 @@
         <p:spPr>
           <a:xfrm>
             <a:off x="0" y="0"/>
-            <a:ext cx="10074960" cy="5664960"/>
+            <a:ext cx="10074600" cy="5664600"/>
           </a:xfrm>
           <a:prstGeom prst="rect">
             <a:avLst/>
@@ -7756,7 +7756,7 @@
         <p:spPr>
           <a:xfrm>
             <a:off x="1440000" y="1080000"/>
-            <a:ext cx="1434960" cy="1254960"/>
+            <a:ext cx="1434600" cy="1254600"/>
           </a:xfrm>
           <a:prstGeom prst="ellipse">
             <a:avLst/>
@@ -7805,7 +7805,7 @@
         <p:spPr>
           <a:xfrm>
             <a:off x="7380000" y="3960000"/>
-            <a:ext cx="1434960" cy="1254960"/>
+            <a:ext cx="1434600" cy="1254600"/>
           </a:xfrm>
           <a:prstGeom prst="ellipse">
             <a:avLst/>
@@ -7854,7 +7854,7 @@
         <p:spPr>
           <a:xfrm>
             <a:off x="9000000" y="2700000"/>
-            <a:ext cx="1254960" cy="1074960"/>
+            <a:ext cx="1254600" cy="1074600"/>
           </a:xfrm>
           <a:prstGeom prst="ellipse">
             <a:avLst/>
@@ -7903,7 +7903,7 @@
         <p:spPr>
           <a:xfrm>
             <a:off x="-180000" y="2430000"/>
-            <a:ext cx="1434960" cy="1344960"/>
+            <a:ext cx="1434600" cy="1344600"/>
           </a:xfrm>
           <a:prstGeom prst="ellipse">
             <a:avLst/>
@@ -7952,7 +7952,7 @@
         <p:spPr>
           <a:xfrm>
             <a:off x="540000" y="1080000"/>
-            <a:ext cx="714960" cy="714960"/>
+            <a:ext cx="714600" cy="714600"/>
           </a:xfrm>
           <a:prstGeom prst="ellipse">
             <a:avLst/>
@@ -8001,7 +8001,7 @@
         <p:spPr>
           <a:xfrm>
             <a:off x="0" y="1260000"/>
-            <a:ext cx="714960" cy="714960"/>
+            <a:ext cx="714600" cy="714600"/>
           </a:xfrm>
           <a:prstGeom prst="ellipse">
             <a:avLst/>
@@ -8050,7 +8050,7 @@
         <p:spPr>
           <a:xfrm>
             <a:off x="0" y="5220000"/>
-            <a:ext cx="1614960" cy="1254960"/>
+            <a:ext cx="1614600" cy="1254600"/>
           </a:xfrm>
           <a:prstGeom prst="ellipse">
             <a:avLst/>
@@ -8099,7 +8099,7 @@
         <p:spPr>
           <a:xfrm>
             <a:off x="9720000" y="4680000"/>
-            <a:ext cx="714960" cy="714960"/>
+            <a:ext cx="714600" cy="714600"/>
           </a:xfrm>
           <a:prstGeom prst="ellipse">
             <a:avLst/>
@@ -8148,7 +8148,7 @@
         <p:spPr>
           <a:xfrm>
             <a:off x="9540000" y="3420000"/>
-            <a:ext cx="714960" cy="714960"/>
+            <a:ext cx="714600" cy="714600"/>
           </a:xfrm>
           <a:prstGeom prst="ellipse">
             <a:avLst/>
@@ -8197,7 +8197,7 @@
         <p:spPr>
           <a:xfrm>
             <a:off x="8100000" y="4680000"/>
-            <a:ext cx="1074960" cy="837360"/>
+            <a:ext cx="1074600" cy="837000"/>
           </a:xfrm>
           <a:prstGeom prst="ellipse">
             <a:avLst/>
@@ -8246,7 +8246,7 @@
         <p:spPr>
           <a:xfrm>
             <a:off x="7920000" y="5400000"/>
-            <a:ext cx="894960" cy="894960"/>
+            <a:ext cx="894600" cy="894600"/>
           </a:xfrm>
           <a:prstGeom prst="ellipse">
             <a:avLst/>
@@ -8798,7 +8798,7 @@
         <p:spPr>
           <a:xfrm>
             <a:off x="3420000" y="5130000"/>
-            <a:ext cx="3234960" cy="387360"/>
+            <a:ext cx="3234600" cy="387000"/>
           </a:xfrm>
           <a:prstGeom prst="rect">
             <a:avLst/>
@@ -8870,7 +8870,7 @@
         <p:spPr>
           <a:xfrm>
             <a:off x="7560000" y="5130000"/>
-            <a:ext cx="2334960" cy="387360"/>
+            <a:ext cx="2334600" cy="387000"/>
           </a:xfrm>
           <a:prstGeom prst="rect">
             <a:avLst/>
@@ -8911,7 +8911,7 @@
                 <a:tab algn="l" pos="0"/>
               </a:tabLst>
             </a:pPr>
-            <a:fld id="{D0B0BA17-9674-4A1D-B60D-15234762D8AD}" type="slidenum">
+            <a:fld id="{40E75ECC-0DCE-4E8F-8F45-7213957FB0E1}" type="slidenum">
               <a:rPr b="0" lang="en-US" sz="1400" spc="-1" strike="noStrike">
                 <a:solidFill>
                   <a:srgbClr val="ffffff"/>
@@ -8942,7 +8942,7 @@
         <p:spPr>
           <a:xfrm>
             <a:off x="180000" y="5130000"/>
-            <a:ext cx="2334960" cy="387360"/>
+            <a:ext cx="2334600" cy="387000"/>
           </a:xfrm>
           <a:prstGeom prst="rect">
             <a:avLst/>
@@ -9024,7 +9024,7 @@
         <p:spPr>
           <a:xfrm>
             <a:off x="0" y="0"/>
-            <a:ext cx="10074960" cy="5664960"/>
+            <a:ext cx="10074600" cy="5664600"/>
           </a:xfrm>
           <a:prstGeom prst="rect">
             <a:avLst/>
@@ -9079,7 +9079,7 @@
         <p:spPr>
           <a:xfrm>
             <a:off x="1440000" y="1080000"/>
-            <a:ext cx="1434960" cy="1254960"/>
+            <a:ext cx="1434600" cy="1254600"/>
           </a:xfrm>
           <a:prstGeom prst="ellipse">
             <a:avLst/>
@@ -9128,7 +9128,7 @@
         <p:spPr>
           <a:xfrm>
             <a:off x="7380000" y="3960000"/>
-            <a:ext cx="1434960" cy="1254960"/>
+            <a:ext cx="1434600" cy="1254600"/>
           </a:xfrm>
           <a:prstGeom prst="ellipse">
             <a:avLst/>
@@ -9177,7 +9177,7 @@
         <p:spPr>
           <a:xfrm>
             <a:off x="9000000" y="2700000"/>
-            <a:ext cx="1254960" cy="1074960"/>
+            <a:ext cx="1254600" cy="1074600"/>
           </a:xfrm>
           <a:prstGeom prst="ellipse">
             <a:avLst/>
@@ -9226,7 +9226,7 @@
         <p:spPr>
           <a:xfrm>
             <a:off x="-180000" y="2430000"/>
-            <a:ext cx="1434960" cy="1344960"/>
+            <a:ext cx="1434600" cy="1344600"/>
           </a:xfrm>
           <a:prstGeom prst="ellipse">
             <a:avLst/>
@@ -9275,7 +9275,7 @@
         <p:spPr>
           <a:xfrm>
             <a:off x="540000" y="1080000"/>
-            <a:ext cx="714960" cy="714960"/>
+            <a:ext cx="714600" cy="714600"/>
           </a:xfrm>
           <a:prstGeom prst="ellipse">
             <a:avLst/>
@@ -9324,7 +9324,7 @@
         <p:spPr>
           <a:xfrm>
             <a:off x="0" y="1260000"/>
-            <a:ext cx="714960" cy="714960"/>
+            <a:ext cx="714600" cy="714600"/>
           </a:xfrm>
           <a:prstGeom prst="ellipse">
             <a:avLst/>
@@ -9373,7 +9373,7 @@
         <p:spPr>
           <a:xfrm>
             <a:off x="0" y="5220000"/>
-            <a:ext cx="1614960" cy="1254960"/>
+            <a:ext cx="1614600" cy="1254600"/>
           </a:xfrm>
           <a:prstGeom prst="ellipse">
             <a:avLst/>
@@ -9422,7 +9422,7 @@
         <p:spPr>
           <a:xfrm>
             <a:off x="9720000" y="4680000"/>
-            <a:ext cx="714960" cy="714960"/>
+            <a:ext cx="714600" cy="714600"/>
           </a:xfrm>
           <a:prstGeom prst="ellipse">
             <a:avLst/>
@@ -9471,7 +9471,7 @@
         <p:spPr>
           <a:xfrm>
             <a:off x="9540000" y="3420000"/>
-            <a:ext cx="714960" cy="714960"/>
+            <a:ext cx="714600" cy="714600"/>
           </a:xfrm>
           <a:prstGeom prst="ellipse">
             <a:avLst/>
@@ -9520,7 +9520,7 @@
         <p:spPr>
           <a:xfrm>
             <a:off x="8100000" y="4680000"/>
-            <a:ext cx="1074960" cy="837360"/>
+            <a:ext cx="1074600" cy="837000"/>
           </a:xfrm>
           <a:prstGeom prst="ellipse">
             <a:avLst/>
@@ -9569,7 +9569,7 @@
         <p:spPr>
           <a:xfrm>
             <a:off x="7920000" y="5400000"/>
-            <a:ext cx="894960" cy="894960"/>
+            <a:ext cx="894600" cy="894600"/>
           </a:xfrm>
           <a:prstGeom prst="ellipse">
             <a:avLst/>
@@ -10571,7 +10571,7 @@
         <p:spPr>
           <a:xfrm>
             <a:off x="3420000" y="5130000"/>
-            <a:ext cx="3234960" cy="387360"/>
+            <a:ext cx="3234600" cy="387000"/>
           </a:xfrm>
           <a:prstGeom prst="rect">
             <a:avLst/>
@@ -10643,7 +10643,7 @@
         <p:spPr>
           <a:xfrm>
             <a:off x="7560000" y="5130000"/>
-            <a:ext cx="2334960" cy="387360"/>
+            <a:ext cx="2334600" cy="387000"/>
           </a:xfrm>
           <a:prstGeom prst="rect">
             <a:avLst/>
@@ -10684,7 +10684,7 @@
                 <a:tab algn="l" pos="0"/>
               </a:tabLst>
             </a:pPr>
-            <a:fld id="{B459DBE8-6F10-48D1-A6E1-5582622F1A02}" type="slidenum">
+            <a:fld id="{D9B5B609-4A2D-4442-8B2F-70015E4F76C2}" type="slidenum">
               <a:rPr b="0" lang="en-US" sz="1400" spc="-1" strike="noStrike">
                 <a:solidFill>
                   <a:srgbClr val="ffffff"/>
@@ -10715,7 +10715,7 @@
         <p:spPr>
           <a:xfrm>
             <a:off x="180000" y="5130000"/>
-            <a:ext cx="2334960" cy="387360"/>
+            <a:ext cx="2334600" cy="387000"/>
           </a:xfrm>
           <a:prstGeom prst="rect">
             <a:avLst/>
@@ -10797,7 +10797,7 @@
         <p:spPr>
           <a:xfrm>
             <a:off x="0" y="0"/>
-            <a:ext cx="10074960" cy="5664960"/>
+            <a:ext cx="10074600" cy="5664600"/>
           </a:xfrm>
           <a:prstGeom prst="rect">
             <a:avLst/>
@@ -10852,7 +10852,7 @@
         <p:spPr>
           <a:xfrm>
             <a:off x="1440000" y="1080000"/>
-            <a:ext cx="1434960" cy="1254960"/>
+            <a:ext cx="1434600" cy="1254600"/>
           </a:xfrm>
           <a:prstGeom prst="ellipse">
             <a:avLst/>
@@ -10901,7 +10901,7 @@
         <p:spPr>
           <a:xfrm>
             <a:off x="7380000" y="3960000"/>
-            <a:ext cx="1434960" cy="1254960"/>
+            <a:ext cx="1434600" cy="1254600"/>
           </a:xfrm>
           <a:prstGeom prst="ellipse">
             <a:avLst/>
@@ -10950,7 +10950,7 @@
         <p:spPr>
           <a:xfrm>
             <a:off x="9000000" y="2700000"/>
-            <a:ext cx="1254960" cy="1074960"/>
+            <a:ext cx="1254600" cy="1074600"/>
           </a:xfrm>
           <a:prstGeom prst="ellipse">
             <a:avLst/>
@@ -10999,7 +10999,7 @@
         <p:spPr>
           <a:xfrm>
             <a:off x="-180000" y="2430000"/>
-            <a:ext cx="1434960" cy="1344960"/>
+            <a:ext cx="1434600" cy="1344600"/>
           </a:xfrm>
           <a:prstGeom prst="ellipse">
             <a:avLst/>
@@ -11048,7 +11048,7 @@
         <p:spPr>
           <a:xfrm>
             <a:off x="540000" y="1080000"/>
-            <a:ext cx="714960" cy="714960"/>
+            <a:ext cx="714600" cy="714600"/>
           </a:xfrm>
           <a:prstGeom prst="ellipse">
             <a:avLst/>
@@ -11097,7 +11097,7 @@
         <p:spPr>
           <a:xfrm>
             <a:off x="0" y="1260000"/>
-            <a:ext cx="714960" cy="714960"/>
+            <a:ext cx="714600" cy="714600"/>
           </a:xfrm>
           <a:prstGeom prst="ellipse">
             <a:avLst/>
@@ -11146,7 +11146,7 @@
         <p:spPr>
           <a:xfrm>
             <a:off x="0" y="5220000"/>
-            <a:ext cx="1614960" cy="1254960"/>
+            <a:ext cx="1614600" cy="1254600"/>
           </a:xfrm>
           <a:prstGeom prst="ellipse">
             <a:avLst/>
@@ -11195,7 +11195,7 @@
         <p:spPr>
           <a:xfrm>
             <a:off x="9720000" y="4680000"/>
-            <a:ext cx="714960" cy="714960"/>
+            <a:ext cx="714600" cy="714600"/>
           </a:xfrm>
           <a:prstGeom prst="ellipse">
             <a:avLst/>
@@ -11244,7 +11244,7 @@
         <p:spPr>
           <a:xfrm>
             <a:off x="9540000" y="3420000"/>
-            <a:ext cx="714960" cy="714960"/>
+            <a:ext cx="714600" cy="714600"/>
           </a:xfrm>
           <a:prstGeom prst="ellipse">
             <a:avLst/>
@@ -11293,7 +11293,7 @@
         <p:spPr>
           <a:xfrm>
             <a:off x="8100000" y="4680000"/>
-            <a:ext cx="1074960" cy="837360"/>
+            <a:ext cx="1074600" cy="837000"/>
           </a:xfrm>
           <a:prstGeom prst="ellipse">
             <a:avLst/>
@@ -11342,7 +11342,7 @@
         <p:spPr>
           <a:xfrm>
             <a:off x="7920000" y="5400000"/>
-            <a:ext cx="894960" cy="894960"/>
+            <a:ext cx="894600" cy="894600"/>
           </a:xfrm>
           <a:prstGeom prst="ellipse">
             <a:avLst/>
@@ -11389,1412 +11389,13 @@
             <a:spLocks noGrp="1"/>
           </p:cNvSpPr>
           <p:nvPr>
-            <p:ph type="title"/>
-          </p:nvPr>
-        </p:nvSpPr>
-        <p:spPr>
-          <a:xfrm>
-            <a:off x="504000" y="226080"/>
-            <a:ext cx="9071640" cy="946080"/>
-          </a:xfrm>
-          <a:prstGeom prst="rect">
-            <a:avLst/>
-          </a:prstGeom>
-          <a:noFill/>
-          <a:ln w="0">
-            <a:noFill/>
-          </a:ln>
-        </p:spPr>
-        <p:txBody>
-          <a:bodyPr lIns="0" rIns="0" tIns="0" bIns="0" anchor="ctr">
-            <a:noAutofit/>
-          </a:bodyPr>
-          <a:p>
-            <a:pPr indent="0">
-              <a:buNone/>
-            </a:pPr>
-            <a:r>
-              <a:rPr b="0" lang="en-US" sz="1800" spc="-1" strike="noStrike">
-                <a:solidFill>
-                  <a:srgbClr val="000000"/>
-                </a:solidFill>
-                <a:latin typeface="Arial"/>
-              </a:rPr>
-              <a:t>Click to edit the title text format</a:t>
-            </a:r>
-            <a:endParaRPr b="0" lang="en-US" sz="1800" spc="-1" strike="noStrike">
-              <a:solidFill>
-                <a:srgbClr val="000000"/>
-              </a:solidFill>
-              <a:latin typeface="Arial"/>
-            </a:endParaRPr>
-          </a:p>
-        </p:txBody>
-      </p:sp>
-      <p:sp>
-        <p:nvSpPr>
-          <p:cNvPr id="82" name="PlaceHolder 2"/>
-          <p:cNvSpPr>
-            <a:spLocks noGrp="1"/>
-          </p:cNvSpPr>
-          <p:nvPr>
-            <p:ph type="body"/>
-          </p:nvPr>
-        </p:nvSpPr>
-        <p:spPr>
-          <a:xfrm>
-            <a:off x="504000" y="1326600"/>
-            <a:ext cx="2920680" cy="1568160"/>
-          </a:xfrm>
-          <a:prstGeom prst="rect">
-            <a:avLst/>
-          </a:prstGeom>
-          <a:noFill/>
-          <a:ln w="0">
-            <a:noFill/>
-          </a:ln>
-        </p:spPr>
-        <p:txBody>
-          <a:bodyPr lIns="0" rIns="0" tIns="0" bIns="0" anchor="t">
-            <a:normAutofit fontScale="18333" lnSpcReduction="10000"/>
-          </a:bodyPr>
-          <a:p>
-            <a:pPr marL="432000" indent="-324000">
-              <a:spcBef>
-                <a:spcPts val="1417"/>
-              </a:spcBef>
-              <a:buClr>
-                <a:srgbClr val="000000"/>
-              </a:buClr>
-              <a:buSzPct val="45000"/>
-              <a:buFont typeface="Wingdings" charset="2"/>
-              <a:buChar char=""/>
-            </a:pPr>
-            <a:r>
-              <a:rPr b="0" lang="en-US" sz="1800" spc="-1" strike="noStrike">
-                <a:solidFill>
-                  <a:srgbClr val="000000"/>
-                </a:solidFill>
-                <a:latin typeface="Arial"/>
-              </a:rPr>
-              <a:t>Click to edit the outline text format</a:t>
-            </a:r>
-            <a:endParaRPr b="0" lang="en-US" sz="1800" spc="-1" strike="noStrike">
-              <a:solidFill>
-                <a:srgbClr val="000000"/>
-              </a:solidFill>
-              <a:latin typeface="Arial"/>
-            </a:endParaRPr>
-          </a:p>
-          <a:p>
-            <a:pPr lvl="1" marL="864000" indent="-324000">
-              <a:spcBef>
-                <a:spcPts val="1134"/>
-              </a:spcBef>
-              <a:buClr>
-                <a:srgbClr val="000000"/>
-              </a:buClr>
-              <a:buSzPct val="75000"/>
-              <a:buFont typeface="Symbol" charset="2"/>
-              <a:buChar char=""/>
-            </a:pPr>
-            <a:r>
-              <a:rPr b="0" lang="en-US" sz="1800" spc="-1" strike="noStrike">
-                <a:solidFill>
-                  <a:srgbClr val="000000"/>
-                </a:solidFill>
-                <a:latin typeface="Arial"/>
-              </a:rPr>
-              <a:t>Second Outline Level</a:t>
-            </a:r>
-            <a:endParaRPr b="0" lang="en-US" sz="1800" spc="-1" strike="noStrike">
-              <a:solidFill>
-                <a:srgbClr val="000000"/>
-              </a:solidFill>
-              <a:latin typeface="Arial"/>
-            </a:endParaRPr>
-          </a:p>
-          <a:p>
-            <a:pPr lvl="2" marL="1296000" indent="-288000">
-              <a:spcBef>
-                <a:spcPts val="850"/>
-              </a:spcBef>
-              <a:buClr>
-                <a:srgbClr val="000000"/>
-              </a:buClr>
-              <a:buSzPct val="45000"/>
-              <a:buFont typeface="Wingdings" charset="2"/>
-              <a:buChar char=""/>
-            </a:pPr>
-            <a:r>
-              <a:rPr b="0" lang="en-US" sz="1800" spc="-1" strike="noStrike">
-                <a:solidFill>
-                  <a:srgbClr val="000000"/>
-                </a:solidFill>
-                <a:latin typeface="Arial"/>
-              </a:rPr>
-              <a:t>Third Outline Level</a:t>
-            </a:r>
-            <a:endParaRPr b="0" lang="en-US" sz="1800" spc="-1" strike="noStrike">
-              <a:solidFill>
-                <a:srgbClr val="000000"/>
-              </a:solidFill>
-              <a:latin typeface="Arial"/>
-            </a:endParaRPr>
-          </a:p>
-          <a:p>
-            <a:pPr lvl="3" marL="1728000" indent="-216000">
-              <a:spcBef>
-                <a:spcPts val="567"/>
-              </a:spcBef>
-              <a:buClr>
-                <a:srgbClr val="000000"/>
-              </a:buClr>
-              <a:buSzPct val="75000"/>
-              <a:buFont typeface="Symbol" charset="2"/>
-              <a:buChar char=""/>
-            </a:pPr>
-            <a:r>
-              <a:rPr b="0" lang="en-US" sz="1800" spc="-1" strike="noStrike">
-                <a:solidFill>
-                  <a:srgbClr val="000000"/>
-                </a:solidFill>
-                <a:latin typeface="Arial"/>
-              </a:rPr>
-              <a:t>Fourth Outline Level</a:t>
-            </a:r>
-            <a:endParaRPr b="0" lang="en-US" sz="1800" spc="-1" strike="noStrike">
-              <a:solidFill>
-                <a:srgbClr val="000000"/>
-              </a:solidFill>
-              <a:latin typeface="Arial"/>
-            </a:endParaRPr>
-          </a:p>
-          <a:p>
-            <a:pPr lvl="4" marL="2160000" indent="-216000">
-              <a:spcBef>
-                <a:spcPts val="283"/>
-              </a:spcBef>
-              <a:buClr>
-                <a:srgbClr val="000000"/>
-              </a:buClr>
-              <a:buSzPct val="45000"/>
-              <a:buFont typeface="Wingdings" charset="2"/>
-              <a:buChar char=""/>
-            </a:pPr>
-            <a:r>
-              <a:rPr b="0" lang="en-US" sz="1800" spc="-1" strike="noStrike">
-                <a:solidFill>
-                  <a:srgbClr val="000000"/>
-                </a:solidFill>
-                <a:latin typeface="Arial"/>
-              </a:rPr>
-              <a:t>Fifth Outline Level</a:t>
-            </a:r>
-            <a:endParaRPr b="0" lang="en-US" sz="1800" spc="-1" strike="noStrike">
-              <a:solidFill>
-                <a:srgbClr val="000000"/>
-              </a:solidFill>
-              <a:latin typeface="Arial"/>
-            </a:endParaRPr>
-          </a:p>
-          <a:p>
-            <a:pPr lvl="5" marL="2592000" indent="-216000">
-              <a:spcBef>
-                <a:spcPts val="283"/>
-              </a:spcBef>
-              <a:buClr>
-                <a:srgbClr val="000000"/>
-              </a:buClr>
-              <a:buSzPct val="45000"/>
-              <a:buFont typeface="Wingdings" charset="2"/>
-              <a:buChar char=""/>
-            </a:pPr>
-            <a:r>
-              <a:rPr b="0" lang="en-US" sz="1800" spc="-1" strike="noStrike">
-                <a:solidFill>
-                  <a:srgbClr val="000000"/>
-                </a:solidFill>
-                <a:latin typeface="Arial"/>
-              </a:rPr>
-              <a:t>Sixth Outline Level</a:t>
-            </a:r>
-            <a:endParaRPr b="0" lang="en-US" sz="1800" spc="-1" strike="noStrike">
-              <a:solidFill>
-                <a:srgbClr val="000000"/>
-              </a:solidFill>
-              <a:latin typeface="Arial"/>
-            </a:endParaRPr>
-          </a:p>
-          <a:p>
-            <a:pPr lvl="6" marL="3024000" indent="-216000">
-              <a:spcBef>
-                <a:spcPts val="283"/>
-              </a:spcBef>
-              <a:buClr>
-                <a:srgbClr val="000000"/>
-              </a:buClr>
-              <a:buSzPct val="45000"/>
-              <a:buFont typeface="Wingdings" charset="2"/>
-              <a:buChar char=""/>
-            </a:pPr>
-            <a:r>
-              <a:rPr b="0" lang="en-US" sz="1800" spc="-1" strike="noStrike">
-                <a:solidFill>
-                  <a:srgbClr val="000000"/>
-                </a:solidFill>
-                <a:latin typeface="Arial"/>
-              </a:rPr>
-              <a:t>Seventh Outline Level</a:t>
-            </a:r>
-            <a:endParaRPr b="0" lang="en-US" sz="1800" spc="-1" strike="noStrike">
-              <a:solidFill>
-                <a:srgbClr val="000000"/>
-              </a:solidFill>
-              <a:latin typeface="Arial"/>
-            </a:endParaRPr>
-          </a:p>
-        </p:txBody>
-      </p:sp>
-      <p:sp>
-        <p:nvSpPr>
-          <p:cNvPr id="83" name="PlaceHolder 3"/>
-          <p:cNvSpPr>
-            <a:spLocks noGrp="1"/>
-          </p:cNvSpPr>
-          <p:nvPr>
-            <p:ph type="body"/>
-          </p:nvPr>
-        </p:nvSpPr>
-        <p:spPr>
-          <a:xfrm>
-            <a:off x="3571560" y="1326600"/>
-            <a:ext cx="2920680" cy="1568160"/>
-          </a:xfrm>
-          <a:prstGeom prst="rect">
-            <a:avLst/>
-          </a:prstGeom>
-          <a:noFill/>
-          <a:ln w="0">
-            <a:noFill/>
-          </a:ln>
-        </p:spPr>
-        <p:txBody>
-          <a:bodyPr lIns="0" rIns="0" tIns="0" bIns="0" anchor="t">
-            <a:normAutofit fontScale="18333" lnSpcReduction="10000"/>
-          </a:bodyPr>
-          <a:p>
-            <a:pPr marL="432000" indent="-324000">
-              <a:spcBef>
-                <a:spcPts val="1417"/>
-              </a:spcBef>
-              <a:buClr>
-                <a:srgbClr val="000000"/>
-              </a:buClr>
-              <a:buSzPct val="45000"/>
-              <a:buFont typeface="Wingdings" charset="2"/>
-              <a:buChar char=""/>
-            </a:pPr>
-            <a:r>
-              <a:rPr b="0" lang="en-US" sz="1800" spc="-1" strike="noStrike">
-                <a:solidFill>
-                  <a:srgbClr val="000000"/>
-                </a:solidFill>
-                <a:latin typeface="Arial"/>
-              </a:rPr>
-              <a:t>Click to edit the outline text format</a:t>
-            </a:r>
-            <a:endParaRPr b="0" lang="en-US" sz="1800" spc="-1" strike="noStrike">
-              <a:solidFill>
-                <a:srgbClr val="000000"/>
-              </a:solidFill>
-              <a:latin typeface="Arial"/>
-            </a:endParaRPr>
-          </a:p>
-          <a:p>
-            <a:pPr lvl="1" marL="864000" indent="-324000">
-              <a:spcBef>
-                <a:spcPts val="1134"/>
-              </a:spcBef>
-              <a:buClr>
-                <a:srgbClr val="000000"/>
-              </a:buClr>
-              <a:buSzPct val="75000"/>
-              <a:buFont typeface="Symbol" charset="2"/>
-              <a:buChar char=""/>
-            </a:pPr>
-            <a:r>
-              <a:rPr b="0" lang="en-US" sz="1800" spc="-1" strike="noStrike">
-                <a:solidFill>
-                  <a:srgbClr val="000000"/>
-                </a:solidFill>
-                <a:latin typeface="Arial"/>
-              </a:rPr>
-              <a:t>Second Outline Level</a:t>
-            </a:r>
-            <a:endParaRPr b="0" lang="en-US" sz="1800" spc="-1" strike="noStrike">
-              <a:solidFill>
-                <a:srgbClr val="000000"/>
-              </a:solidFill>
-              <a:latin typeface="Arial"/>
-            </a:endParaRPr>
-          </a:p>
-          <a:p>
-            <a:pPr lvl="2" marL="1296000" indent="-288000">
-              <a:spcBef>
-                <a:spcPts val="850"/>
-              </a:spcBef>
-              <a:buClr>
-                <a:srgbClr val="000000"/>
-              </a:buClr>
-              <a:buSzPct val="45000"/>
-              <a:buFont typeface="Wingdings" charset="2"/>
-              <a:buChar char=""/>
-            </a:pPr>
-            <a:r>
-              <a:rPr b="0" lang="en-US" sz="1800" spc="-1" strike="noStrike">
-                <a:solidFill>
-                  <a:srgbClr val="000000"/>
-                </a:solidFill>
-                <a:latin typeface="Arial"/>
-              </a:rPr>
-              <a:t>Third Outline Level</a:t>
-            </a:r>
-            <a:endParaRPr b="0" lang="en-US" sz="1800" spc="-1" strike="noStrike">
-              <a:solidFill>
-                <a:srgbClr val="000000"/>
-              </a:solidFill>
-              <a:latin typeface="Arial"/>
-            </a:endParaRPr>
-          </a:p>
-          <a:p>
-            <a:pPr lvl="3" marL="1728000" indent="-216000">
-              <a:spcBef>
-                <a:spcPts val="567"/>
-              </a:spcBef>
-              <a:buClr>
-                <a:srgbClr val="000000"/>
-              </a:buClr>
-              <a:buSzPct val="75000"/>
-              <a:buFont typeface="Symbol" charset="2"/>
-              <a:buChar char=""/>
-            </a:pPr>
-            <a:r>
-              <a:rPr b="0" lang="en-US" sz="1800" spc="-1" strike="noStrike">
-                <a:solidFill>
-                  <a:srgbClr val="000000"/>
-                </a:solidFill>
-                <a:latin typeface="Arial"/>
-              </a:rPr>
-              <a:t>Fourth Outline Level</a:t>
-            </a:r>
-            <a:endParaRPr b="0" lang="en-US" sz="1800" spc="-1" strike="noStrike">
-              <a:solidFill>
-                <a:srgbClr val="000000"/>
-              </a:solidFill>
-              <a:latin typeface="Arial"/>
-            </a:endParaRPr>
-          </a:p>
-          <a:p>
-            <a:pPr lvl="4" marL="2160000" indent="-216000">
-              <a:spcBef>
-                <a:spcPts val="283"/>
-              </a:spcBef>
-              <a:buClr>
-                <a:srgbClr val="000000"/>
-              </a:buClr>
-              <a:buSzPct val="45000"/>
-              <a:buFont typeface="Wingdings" charset="2"/>
-              <a:buChar char=""/>
-            </a:pPr>
-            <a:r>
-              <a:rPr b="0" lang="en-US" sz="1800" spc="-1" strike="noStrike">
-                <a:solidFill>
-                  <a:srgbClr val="000000"/>
-                </a:solidFill>
-                <a:latin typeface="Arial"/>
-              </a:rPr>
-              <a:t>Fifth Outline Level</a:t>
-            </a:r>
-            <a:endParaRPr b="0" lang="en-US" sz="1800" spc="-1" strike="noStrike">
-              <a:solidFill>
-                <a:srgbClr val="000000"/>
-              </a:solidFill>
-              <a:latin typeface="Arial"/>
-            </a:endParaRPr>
-          </a:p>
-          <a:p>
-            <a:pPr lvl="5" marL="2592000" indent="-216000">
-              <a:spcBef>
-                <a:spcPts val="283"/>
-              </a:spcBef>
-              <a:buClr>
-                <a:srgbClr val="000000"/>
-              </a:buClr>
-              <a:buSzPct val="45000"/>
-              <a:buFont typeface="Wingdings" charset="2"/>
-              <a:buChar char=""/>
-            </a:pPr>
-            <a:r>
-              <a:rPr b="0" lang="en-US" sz="1800" spc="-1" strike="noStrike">
-                <a:solidFill>
-                  <a:srgbClr val="000000"/>
-                </a:solidFill>
-                <a:latin typeface="Arial"/>
-              </a:rPr>
-              <a:t>Sixth Outline Level</a:t>
-            </a:r>
-            <a:endParaRPr b="0" lang="en-US" sz="1800" spc="-1" strike="noStrike">
-              <a:solidFill>
-                <a:srgbClr val="000000"/>
-              </a:solidFill>
-              <a:latin typeface="Arial"/>
-            </a:endParaRPr>
-          </a:p>
-          <a:p>
-            <a:pPr lvl="6" marL="3024000" indent="-216000">
-              <a:spcBef>
-                <a:spcPts val="283"/>
-              </a:spcBef>
-              <a:buClr>
-                <a:srgbClr val="000000"/>
-              </a:buClr>
-              <a:buSzPct val="45000"/>
-              <a:buFont typeface="Wingdings" charset="2"/>
-              <a:buChar char=""/>
-            </a:pPr>
-            <a:r>
-              <a:rPr b="0" lang="en-US" sz="1800" spc="-1" strike="noStrike">
-                <a:solidFill>
-                  <a:srgbClr val="000000"/>
-                </a:solidFill>
-                <a:latin typeface="Arial"/>
-              </a:rPr>
-              <a:t>Seventh Outline Level</a:t>
-            </a:r>
-            <a:endParaRPr b="0" lang="en-US" sz="1800" spc="-1" strike="noStrike">
-              <a:solidFill>
-                <a:srgbClr val="000000"/>
-              </a:solidFill>
-              <a:latin typeface="Arial"/>
-            </a:endParaRPr>
-          </a:p>
-        </p:txBody>
-      </p:sp>
-      <p:sp>
-        <p:nvSpPr>
-          <p:cNvPr id="84" name="PlaceHolder 4"/>
-          <p:cNvSpPr>
-            <a:spLocks noGrp="1"/>
-          </p:cNvSpPr>
-          <p:nvPr>
-            <p:ph type="body"/>
-          </p:nvPr>
-        </p:nvSpPr>
-        <p:spPr>
-          <a:xfrm>
-            <a:off x="6639120" y="1326600"/>
-            <a:ext cx="2920680" cy="1568160"/>
-          </a:xfrm>
-          <a:prstGeom prst="rect">
-            <a:avLst/>
-          </a:prstGeom>
-          <a:noFill/>
-          <a:ln w="0">
-            <a:noFill/>
-          </a:ln>
-        </p:spPr>
-        <p:txBody>
-          <a:bodyPr lIns="0" rIns="0" tIns="0" bIns="0" anchor="t">
-            <a:normAutofit fontScale="18333" lnSpcReduction="10000"/>
-          </a:bodyPr>
-          <a:p>
-            <a:pPr marL="432000" indent="-324000">
-              <a:spcBef>
-                <a:spcPts val="1417"/>
-              </a:spcBef>
-              <a:buClr>
-                <a:srgbClr val="000000"/>
-              </a:buClr>
-              <a:buSzPct val="45000"/>
-              <a:buFont typeface="Wingdings" charset="2"/>
-              <a:buChar char=""/>
-            </a:pPr>
-            <a:r>
-              <a:rPr b="0" lang="en-US" sz="1800" spc="-1" strike="noStrike">
-                <a:solidFill>
-                  <a:srgbClr val="000000"/>
-                </a:solidFill>
-                <a:latin typeface="Arial"/>
-              </a:rPr>
-              <a:t>Click to edit the outline text format</a:t>
-            </a:r>
-            <a:endParaRPr b="0" lang="en-US" sz="1800" spc="-1" strike="noStrike">
-              <a:solidFill>
-                <a:srgbClr val="000000"/>
-              </a:solidFill>
-              <a:latin typeface="Arial"/>
-            </a:endParaRPr>
-          </a:p>
-          <a:p>
-            <a:pPr lvl="1" marL="864000" indent="-324000">
-              <a:spcBef>
-                <a:spcPts val="1134"/>
-              </a:spcBef>
-              <a:buClr>
-                <a:srgbClr val="000000"/>
-              </a:buClr>
-              <a:buSzPct val="75000"/>
-              <a:buFont typeface="Symbol" charset="2"/>
-              <a:buChar char=""/>
-            </a:pPr>
-            <a:r>
-              <a:rPr b="0" lang="en-US" sz="1800" spc="-1" strike="noStrike">
-                <a:solidFill>
-                  <a:srgbClr val="000000"/>
-                </a:solidFill>
-                <a:latin typeface="Arial"/>
-              </a:rPr>
-              <a:t>Second Outline Level</a:t>
-            </a:r>
-            <a:endParaRPr b="0" lang="en-US" sz="1800" spc="-1" strike="noStrike">
-              <a:solidFill>
-                <a:srgbClr val="000000"/>
-              </a:solidFill>
-              <a:latin typeface="Arial"/>
-            </a:endParaRPr>
-          </a:p>
-          <a:p>
-            <a:pPr lvl="2" marL="1296000" indent="-288000">
-              <a:spcBef>
-                <a:spcPts val="850"/>
-              </a:spcBef>
-              <a:buClr>
-                <a:srgbClr val="000000"/>
-              </a:buClr>
-              <a:buSzPct val="45000"/>
-              <a:buFont typeface="Wingdings" charset="2"/>
-              <a:buChar char=""/>
-            </a:pPr>
-            <a:r>
-              <a:rPr b="0" lang="en-US" sz="1800" spc="-1" strike="noStrike">
-                <a:solidFill>
-                  <a:srgbClr val="000000"/>
-                </a:solidFill>
-                <a:latin typeface="Arial"/>
-              </a:rPr>
-              <a:t>Third Outline Level</a:t>
-            </a:r>
-            <a:endParaRPr b="0" lang="en-US" sz="1800" spc="-1" strike="noStrike">
-              <a:solidFill>
-                <a:srgbClr val="000000"/>
-              </a:solidFill>
-              <a:latin typeface="Arial"/>
-            </a:endParaRPr>
-          </a:p>
-          <a:p>
-            <a:pPr lvl="3" marL="1728000" indent="-216000">
-              <a:spcBef>
-                <a:spcPts val="567"/>
-              </a:spcBef>
-              <a:buClr>
-                <a:srgbClr val="000000"/>
-              </a:buClr>
-              <a:buSzPct val="75000"/>
-              <a:buFont typeface="Symbol" charset="2"/>
-              <a:buChar char=""/>
-            </a:pPr>
-            <a:r>
-              <a:rPr b="0" lang="en-US" sz="1800" spc="-1" strike="noStrike">
-                <a:solidFill>
-                  <a:srgbClr val="000000"/>
-                </a:solidFill>
-                <a:latin typeface="Arial"/>
-              </a:rPr>
-              <a:t>Fourth Outline Level</a:t>
-            </a:r>
-            <a:endParaRPr b="0" lang="en-US" sz="1800" spc="-1" strike="noStrike">
-              <a:solidFill>
-                <a:srgbClr val="000000"/>
-              </a:solidFill>
-              <a:latin typeface="Arial"/>
-            </a:endParaRPr>
-          </a:p>
-          <a:p>
-            <a:pPr lvl="4" marL="2160000" indent="-216000">
-              <a:spcBef>
-                <a:spcPts val="283"/>
-              </a:spcBef>
-              <a:buClr>
-                <a:srgbClr val="000000"/>
-              </a:buClr>
-              <a:buSzPct val="45000"/>
-              <a:buFont typeface="Wingdings" charset="2"/>
-              <a:buChar char=""/>
-            </a:pPr>
-            <a:r>
-              <a:rPr b="0" lang="en-US" sz="1800" spc="-1" strike="noStrike">
-                <a:solidFill>
-                  <a:srgbClr val="000000"/>
-                </a:solidFill>
-                <a:latin typeface="Arial"/>
-              </a:rPr>
-              <a:t>Fifth Outline Level</a:t>
-            </a:r>
-            <a:endParaRPr b="0" lang="en-US" sz="1800" spc="-1" strike="noStrike">
-              <a:solidFill>
-                <a:srgbClr val="000000"/>
-              </a:solidFill>
-              <a:latin typeface="Arial"/>
-            </a:endParaRPr>
-          </a:p>
-          <a:p>
-            <a:pPr lvl="5" marL="2592000" indent="-216000">
-              <a:spcBef>
-                <a:spcPts val="283"/>
-              </a:spcBef>
-              <a:buClr>
-                <a:srgbClr val="000000"/>
-              </a:buClr>
-              <a:buSzPct val="45000"/>
-              <a:buFont typeface="Wingdings" charset="2"/>
-              <a:buChar char=""/>
-            </a:pPr>
-            <a:r>
-              <a:rPr b="0" lang="en-US" sz="1800" spc="-1" strike="noStrike">
-                <a:solidFill>
-                  <a:srgbClr val="000000"/>
-                </a:solidFill>
-                <a:latin typeface="Arial"/>
-              </a:rPr>
-              <a:t>Sixth Outline Level</a:t>
-            </a:r>
-            <a:endParaRPr b="0" lang="en-US" sz="1800" spc="-1" strike="noStrike">
-              <a:solidFill>
-                <a:srgbClr val="000000"/>
-              </a:solidFill>
-              <a:latin typeface="Arial"/>
-            </a:endParaRPr>
-          </a:p>
-          <a:p>
-            <a:pPr lvl="6" marL="3024000" indent="-216000">
-              <a:spcBef>
-                <a:spcPts val="283"/>
-              </a:spcBef>
-              <a:buClr>
-                <a:srgbClr val="000000"/>
-              </a:buClr>
-              <a:buSzPct val="45000"/>
-              <a:buFont typeface="Wingdings" charset="2"/>
-              <a:buChar char=""/>
-            </a:pPr>
-            <a:r>
-              <a:rPr b="0" lang="en-US" sz="1800" spc="-1" strike="noStrike">
-                <a:solidFill>
-                  <a:srgbClr val="000000"/>
-                </a:solidFill>
-                <a:latin typeface="Arial"/>
-              </a:rPr>
-              <a:t>Seventh Outline Level</a:t>
-            </a:r>
-            <a:endParaRPr b="0" lang="en-US" sz="1800" spc="-1" strike="noStrike">
-              <a:solidFill>
-                <a:srgbClr val="000000"/>
-              </a:solidFill>
-              <a:latin typeface="Arial"/>
-            </a:endParaRPr>
-          </a:p>
-        </p:txBody>
-      </p:sp>
-      <p:sp>
-        <p:nvSpPr>
-          <p:cNvPr id="85" name="PlaceHolder 5"/>
-          <p:cNvSpPr>
-            <a:spLocks noGrp="1"/>
-          </p:cNvSpPr>
-          <p:nvPr>
-            <p:ph type="body"/>
-          </p:nvPr>
-        </p:nvSpPr>
-        <p:spPr>
-          <a:xfrm>
-            <a:off x="504000" y="3044520"/>
-            <a:ext cx="2920680" cy="1568160"/>
-          </a:xfrm>
-          <a:prstGeom prst="rect">
-            <a:avLst/>
-          </a:prstGeom>
-          <a:noFill/>
-          <a:ln w="0">
-            <a:noFill/>
-          </a:ln>
-        </p:spPr>
-        <p:txBody>
-          <a:bodyPr lIns="0" rIns="0" tIns="0" bIns="0" anchor="t">
-            <a:normAutofit fontScale="18333" lnSpcReduction="10000"/>
-          </a:bodyPr>
-          <a:p>
-            <a:pPr marL="432000" indent="-324000">
-              <a:spcBef>
-                <a:spcPts val="1417"/>
-              </a:spcBef>
-              <a:buClr>
-                <a:srgbClr val="000000"/>
-              </a:buClr>
-              <a:buSzPct val="45000"/>
-              <a:buFont typeface="Wingdings" charset="2"/>
-              <a:buChar char=""/>
-            </a:pPr>
-            <a:r>
-              <a:rPr b="0" lang="en-US" sz="1800" spc="-1" strike="noStrike">
-                <a:solidFill>
-                  <a:srgbClr val="000000"/>
-                </a:solidFill>
-                <a:latin typeface="Arial"/>
-              </a:rPr>
-              <a:t>Click to edit the outline text format</a:t>
-            </a:r>
-            <a:endParaRPr b="0" lang="en-US" sz="1800" spc="-1" strike="noStrike">
-              <a:solidFill>
-                <a:srgbClr val="000000"/>
-              </a:solidFill>
-              <a:latin typeface="Arial"/>
-            </a:endParaRPr>
-          </a:p>
-          <a:p>
-            <a:pPr lvl="1" marL="864000" indent="-324000">
-              <a:spcBef>
-                <a:spcPts val="1134"/>
-              </a:spcBef>
-              <a:buClr>
-                <a:srgbClr val="000000"/>
-              </a:buClr>
-              <a:buSzPct val="75000"/>
-              <a:buFont typeface="Symbol" charset="2"/>
-              <a:buChar char=""/>
-            </a:pPr>
-            <a:r>
-              <a:rPr b="0" lang="en-US" sz="1800" spc="-1" strike="noStrike">
-                <a:solidFill>
-                  <a:srgbClr val="000000"/>
-                </a:solidFill>
-                <a:latin typeface="Arial"/>
-              </a:rPr>
-              <a:t>Second Outline Level</a:t>
-            </a:r>
-            <a:endParaRPr b="0" lang="en-US" sz="1800" spc="-1" strike="noStrike">
-              <a:solidFill>
-                <a:srgbClr val="000000"/>
-              </a:solidFill>
-              <a:latin typeface="Arial"/>
-            </a:endParaRPr>
-          </a:p>
-          <a:p>
-            <a:pPr lvl="2" marL="1296000" indent="-288000">
-              <a:spcBef>
-                <a:spcPts val="850"/>
-              </a:spcBef>
-              <a:buClr>
-                <a:srgbClr val="000000"/>
-              </a:buClr>
-              <a:buSzPct val="45000"/>
-              <a:buFont typeface="Wingdings" charset="2"/>
-              <a:buChar char=""/>
-            </a:pPr>
-            <a:r>
-              <a:rPr b="0" lang="en-US" sz="1800" spc="-1" strike="noStrike">
-                <a:solidFill>
-                  <a:srgbClr val="000000"/>
-                </a:solidFill>
-                <a:latin typeface="Arial"/>
-              </a:rPr>
-              <a:t>Third Outline Level</a:t>
-            </a:r>
-            <a:endParaRPr b="0" lang="en-US" sz="1800" spc="-1" strike="noStrike">
-              <a:solidFill>
-                <a:srgbClr val="000000"/>
-              </a:solidFill>
-              <a:latin typeface="Arial"/>
-            </a:endParaRPr>
-          </a:p>
-          <a:p>
-            <a:pPr lvl="3" marL="1728000" indent="-216000">
-              <a:spcBef>
-                <a:spcPts val="567"/>
-              </a:spcBef>
-              <a:buClr>
-                <a:srgbClr val="000000"/>
-              </a:buClr>
-              <a:buSzPct val="75000"/>
-              <a:buFont typeface="Symbol" charset="2"/>
-              <a:buChar char=""/>
-            </a:pPr>
-            <a:r>
-              <a:rPr b="0" lang="en-US" sz="1800" spc="-1" strike="noStrike">
-                <a:solidFill>
-                  <a:srgbClr val="000000"/>
-                </a:solidFill>
-                <a:latin typeface="Arial"/>
-              </a:rPr>
-              <a:t>Fourth Outline Level</a:t>
-            </a:r>
-            <a:endParaRPr b="0" lang="en-US" sz="1800" spc="-1" strike="noStrike">
-              <a:solidFill>
-                <a:srgbClr val="000000"/>
-              </a:solidFill>
-              <a:latin typeface="Arial"/>
-            </a:endParaRPr>
-          </a:p>
-          <a:p>
-            <a:pPr lvl="4" marL="2160000" indent="-216000">
-              <a:spcBef>
-                <a:spcPts val="283"/>
-              </a:spcBef>
-              <a:buClr>
-                <a:srgbClr val="000000"/>
-              </a:buClr>
-              <a:buSzPct val="45000"/>
-              <a:buFont typeface="Wingdings" charset="2"/>
-              <a:buChar char=""/>
-            </a:pPr>
-            <a:r>
-              <a:rPr b="0" lang="en-US" sz="1800" spc="-1" strike="noStrike">
-                <a:solidFill>
-                  <a:srgbClr val="000000"/>
-                </a:solidFill>
-                <a:latin typeface="Arial"/>
-              </a:rPr>
-              <a:t>Fifth Outline Level</a:t>
-            </a:r>
-            <a:endParaRPr b="0" lang="en-US" sz="1800" spc="-1" strike="noStrike">
-              <a:solidFill>
-                <a:srgbClr val="000000"/>
-              </a:solidFill>
-              <a:latin typeface="Arial"/>
-            </a:endParaRPr>
-          </a:p>
-          <a:p>
-            <a:pPr lvl="5" marL="2592000" indent="-216000">
-              <a:spcBef>
-                <a:spcPts val="283"/>
-              </a:spcBef>
-              <a:buClr>
-                <a:srgbClr val="000000"/>
-              </a:buClr>
-              <a:buSzPct val="45000"/>
-              <a:buFont typeface="Wingdings" charset="2"/>
-              <a:buChar char=""/>
-            </a:pPr>
-            <a:r>
-              <a:rPr b="0" lang="en-US" sz="1800" spc="-1" strike="noStrike">
-                <a:solidFill>
-                  <a:srgbClr val="000000"/>
-                </a:solidFill>
-                <a:latin typeface="Arial"/>
-              </a:rPr>
-              <a:t>Sixth Outline Level</a:t>
-            </a:r>
-            <a:endParaRPr b="0" lang="en-US" sz="1800" spc="-1" strike="noStrike">
-              <a:solidFill>
-                <a:srgbClr val="000000"/>
-              </a:solidFill>
-              <a:latin typeface="Arial"/>
-            </a:endParaRPr>
-          </a:p>
-          <a:p>
-            <a:pPr lvl="6" marL="3024000" indent="-216000">
-              <a:spcBef>
-                <a:spcPts val="283"/>
-              </a:spcBef>
-              <a:buClr>
-                <a:srgbClr val="000000"/>
-              </a:buClr>
-              <a:buSzPct val="45000"/>
-              <a:buFont typeface="Wingdings" charset="2"/>
-              <a:buChar char=""/>
-            </a:pPr>
-            <a:r>
-              <a:rPr b="0" lang="en-US" sz="1800" spc="-1" strike="noStrike">
-                <a:solidFill>
-                  <a:srgbClr val="000000"/>
-                </a:solidFill>
-                <a:latin typeface="Arial"/>
-              </a:rPr>
-              <a:t>Seventh Outline Level</a:t>
-            </a:r>
-            <a:endParaRPr b="0" lang="en-US" sz="1800" spc="-1" strike="noStrike">
-              <a:solidFill>
-                <a:srgbClr val="000000"/>
-              </a:solidFill>
-              <a:latin typeface="Arial"/>
-            </a:endParaRPr>
-          </a:p>
-        </p:txBody>
-      </p:sp>
-      <p:sp>
-        <p:nvSpPr>
-          <p:cNvPr id="86" name="PlaceHolder 6"/>
-          <p:cNvSpPr>
-            <a:spLocks noGrp="1"/>
-          </p:cNvSpPr>
-          <p:nvPr>
-            <p:ph type="body"/>
-          </p:nvPr>
-        </p:nvSpPr>
-        <p:spPr>
-          <a:xfrm>
-            <a:off x="3571560" y="3044520"/>
-            <a:ext cx="2920680" cy="1568160"/>
-          </a:xfrm>
-          <a:prstGeom prst="rect">
-            <a:avLst/>
-          </a:prstGeom>
-          <a:noFill/>
-          <a:ln w="0">
-            <a:noFill/>
-          </a:ln>
-        </p:spPr>
-        <p:txBody>
-          <a:bodyPr lIns="0" rIns="0" tIns="0" bIns="0" anchor="t">
-            <a:normAutofit fontScale="18333" lnSpcReduction="10000"/>
-          </a:bodyPr>
-          <a:p>
-            <a:pPr marL="432000" indent="-324000">
-              <a:spcBef>
-                <a:spcPts val="1417"/>
-              </a:spcBef>
-              <a:buClr>
-                <a:srgbClr val="000000"/>
-              </a:buClr>
-              <a:buSzPct val="45000"/>
-              <a:buFont typeface="Wingdings" charset="2"/>
-              <a:buChar char=""/>
-            </a:pPr>
-            <a:r>
-              <a:rPr b="0" lang="en-US" sz="1800" spc="-1" strike="noStrike">
-                <a:solidFill>
-                  <a:srgbClr val="000000"/>
-                </a:solidFill>
-                <a:latin typeface="Arial"/>
-              </a:rPr>
-              <a:t>Click to edit the outline text format</a:t>
-            </a:r>
-            <a:endParaRPr b="0" lang="en-US" sz="1800" spc="-1" strike="noStrike">
-              <a:solidFill>
-                <a:srgbClr val="000000"/>
-              </a:solidFill>
-              <a:latin typeface="Arial"/>
-            </a:endParaRPr>
-          </a:p>
-          <a:p>
-            <a:pPr lvl="1" marL="864000" indent="-324000">
-              <a:spcBef>
-                <a:spcPts val="1134"/>
-              </a:spcBef>
-              <a:buClr>
-                <a:srgbClr val="000000"/>
-              </a:buClr>
-              <a:buSzPct val="75000"/>
-              <a:buFont typeface="Symbol" charset="2"/>
-              <a:buChar char=""/>
-            </a:pPr>
-            <a:r>
-              <a:rPr b="0" lang="en-US" sz="1800" spc="-1" strike="noStrike">
-                <a:solidFill>
-                  <a:srgbClr val="000000"/>
-                </a:solidFill>
-                <a:latin typeface="Arial"/>
-              </a:rPr>
-              <a:t>Second Outline Level</a:t>
-            </a:r>
-            <a:endParaRPr b="0" lang="en-US" sz="1800" spc="-1" strike="noStrike">
-              <a:solidFill>
-                <a:srgbClr val="000000"/>
-              </a:solidFill>
-              <a:latin typeface="Arial"/>
-            </a:endParaRPr>
-          </a:p>
-          <a:p>
-            <a:pPr lvl="2" marL="1296000" indent="-288000">
-              <a:spcBef>
-                <a:spcPts val="850"/>
-              </a:spcBef>
-              <a:buClr>
-                <a:srgbClr val="000000"/>
-              </a:buClr>
-              <a:buSzPct val="45000"/>
-              <a:buFont typeface="Wingdings" charset="2"/>
-              <a:buChar char=""/>
-            </a:pPr>
-            <a:r>
-              <a:rPr b="0" lang="en-US" sz="1800" spc="-1" strike="noStrike">
-                <a:solidFill>
-                  <a:srgbClr val="000000"/>
-                </a:solidFill>
-                <a:latin typeface="Arial"/>
-              </a:rPr>
-              <a:t>Third Outline Level</a:t>
-            </a:r>
-            <a:endParaRPr b="0" lang="en-US" sz="1800" spc="-1" strike="noStrike">
-              <a:solidFill>
-                <a:srgbClr val="000000"/>
-              </a:solidFill>
-              <a:latin typeface="Arial"/>
-            </a:endParaRPr>
-          </a:p>
-          <a:p>
-            <a:pPr lvl="3" marL="1728000" indent="-216000">
-              <a:spcBef>
-                <a:spcPts val="567"/>
-              </a:spcBef>
-              <a:buClr>
-                <a:srgbClr val="000000"/>
-              </a:buClr>
-              <a:buSzPct val="75000"/>
-              <a:buFont typeface="Symbol" charset="2"/>
-              <a:buChar char=""/>
-            </a:pPr>
-            <a:r>
-              <a:rPr b="0" lang="en-US" sz="1800" spc="-1" strike="noStrike">
-                <a:solidFill>
-                  <a:srgbClr val="000000"/>
-                </a:solidFill>
-                <a:latin typeface="Arial"/>
-              </a:rPr>
-              <a:t>Fourth Outline Level</a:t>
-            </a:r>
-            <a:endParaRPr b="0" lang="en-US" sz="1800" spc="-1" strike="noStrike">
-              <a:solidFill>
-                <a:srgbClr val="000000"/>
-              </a:solidFill>
-              <a:latin typeface="Arial"/>
-            </a:endParaRPr>
-          </a:p>
-          <a:p>
-            <a:pPr lvl="4" marL="2160000" indent="-216000">
-              <a:spcBef>
-                <a:spcPts val="283"/>
-              </a:spcBef>
-              <a:buClr>
-                <a:srgbClr val="000000"/>
-              </a:buClr>
-              <a:buSzPct val="45000"/>
-              <a:buFont typeface="Wingdings" charset="2"/>
-              <a:buChar char=""/>
-            </a:pPr>
-            <a:r>
-              <a:rPr b="0" lang="en-US" sz="1800" spc="-1" strike="noStrike">
-                <a:solidFill>
-                  <a:srgbClr val="000000"/>
-                </a:solidFill>
-                <a:latin typeface="Arial"/>
-              </a:rPr>
-              <a:t>Fifth Outline Level</a:t>
-            </a:r>
-            <a:endParaRPr b="0" lang="en-US" sz="1800" spc="-1" strike="noStrike">
-              <a:solidFill>
-                <a:srgbClr val="000000"/>
-              </a:solidFill>
-              <a:latin typeface="Arial"/>
-            </a:endParaRPr>
-          </a:p>
-          <a:p>
-            <a:pPr lvl="5" marL="2592000" indent="-216000">
-              <a:spcBef>
-                <a:spcPts val="283"/>
-              </a:spcBef>
-              <a:buClr>
-                <a:srgbClr val="000000"/>
-              </a:buClr>
-              <a:buSzPct val="45000"/>
-              <a:buFont typeface="Wingdings" charset="2"/>
-              <a:buChar char=""/>
-            </a:pPr>
-            <a:r>
-              <a:rPr b="0" lang="en-US" sz="1800" spc="-1" strike="noStrike">
-                <a:solidFill>
-                  <a:srgbClr val="000000"/>
-                </a:solidFill>
-                <a:latin typeface="Arial"/>
-              </a:rPr>
-              <a:t>Sixth Outline Level</a:t>
-            </a:r>
-            <a:endParaRPr b="0" lang="en-US" sz="1800" spc="-1" strike="noStrike">
-              <a:solidFill>
-                <a:srgbClr val="000000"/>
-              </a:solidFill>
-              <a:latin typeface="Arial"/>
-            </a:endParaRPr>
-          </a:p>
-          <a:p>
-            <a:pPr lvl="6" marL="3024000" indent="-216000">
-              <a:spcBef>
-                <a:spcPts val="283"/>
-              </a:spcBef>
-              <a:buClr>
-                <a:srgbClr val="000000"/>
-              </a:buClr>
-              <a:buSzPct val="45000"/>
-              <a:buFont typeface="Wingdings" charset="2"/>
-              <a:buChar char=""/>
-            </a:pPr>
-            <a:r>
-              <a:rPr b="0" lang="en-US" sz="1800" spc="-1" strike="noStrike">
-                <a:solidFill>
-                  <a:srgbClr val="000000"/>
-                </a:solidFill>
-                <a:latin typeface="Arial"/>
-              </a:rPr>
-              <a:t>Seventh Outline Level</a:t>
-            </a:r>
-            <a:endParaRPr b="0" lang="en-US" sz="1800" spc="-1" strike="noStrike">
-              <a:solidFill>
-                <a:srgbClr val="000000"/>
-              </a:solidFill>
-              <a:latin typeface="Arial"/>
-            </a:endParaRPr>
-          </a:p>
-        </p:txBody>
-      </p:sp>
-      <p:sp>
-        <p:nvSpPr>
-          <p:cNvPr id="87" name="PlaceHolder 7"/>
-          <p:cNvSpPr>
-            <a:spLocks noGrp="1"/>
-          </p:cNvSpPr>
-          <p:nvPr>
-            <p:ph type="body"/>
-          </p:nvPr>
-        </p:nvSpPr>
-        <p:spPr>
-          <a:xfrm>
-            <a:off x="6639120" y="3044520"/>
-            <a:ext cx="2920680" cy="1568160"/>
-          </a:xfrm>
-          <a:prstGeom prst="rect">
-            <a:avLst/>
-          </a:prstGeom>
-          <a:noFill/>
-          <a:ln w="0">
-            <a:noFill/>
-          </a:ln>
-        </p:spPr>
-        <p:txBody>
-          <a:bodyPr lIns="0" rIns="0" tIns="0" bIns="0" anchor="t">
-            <a:normAutofit fontScale="18333" lnSpcReduction="10000"/>
-          </a:bodyPr>
-          <a:p>
-            <a:pPr marL="432000" indent="-324000">
-              <a:spcBef>
-                <a:spcPts val="1417"/>
-              </a:spcBef>
-              <a:buClr>
-                <a:srgbClr val="000000"/>
-              </a:buClr>
-              <a:buSzPct val="45000"/>
-              <a:buFont typeface="Wingdings" charset="2"/>
-              <a:buChar char=""/>
-            </a:pPr>
-            <a:r>
-              <a:rPr b="0" lang="en-US" sz="1800" spc="-1" strike="noStrike">
-                <a:solidFill>
-                  <a:srgbClr val="000000"/>
-                </a:solidFill>
-                <a:latin typeface="Arial"/>
-              </a:rPr>
-              <a:t>Click to edit the outline text format</a:t>
-            </a:r>
-            <a:endParaRPr b="0" lang="en-US" sz="1800" spc="-1" strike="noStrike">
-              <a:solidFill>
-                <a:srgbClr val="000000"/>
-              </a:solidFill>
-              <a:latin typeface="Arial"/>
-            </a:endParaRPr>
-          </a:p>
-          <a:p>
-            <a:pPr lvl="1" marL="864000" indent="-324000">
-              <a:spcBef>
-                <a:spcPts val="1134"/>
-              </a:spcBef>
-              <a:buClr>
-                <a:srgbClr val="000000"/>
-              </a:buClr>
-              <a:buSzPct val="75000"/>
-              <a:buFont typeface="Symbol" charset="2"/>
-              <a:buChar char=""/>
-            </a:pPr>
-            <a:r>
-              <a:rPr b="0" lang="en-US" sz="1800" spc="-1" strike="noStrike">
-                <a:solidFill>
-                  <a:srgbClr val="000000"/>
-                </a:solidFill>
-                <a:latin typeface="Arial"/>
-              </a:rPr>
-              <a:t>Second Outline Level</a:t>
-            </a:r>
-            <a:endParaRPr b="0" lang="en-US" sz="1800" spc="-1" strike="noStrike">
-              <a:solidFill>
-                <a:srgbClr val="000000"/>
-              </a:solidFill>
-              <a:latin typeface="Arial"/>
-            </a:endParaRPr>
-          </a:p>
-          <a:p>
-            <a:pPr lvl="2" marL="1296000" indent="-288000">
-              <a:spcBef>
-                <a:spcPts val="850"/>
-              </a:spcBef>
-              <a:buClr>
-                <a:srgbClr val="000000"/>
-              </a:buClr>
-              <a:buSzPct val="45000"/>
-              <a:buFont typeface="Wingdings" charset="2"/>
-              <a:buChar char=""/>
-            </a:pPr>
-            <a:r>
-              <a:rPr b="0" lang="en-US" sz="1800" spc="-1" strike="noStrike">
-                <a:solidFill>
-                  <a:srgbClr val="000000"/>
-                </a:solidFill>
-                <a:latin typeface="Arial"/>
-              </a:rPr>
-              <a:t>Third Outline Level</a:t>
-            </a:r>
-            <a:endParaRPr b="0" lang="en-US" sz="1800" spc="-1" strike="noStrike">
-              <a:solidFill>
-                <a:srgbClr val="000000"/>
-              </a:solidFill>
-              <a:latin typeface="Arial"/>
-            </a:endParaRPr>
-          </a:p>
-          <a:p>
-            <a:pPr lvl="3" marL="1728000" indent="-216000">
-              <a:spcBef>
-                <a:spcPts val="567"/>
-              </a:spcBef>
-              <a:buClr>
-                <a:srgbClr val="000000"/>
-              </a:buClr>
-              <a:buSzPct val="75000"/>
-              <a:buFont typeface="Symbol" charset="2"/>
-              <a:buChar char=""/>
-            </a:pPr>
-            <a:r>
-              <a:rPr b="0" lang="en-US" sz="1800" spc="-1" strike="noStrike">
-                <a:solidFill>
-                  <a:srgbClr val="000000"/>
-                </a:solidFill>
-                <a:latin typeface="Arial"/>
-              </a:rPr>
-              <a:t>Fourth Outline Level</a:t>
-            </a:r>
-            <a:endParaRPr b="0" lang="en-US" sz="1800" spc="-1" strike="noStrike">
-              <a:solidFill>
-                <a:srgbClr val="000000"/>
-              </a:solidFill>
-              <a:latin typeface="Arial"/>
-            </a:endParaRPr>
-          </a:p>
-          <a:p>
-            <a:pPr lvl="4" marL="2160000" indent="-216000">
-              <a:spcBef>
-                <a:spcPts val="283"/>
-              </a:spcBef>
-              <a:buClr>
-                <a:srgbClr val="000000"/>
-              </a:buClr>
-              <a:buSzPct val="45000"/>
-              <a:buFont typeface="Wingdings" charset="2"/>
-              <a:buChar char=""/>
-            </a:pPr>
-            <a:r>
-              <a:rPr b="0" lang="en-US" sz="1800" spc="-1" strike="noStrike">
-                <a:solidFill>
-                  <a:srgbClr val="000000"/>
-                </a:solidFill>
-                <a:latin typeface="Arial"/>
-              </a:rPr>
-              <a:t>Fifth Outline Level</a:t>
-            </a:r>
-            <a:endParaRPr b="0" lang="en-US" sz="1800" spc="-1" strike="noStrike">
-              <a:solidFill>
-                <a:srgbClr val="000000"/>
-              </a:solidFill>
-              <a:latin typeface="Arial"/>
-            </a:endParaRPr>
-          </a:p>
-          <a:p>
-            <a:pPr lvl="5" marL="2592000" indent="-216000">
-              <a:spcBef>
-                <a:spcPts val="283"/>
-              </a:spcBef>
-              <a:buClr>
-                <a:srgbClr val="000000"/>
-              </a:buClr>
-              <a:buSzPct val="45000"/>
-              <a:buFont typeface="Wingdings" charset="2"/>
-              <a:buChar char=""/>
-            </a:pPr>
-            <a:r>
-              <a:rPr b="0" lang="en-US" sz="1800" spc="-1" strike="noStrike">
-                <a:solidFill>
-                  <a:srgbClr val="000000"/>
-                </a:solidFill>
-                <a:latin typeface="Arial"/>
-              </a:rPr>
-              <a:t>Sixth Outline Level</a:t>
-            </a:r>
-            <a:endParaRPr b="0" lang="en-US" sz="1800" spc="-1" strike="noStrike">
-              <a:solidFill>
-                <a:srgbClr val="000000"/>
-              </a:solidFill>
-              <a:latin typeface="Arial"/>
-            </a:endParaRPr>
-          </a:p>
-          <a:p>
-            <a:pPr lvl="6" marL="3024000" indent="-216000">
-              <a:spcBef>
-                <a:spcPts val="283"/>
-              </a:spcBef>
-              <a:buClr>
-                <a:srgbClr val="000000"/>
-              </a:buClr>
-              <a:buSzPct val="45000"/>
-              <a:buFont typeface="Wingdings" charset="2"/>
-              <a:buChar char=""/>
-            </a:pPr>
-            <a:r>
-              <a:rPr b="0" lang="en-US" sz="1800" spc="-1" strike="noStrike">
-                <a:solidFill>
-                  <a:srgbClr val="000000"/>
-                </a:solidFill>
-                <a:latin typeface="Arial"/>
-              </a:rPr>
-              <a:t>Seventh Outline Level</a:t>
-            </a:r>
-            <a:endParaRPr b="0" lang="en-US" sz="1800" spc="-1" strike="noStrike">
-              <a:solidFill>
-                <a:srgbClr val="000000"/>
-              </a:solidFill>
-              <a:latin typeface="Arial"/>
-            </a:endParaRPr>
-          </a:p>
-        </p:txBody>
-      </p:sp>
-      <p:sp>
-        <p:nvSpPr>
-          <p:cNvPr id="88" name="PlaceHolder 8"/>
-          <p:cNvSpPr>
-            <a:spLocks noGrp="1"/>
-          </p:cNvSpPr>
-          <p:nvPr>
             <p:ph type="ftr" idx="10"/>
           </p:nvPr>
         </p:nvSpPr>
         <p:spPr>
           <a:xfrm>
             <a:off x="3420000" y="5130000"/>
-            <a:ext cx="3234960" cy="387360"/>
+            <a:ext cx="3234600" cy="387000"/>
           </a:xfrm>
           <a:prstGeom prst="rect">
             <a:avLst/>
@@ -12855,7 +11456,7 @@
       </p:sp>
       <p:sp>
         <p:nvSpPr>
-          <p:cNvPr id="89" name="PlaceHolder 9"/>
+          <p:cNvPr id="82" name="PlaceHolder 2"/>
           <p:cNvSpPr>
             <a:spLocks noGrp="1"/>
           </p:cNvSpPr>
@@ -12866,7 +11467,7 @@
         <p:spPr>
           <a:xfrm>
             <a:off x="7560000" y="5130000"/>
-            <a:ext cx="2334960" cy="387360"/>
+            <a:ext cx="2334600" cy="387000"/>
           </a:xfrm>
           <a:prstGeom prst="rect">
             <a:avLst/>
@@ -12907,7 +11508,7 @@
                 <a:tab algn="l" pos="0"/>
               </a:tabLst>
             </a:pPr>
-            <a:fld id="{D041ADB6-FCF4-46CB-BFE2-3E0C3F590BF5}" type="slidenum">
+            <a:fld id="{407C7493-4CEF-44A6-84B8-A580440799F2}" type="slidenum">
               <a:rPr b="0" lang="en-US" sz="1400" spc="-1" strike="noStrike">
                 <a:solidFill>
                   <a:srgbClr val="ffffff"/>
@@ -12927,7 +11528,7 @@
       </p:sp>
       <p:sp>
         <p:nvSpPr>
-          <p:cNvPr id="90" name="PlaceHolder 10"/>
+          <p:cNvPr id="83" name="PlaceHolder 3"/>
           <p:cNvSpPr>
             <a:spLocks noGrp="1"/>
           </p:cNvSpPr>
@@ -12938,7 +11539,7 @@
         <p:spPr>
           <a:xfrm>
             <a:off x="180000" y="5130000"/>
-            <a:ext cx="2334960" cy="387360"/>
+            <a:ext cx="2334600" cy="387000"/>
           </a:xfrm>
           <a:prstGeom prst="rect">
             <a:avLst/>
@@ -13013,14 +11614,14 @@
       </p:grpSpPr>
       <p:sp>
         <p:nvSpPr>
-          <p:cNvPr id="91" name=""/>
+          <p:cNvPr id="84" name=""/>
           <p:cNvSpPr/>
           <p:nvPr/>
         </p:nvSpPr>
         <p:spPr>
           <a:xfrm>
             <a:off x="0" y="0"/>
-            <a:ext cx="10074960" cy="5664960"/>
+            <a:ext cx="10074600" cy="5664600"/>
           </a:xfrm>
           <a:prstGeom prst="rect">
             <a:avLst/>
@@ -13068,14 +11669,14 @@
       </p:sp>
       <p:sp>
         <p:nvSpPr>
-          <p:cNvPr id="92" name=""/>
+          <p:cNvPr id="85" name=""/>
           <p:cNvSpPr/>
           <p:nvPr/>
         </p:nvSpPr>
         <p:spPr>
           <a:xfrm>
             <a:off x="1440000" y="1080000"/>
-            <a:ext cx="1434960" cy="1254960"/>
+            <a:ext cx="1434600" cy="1254600"/>
           </a:xfrm>
           <a:prstGeom prst="ellipse">
             <a:avLst/>
@@ -13117,14 +11718,14 @@
       </p:sp>
       <p:sp>
         <p:nvSpPr>
-          <p:cNvPr id="93" name=""/>
+          <p:cNvPr id="86" name=""/>
           <p:cNvSpPr/>
           <p:nvPr/>
         </p:nvSpPr>
         <p:spPr>
           <a:xfrm>
             <a:off x="7380000" y="3960000"/>
-            <a:ext cx="1434960" cy="1254960"/>
+            <a:ext cx="1434600" cy="1254600"/>
           </a:xfrm>
           <a:prstGeom prst="ellipse">
             <a:avLst/>
@@ -13166,14 +11767,14 @@
       </p:sp>
       <p:sp>
         <p:nvSpPr>
-          <p:cNvPr id="94" name=""/>
+          <p:cNvPr id="87" name=""/>
           <p:cNvSpPr/>
           <p:nvPr/>
         </p:nvSpPr>
         <p:spPr>
           <a:xfrm>
             <a:off x="9000000" y="2700000"/>
-            <a:ext cx="1254960" cy="1074960"/>
+            <a:ext cx="1254600" cy="1074600"/>
           </a:xfrm>
           <a:prstGeom prst="ellipse">
             <a:avLst/>
@@ -13215,14 +11816,14 @@
       </p:sp>
       <p:sp>
         <p:nvSpPr>
-          <p:cNvPr id="95" name=""/>
+          <p:cNvPr id="88" name=""/>
           <p:cNvSpPr/>
           <p:nvPr/>
         </p:nvSpPr>
         <p:spPr>
           <a:xfrm>
             <a:off x="-180000" y="2430000"/>
-            <a:ext cx="1434960" cy="1344960"/>
+            <a:ext cx="1434600" cy="1344600"/>
           </a:xfrm>
           <a:prstGeom prst="ellipse">
             <a:avLst/>
@@ -13264,14 +11865,14 @@
       </p:sp>
       <p:sp>
         <p:nvSpPr>
-          <p:cNvPr id="96" name=""/>
+          <p:cNvPr id="89" name=""/>
           <p:cNvSpPr/>
           <p:nvPr/>
         </p:nvSpPr>
         <p:spPr>
           <a:xfrm>
             <a:off x="540000" y="1080000"/>
-            <a:ext cx="714960" cy="714960"/>
+            <a:ext cx="714600" cy="714600"/>
           </a:xfrm>
           <a:prstGeom prst="ellipse">
             <a:avLst/>
@@ -13313,14 +11914,14 @@
       </p:sp>
       <p:sp>
         <p:nvSpPr>
-          <p:cNvPr id="97" name=""/>
+          <p:cNvPr id="90" name=""/>
           <p:cNvSpPr/>
           <p:nvPr/>
         </p:nvSpPr>
         <p:spPr>
           <a:xfrm>
             <a:off x="0" y="1260000"/>
-            <a:ext cx="714960" cy="714960"/>
+            <a:ext cx="714600" cy="714600"/>
           </a:xfrm>
           <a:prstGeom prst="ellipse">
             <a:avLst/>
@@ -13362,14 +11963,14 @@
       </p:sp>
       <p:sp>
         <p:nvSpPr>
-          <p:cNvPr id="98" name=""/>
+          <p:cNvPr id="91" name=""/>
           <p:cNvSpPr/>
           <p:nvPr/>
         </p:nvSpPr>
         <p:spPr>
           <a:xfrm>
             <a:off x="0" y="5220000"/>
-            <a:ext cx="1614960" cy="1254960"/>
+            <a:ext cx="1614600" cy="1254600"/>
           </a:xfrm>
           <a:prstGeom prst="ellipse">
             <a:avLst/>
@@ -13411,14 +12012,14 @@
       </p:sp>
       <p:sp>
         <p:nvSpPr>
-          <p:cNvPr id="99" name=""/>
+          <p:cNvPr id="92" name=""/>
           <p:cNvSpPr/>
           <p:nvPr/>
         </p:nvSpPr>
         <p:spPr>
           <a:xfrm>
             <a:off x="9720000" y="4680000"/>
-            <a:ext cx="714960" cy="714960"/>
+            <a:ext cx="714600" cy="714600"/>
           </a:xfrm>
           <a:prstGeom prst="ellipse">
             <a:avLst/>
@@ -13460,14 +12061,14 @@
       </p:sp>
       <p:sp>
         <p:nvSpPr>
-          <p:cNvPr id="100" name=""/>
+          <p:cNvPr id="93" name=""/>
           <p:cNvSpPr/>
           <p:nvPr/>
         </p:nvSpPr>
         <p:spPr>
           <a:xfrm>
             <a:off x="9540000" y="3420000"/>
-            <a:ext cx="714960" cy="714960"/>
+            <a:ext cx="714600" cy="714600"/>
           </a:xfrm>
           <a:prstGeom prst="ellipse">
             <a:avLst/>
@@ -13509,14 +12110,14 @@
       </p:sp>
       <p:sp>
         <p:nvSpPr>
-          <p:cNvPr id="101" name=""/>
+          <p:cNvPr id="94" name=""/>
           <p:cNvSpPr/>
           <p:nvPr/>
         </p:nvSpPr>
         <p:spPr>
           <a:xfrm>
             <a:off x="8100000" y="4680000"/>
-            <a:ext cx="1074960" cy="837360"/>
+            <a:ext cx="1074600" cy="837000"/>
           </a:xfrm>
           <a:prstGeom prst="ellipse">
             <a:avLst/>
@@ -13558,14 +12159,14 @@
       </p:sp>
       <p:sp>
         <p:nvSpPr>
-          <p:cNvPr id="102" name=""/>
+          <p:cNvPr id="95" name=""/>
           <p:cNvSpPr/>
           <p:nvPr/>
         </p:nvSpPr>
         <p:spPr>
           <a:xfrm>
             <a:off x="7920000" y="5400000"/>
-            <a:ext cx="894960" cy="894960"/>
+            <a:ext cx="894600" cy="894600"/>
           </a:xfrm>
           <a:prstGeom prst="ellipse">
             <a:avLst/>
@@ -13607,7 +12208,7 @@
       </p:sp>
       <p:sp>
         <p:nvSpPr>
-          <p:cNvPr id="103" name="PlaceHolder 1"/>
+          <p:cNvPr id="96" name="PlaceHolder 1"/>
           <p:cNvSpPr>
             <a:spLocks noGrp="1"/>
           </p:cNvSpPr>
@@ -13618,7 +12219,7 @@
         <p:spPr>
           <a:xfrm>
             <a:off x="3420000" y="5130000"/>
-            <a:ext cx="3234960" cy="387360"/>
+            <a:ext cx="3234600" cy="387000"/>
           </a:xfrm>
           <a:prstGeom prst="rect">
             <a:avLst/>
@@ -13679,7 +12280,7 @@
       </p:sp>
       <p:sp>
         <p:nvSpPr>
-          <p:cNvPr id="104" name="PlaceHolder 2"/>
+          <p:cNvPr id="97" name="PlaceHolder 2"/>
           <p:cNvSpPr>
             <a:spLocks noGrp="1"/>
           </p:cNvSpPr>
@@ -13690,7 +12291,7 @@
         <p:spPr>
           <a:xfrm>
             <a:off x="7560000" y="5130000"/>
-            <a:ext cx="2334960" cy="387360"/>
+            <a:ext cx="2334600" cy="387000"/>
           </a:xfrm>
           <a:prstGeom prst="rect">
             <a:avLst/>
@@ -13731,7 +12332,7 @@
                 <a:tab algn="l" pos="0"/>
               </a:tabLst>
             </a:pPr>
-            <a:fld id="{23C4C4B0-D325-4A62-8E77-FC8CC1B19B84}" type="slidenum">
+            <a:fld id="{80C2E455-103D-40C5-994B-4CE5E270411F}" type="slidenum">
               <a:rPr b="0" lang="en-US" sz="1400" spc="-1" strike="noStrike">
                 <a:solidFill>
                   <a:srgbClr val="ffffff"/>
@@ -13751,7 +12352,7 @@
       </p:sp>
       <p:sp>
         <p:nvSpPr>
-          <p:cNvPr id="105" name="PlaceHolder 3"/>
+          <p:cNvPr id="98" name="PlaceHolder 3"/>
           <p:cNvSpPr>
             <a:spLocks noGrp="1"/>
           </p:cNvSpPr>
@@ -13762,7 +12363,7 @@
         <p:spPr>
           <a:xfrm>
             <a:off x="180000" y="5130000"/>
-            <a:ext cx="2334960" cy="387360"/>
+            <a:ext cx="2334600" cy="387000"/>
           </a:xfrm>
           <a:prstGeom prst="rect">
             <a:avLst/>
@@ -13811,7 +12412,7 @@
       </p:sp>
       <p:sp>
         <p:nvSpPr>
-          <p:cNvPr id="106" name="PlaceHolder 4"/>
+          <p:cNvPr id="99" name="PlaceHolder 4"/>
           <p:cNvSpPr>
             <a:spLocks noGrp="1"/>
           </p:cNvSpPr>
@@ -13860,7 +12461,7 @@
       </p:sp>
       <p:sp>
         <p:nvSpPr>
-          <p:cNvPr id="107" name="PlaceHolder 5"/>
+          <p:cNvPr id="100" name="PlaceHolder 5"/>
           <p:cNvSpPr>
             <a:spLocks noGrp="1"/>
           </p:cNvSpPr>
@@ -14111,14 +12712,14 @@
       </p:grpSpPr>
       <p:sp>
         <p:nvSpPr>
-          <p:cNvPr id="108" name=""/>
+          <p:cNvPr id="101" name=""/>
           <p:cNvSpPr/>
           <p:nvPr/>
         </p:nvSpPr>
         <p:spPr>
           <a:xfrm>
             <a:off x="0" y="0"/>
-            <a:ext cx="10074960" cy="5664960"/>
+            <a:ext cx="10074600" cy="5664600"/>
           </a:xfrm>
           <a:prstGeom prst="rect">
             <a:avLst/>
@@ -14166,14 +12767,14 @@
       </p:sp>
       <p:sp>
         <p:nvSpPr>
-          <p:cNvPr id="109" name=""/>
+          <p:cNvPr id="102" name=""/>
           <p:cNvSpPr/>
           <p:nvPr/>
         </p:nvSpPr>
         <p:spPr>
           <a:xfrm>
             <a:off x="1440000" y="1080000"/>
-            <a:ext cx="1434960" cy="1254960"/>
+            <a:ext cx="1434600" cy="1254600"/>
           </a:xfrm>
           <a:prstGeom prst="ellipse">
             <a:avLst/>
@@ -14215,14 +12816,14 @@
       </p:sp>
       <p:sp>
         <p:nvSpPr>
-          <p:cNvPr id="110" name=""/>
+          <p:cNvPr id="103" name=""/>
           <p:cNvSpPr/>
           <p:nvPr/>
         </p:nvSpPr>
         <p:spPr>
           <a:xfrm>
             <a:off x="7380000" y="3960000"/>
-            <a:ext cx="1434960" cy="1254960"/>
+            <a:ext cx="1434600" cy="1254600"/>
           </a:xfrm>
           <a:prstGeom prst="ellipse">
             <a:avLst/>
@@ -14264,14 +12865,14 @@
       </p:sp>
       <p:sp>
         <p:nvSpPr>
-          <p:cNvPr id="111" name=""/>
+          <p:cNvPr id="104" name=""/>
           <p:cNvSpPr/>
           <p:nvPr/>
         </p:nvSpPr>
         <p:spPr>
           <a:xfrm>
             <a:off x="9000000" y="2700000"/>
-            <a:ext cx="1254960" cy="1074960"/>
+            <a:ext cx="1254600" cy="1074600"/>
           </a:xfrm>
           <a:prstGeom prst="ellipse">
             <a:avLst/>
@@ -14313,14 +12914,14 @@
       </p:sp>
       <p:sp>
         <p:nvSpPr>
-          <p:cNvPr id="112" name=""/>
+          <p:cNvPr id="105" name=""/>
           <p:cNvSpPr/>
           <p:nvPr/>
         </p:nvSpPr>
         <p:spPr>
           <a:xfrm>
             <a:off x="-180000" y="2430000"/>
-            <a:ext cx="1434960" cy="1344960"/>
+            <a:ext cx="1434600" cy="1344600"/>
           </a:xfrm>
           <a:prstGeom prst="ellipse">
             <a:avLst/>
@@ -14362,14 +12963,14 @@
       </p:sp>
       <p:sp>
         <p:nvSpPr>
-          <p:cNvPr id="113" name=""/>
+          <p:cNvPr id="106" name=""/>
           <p:cNvSpPr/>
           <p:nvPr/>
         </p:nvSpPr>
         <p:spPr>
           <a:xfrm>
             <a:off x="540000" y="1080000"/>
-            <a:ext cx="714960" cy="714960"/>
+            <a:ext cx="714600" cy="714600"/>
           </a:xfrm>
           <a:prstGeom prst="ellipse">
             <a:avLst/>
@@ -14411,14 +13012,14 @@
       </p:sp>
       <p:sp>
         <p:nvSpPr>
-          <p:cNvPr id="114" name=""/>
+          <p:cNvPr id="107" name=""/>
           <p:cNvSpPr/>
           <p:nvPr/>
         </p:nvSpPr>
         <p:spPr>
           <a:xfrm>
             <a:off x="0" y="1260000"/>
-            <a:ext cx="714960" cy="714960"/>
+            <a:ext cx="714600" cy="714600"/>
           </a:xfrm>
           <a:prstGeom prst="ellipse">
             <a:avLst/>
@@ -14460,14 +13061,14 @@
       </p:sp>
       <p:sp>
         <p:nvSpPr>
-          <p:cNvPr id="115" name=""/>
+          <p:cNvPr id="108" name=""/>
           <p:cNvSpPr/>
           <p:nvPr/>
         </p:nvSpPr>
         <p:spPr>
           <a:xfrm>
             <a:off x="0" y="5220000"/>
-            <a:ext cx="1614960" cy="1254960"/>
+            <a:ext cx="1614600" cy="1254600"/>
           </a:xfrm>
           <a:prstGeom prst="ellipse">
             <a:avLst/>
@@ -14509,14 +13110,14 @@
       </p:sp>
       <p:sp>
         <p:nvSpPr>
-          <p:cNvPr id="116" name=""/>
+          <p:cNvPr id="109" name=""/>
           <p:cNvSpPr/>
           <p:nvPr/>
         </p:nvSpPr>
         <p:spPr>
           <a:xfrm>
             <a:off x="9720000" y="4680000"/>
-            <a:ext cx="714960" cy="714960"/>
+            <a:ext cx="714600" cy="714600"/>
           </a:xfrm>
           <a:prstGeom prst="ellipse">
             <a:avLst/>
@@ -14558,14 +13159,14 @@
       </p:sp>
       <p:sp>
         <p:nvSpPr>
-          <p:cNvPr id="117" name=""/>
+          <p:cNvPr id="110" name=""/>
           <p:cNvSpPr/>
           <p:nvPr/>
         </p:nvSpPr>
         <p:spPr>
           <a:xfrm>
             <a:off x="9540000" y="3420000"/>
-            <a:ext cx="714960" cy="714960"/>
+            <a:ext cx="714600" cy="714600"/>
           </a:xfrm>
           <a:prstGeom prst="ellipse">
             <a:avLst/>
@@ -14607,14 +13208,14 @@
       </p:sp>
       <p:sp>
         <p:nvSpPr>
-          <p:cNvPr id="118" name=""/>
+          <p:cNvPr id="111" name=""/>
           <p:cNvSpPr/>
           <p:nvPr/>
         </p:nvSpPr>
         <p:spPr>
           <a:xfrm>
             <a:off x="8100000" y="4680000"/>
-            <a:ext cx="1074960" cy="837360"/>
+            <a:ext cx="1074600" cy="837000"/>
           </a:xfrm>
           <a:prstGeom prst="ellipse">
             <a:avLst/>
@@ -14656,14 +13257,14 @@
       </p:sp>
       <p:sp>
         <p:nvSpPr>
-          <p:cNvPr id="119" name=""/>
+          <p:cNvPr id="112" name=""/>
           <p:cNvSpPr/>
           <p:nvPr/>
         </p:nvSpPr>
         <p:spPr>
           <a:xfrm>
             <a:off x="7920000" y="5400000"/>
-            <a:ext cx="894960" cy="894960"/>
+            <a:ext cx="894600" cy="894600"/>
           </a:xfrm>
           <a:prstGeom prst="ellipse">
             <a:avLst/>
@@ -14705,7 +13306,7 @@
       </p:sp>
       <p:sp>
         <p:nvSpPr>
-          <p:cNvPr id="120" name="PlaceHolder 1"/>
+          <p:cNvPr id="113" name="PlaceHolder 1"/>
           <p:cNvSpPr>
             <a:spLocks noGrp="1"/>
           </p:cNvSpPr>
@@ -14754,7 +13355,232 @@
       </p:sp>
       <p:sp>
         <p:nvSpPr>
-          <p:cNvPr id="121" name="PlaceHolder 2"/>
+          <p:cNvPr id="114" name="PlaceHolder 2"/>
+          <p:cNvSpPr>
+            <a:spLocks noGrp="1"/>
+          </p:cNvSpPr>
+          <p:nvPr>
+            <p:ph type="body"/>
+          </p:nvPr>
+        </p:nvSpPr>
+        <p:spPr>
+          <a:xfrm>
+            <a:off x="504000" y="1326600"/>
+            <a:ext cx="9071640" cy="3288240"/>
+          </a:xfrm>
+          <a:prstGeom prst="rect">
+            <a:avLst/>
+          </a:prstGeom>
+          <a:noFill/>
+          <a:ln w="0">
+            <a:noFill/>
+          </a:ln>
+        </p:spPr>
+        <p:txBody>
+          <a:bodyPr lIns="0" rIns="0" tIns="0" bIns="0" anchor="t">
+            <a:normAutofit/>
+          </a:bodyPr>
+          <a:p>
+            <a:pPr marL="432000" indent="-324000">
+              <a:spcBef>
+                <a:spcPts val="1417"/>
+              </a:spcBef>
+              <a:buClr>
+                <a:srgbClr val="000000"/>
+              </a:buClr>
+              <a:buSzPct val="45000"/>
+              <a:buFont typeface="Wingdings" charset="2"/>
+              <a:buChar char=""/>
+            </a:pPr>
+            <a:r>
+              <a:rPr b="0" lang="en-US" sz="1800" spc="-1" strike="noStrike">
+                <a:solidFill>
+                  <a:srgbClr val="000000"/>
+                </a:solidFill>
+                <a:latin typeface="Arial"/>
+              </a:rPr>
+              <a:t>Click to edit the outline text format</a:t>
+            </a:r>
+            <a:endParaRPr b="0" lang="en-US" sz="1800" spc="-1" strike="noStrike">
+              <a:solidFill>
+                <a:srgbClr val="000000"/>
+              </a:solidFill>
+              <a:latin typeface="Arial"/>
+            </a:endParaRPr>
+          </a:p>
+          <a:p>
+            <a:pPr lvl="1" marL="864000" indent="-324000">
+              <a:spcBef>
+                <a:spcPts val="1134"/>
+              </a:spcBef>
+              <a:buClr>
+                <a:srgbClr val="000000"/>
+              </a:buClr>
+              <a:buSzPct val="75000"/>
+              <a:buFont typeface="Symbol" charset="2"/>
+              <a:buChar char=""/>
+            </a:pPr>
+            <a:r>
+              <a:rPr b="0" lang="en-US" sz="1800" spc="-1" strike="noStrike">
+                <a:solidFill>
+                  <a:srgbClr val="000000"/>
+                </a:solidFill>
+                <a:latin typeface="Arial"/>
+              </a:rPr>
+              <a:t>Second Outline Level</a:t>
+            </a:r>
+            <a:endParaRPr b="0" lang="en-US" sz="1800" spc="-1" strike="noStrike">
+              <a:solidFill>
+                <a:srgbClr val="000000"/>
+              </a:solidFill>
+              <a:latin typeface="Arial"/>
+            </a:endParaRPr>
+          </a:p>
+          <a:p>
+            <a:pPr lvl="2" marL="1296000" indent="-288000">
+              <a:spcBef>
+                <a:spcPts val="850"/>
+              </a:spcBef>
+              <a:buClr>
+                <a:srgbClr val="000000"/>
+              </a:buClr>
+              <a:buSzPct val="45000"/>
+              <a:buFont typeface="Wingdings" charset="2"/>
+              <a:buChar char=""/>
+            </a:pPr>
+            <a:r>
+              <a:rPr b="0" lang="en-US" sz="1800" spc="-1" strike="noStrike">
+                <a:solidFill>
+                  <a:srgbClr val="000000"/>
+                </a:solidFill>
+                <a:latin typeface="Arial"/>
+              </a:rPr>
+              <a:t>Third Outline Level</a:t>
+            </a:r>
+            <a:endParaRPr b="0" lang="en-US" sz="1800" spc="-1" strike="noStrike">
+              <a:solidFill>
+                <a:srgbClr val="000000"/>
+              </a:solidFill>
+              <a:latin typeface="Arial"/>
+            </a:endParaRPr>
+          </a:p>
+          <a:p>
+            <a:pPr lvl="3" marL="1728000" indent="-216000">
+              <a:spcBef>
+                <a:spcPts val="567"/>
+              </a:spcBef>
+              <a:buClr>
+                <a:srgbClr val="000000"/>
+              </a:buClr>
+              <a:buSzPct val="75000"/>
+              <a:buFont typeface="Symbol" charset="2"/>
+              <a:buChar char=""/>
+            </a:pPr>
+            <a:r>
+              <a:rPr b="0" lang="en-US" sz="1800" spc="-1" strike="noStrike">
+                <a:solidFill>
+                  <a:srgbClr val="000000"/>
+                </a:solidFill>
+                <a:latin typeface="Arial"/>
+              </a:rPr>
+              <a:t>Fourth Outline Level</a:t>
+            </a:r>
+            <a:endParaRPr b="0" lang="en-US" sz="1800" spc="-1" strike="noStrike">
+              <a:solidFill>
+                <a:srgbClr val="000000"/>
+              </a:solidFill>
+              <a:latin typeface="Arial"/>
+            </a:endParaRPr>
+          </a:p>
+          <a:p>
+            <a:pPr lvl="4" marL="2160000" indent="-216000">
+              <a:spcBef>
+                <a:spcPts val="283"/>
+              </a:spcBef>
+              <a:buClr>
+                <a:srgbClr val="000000"/>
+              </a:buClr>
+              <a:buSzPct val="45000"/>
+              <a:buFont typeface="Wingdings" charset="2"/>
+              <a:buChar char=""/>
+            </a:pPr>
+            <a:r>
+              <a:rPr b="0" lang="en-US" sz="1800" spc="-1" strike="noStrike">
+                <a:solidFill>
+                  <a:srgbClr val="000000"/>
+                </a:solidFill>
+                <a:latin typeface="Arial"/>
+              </a:rPr>
+              <a:t>Fifth Outline Level</a:t>
+            </a:r>
+            <a:endParaRPr b="0" lang="en-US" sz="1800" spc="-1" strike="noStrike">
+              <a:solidFill>
+                <a:srgbClr val="000000"/>
+              </a:solidFill>
+              <a:latin typeface="Arial"/>
+            </a:endParaRPr>
+          </a:p>
+          <a:p>
+            <a:pPr lvl="5" marL="2592000" indent="-216000">
+              <a:spcBef>
+                <a:spcPts val="283"/>
+              </a:spcBef>
+              <a:buClr>
+                <a:srgbClr val="000000"/>
+              </a:buClr>
+              <a:buSzPct val="45000"/>
+              <a:buFont typeface="Wingdings" charset="2"/>
+              <a:buChar char=""/>
+            </a:pPr>
+            <a:r>
+              <a:rPr b="0" lang="en-US" sz="1800" spc="-1" strike="noStrike">
+                <a:solidFill>
+                  <a:srgbClr val="000000"/>
+                </a:solidFill>
+                <a:latin typeface="Arial"/>
+              </a:rPr>
+              <a:t>Sixth Outline Level</a:t>
+            </a:r>
+            <a:endParaRPr b="0" lang="en-US" sz="1800" spc="-1" strike="noStrike">
+              <a:solidFill>
+                <a:srgbClr val="000000"/>
+              </a:solidFill>
+              <a:latin typeface="Arial"/>
+            </a:endParaRPr>
+          </a:p>
+          <a:p>
+            <a:pPr lvl="6" marL="3024000" indent="-216000">
+              <a:spcBef>
+                <a:spcPts val="283"/>
+              </a:spcBef>
+              <a:buClr>
+                <a:srgbClr val="000000"/>
+              </a:buClr>
+              <a:buSzPct val="45000"/>
+              <a:buFont typeface="Wingdings" charset="2"/>
+              <a:buChar char=""/>
+            </a:pPr>
+            <a:r>
+              <a:rPr b="0" lang="en-US" sz="1800" spc="-1" strike="noStrike">
+                <a:solidFill>
+                  <a:srgbClr val="000000"/>
+                </a:solidFill>
+                <a:latin typeface="Arial"/>
+              </a:rPr>
+              <a:t>Seventh Outline Level</a:t>
+            </a:r>
+            <a:endParaRPr b="0" lang="en-US" sz="1800" spc="-1" strike="noStrike">
+              <a:solidFill>
+                <a:srgbClr val="000000"/>
+              </a:solidFill>
+              <a:latin typeface="Arial"/>
+            </a:endParaRPr>
+          </a:p>
+        </p:txBody>
+      </p:sp>
+      <p:sp>
+        <p:nvSpPr>
+          <p:cNvPr id="115" name="PlaceHolder 3"/>
           <p:cNvSpPr>
             <a:spLocks noGrp="1"/>
           </p:cNvSpPr>
@@ -14765,7 +13591,7 @@
         <p:spPr>
           <a:xfrm>
             <a:off x="3420000" y="5130000"/>
-            <a:ext cx="3234960" cy="387360"/>
+            <a:ext cx="3234600" cy="387000"/>
           </a:xfrm>
           <a:prstGeom prst="rect">
             <a:avLst/>
@@ -14826,7 +13652,7 @@
       </p:sp>
       <p:sp>
         <p:nvSpPr>
-          <p:cNvPr id="122" name="PlaceHolder 3"/>
+          <p:cNvPr id="116" name="PlaceHolder 4"/>
           <p:cNvSpPr>
             <a:spLocks noGrp="1"/>
           </p:cNvSpPr>
@@ -14837,7 +13663,7 @@
         <p:spPr>
           <a:xfrm>
             <a:off x="7560000" y="5130000"/>
-            <a:ext cx="2334960" cy="387360"/>
+            <a:ext cx="2334600" cy="387000"/>
           </a:xfrm>
           <a:prstGeom prst="rect">
             <a:avLst/>
@@ -14878,7 +13704,7 @@
                 <a:tab algn="l" pos="0"/>
               </a:tabLst>
             </a:pPr>
-            <a:fld id="{22D4BC69-69EF-4AF1-8ADA-708A3A383077}" type="slidenum">
+            <a:fld id="{3BE1659C-9DE6-4621-B45B-DD8F95A9CDDA}" type="slidenum">
               <a:rPr b="0" lang="en-US" sz="1400" spc="-1" strike="noStrike">
                 <a:solidFill>
                   <a:srgbClr val="ffffff"/>
@@ -14898,7 +13724,7 @@
       </p:sp>
       <p:sp>
         <p:nvSpPr>
-          <p:cNvPr id="123" name="PlaceHolder 4"/>
+          <p:cNvPr id="117" name="PlaceHolder 5"/>
           <p:cNvSpPr>
             <a:spLocks noGrp="1"/>
           </p:cNvSpPr>
@@ -14909,7 +13735,7 @@
         <p:spPr>
           <a:xfrm>
             <a:off x="180000" y="5130000"/>
-            <a:ext cx="2334960" cy="387360"/>
+            <a:ext cx="2334600" cy="387000"/>
           </a:xfrm>
           <a:prstGeom prst="rect">
             <a:avLst/>
@@ -14984,14 +13810,14 @@
       </p:grpSpPr>
       <p:sp>
         <p:nvSpPr>
-          <p:cNvPr id="126" name=""/>
+          <p:cNvPr id="120" name=""/>
           <p:cNvSpPr/>
           <p:nvPr/>
         </p:nvSpPr>
         <p:spPr>
           <a:xfrm>
             <a:off x="0" y="0"/>
-            <a:ext cx="10074960" cy="5664960"/>
+            <a:ext cx="10074600" cy="5664600"/>
           </a:xfrm>
           <a:prstGeom prst="rect">
             <a:avLst/>
@@ -15039,14 +13865,14 @@
       </p:sp>
       <p:sp>
         <p:nvSpPr>
-          <p:cNvPr id="127" name=""/>
+          <p:cNvPr id="121" name=""/>
           <p:cNvSpPr/>
           <p:nvPr/>
         </p:nvSpPr>
         <p:spPr>
           <a:xfrm>
             <a:off x="1440000" y="1080000"/>
-            <a:ext cx="1434960" cy="1254960"/>
+            <a:ext cx="1434600" cy="1254600"/>
           </a:xfrm>
           <a:prstGeom prst="ellipse">
             <a:avLst/>
@@ -15088,14 +13914,14 @@
       </p:sp>
       <p:sp>
         <p:nvSpPr>
-          <p:cNvPr id="128" name=""/>
+          <p:cNvPr id="122" name=""/>
           <p:cNvSpPr/>
           <p:nvPr/>
         </p:nvSpPr>
         <p:spPr>
           <a:xfrm>
             <a:off x="7380000" y="3960000"/>
-            <a:ext cx="1434960" cy="1254960"/>
+            <a:ext cx="1434600" cy="1254600"/>
           </a:xfrm>
           <a:prstGeom prst="ellipse">
             <a:avLst/>
@@ -15137,14 +13963,14 @@
       </p:sp>
       <p:sp>
         <p:nvSpPr>
-          <p:cNvPr id="129" name=""/>
+          <p:cNvPr id="123" name=""/>
           <p:cNvSpPr/>
           <p:nvPr/>
         </p:nvSpPr>
         <p:spPr>
           <a:xfrm>
             <a:off x="9000000" y="2700000"/>
-            <a:ext cx="1254960" cy="1074960"/>
+            <a:ext cx="1254600" cy="1074600"/>
           </a:xfrm>
           <a:prstGeom prst="ellipse">
             <a:avLst/>
@@ -15186,14 +14012,14 @@
       </p:sp>
       <p:sp>
         <p:nvSpPr>
-          <p:cNvPr id="130" name=""/>
+          <p:cNvPr id="124" name=""/>
           <p:cNvSpPr/>
           <p:nvPr/>
         </p:nvSpPr>
         <p:spPr>
           <a:xfrm>
             <a:off x="-180000" y="2430000"/>
-            <a:ext cx="1434960" cy="1344960"/>
+            <a:ext cx="1434600" cy="1344600"/>
           </a:xfrm>
           <a:prstGeom prst="ellipse">
             <a:avLst/>
@@ -15235,14 +14061,14 @@
       </p:sp>
       <p:sp>
         <p:nvSpPr>
-          <p:cNvPr id="131" name=""/>
+          <p:cNvPr id="125" name=""/>
           <p:cNvSpPr/>
           <p:nvPr/>
         </p:nvSpPr>
         <p:spPr>
           <a:xfrm>
             <a:off x="540000" y="1080000"/>
-            <a:ext cx="714960" cy="714960"/>
+            <a:ext cx="714600" cy="714600"/>
           </a:xfrm>
           <a:prstGeom prst="ellipse">
             <a:avLst/>
@@ -15284,14 +14110,14 @@
       </p:sp>
       <p:sp>
         <p:nvSpPr>
-          <p:cNvPr id="132" name=""/>
+          <p:cNvPr id="126" name=""/>
           <p:cNvSpPr/>
           <p:nvPr/>
         </p:nvSpPr>
         <p:spPr>
           <a:xfrm>
             <a:off x="0" y="1260000"/>
-            <a:ext cx="714960" cy="714960"/>
+            <a:ext cx="714600" cy="714600"/>
           </a:xfrm>
           <a:prstGeom prst="ellipse">
             <a:avLst/>
@@ -15333,14 +14159,14 @@
       </p:sp>
       <p:sp>
         <p:nvSpPr>
-          <p:cNvPr id="133" name=""/>
+          <p:cNvPr id="127" name=""/>
           <p:cNvSpPr/>
           <p:nvPr/>
         </p:nvSpPr>
         <p:spPr>
           <a:xfrm>
             <a:off x="0" y="5220000"/>
-            <a:ext cx="1614960" cy="1254960"/>
+            <a:ext cx="1614600" cy="1254600"/>
           </a:xfrm>
           <a:prstGeom prst="ellipse">
             <a:avLst/>
@@ -15382,14 +14208,14 @@
       </p:sp>
       <p:sp>
         <p:nvSpPr>
-          <p:cNvPr id="134" name=""/>
+          <p:cNvPr id="128" name=""/>
           <p:cNvSpPr/>
           <p:nvPr/>
         </p:nvSpPr>
         <p:spPr>
           <a:xfrm>
             <a:off x="9720000" y="4680000"/>
-            <a:ext cx="714960" cy="714960"/>
+            <a:ext cx="714600" cy="714600"/>
           </a:xfrm>
           <a:prstGeom prst="ellipse">
             <a:avLst/>
@@ -15431,14 +14257,14 @@
       </p:sp>
       <p:sp>
         <p:nvSpPr>
-          <p:cNvPr id="135" name=""/>
+          <p:cNvPr id="129" name=""/>
           <p:cNvSpPr/>
           <p:nvPr/>
         </p:nvSpPr>
         <p:spPr>
           <a:xfrm>
             <a:off x="9540000" y="3420000"/>
-            <a:ext cx="714960" cy="714960"/>
+            <a:ext cx="714600" cy="714600"/>
           </a:xfrm>
           <a:prstGeom prst="ellipse">
             <a:avLst/>
@@ -15480,14 +14306,14 @@
       </p:sp>
       <p:sp>
         <p:nvSpPr>
-          <p:cNvPr id="136" name=""/>
+          <p:cNvPr id="130" name=""/>
           <p:cNvSpPr/>
           <p:nvPr/>
         </p:nvSpPr>
         <p:spPr>
           <a:xfrm>
             <a:off x="8100000" y="4680000"/>
-            <a:ext cx="1074960" cy="837360"/>
+            <a:ext cx="1074600" cy="837000"/>
           </a:xfrm>
           <a:prstGeom prst="ellipse">
             <a:avLst/>
@@ -15529,14 +14355,14 @@
       </p:sp>
       <p:sp>
         <p:nvSpPr>
-          <p:cNvPr id="137" name=""/>
+          <p:cNvPr id="131" name=""/>
           <p:cNvSpPr/>
           <p:nvPr/>
         </p:nvSpPr>
         <p:spPr>
           <a:xfrm>
             <a:off x="7920000" y="5400000"/>
-            <a:ext cx="894960" cy="894960"/>
+            <a:ext cx="894600" cy="894600"/>
           </a:xfrm>
           <a:prstGeom prst="ellipse">
             <a:avLst/>
@@ -15578,7 +14404,7 @@
       </p:sp>
       <p:sp>
         <p:nvSpPr>
-          <p:cNvPr id="138" name="PlaceHolder 1"/>
+          <p:cNvPr id="132" name="PlaceHolder 1"/>
           <p:cNvSpPr>
             <a:spLocks noGrp="1"/>
           </p:cNvSpPr>
@@ -15627,7 +14453,7 @@
       </p:sp>
       <p:sp>
         <p:nvSpPr>
-          <p:cNvPr id="139" name="PlaceHolder 2"/>
+          <p:cNvPr id="133" name="PlaceHolder 2"/>
           <p:cNvSpPr>
             <a:spLocks noGrp="1"/>
           </p:cNvSpPr>
@@ -15852,7 +14678,7 @@
       </p:sp>
       <p:sp>
         <p:nvSpPr>
-          <p:cNvPr id="140" name="PlaceHolder 3"/>
+          <p:cNvPr id="134" name="PlaceHolder 3"/>
           <p:cNvSpPr>
             <a:spLocks noGrp="1"/>
           </p:cNvSpPr>
@@ -15863,7 +14689,7 @@
         <p:spPr>
           <a:xfrm>
             <a:off x="3420000" y="5130000"/>
-            <a:ext cx="3234960" cy="387360"/>
+            <a:ext cx="3234600" cy="387000"/>
           </a:xfrm>
           <a:prstGeom prst="rect">
             <a:avLst/>
@@ -15924,7 +14750,7 @@
       </p:sp>
       <p:sp>
         <p:nvSpPr>
-          <p:cNvPr id="141" name="PlaceHolder 4"/>
+          <p:cNvPr id="135" name="PlaceHolder 4"/>
           <p:cNvSpPr>
             <a:spLocks noGrp="1"/>
           </p:cNvSpPr>
@@ -15935,7 +14761,7 @@
         <p:spPr>
           <a:xfrm>
             <a:off x="7560000" y="5130000"/>
-            <a:ext cx="2334960" cy="387360"/>
+            <a:ext cx="2334600" cy="387000"/>
           </a:xfrm>
           <a:prstGeom prst="rect">
             <a:avLst/>
@@ -15976,7 +14802,7 @@
                 <a:tab algn="l" pos="0"/>
               </a:tabLst>
             </a:pPr>
-            <a:fld id="{AEF76190-D3EB-4A2E-8C75-A716FB903C69}" type="slidenum">
+            <a:fld id="{91E6F6D3-DDE4-4920-A2E2-87CBD6813869}" type="slidenum">
               <a:rPr b="0" lang="en-US" sz="1400" spc="-1" strike="noStrike">
                 <a:solidFill>
                   <a:srgbClr val="ffffff"/>
@@ -15996,7 +14822,7 @@
       </p:sp>
       <p:sp>
         <p:nvSpPr>
-          <p:cNvPr id="142" name="PlaceHolder 5"/>
+          <p:cNvPr id="136" name="PlaceHolder 5"/>
           <p:cNvSpPr>
             <a:spLocks noGrp="1"/>
           </p:cNvSpPr>
@@ -16007,7 +14833,7 @@
         <p:spPr>
           <a:xfrm>
             <a:off x="180000" y="5130000"/>
-            <a:ext cx="2334960" cy="387360"/>
+            <a:ext cx="2334600" cy="387000"/>
           </a:xfrm>
           <a:prstGeom prst="rect">
             <a:avLst/>
@@ -16082,14 +14908,14 @@
       </p:grpSpPr>
       <p:sp>
         <p:nvSpPr>
-          <p:cNvPr id="145" name=""/>
+          <p:cNvPr id="139" name=""/>
           <p:cNvSpPr/>
           <p:nvPr/>
         </p:nvSpPr>
         <p:spPr>
           <a:xfrm>
             <a:off x="0" y="0"/>
-            <a:ext cx="10074960" cy="5664960"/>
+            <a:ext cx="10074600" cy="5664600"/>
           </a:xfrm>
           <a:prstGeom prst="rect">
             <a:avLst/>
@@ -16137,14 +14963,14 @@
       </p:sp>
       <p:sp>
         <p:nvSpPr>
-          <p:cNvPr id="146" name=""/>
+          <p:cNvPr id="140" name=""/>
           <p:cNvSpPr/>
           <p:nvPr/>
         </p:nvSpPr>
         <p:spPr>
           <a:xfrm>
             <a:off x="1440000" y="1080000"/>
-            <a:ext cx="1434960" cy="1254960"/>
+            <a:ext cx="1434600" cy="1254600"/>
           </a:xfrm>
           <a:prstGeom prst="ellipse">
             <a:avLst/>
@@ -16186,14 +15012,14 @@
       </p:sp>
       <p:sp>
         <p:nvSpPr>
-          <p:cNvPr id="147" name=""/>
+          <p:cNvPr id="141" name=""/>
           <p:cNvSpPr/>
           <p:nvPr/>
         </p:nvSpPr>
         <p:spPr>
           <a:xfrm>
             <a:off x="7380000" y="3960000"/>
-            <a:ext cx="1434960" cy="1254960"/>
+            <a:ext cx="1434600" cy="1254600"/>
           </a:xfrm>
           <a:prstGeom prst="ellipse">
             <a:avLst/>
@@ -16235,14 +15061,14 @@
       </p:sp>
       <p:sp>
         <p:nvSpPr>
-          <p:cNvPr id="148" name=""/>
+          <p:cNvPr id="142" name=""/>
           <p:cNvSpPr/>
           <p:nvPr/>
         </p:nvSpPr>
         <p:spPr>
           <a:xfrm>
             <a:off x="9000000" y="2700000"/>
-            <a:ext cx="1254960" cy="1074960"/>
+            <a:ext cx="1254600" cy="1074600"/>
           </a:xfrm>
           <a:prstGeom prst="ellipse">
             <a:avLst/>
@@ -16284,14 +15110,14 @@
       </p:sp>
       <p:sp>
         <p:nvSpPr>
-          <p:cNvPr id="149" name=""/>
+          <p:cNvPr id="143" name=""/>
           <p:cNvSpPr/>
           <p:nvPr/>
         </p:nvSpPr>
         <p:spPr>
           <a:xfrm>
             <a:off x="-180000" y="2430000"/>
-            <a:ext cx="1434960" cy="1344960"/>
+            <a:ext cx="1434600" cy="1344600"/>
           </a:xfrm>
           <a:prstGeom prst="ellipse">
             <a:avLst/>
@@ -16333,14 +15159,14 @@
       </p:sp>
       <p:sp>
         <p:nvSpPr>
-          <p:cNvPr id="150" name=""/>
+          <p:cNvPr id="144" name=""/>
           <p:cNvSpPr/>
           <p:nvPr/>
         </p:nvSpPr>
         <p:spPr>
           <a:xfrm>
             <a:off x="540000" y="1080000"/>
-            <a:ext cx="714960" cy="714960"/>
+            <a:ext cx="714600" cy="714600"/>
           </a:xfrm>
           <a:prstGeom prst="ellipse">
             <a:avLst/>
@@ -16382,14 +15208,14 @@
       </p:sp>
       <p:sp>
         <p:nvSpPr>
-          <p:cNvPr id="151" name=""/>
+          <p:cNvPr id="145" name=""/>
           <p:cNvSpPr/>
           <p:nvPr/>
         </p:nvSpPr>
         <p:spPr>
           <a:xfrm>
             <a:off x="0" y="1260000"/>
-            <a:ext cx="714960" cy="714960"/>
+            <a:ext cx="714600" cy="714600"/>
           </a:xfrm>
           <a:prstGeom prst="ellipse">
             <a:avLst/>
@@ -16431,14 +15257,14 @@
       </p:sp>
       <p:sp>
         <p:nvSpPr>
-          <p:cNvPr id="152" name=""/>
+          <p:cNvPr id="146" name=""/>
           <p:cNvSpPr/>
           <p:nvPr/>
         </p:nvSpPr>
         <p:spPr>
           <a:xfrm>
             <a:off x="0" y="5220000"/>
-            <a:ext cx="1614960" cy="1254960"/>
+            <a:ext cx="1614600" cy="1254600"/>
           </a:xfrm>
           <a:prstGeom prst="ellipse">
             <a:avLst/>
@@ -16480,14 +15306,14 @@
       </p:sp>
       <p:sp>
         <p:nvSpPr>
-          <p:cNvPr id="153" name=""/>
+          <p:cNvPr id="147" name=""/>
           <p:cNvSpPr/>
           <p:nvPr/>
         </p:nvSpPr>
         <p:spPr>
           <a:xfrm>
             <a:off x="9720000" y="4680000"/>
-            <a:ext cx="714960" cy="714960"/>
+            <a:ext cx="714600" cy="714600"/>
           </a:xfrm>
           <a:prstGeom prst="ellipse">
             <a:avLst/>
@@ -16529,14 +15355,14 @@
       </p:sp>
       <p:sp>
         <p:nvSpPr>
-          <p:cNvPr id="154" name=""/>
+          <p:cNvPr id="148" name=""/>
           <p:cNvSpPr/>
           <p:nvPr/>
         </p:nvSpPr>
         <p:spPr>
           <a:xfrm>
             <a:off x="9540000" y="3420000"/>
-            <a:ext cx="714960" cy="714960"/>
+            <a:ext cx="714600" cy="714600"/>
           </a:xfrm>
           <a:prstGeom prst="ellipse">
             <a:avLst/>
@@ -16578,14 +15404,14 @@
       </p:sp>
       <p:sp>
         <p:nvSpPr>
-          <p:cNvPr id="155" name=""/>
+          <p:cNvPr id="149" name=""/>
           <p:cNvSpPr/>
           <p:nvPr/>
         </p:nvSpPr>
         <p:spPr>
           <a:xfrm>
             <a:off x="8100000" y="4680000"/>
-            <a:ext cx="1074960" cy="837360"/>
+            <a:ext cx="1074600" cy="837000"/>
           </a:xfrm>
           <a:prstGeom prst="ellipse">
             <a:avLst/>
@@ -16627,14 +15453,14 @@
       </p:sp>
       <p:sp>
         <p:nvSpPr>
-          <p:cNvPr id="156" name=""/>
+          <p:cNvPr id="150" name=""/>
           <p:cNvSpPr/>
           <p:nvPr/>
         </p:nvSpPr>
         <p:spPr>
           <a:xfrm>
             <a:off x="7920000" y="5400000"/>
-            <a:ext cx="894960" cy="894960"/>
+            <a:ext cx="894600" cy="894600"/>
           </a:xfrm>
           <a:prstGeom prst="ellipse">
             <a:avLst/>
@@ -16676,7 +15502,7 @@
       </p:sp>
       <p:sp>
         <p:nvSpPr>
-          <p:cNvPr id="157" name="PlaceHolder 1"/>
+          <p:cNvPr id="151" name="PlaceHolder 1"/>
           <p:cNvSpPr>
             <a:spLocks noGrp="1"/>
           </p:cNvSpPr>
@@ -16725,7 +15551,7 @@
       </p:sp>
       <p:sp>
         <p:nvSpPr>
-          <p:cNvPr id="158" name="PlaceHolder 2"/>
+          <p:cNvPr id="152" name="PlaceHolder 2"/>
           <p:cNvSpPr>
             <a:spLocks noGrp="1"/>
           </p:cNvSpPr>
@@ -16950,7 +15776,7 @@
       </p:sp>
       <p:sp>
         <p:nvSpPr>
-          <p:cNvPr id="159" name="PlaceHolder 3"/>
+          <p:cNvPr id="153" name="PlaceHolder 3"/>
           <p:cNvSpPr>
             <a:spLocks noGrp="1"/>
           </p:cNvSpPr>
@@ -17175,7 +16001,7 @@
       </p:sp>
       <p:sp>
         <p:nvSpPr>
-          <p:cNvPr id="160" name="PlaceHolder 4"/>
+          <p:cNvPr id="154" name="PlaceHolder 4"/>
           <p:cNvSpPr>
             <a:spLocks noGrp="1"/>
           </p:cNvSpPr>
@@ -17186,7 +16012,7 @@
         <p:spPr>
           <a:xfrm>
             <a:off x="3420000" y="5130000"/>
-            <a:ext cx="3234960" cy="387360"/>
+            <a:ext cx="3234600" cy="387000"/>
           </a:xfrm>
           <a:prstGeom prst="rect">
             <a:avLst/>
@@ -17247,7 +16073,7 @@
       </p:sp>
       <p:sp>
         <p:nvSpPr>
-          <p:cNvPr id="161" name="PlaceHolder 5"/>
+          <p:cNvPr id="155" name="PlaceHolder 5"/>
           <p:cNvSpPr>
             <a:spLocks noGrp="1"/>
           </p:cNvSpPr>
@@ -17258,7 +16084,7 @@
         <p:spPr>
           <a:xfrm>
             <a:off x="7560000" y="5130000"/>
-            <a:ext cx="2334960" cy="387360"/>
+            <a:ext cx="2334600" cy="387000"/>
           </a:xfrm>
           <a:prstGeom prst="rect">
             <a:avLst/>
@@ -17299,7 +16125,7 @@
                 <a:tab algn="l" pos="0"/>
               </a:tabLst>
             </a:pPr>
-            <a:fld id="{779A1CFD-D2CC-4792-8781-E7AA9CBA49A2}" type="slidenum">
+            <a:fld id="{3E6975E1-7383-4B41-B2D9-7CD41ECA4BF9}" type="slidenum">
               <a:rPr b="0" lang="en-US" sz="1400" spc="-1" strike="noStrike">
                 <a:solidFill>
                   <a:srgbClr val="ffffff"/>
@@ -17319,7 +16145,7 @@
       </p:sp>
       <p:sp>
         <p:nvSpPr>
-          <p:cNvPr id="162" name="PlaceHolder 6"/>
+          <p:cNvPr id="156" name="PlaceHolder 6"/>
           <p:cNvSpPr>
             <a:spLocks noGrp="1"/>
           </p:cNvSpPr>
@@ -17330,7 +16156,7 @@
         <p:spPr>
           <a:xfrm>
             <a:off x="180000" y="5130000"/>
-            <a:ext cx="2334960" cy="387360"/>
+            <a:ext cx="2334600" cy="387000"/>
           </a:xfrm>
           <a:prstGeom prst="rect">
             <a:avLst/>
@@ -17405,14 +16231,14 @@
       </p:grpSpPr>
       <p:sp>
         <p:nvSpPr>
-          <p:cNvPr id="166" name=""/>
+          <p:cNvPr id="160" name=""/>
           <p:cNvSpPr/>
           <p:nvPr/>
         </p:nvSpPr>
         <p:spPr>
           <a:xfrm>
             <a:off x="0" y="0"/>
-            <a:ext cx="10074960" cy="5664960"/>
+            <a:ext cx="10074600" cy="5664600"/>
           </a:xfrm>
           <a:prstGeom prst="rect">
             <a:avLst/>
@@ -17460,14 +16286,14 @@
       </p:sp>
       <p:sp>
         <p:nvSpPr>
-          <p:cNvPr id="167" name=""/>
+          <p:cNvPr id="161" name=""/>
           <p:cNvSpPr/>
           <p:nvPr/>
         </p:nvSpPr>
         <p:spPr>
           <a:xfrm>
             <a:off x="1440000" y="1080000"/>
-            <a:ext cx="1434960" cy="1254960"/>
+            <a:ext cx="1434600" cy="1254600"/>
           </a:xfrm>
           <a:prstGeom prst="ellipse">
             <a:avLst/>
@@ -17509,14 +16335,14 @@
       </p:sp>
       <p:sp>
         <p:nvSpPr>
-          <p:cNvPr id="168" name=""/>
+          <p:cNvPr id="162" name=""/>
           <p:cNvSpPr/>
           <p:nvPr/>
         </p:nvSpPr>
         <p:spPr>
           <a:xfrm>
             <a:off x="7380000" y="3960000"/>
-            <a:ext cx="1434960" cy="1254960"/>
+            <a:ext cx="1434600" cy="1254600"/>
           </a:xfrm>
           <a:prstGeom prst="ellipse">
             <a:avLst/>
@@ -17558,14 +16384,14 @@
       </p:sp>
       <p:sp>
         <p:nvSpPr>
-          <p:cNvPr id="169" name=""/>
+          <p:cNvPr id="163" name=""/>
           <p:cNvSpPr/>
           <p:nvPr/>
         </p:nvSpPr>
         <p:spPr>
           <a:xfrm>
             <a:off x="9000000" y="2700000"/>
-            <a:ext cx="1254960" cy="1074960"/>
+            <a:ext cx="1254600" cy="1074600"/>
           </a:xfrm>
           <a:prstGeom prst="ellipse">
             <a:avLst/>
@@ -17607,14 +16433,14 @@
       </p:sp>
       <p:sp>
         <p:nvSpPr>
-          <p:cNvPr id="170" name=""/>
+          <p:cNvPr id="164" name=""/>
           <p:cNvSpPr/>
           <p:nvPr/>
         </p:nvSpPr>
         <p:spPr>
           <a:xfrm>
             <a:off x="-180000" y="2430000"/>
-            <a:ext cx="1434960" cy="1344960"/>
+            <a:ext cx="1434600" cy="1344600"/>
           </a:xfrm>
           <a:prstGeom prst="ellipse">
             <a:avLst/>
@@ -17656,14 +16482,14 @@
       </p:sp>
       <p:sp>
         <p:nvSpPr>
-          <p:cNvPr id="171" name=""/>
+          <p:cNvPr id="165" name=""/>
           <p:cNvSpPr/>
           <p:nvPr/>
         </p:nvSpPr>
         <p:spPr>
           <a:xfrm>
             <a:off x="540000" y="1080000"/>
-            <a:ext cx="714960" cy="714960"/>
+            <a:ext cx="714600" cy="714600"/>
           </a:xfrm>
           <a:prstGeom prst="ellipse">
             <a:avLst/>
@@ -17705,14 +16531,14 @@
       </p:sp>
       <p:sp>
         <p:nvSpPr>
-          <p:cNvPr id="172" name=""/>
+          <p:cNvPr id="166" name=""/>
           <p:cNvSpPr/>
           <p:nvPr/>
         </p:nvSpPr>
         <p:spPr>
           <a:xfrm>
             <a:off x="0" y="1260000"/>
-            <a:ext cx="714960" cy="714960"/>
+            <a:ext cx="714600" cy="714600"/>
           </a:xfrm>
           <a:prstGeom prst="ellipse">
             <a:avLst/>
@@ -17754,14 +16580,14 @@
       </p:sp>
       <p:sp>
         <p:nvSpPr>
-          <p:cNvPr id="173" name=""/>
+          <p:cNvPr id="167" name=""/>
           <p:cNvSpPr/>
           <p:nvPr/>
         </p:nvSpPr>
         <p:spPr>
           <a:xfrm>
             <a:off x="0" y="5220000"/>
-            <a:ext cx="1614960" cy="1254960"/>
+            <a:ext cx="1614600" cy="1254600"/>
           </a:xfrm>
           <a:prstGeom prst="ellipse">
             <a:avLst/>
@@ -17803,14 +16629,14 @@
       </p:sp>
       <p:sp>
         <p:nvSpPr>
-          <p:cNvPr id="174" name=""/>
+          <p:cNvPr id="168" name=""/>
           <p:cNvSpPr/>
           <p:nvPr/>
         </p:nvSpPr>
         <p:spPr>
           <a:xfrm>
             <a:off x="9720000" y="4680000"/>
-            <a:ext cx="714960" cy="714960"/>
+            <a:ext cx="714600" cy="714600"/>
           </a:xfrm>
           <a:prstGeom prst="ellipse">
             <a:avLst/>
@@ -17852,14 +16678,14 @@
       </p:sp>
       <p:sp>
         <p:nvSpPr>
-          <p:cNvPr id="175" name=""/>
+          <p:cNvPr id="169" name=""/>
           <p:cNvSpPr/>
           <p:nvPr/>
         </p:nvSpPr>
         <p:spPr>
           <a:xfrm>
             <a:off x="9540000" y="3420000"/>
-            <a:ext cx="714960" cy="714960"/>
+            <a:ext cx="714600" cy="714600"/>
           </a:xfrm>
           <a:prstGeom prst="ellipse">
             <a:avLst/>
@@ -17901,14 +16727,14 @@
       </p:sp>
       <p:sp>
         <p:nvSpPr>
-          <p:cNvPr id="176" name=""/>
+          <p:cNvPr id="170" name=""/>
           <p:cNvSpPr/>
           <p:nvPr/>
         </p:nvSpPr>
         <p:spPr>
           <a:xfrm>
             <a:off x="8100000" y="4680000"/>
-            <a:ext cx="1074960" cy="837360"/>
+            <a:ext cx="1074600" cy="837000"/>
           </a:xfrm>
           <a:prstGeom prst="ellipse">
             <a:avLst/>
@@ -17950,14 +16776,14 @@
       </p:sp>
       <p:sp>
         <p:nvSpPr>
-          <p:cNvPr id="177" name=""/>
+          <p:cNvPr id="171" name=""/>
           <p:cNvSpPr/>
           <p:nvPr/>
         </p:nvSpPr>
         <p:spPr>
           <a:xfrm>
             <a:off x="7920000" y="5400000"/>
-            <a:ext cx="894960" cy="894960"/>
+            <a:ext cx="894600" cy="894600"/>
           </a:xfrm>
           <a:prstGeom prst="ellipse">
             <a:avLst/>
@@ -17999,7 +16825,7 @@
       </p:sp>
       <p:sp>
         <p:nvSpPr>
-          <p:cNvPr id="178" name="PlaceHolder 1"/>
+          <p:cNvPr id="172" name="PlaceHolder 1"/>
           <p:cNvSpPr>
             <a:spLocks noGrp="1"/>
           </p:cNvSpPr>
@@ -18048,7 +16874,7 @@
       </p:sp>
       <p:sp>
         <p:nvSpPr>
-          <p:cNvPr id="179" name="PlaceHolder 2"/>
+          <p:cNvPr id="173" name="PlaceHolder 2"/>
           <p:cNvSpPr>
             <a:spLocks noGrp="1"/>
           </p:cNvSpPr>
@@ -18059,7 +16885,7 @@
         <p:spPr>
           <a:xfrm>
             <a:off x="3420000" y="5130000"/>
-            <a:ext cx="3234960" cy="387360"/>
+            <a:ext cx="3234600" cy="387000"/>
           </a:xfrm>
           <a:prstGeom prst="rect">
             <a:avLst/>
@@ -18120,7 +16946,7 @@
       </p:sp>
       <p:sp>
         <p:nvSpPr>
-          <p:cNvPr id="180" name="PlaceHolder 3"/>
+          <p:cNvPr id="174" name="PlaceHolder 3"/>
           <p:cNvSpPr>
             <a:spLocks noGrp="1"/>
           </p:cNvSpPr>
@@ -18131,7 +16957,7 @@
         <p:spPr>
           <a:xfrm>
             <a:off x="7560000" y="5130000"/>
-            <a:ext cx="2334960" cy="387360"/>
+            <a:ext cx="2334600" cy="387000"/>
           </a:xfrm>
           <a:prstGeom prst="rect">
             <a:avLst/>
@@ -18172,7 +16998,7 @@
                 <a:tab algn="l" pos="0"/>
               </a:tabLst>
             </a:pPr>
-            <a:fld id="{5E927D62-A67B-4945-95C2-085ABE45B1F1}" type="slidenum">
+            <a:fld id="{C0CE05D1-235B-43C7-AEFF-9DBF624888E7}" type="slidenum">
               <a:rPr b="0" lang="en-US" sz="1400" spc="-1" strike="noStrike">
                 <a:solidFill>
                   <a:srgbClr val="ffffff"/>
@@ -18192,7 +17018,7 @@
       </p:sp>
       <p:sp>
         <p:nvSpPr>
-          <p:cNvPr id="181" name="PlaceHolder 4"/>
+          <p:cNvPr id="175" name="PlaceHolder 4"/>
           <p:cNvSpPr>
             <a:spLocks noGrp="1"/>
           </p:cNvSpPr>
@@ -18203,7 +17029,7 @@
         <p:spPr>
           <a:xfrm>
             <a:off x="180000" y="5130000"/>
-            <a:ext cx="2334960" cy="387360"/>
+            <a:ext cx="2334600" cy="387000"/>
           </a:xfrm>
           <a:prstGeom prst="rect">
             <a:avLst/>
@@ -18278,7 +17104,7 @@
       </p:grpSpPr>
       <p:sp>
         <p:nvSpPr>
-          <p:cNvPr id="244" name="PlaceHolder 1"/>
+          <p:cNvPr id="238" name="PlaceHolder 1"/>
           <p:cNvSpPr>
             <a:spLocks noGrp="1"/>
           </p:cNvSpPr>
@@ -18289,7 +17115,7 @@
         <p:spPr>
           <a:xfrm>
             <a:off x="504000" y="1428840"/>
-            <a:ext cx="9066600" cy="941760"/>
+            <a:ext cx="9066240" cy="941400"/>
           </a:xfrm>
           <a:prstGeom prst="rect">
             <a:avLst/>
@@ -18333,7 +17159,7 @@
       </p:sp>
       <p:sp>
         <p:nvSpPr>
-          <p:cNvPr id="245" name="PlaceHolder 2"/>
+          <p:cNvPr id="239" name="PlaceHolder 2"/>
           <p:cNvSpPr>
             <a:spLocks noGrp="1"/>
           </p:cNvSpPr>
@@ -18343,8 +17169,8 @@
         </p:nvSpPr>
         <p:spPr>
           <a:xfrm>
-            <a:off x="504000" y="2592000"/>
-            <a:ext cx="9066600" cy="2017800"/>
+            <a:off x="504000" y="2370240"/>
+            <a:ext cx="9066240" cy="3116160"/>
           </a:xfrm>
           <a:prstGeom prst="rect">
             <a:avLst/>
@@ -18369,13 +17195,307 @@
               </a:tabLst>
             </a:pPr>
             <a:r>
+              <a:rPr b="0" lang="en-US" sz="1600" spc="-1" strike="noStrike">
+                <a:solidFill>
+                  <a:srgbClr val="ffffff"/>
+                </a:solidFill>
+                <a:latin typeface="Arial"/>
+              </a:rPr>
+              <a:t>Attacking from Multiple Angles</a:t>
+            </a:r>
+            <a:endParaRPr b="0" lang="en-US" sz="1600" spc="-1" strike="noStrike">
+              <a:solidFill>
+                <a:srgbClr val="000000"/>
+              </a:solidFill>
+              <a:latin typeface="Arial"/>
+            </a:endParaRPr>
+          </a:p>
+          <a:p>
+            <a:pPr indent="0" algn="ctr">
+              <a:lnSpc>
+                <a:spcPct val="100000"/>
+              </a:lnSpc>
+              <a:buNone/>
+              <a:tabLst>
+                <a:tab algn="l" pos="0"/>
+              </a:tabLst>
+            </a:pPr>
+            <a:r>
+              <a:rPr b="0" lang="en-US" sz="1600" spc="-1" strike="noStrike">
+                <a:solidFill>
+                  <a:srgbClr val="ffffff"/>
+                </a:solidFill>
+                <a:latin typeface="Arial"/>
+              </a:rPr>
+              <a:t>Overview of the Plan</a:t>
+            </a:r>
+            <a:endParaRPr b="0" lang="en-US" sz="1600" spc="-1" strike="noStrike">
+              <a:solidFill>
+                <a:srgbClr val="000000"/>
+              </a:solidFill>
+              <a:latin typeface="Arial"/>
+            </a:endParaRPr>
+          </a:p>
+          <a:p>
+            <a:pPr indent="0" algn="ctr">
+              <a:lnSpc>
+                <a:spcPct val="100000"/>
+              </a:lnSpc>
+              <a:buNone/>
+              <a:tabLst>
+                <a:tab algn="l" pos="0"/>
+              </a:tabLst>
+            </a:pPr>
+            <a:r>
+              <a:rPr b="0" lang="en-US" sz="1600" spc="-1" strike="noStrike">
+                <a:solidFill>
+                  <a:srgbClr val="ffffff"/>
+                </a:solidFill>
+                <a:latin typeface="Arial"/>
+              </a:rPr>
+              <a:t>Demonstrations</a:t>
+            </a:r>
+            <a:endParaRPr b="0" lang="en-US" sz="1600" spc="-1" strike="noStrike">
+              <a:solidFill>
+                <a:srgbClr val="000000"/>
+              </a:solidFill>
+              <a:latin typeface="Arial"/>
+            </a:endParaRPr>
+          </a:p>
+          <a:p>
+            <a:pPr indent="0" algn="ctr">
+              <a:lnSpc>
+                <a:spcPct val="100000"/>
+              </a:lnSpc>
+              <a:buNone/>
+              <a:tabLst>
+                <a:tab algn="l" pos="0"/>
+              </a:tabLst>
+            </a:pPr>
+            <a:r>
+              <a:rPr b="0" lang="en-US" sz="1600" spc="-1" strike="noStrike">
+                <a:solidFill>
+                  <a:srgbClr val="ffffff"/>
+                </a:solidFill>
+                <a:latin typeface="Arial"/>
+              </a:rPr>
+              <a:t>Different Reading Speeds</a:t>
+            </a:r>
+            <a:endParaRPr b="0" lang="en-US" sz="1600" spc="-1" strike="noStrike">
+              <a:solidFill>
+                <a:srgbClr val="000000"/>
+              </a:solidFill>
+              <a:latin typeface="Arial"/>
+            </a:endParaRPr>
+          </a:p>
+          <a:p>
+            <a:pPr indent="0" algn="ctr">
+              <a:lnSpc>
+                <a:spcPct val="100000"/>
+              </a:lnSpc>
+              <a:buNone/>
+              <a:tabLst>
+                <a:tab algn="l" pos="0"/>
+              </a:tabLst>
+            </a:pPr>
+            <a:r>
+              <a:rPr b="0" lang="en-US" sz="1600" spc="-1" strike="noStrike">
+                <a:solidFill>
+                  <a:srgbClr val="ffffff"/>
+                </a:solidFill>
+                <a:latin typeface="Arial"/>
+              </a:rPr>
+              <a:t>Example Workflow</a:t>
+            </a:r>
+            <a:endParaRPr b="0" lang="en-US" sz="1600" spc="-1" strike="noStrike">
+              <a:solidFill>
+                <a:srgbClr val="000000"/>
+              </a:solidFill>
+              <a:latin typeface="Arial"/>
+            </a:endParaRPr>
+          </a:p>
+          <a:p>
+            <a:pPr indent="0" algn="ctr">
+              <a:lnSpc>
+                <a:spcPct val="100000"/>
+              </a:lnSpc>
+              <a:buNone/>
+              <a:tabLst>
+                <a:tab algn="l" pos="0"/>
+              </a:tabLst>
+            </a:pPr>
+            <a:r>
+              <a:rPr b="0" lang="en-US" sz="1600" spc="-1" strike="noStrike">
+                <a:solidFill>
+                  <a:srgbClr val="ffffff"/>
+                </a:solidFill>
+                <a:latin typeface="Arial"/>
+              </a:rPr>
+              <a:t>Software and Workshop</a:t>
+            </a:r>
+            <a:endParaRPr b="0" lang="en-US" sz="1600" spc="-1" strike="noStrike">
+              <a:solidFill>
+                <a:srgbClr val="000000"/>
+              </a:solidFill>
+              <a:latin typeface="Arial"/>
+            </a:endParaRPr>
+          </a:p>
+          <a:p>
+            <a:pPr indent="0" algn="ctr">
+              <a:lnSpc>
+                <a:spcPct val="100000"/>
+              </a:lnSpc>
+              <a:buNone/>
+              <a:tabLst>
+                <a:tab algn="l" pos="0"/>
+              </a:tabLst>
+            </a:pPr>
+            <a:r>
+              <a:rPr b="0" lang="en-US" sz="1600" spc="-1" strike="noStrike">
+                <a:solidFill>
+                  <a:srgbClr val="ffffff"/>
+                </a:solidFill>
+                <a:latin typeface="Arial"/>
+              </a:rPr>
+              <a:t>Open source project</a:t>
+            </a:r>
+            <a:endParaRPr b="0" lang="en-US" sz="1600" spc="-1" strike="noStrike">
+              <a:solidFill>
+                <a:srgbClr val="000000"/>
+              </a:solidFill>
+              <a:latin typeface="Arial"/>
+            </a:endParaRPr>
+          </a:p>
+          <a:p>
+            <a:pPr indent="0" algn="ctr">
+              <a:lnSpc>
+                <a:spcPct val="100000"/>
+              </a:lnSpc>
+              <a:buNone/>
+              <a:tabLst>
+                <a:tab algn="l" pos="0"/>
+              </a:tabLst>
+            </a:pPr>
+            <a:r>
+              <a:rPr b="0" lang="en-US" sz="1600" spc="-1" strike="noStrike">
+                <a:solidFill>
+                  <a:srgbClr val="ffffff"/>
+                </a:solidFill>
+                <a:latin typeface="Arial"/>
+              </a:rPr>
+              <a:t>My YouTube channels</a:t>
+            </a:r>
+            <a:endParaRPr b="0" lang="en-US" sz="1600" spc="-1" strike="noStrike">
+              <a:solidFill>
+                <a:srgbClr val="000000"/>
+              </a:solidFill>
+              <a:latin typeface="Arial"/>
+            </a:endParaRPr>
+          </a:p>
+          <a:p>
+            <a:pPr indent="0" algn="ctr">
+              <a:lnSpc>
+                <a:spcPct val="100000"/>
+              </a:lnSpc>
+              <a:buNone/>
+              <a:tabLst>
+                <a:tab algn="l" pos="0"/>
+              </a:tabLst>
+            </a:pPr>
+            <a:r>
+              <a:rPr b="0" lang="en-US" sz="1600" spc="-1" strike="noStrike">
+                <a:solidFill>
+                  <a:srgbClr val="ffffff"/>
+                </a:solidFill>
+                <a:latin typeface="Arial"/>
+              </a:rPr>
+              <a:t>My Opinion identifying the distinctives of an expert catechist</a:t>
+            </a:r>
+            <a:endParaRPr b="0" lang="en-US" sz="1600" spc="-1" strike="noStrike">
+              <a:solidFill>
+                <a:srgbClr val="000000"/>
+              </a:solidFill>
+              <a:latin typeface="Arial"/>
+            </a:endParaRPr>
+          </a:p>
+          <a:p>
+            <a:pPr indent="0" algn="ctr">
+              <a:lnSpc>
+                <a:spcPct val="100000"/>
+              </a:lnSpc>
+              <a:buNone/>
+              <a:tabLst>
+                <a:tab algn="l" pos="0"/>
+              </a:tabLst>
+            </a:pPr>
+            <a:r>
+              <a:rPr b="0" lang="en-US" sz="1600" spc="-1" strike="noStrike">
+                <a:solidFill>
+                  <a:srgbClr val="ffffff"/>
+                </a:solidFill>
+                <a:latin typeface="Arial"/>
+              </a:rPr>
+              <a:t>Additional resources</a:t>
+            </a:r>
+            <a:endParaRPr b="0" lang="en-US" sz="1600" spc="-1" strike="noStrike">
+              <a:solidFill>
+                <a:srgbClr val="000000"/>
+              </a:solidFill>
+              <a:latin typeface="Arial"/>
+            </a:endParaRPr>
+          </a:p>
+          <a:p>
+            <a:pPr indent="0" algn="ctr">
+              <a:lnSpc>
+                <a:spcPct val="100000"/>
+              </a:lnSpc>
+              <a:buNone/>
+              <a:tabLst>
+                <a:tab algn="l" pos="0"/>
+              </a:tabLst>
+            </a:pPr>
+            <a:endParaRPr b="0" lang="en-US" sz="1600" spc="-1" strike="noStrike">
+              <a:solidFill>
+                <a:srgbClr val="000000"/>
+              </a:solidFill>
+              <a:latin typeface="Arial"/>
+            </a:endParaRPr>
+          </a:p>
+          <a:p>
+            <a:pPr indent="0" algn="ctr">
+              <a:lnSpc>
+                <a:spcPct val="100000"/>
+              </a:lnSpc>
+              <a:buNone/>
+              <a:tabLst>
+                <a:tab algn="l" pos="0"/>
+              </a:tabLst>
+            </a:pPr>
+            <a:endParaRPr b="0" lang="en-US" sz="1600" spc="-1" strike="noStrike">
+              <a:solidFill>
+                <a:srgbClr val="000000"/>
+              </a:solidFill>
+              <a:latin typeface="Arial"/>
+            </a:endParaRPr>
+          </a:p>
+          <a:p>
+            <a:pPr indent="0" algn="ctr">
+              <a:lnSpc>
+                <a:spcPct val="100000"/>
+              </a:lnSpc>
+              <a:buNone/>
+              <a:tabLst>
+                <a:tab algn="l" pos="0"/>
+              </a:tabLst>
+            </a:pPr>
+            <a:r>
               <a:rPr b="0" lang="en-US" sz="2400" spc="-1" strike="noStrike">
                 <a:solidFill>
                   <a:srgbClr val="ffffff"/>
                 </a:solidFill>
                 <a:latin typeface="Arial"/>
               </a:rPr>
-              <a:t>Attacking from Multiple Angles </a:t>
+              <a:t> </a:t>
             </a:r>
             <a:endParaRPr b="0" lang="en-US" sz="2400" spc="-1" strike="noStrike">
               <a:solidFill>
@@ -18418,7 +17538,7 @@
       </p:grpSpPr>
       <p:sp>
         <p:nvSpPr>
-          <p:cNvPr id="262" name="PlaceHolder 1"/>
+          <p:cNvPr id="256" name="PlaceHolder 1"/>
           <p:cNvSpPr>
             <a:spLocks noGrp="1"/>
           </p:cNvSpPr>
@@ -18429,7 +17549,7 @@
         <p:spPr>
           <a:xfrm>
             <a:off x="457200" y="228600"/>
-            <a:ext cx="9066600" cy="941760"/>
+            <a:ext cx="9066240" cy="941400"/>
           </a:xfrm>
           <a:prstGeom prst="rect">
             <a:avLst/>
@@ -18473,7 +17593,7 @@
       </p:sp>
       <p:sp>
         <p:nvSpPr>
-          <p:cNvPr id="263" name="PlaceHolder 2"/>
+          <p:cNvPr id="257" name="PlaceHolder 2"/>
           <p:cNvSpPr>
             <a:spLocks noGrp="1"/>
           </p:cNvSpPr>
@@ -18484,7 +17604,7 @@
         <p:spPr>
           <a:xfrm>
             <a:off x="504000" y="1371600"/>
-            <a:ext cx="9066600" cy="4109760"/>
+            <a:ext cx="9066240" cy="4109400"/>
           </a:xfrm>
           <a:prstGeom prst="rect">
             <a:avLst/>
@@ -18913,7 +18033,7 @@
       </p:grpSpPr>
       <p:sp>
         <p:nvSpPr>
-          <p:cNvPr id="264" name="PlaceHolder 1"/>
+          <p:cNvPr id="258" name="PlaceHolder 1"/>
           <p:cNvSpPr>
             <a:spLocks noGrp="1"/>
           </p:cNvSpPr>
@@ -18924,7 +18044,7 @@
         <p:spPr>
           <a:xfrm>
             <a:off x="457200" y="228600"/>
-            <a:ext cx="9066600" cy="941760"/>
+            <a:ext cx="9066240" cy="941400"/>
           </a:xfrm>
           <a:prstGeom prst="rect">
             <a:avLst/>
@@ -18968,7 +18088,7 @@
       </p:sp>
       <p:sp>
         <p:nvSpPr>
-          <p:cNvPr id="265" name="PlaceHolder 2"/>
+          <p:cNvPr id="259" name="PlaceHolder 2"/>
           <p:cNvSpPr>
             <a:spLocks noGrp="1"/>
           </p:cNvSpPr>
@@ -18979,7 +18099,7 @@
         <p:spPr>
           <a:xfrm>
             <a:off x="504000" y="1371600"/>
-            <a:ext cx="9066600" cy="4109760"/>
+            <a:ext cx="9066240" cy="4109400"/>
           </a:xfrm>
           <a:prstGeom prst="rect">
             <a:avLst/>
@@ -19410,7 +18530,7 @@
       </p:grpSpPr>
       <p:sp>
         <p:nvSpPr>
-          <p:cNvPr id="266" name="PlaceHolder 1"/>
+          <p:cNvPr id="260" name="PlaceHolder 1"/>
           <p:cNvSpPr>
             <a:spLocks noGrp="1"/>
           </p:cNvSpPr>
@@ -19421,7 +18541,7 @@
         <p:spPr>
           <a:xfrm>
             <a:off x="457200" y="228600"/>
-            <a:ext cx="9066600" cy="941760"/>
+            <a:ext cx="9066240" cy="941400"/>
           </a:xfrm>
           <a:prstGeom prst="rect">
             <a:avLst/>
@@ -19465,7 +18585,7 @@
       </p:sp>
       <p:sp>
         <p:nvSpPr>
-          <p:cNvPr id="267" name="PlaceHolder 2"/>
+          <p:cNvPr id="261" name="PlaceHolder 2"/>
           <p:cNvSpPr>
             <a:spLocks noGrp="1"/>
           </p:cNvSpPr>
@@ -19476,7 +18596,7 @@
         <p:spPr>
           <a:xfrm>
             <a:off x="504000" y="1143000"/>
-            <a:ext cx="9066600" cy="4338360"/>
+            <a:ext cx="9066240" cy="4338000"/>
           </a:xfrm>
           <a:prstGeom prst="rect">
             <a:avLst/>
@@ -19939,7 +19059,7 @@
       </p:grpSpPr>
       <p:sp>
         <p:nvSpPr>
-          <p:cNvPr id="246" name="PlaceHolder 1"/>
+          <p:cNvPr id="240" name="PlaceHolder 1"/>
           <p:cNvSpPr>
             <a:spLocks noGrp="1"/>
           </p:cNvSpPr>
@@ -19950,7 +19070,7 @@
         <p:spPr>
           <a:xfrm>
             <a:off x="457200" y="228600"/>
-            <a:ext cx="9066600" cy="941760"/>
+            <a:ext cx="9066240" cy="941400"/>
           </a:xfrm>
           <a:prstGeom prst="rect">
             <a:avLst/>
@@ -19994,7 +19114,7 @@
       </p:sp>
       <p:sp>
         <p:nvSpPr>
-          <p:cNvPr id="247" name="PlaceHolder 2"/>
+          <p:cNvPr id="241" name="PlaceHolder 2"/>
           <p:cNvSpPr>
             <a:spLocks noGrp="1"/>
           </p:cNvSpPr>
@@ -20005,7 +19125,7 @@
         <p:spPr>
           <a:xfrm>
             <a:off x="504000" y="1371600"/>
-            <a:ext cx="9066600" cy="4109760"/>
+            <a:ext cx="9066240" cy="4109400"/>
           </a:xfrm>
           <a:prstGeom prst="rect">
             <a:avLst/>
@@ -20150,7 +19270,7 @@
                 </a:solidFill>
                 <a:latin typeface="Arial"/>
               </a:rPr>
-              <a:t>Study CCC indexes, DS Systematic Index</a:t>
+              <a:t>Study CCC Glossary, DS Systematic Index</a:t>
             </a:r>
             <a:endParaRPr b="0" lang="en-US" sz="2200" spc="-1" strike="noStrike">
               <a:solidFill>
@@ -20361,7 +19481,7 @@
       </p:grpSpPr>
       <p:sp>
         <p:nvSpPr>
-          <p:cNvPr id="248" name="PlaceHolder 1"/>
+          <p:cNvPr id="242" name="PlaceHolder 1"/>
           <p:cNvSpPr>
             <a:spLocks noGrp="1"/>
           </p:cNvSpPr>
@@ -20372,7 +19492,7 @@
         <p:spPr>
           <a:xfrm>
             <a:off x="457200" y="228600"/>
-            <a:ext cx="9066600" cy="941760"/>
+            <a:ext cx="9066240" cy="941400"/>
           </a:xfrm>
           <a:prstGeom prst="rect">
             <a:avLst/>
@@ -20416,7 +19536,7 @@
       </p:sp>
       <p:sp>
         <p:nvSpPr>
-          <p:cNvPr id="249" name="PlaceHolder 2"/>
+          <p:cNvPr id="243" name="PlaceHolder 2"/>
           <p:cNvSpPr>
             <a:spLocks noGrp="1"/>
           </p:cNvSpPr>
@@ -20427,7 +19547,7 @@
         <p:spPr>
           <a:xfrm>
             <a:off x="504000" y="1371600"/>
-            <a:ext cx="9066600" cy="4109760"/>
+            <a:ext cx="9066240" cy="4109400"/>
           </a:xfrm>
           <a:prstGeom prst="rect">
             <a:avLst/>
@@ -20604,7 +19724,7 @@
       </p:grpSpPr>
       <p:sp>
         <p:nvSpPr>
-          <p:cNvPr id="250" name="PlaceHolder 1"/>
+          <p:cNvPr id="244" name="PlaceHolder 1"/>
           <p:cNvSpPr>
             <a:spLocks noGrp="1"/>
           </p:cNvSpPr>
@@ -20615,7 +19735,7 @@
         <p:spPr>
           <a:xfrm>
             <a:off x="457200" y="228600"/>
-            <a:ext cx="9066600" cy="941760"/>
+            <a:ext cx="9066240" cy="941400"/>
           </a:xfrm>
           <a:prstGeom prst="rect">
             <a:avLst/>
@@ -20659,7 +19779,7 @@
       </p:sp>
       <p:sp>
         <p:nvSpPr>
-          <p:cNvPr id="251" name="PlaceHolder 2"/>
+          <p:cNvPr id="245" name="PlaceHolder 2"/>
           <p:cNvSpPr>
             <a:spLocks noGrp="1"/>
           </p:cNvSpPr>
@@ -20670,7 +19790,7 @@
         <p:spPr>
           <a:xfrm>
             <a:off x="504000" y="1371600"/>
-            <a:ext cx="9066600" cy="4109760"/>
+            <a:ext cx="9066240" cy="4109400"/>
           </a:xfrm>
           <a:prstGeom prst="rect">
             <a:avLst/>
@@ -20746,6 +19866,9 @@
                 <a:spcPct val="100000"/>
               </a:lnSpc>
               <a:buNone/>
+              <a:tabLst>
+                <a:tab algn="l" pos="0"/>
+              </a:tabLst>
             </a:pPr>
             <a:endParaRPr b="0" lang="en-US" sz="2400" spc="-1" strike="noStrike">
               <a:solidFill>
@@ -20839,7 +19962,7 @@
       </p:grpSpPr>
       <p:sp>
         <p:nvSpPr>
-          <p:cNvPr id="252" name="PlaceHolder 1"/>
+          <p:cNvPr id="246" name="PlaceHolder 1"/>
           <p:cNvSpPr>
             <a:spLocks noGrp="1"/>
           </p:cNvSpPr>
@@ -20850,7 +19973,7 @@
         <p:spPr>
           <a:xfrm>
             <a:off x="457200" y="228600"/>
-            <a:ext cx="9066600" cy="941760"/>
+            <a:ext cx="9066240" cy="941400"/>
           </a:xfrm>
           <a:prstGeom prst="rect">
             <a:avLst/>
@@ -20894,7 +20017,7 @@
       </p:sp>
       <p:sp>
         <p:nvSpPr>
-          <p:cNvPr id="253" name="PlaceHolder 2"/>
+          <p:cNvPr id="247" name="PlaceHolder 2"/>
           <p:cNvSpPr>
             <a:spLocks noGrp="1"/>
           </p:cNvSpPr>
@@ -20905,7 +20028,7 @@
         <p:spPr>
           <a:xfrm>
             <a:off x="504000" y="1371600"/>
-            <a:ext cx="9066600" cy="4109760"/>
+            <a:ext cx="9066240" cy="4109400"/>
           </a:xfrm>
           <a:prstGeom prst="rect">
             <a:avLst/>
@@ -21269,7 +20392,7 @@
       </p:grpSpPr>
       <p:sp>
         <p:nvSpPr>
-          <p:cNvPr id="254" name="PlaceHolder 1"/>
+          <p:cNvPr id="248" name="PlaceHolder 1"/>
           <p:cNvSpPr>
             <a:spLocks noGrp="1"/>
           </p:cNvSpPr>
@@ -21280,7 +20403,7 @@
         <p:spPr>
           <a:xfrm>
             <a:off x="457200" y="228600"/>
-            <a:ext cx="9066600" cy="941760"/>
+            <a:ext cx="9066240" cy="941400"/>
           </a:xfrm>
           <a:prstGeom prst="rect">
             <a:avLst/>
@@ -21324,7 +20447,7 @@
       </p:sp>
       <p:sp>
         <p:nvSpPr>
-          <p:cNvPr id="255" name="PlaceHolder 2"/>
+          <p:cNvPr id="249" name="PlaceHolder 2"/>
           <p:cNvSpPr>
             <a:spLocks noGrp="1"/>
           </p:cNvSpPr>
@@ -21335,7 +20458,7 @@
         <p:spPr>
           <a:xfrm>
             <a:off x="504000" y="1371600"/>
-            <a:ext cx="9066600" cy="4109760"/>
+            <a:ext cx="9066240" cy="4109400"/>
           </a:xfrm>
           <a:prstGeom prst="rect">
             <a:avLst/>
@@ -21552,7 +20675,7 @@
       </p:grpSpPr>
       <p:sp>
         <p:nvSpPr>
-          <p:cNvPr id="256" name="PlaceHolder 1"/>
+          <p:cNvPr id="250" name="PlaceHolder 1"/>
           <p:cNvSpPr>
             <a:spLocks noGrp="1"/>
           </p:cNvSpPr>
@@ -21563,7 +20686,7 @@
         <p:spPr>
           <a:xfrm>
             <a:off x="457200" y="228600"/>
-            <a:ext cx="9066600" cy="941760"/>
+            <a:ext cx="9066240" cy="941400"/>
           </a:xfrm>
           <a:prstGeom prst="rect">
             <a:avLst/>
@@ -21607,7 +20730,7 @@
       </p:sp>
       <p:sp>
         <p:nvSpPr>
-          <p:cNvPr id="257" name="PlaceHolder 2"/>
+          <p:cNvPr id="251" name="PlaceHolder 2"/>
           <p:cNvSpPr>
             <a:spLocks noGrp="1"/>
           </p:cNvSpPr>
@@ -21618,7 +20741,7 @@
         <p:spPr>
           <a:xfrm>
             <a:off x="504000" y="1371600"/>
-            <a:ext cx="9066600" cy="4109760"/>
+            <a:ext cx="9066240" cy="4109400"/>
           </a:xfrm>
           <a:prstGeom prst="rect">
             <a:avLst/>
@@ -21845,7 +20968,7 @@
       </p:grpSpPr>
       <p:sp>
         <p:nvSpPr>
-          <p:cNvPr id="258" name="PlaceHolder 1"/>
+          <p:cNvPr id="252" name="PlaceHolder 1"/>
           <p:cNvSpPr>
             <a:spLocks noGrp="1"/>
           </p:cNvSpPr>
@@ -21856,7 +20979,7 @@
         <p:spPr>
           <a:xfrm>
             <a:off x="457200" y="228600"/>
-            <a:ext cx="9066600" cy="941760"/>
+            <a:ext cx="9066240" cy="941400"/>
           </a:xfrm>
           <a:prstGeom prst="rect">
             <a:avLst/>
@@ -21900,7 +21023,7 @@
       </p:sp>
       <p:sp>
         <p:nvSpPr>
-          <p:cNvPr id="259" name="PlaceHolder 2"/>
+          <p:cNvPr id="253" name="PlaceHolder 2"/>
           <p:cNvSpPr>
             <a:spLocks noGrp="1"/>
           </p:cNvSpPr>
@@ -21911,7 +21034,7 @@
         <p:spPr>
           <a:xfrm>
             <a:off x="504000" y="1371600"/>
-            <a:ext cx="9066600" cy="4109760"/>
+            <a:ext cx="9066240" cy="4109400"/>
           </a:xfrm>
           <a:prstGeom prst="rect">
             <a:avLst/>
@@ -22111,7 +21234,7 @@
       </p:grpSpPr>
       <p:sp>
         <p:nvSpPr>
-          <p:cNvPr id="260" name="PlaceHolder 1"/>
+          <p:cNvPr id="254" name="PlaceHolder 1"/>
           <p:cNvSpPr>
             <a:spLocks noGrp="1"/>
           </p:cNvSpPr>
@@ -22122,7 +21245,7 @@
         <p:spPr>
           <a:xfrm>
             <a:off x="457200" y="228600"/>
-            <a:ext cx="9066600" cy="941760"/>
+            <a:ext cx="9066240" cy="941400"/>
           </a:xfrm>
           <a:prstGeom prst="rect">
             <a:avLst/>
@@ -22166,7 +21289,7 @@
       </p:sp>
       <p:sp>
         <p:nvSpPr>
-          <p:cNvPr id="261" name="PlaceHolder 2"/>
+          <p:cNvPr id="255" name="PlaceHolder 2"/>
           <p:cNvSpPr>
             <a:spLocks noGrp="1"/>
           </p:cNvSpPr>
@@ -22177,7 +21300,7 @@
         <p:spPr>
           <a:xfrm>
             <a:off x="504000" y="1371600"/>
-            <a:ext cx="9066600" cy="4109760"/>
+            <a:ext cx="9066240" cy="4109400"/>
           </a:xfrm>
           <a:prstGeom prst="rect">
             <a:avLst/>
